--- a/main-labs/application-level/web-server/008-kathara-lab_web-server.pptx
+++ b/main-labs/application-level/web-server/008-kathara-lab_web-server.pptx
@@ -4,28 +4,29 @@
   <p:sldMasterIdLst>
     <p:sldMasterId id="2147483697" r:id="rId1"/>
     <p:sldMasterId id="2147483710" r:id="rId2"/>
+    <p:sldMasterId id="2147483725" r:id="rId3"/>
   </p:sldMasterIdLst>
   <p:notesMasterIdLst>
-    <p:notesMasterId r:id="rId17"/>
+    <p:notesMasterId r:id="rId18"/>
   </p:notesMasterIdLst>
   <p:handoutMasterIdLst>
-    <p:handoutMasterId r:id="rId18"/>
+    <p:handoutMasterId r:id="rId19"/>
   </p:handoutMasterIdLst>
   <p:sldIdLst>
-    <p:sldId id="256" r:id="rId3"/>
-    <p:sldId id="292" r:id="rId4"/>
-    <p:sldId id="271" r:id="rId5"/>
-    <p:sldId id="278" r:id="rId6"/>
-    <p:sldId id="279" r:id="rId7"/>
-    <p:sldId id="280" r:id="rId8"/>
-    <p:sldId id="282" r:id="rId9"/>
-    <p:sldId id="289" r:id="rId10"/>
-    <p:sldId id="283" r:id="rId11"/>
-    <p:sldId id="285" r:id="rId12"/>
-    <p:sldId id="284" r:id="rId13"/>
-    <p:sldId id="288" r:id="rId14"/>
-    <p:sldId id="291" r:id="rId15"/>
-    <p:sldId id="290" r:id="rId16"/>
+    <p:sldId id="256" r:id="rId4"/>
+    <p:sldId id="292" r:id="rId5"/>
+    <p:sldId id="271" r:id="rId6"/>
+    <p:sldId id="278" r:id="rId7"/>
+    <p:sldId id="279" r:id="rId8"/>
+    <p:sldId id="280" r:id="rId9"/>
+    <p:sldId id="282" r:id="rId10"/>
+    <p:sldId id="289" r:id="rId11"/>
+    <p:sldId id="283" r:id="rId12"/>
+    <p:sldId id="285" r:id="rId13"/>
+    <p:sldId id="284" r:id="rId14"/>
+    <p:sldId id="288" r:id="rId15"/>
+    <p:sldId id="291" r:id="rId16"/>
+    <p:sldId id="290" r:id="rId17"/>
   </p:sldIdLst>
   <p:sldSz cx="12192000" cy="6858000"/>
   <p:notesSz cx="7099300" cy="10234613"/>
@@ -169,6 +170,9 @@
         </p15:guide>
       </p15:sldGuideLst>
     </p:ext>
+    <p:ext uri="{2D200454-40CA-4A62-9FC3-DE9A4176ACB9}">
+      <p15:notesGuideLst xmlns:p15="http://schemas.microsoft.com/office/powerpoint/2012/main"/>
+    </p:ext>
   </p:extLst>
 </p:presentation>
 </file>
@@ -402,6 +406,11 @@
         </p:txBody>
       </p:sp>
     </p:spTree>
+    <p:extLst>
+      <p:ext uri="{BB962C8B-B14F-4D97-AF65-F5344CB8AC3E}">
+        <p14:creationId xmlns:p14="http://schemas.microsoft.com/office/powerpoint/2010/main" val="1"/>
+      </p:ext>
+    </p:extLst>
   </p:cSld>
   <p:clrMap bg1="lt1" tx1="dk1" bg2="lt2" tx2="dk2" accent1="accent1" accent2="accent2" accent3="accent3" accent4="accent4" accent5="accent5" accent6="accent6" hlink="hlink" folHlink="folHlink"/>
 </p:handoutMaster>
@@ -540,7 +549,7 @@
             </a:extLst>
           </p:cNvPr>
           <p:cNvSpPr>
-            <a:spLocks noRot="1" noChangeArrowheads="1" noTextEdit="1"/>
+            <a:spLocks noGrp="1" noRot="1" noChangeAspect="1" noChangeArrowheads="1" noTextEdit="1"/>
           </p:cNvSpPr>
           <p:nvPr>
             <p:ph type="sldImg" idx="2"/>
@@ -5670,6 +5679,548 @@
 </p:sldLayout>
 </file>
 
+<file path=ppt/slideLayouts/slideLayout27.xml><?xml version="1.0" encoding="utf-8"?>
+<p:sldLayout xmlns:a="http://schemas.openxmlformats.org/drawingml/2006/main" xmlns:r="http://schemas.openxmlformats.org/officeDocument/2006/relationships" xmlns:p="http://schemas.openxmlformats.org/presentationml/2006/main" type="title" preserve="1">
+  <p:cSld name="Diapositiva titolo lab">
+    <p:spTree>
+      <p:nvGrpSpPr>
+        <p:cNvPr id="1" name=""/>
+        <p:cNvGrpSpPr/>
+        <p:nvPr/>
+      </p:nvGrpSpPr>
+      <p:grpSpPr>
+        <a:xfrm>
+          <a:off x="0" y="0"/>
+          <a:ext cx="0" cy="0"/>
+          <a:chOff x="0" y="0"/>
+          <a:chExt cx="0" cy="0"/>
+        </a:xfrm>
+      </p:grpSpPr>
+      <p:sp>
+        <p:nvSpPr>
+          <p:cNvPr id="304130" name="Rectangle 2"/>
+          <p:cNvSpPr>
+            <a:spLocks noGrp="1" noChangeArrowheads="1"/>
+          </p:cNvSpPr>
+          <p:nvPr>
+            <p:ph type="ctrTitle"/>
+          </p:nvPr>
+        </p:nvSpPr>
+        <p:spPr>
+          <a:xfrm>
+            <a:off x="914400" y="1988840"/>
+            <a:ext cx="10363200" cy="866775"/>
+          </a:xfrm>
+        </p:spPr>
+        <p:txBody>
+          <a:bodyPr/>
+          <a:lstStyle>
+            <a:lvl1pPr>
+              <a:defRPr sz="5400"/>
+            </a:lvl1pPr>
+          </a:lstStyle>
+          <a:p>
+            <a:r>
+              <a:rPr lang="en-GB"/>
+              <a:t>Click to edit Master title style</a:t>
+            </a:r>
+            <a:endParaRPr lang="it-IT" dirty="0"/>
+          </a:p>
+        </p:txBody>
+      </p:sp>
+      <p:sp>
+        <p:nvSpPr>
+          <p:cNvPr id="304131" name="Rectangle 3"/>
+          <p:cNvSpPr>
+            <a:spLocks noGrp="1" noChangeArrowheads="1"/>
+          </p:cNvSpPr>
+          <p:nvPr>
+            <p:ph type="subTitle" idx="1"/>
+          </p:nvPr>
+        </p:nvSpPr>
+        <p:spPr>
+          <a:xfrm>
+            <a:off x="1828800" y="2996952"/>
+            <a:ext cx="8534400" cy="695325"/>
+          </a:xfrm>
+        </p:spPr>
+        <p:txBody>
+          <a:bodyPr/>
+          <a:lstStyle>
+            <a:lvl1pPr marL="0" indent="0" algn="ctr">
+              <a:buFont typeface="Wingdings" pitchFamily="2" charset="2"/>
+              <a:buNone/>
+              <a:defRPr sz="2400"/>
+            </a:lvl1pPr>
+          </a:lstStyle>
+          <a:p>
+            <a:r>
+              <a:rPr lang="en-GB"/>
+              <a:t>Click to edit Master subtitle style</a:t>
+            </a:r>
+            <a:endParaRPr lang="it-IT" dirty="0"/>
+          </a:p>
+        </p:txBody>
+      </p:sp>
+      <p:pic>
+        <p:nvPicPr>
+          <p:cNvPr id="7" name="Picture 6" descr="A black background with a black square&#10;&#10;Description automatically generated with medium confidence">
+            <a:extLst>
+              <a:ext uri="{FF2B5EF4-FFF2-40B4-BE49-F238E27FC236}">
+                <a16:creationId xmlns:a16="http://schemas.microsoft.com/office/drawing/2014/main" id="{7B150B1F-FA08-F63A-3429-F7F8A760DB9E}"/>
+              </a:ext>
+            </a:extLst>
+          </p:cNvPr>
+          <p:cNvPicPr>
+            <a:picLocks noChangeAspect="1"/>
+          </p:cNvPicPr>
+          <p:nvPr/>
+        </p:nvPicPr>
+        <p:blipFill>
+          <a:blip r:embed="rId2">
+            <a:extLst>
+              <a:ext uri="{28A0092B-C50C-407E-A947-70E740481C1C}">
+                <a14:useLocalDpi xmlns:a14="http://schemas.microsoft.com/office/drawing/2010/main" val="0"/>
+              </a:ext>
+            </a:extLst>
+          </a:blip>
+          <a:stretch>
+            <a:fillRect/>
+          </a:stretch>
+        </p:blipFill>
+        <p:spPr>
+          <a:xfrm>
+            <a:off x="150788" y="150788"/>
+            <a:ext cx="4234565" cy="945842"/>
+          </a:xfrm>
+          <a:prstGeom prst="rect">
+            <a:avLst/>
+          </a:prstGeom>
+        </p:spPr>
+      </p:pic>
+    </p:spTree>
+    <p:extLst>
+      <p:ext uri="{BB962C8B-B14F-4D97-AF65-F5344CB8AC3E}">
+        <p14:creationId xmlns:p14="http://schemas.microsoft.com/office/powerpoint/2010/main" val="186935787"/>
+      </p:ext>
+    </p:extLst>
+  </p:cSld>
+  <p:clrMapOvr>
+    <a:masterClrMapping/>
+  </p:clrMapOvr>
+  <p:extLst>
+    <p:ext uri="{DCECCB84-F9BA-43D5-87BE-67443E8EF086}">
+      <p15:sldGuideLst xmlns:p15="http://schemas.microsoft.com/office/powerpoint/2012/main">
+        <p15:guide id="1" orient="horz" pos="2160">
+          <p15:clr>
+            <a:srgbClr val="FBAE40"/>
+          </p15:clr>
+        </p15:guide>
+        <p15:guide id="2" pos="3840">
+          <p15:clr>
+            <a:srgbClr val="FBAE40"/>
+          </p15:clr>
+        </p15:guide>
+      </p15:sldGuideLst>
+    </p:ext>
+  </p:extLst>
+</p:sldLayout>
+</file>
+
+<file path=ppt/slideLayouts/slideLayout28.xml><?xml version="1.0" encoding="utf-8"?>
+<p:sldLayout xmlns:a="http://schemas.openxmlformats.org/drawingml/2006/main" xmlns:r="http://schemas.openxmlformats.org/officeDocument/2006/relationships" xmlns:p="http://schemas.openxmlformats.org/presentationml/2006/main" preserve="1">
+  <p:cSld name="Copyright slide">
+    <p:spTree>
+      <p:nvGrpSpPr>
+        <p:cNvPr id="1" name=""/>
+        <p:cNvGrpSpPr/>
+        <p:nvPr/>
+      </p:nvGrpSpPr>
+      <p:grpSpPr>
+        <a:xfrm>
+          <a:off x="0" y="0"/>
+          <a:ext cx="0" cy="0"/>
+          <a:chOff x="0" y="0"/>
+          <a:chExt cx="0" cy="0"/>
+        </a:xfrm>
+      </p:grpSpPr>
+      <p:sp>
+        <p:nvSpPr>
+          <p:cNvPr id="2" name="Title 1">
+            <a:extLst>
+              <a:ext uri="{FF2B5EF4-FFF2-40B4-BE49-F238E27FC236}">
+                <a16:creationId xmlns:a16="http://schemas.microsoft.com/office/drawing/2014/main" id="{9C359400-AFF6-4FC9-8E2F-F363C6F6602C}"/>
+              </a:ext>
+            </a:extLst>
+          </p:cNvPr>
+          <p:cNvSpPr>
+            <a:spLocks noGrp="1"/>
+          </p:cNvSpPr>
+          <p:nvPr>
+            <p:ph type="title" hasCustomPrompt="1"/>
+          </p:nvPr>
+        </p:nvSpPr>
+        <p:spPr/>
+        <p:txBody>
+          <a:bodyPr/>
+          <a:lstStyle>
+            <a:lvl1pPr>
+              <a:defRPr/>
+            </a:lvl1pPr>
+          </a:lstStyle>
+          <a:p>
+            <a:r>
+              <a:rPr lang="it-IT" altLang="it-IT" dirty="0"/>
+              <a:t>copyright </a:t>
+            </a:r>
+            <a:r>
+              <a:rPr lang="it-IT" altLang="it-IT" dirty="0" err="1"/>
+              <a:t>notice</a:t>
+            </a:r>
+            <a:endParaRPr lang="it-IT" dirty="0"/>
+          </a:p>
+        </p:txBody>
+      </p:sp>
+      <p:sp>
+        <p:nvSpPr>
+          <p:cNvPr id="3" name="Date Placeholder 2">
+            <a:extLst>
+              <a:ext uri="{FF2B5EF4-FFF2-40B4-BE49-F238E27FC236}">
+                <a16:creationId xmlns:a16="http://schemas.microsoft.com/office/drawing/2014/main" id="{AC95E1F6-EE88-4027-874C-C2A60CB4012A}"/>
+              </a:ext>
+            </a:extLst>
+          </p:cNvPr>
+          <p:cNvSpPr>
+            <a:spLocks noGrp="1"/>
+          </p:cNvSpPr>
+          <p:nvPr>
+            <p:ph type="dt" sz="half" idx="10"/>
+          </p:nvPr>
+        </p:nvSpPr>
+        <p:spPr/>
+        <p:txBody>
+          <a:bodyPr/>
+          <a:lstStyle/>
+          <a:p>
+            <a:pPr>
+              <a:defRPr/>
+            </a:pPr>
+            <a:r>
+              <a:rPr lang="it-IT" altLang="it-IT"/>
+              <a:t>last update: Nov 2019</a:t>
+            </a:r>
+          </a:p>
+        </p:txBody>
+      </p:sp>
+      <p:sp>
+        <p:nvSpPr>
+          <p:cNvPr id="4" name="Footer Placeholder 3">
+            <a:extLst>
+              <a:ext uri="{FF2B5EF4-FFF2-40B4-BE49-F238E27FC236}">
+                <a16:creationId xmlns:a16="http://schemas.microsoft.com/office/drawing/2014/main" id="{684B42B5-5FDC-4B42-887A-B68A97D000BE}"/>
+              </a:ext>
+            </a:extLst>
+          </p:cNvPr>
+          <p:cNvSpPr>
+            <a:spLocks noGrp="1"/>
+          </p:cNvSpPr>
+          <p:nvPr>
+            <p:ph type="ftr" sz="quarter" idx="11"/>
+          </p:nvPr>
+        </p:nvSpPr>
+        <p:spPr/>
+        <p:txBody>
+          <a:bodyPr/>
+          <a:lstStyle/>
+          <a:p>
+            <a:pPr>
+              <a:defRPr/>
+            </a:pPr>
+            <a:r>
+              <a:rPr lang="it-IT" altLang="it-IT"/>
+              <a:t>kathara – [ lab: webserver ]</a:t>
+            </a:r>
+          </a:p>
+        </p:txBody>
+      </p:sp>
+      <p:sp>
+        <p:nvSpPr>
+          <p:cNvPr id="5" name="Rectangle 3">
+            <a:extLst>
+              <a:ext uri="{FF2B5EF4-FFF2-40B4-BE49-F238E27FC236}">
+                <a16:creationId xmlns:a16="http://schemas.microsoft.com/office/drawing/2014/main" id="{E9C412A2-966A-4BF2-921A-CFBA729795EE}"/>
+              </a:ext>
+            </a:extLst>
+          </p:cNvPr>
+          <p:cNvSpPr>
+            <a:spLocks noGrp="1" noChangeArrowheads="1"/>
+          </p:cNvSpPr>
+          <p:nvPr>
+            <p:ph type="body" idx="1"/>
+          </p:nvPr>
+        </p:nvSpPr>
+        <p:spPr>
+          <a:xfrm>
+            <a:off x="609600" y="1412876"/>
+            <a:ext cx="10972800" cy="4713288"/>
+          </a:xfrm>
+        </p:spPr>
+        <p:txBody>
+          <a:bodyPr/>
+          <a:lstStyle/>
+          <a:p>
+            <a:pPr lvl="0" eaLnBrk="1" hangingPunct="1">
+              <a:lnSpc>
+                <a:spcPct val="80000"/>
+              </a:lnSpc>
+            </a:pPr>
+            <a:r>
+              <a:rPr lang="en-GB" altLang="it-IT" sz="1800"/>
+              <a:t>Click to edit Master text styles</a:t>
+            </a:r>
+          </a:p>
+          <a:p>
+            <a:pPr lvl="1" eaLnBrk="1" hangingPunct="1">
+              <a:lnSpc>
+                <a:spcPct val="80000"/>
+              </a:lnSpc>
+            </a:pPr>
+            <a:r>
+              <a:rPr lang="en-GB" altLang="it-IT" sz="1800"/>
+              <a:t>Second level</a:t>
+            </a:r>
+          </a:p>
+          <a:p>
+            <a:pPr lvl="2" eaLnBrk="1" hangingPunct="1">
+              <a:lnSpc>
+                <a:spcPct val="80000"/>
+              </a:lnSpc>
+            </a:pPr>
+            <a:r>
+              <a:rPr lang="en-GB" altLang="it-IT" sz="1800"/>
+              <a:t>Third level</a:t>
+            </a:r>
+          </a:p>
+          <a:p>
+            <a:pPr lvl="3" eaLnBrk="1" hangingPunct="1">
+              <a:lnSpc>
+                <a:spcPct val="80000"/>
+              </a:lnSpc>
+            </a:pPr>
+            <a:r>
+              <a:rPr lang="en-GB" altLang="it-IT" sz="1800"/>
+              <a:t>Fourth level</a:t>
+            </a:r>
+          </a:p>
+          <a:p>
+            <a:pPr lvl="4" eaLnBrk="1" hangingPunct="1">
+              <a:lnSpc>
+                <a:spcPct val="80000"/>
+              </a:lnSpc>
+            </a:pPr>
+            <a:r>
+              <a:rPr lang="en-GB" altLang="it-IT" sz="1800"/>
+              <a:t>Fifth level</a:t>
+            </a:r>
+            <a:endParaRPr lang="it-IT" altLang="it-IT" sz="1800" dirty="0"/>
+          </a:p>
+        </p:txBody>
+      </p:sp>
+    </p:spTree>
+    <p:extLst>
+      <p:ext uri="{BB962C8B-B14F-4D97-AF65-F5344CB8AC3E}">
+        <p14:creationId xmlns:p14="http://schemas.microsoft.com/office/powerpoint/2010/main" val="4128870579"/>
+      </p:ext>
+    </p:extLst>
+  </p:cSld>
+  <p:clrMapOvr>
+    <a:masterClrMapping/>
+  </p:clrMapOvr>
+  <p:extLst>
+    <p:ext uri="{DCECCB84-F9BA-43D5-87BE-67443E8EF086}">
+      <p15:sldGuideLst xmlns:p15="http://schemas.microsoft.com/office/powerpoint/2012/main">
+        <p15:guide id="1" orient="horz" pos="2160">
+          <p15:clr>
+            <a:srgbClr val="FBAE40"/>
+          </p15:clr>
+        </p15:guide>
+        <p15:guide id="2" pos="3840">
+          <p15:clr>
+            <a:srgbClr val="FBAE40"/>
+          </p15:clr>
+        </p15:guide>
+      </p15:sldGuideLst>
+    </p:ext>
+  </p:extLst>
+</p:sldLayout>
+</file>
+
+<file path=ppt/slideLayouts/slideLayout29.xml><?xml version="1.0" encoding="utf-8"?>
+<p:sldLayout xmlns:a="http://schemas.openxmlformats.org/drawingml/2006/main" xmlns:r="http://schemas.openxmlformats.org/officeDocument/2006/relationships" xmlns:p="http://schemas.openxmlformats.org/presentationml/2006/main" preserve="1">
+  <p:cSld name="Section Title and Subtitle">
+    <p:spTree>
+      <p:nvGrpSpPr>
+        <p:cNvPr id="1" name=""/>
+        <p:cNvGrpSpPr/>
+        <p:nvPr/>
+      </p:nvGrpSpPr>
+      <p:grpSpPr>
+        <a:xfrm>
+          <a:off x="0" y="0"/>
+          <a:ext cx="0" cy="0"/>
+          <a:chOff x="0" y="0"/>
+          <a:chExt cx="0" cy="0"/>
+        </a:xfrm>
+      </p:grpSpPr>
+      <p:sp>
+        <p:nvSpPr>
+          <p:cNvPr id="2" name="Title 1">
+            <a:extLst>
+              <a:ext uri="{FF2B5EF4-FFF2-40B4-BE49-F238E27FC236}">
+                <a16:creationId xmlns:a16="http://schemas.microsoft.com/office/drawing/2014/main" id="{4572C402-67A5-4652-B395-80C3CFCC7964}"/>
+              </a:ext>
+            </a:extLst>
+          </p:cNvPr>
+          <p:cNvSpPr>
+            <a:spLocks noGrp="1"/>
+          </p:cNvSpPr>
+          <p:nvPr>
+            <p:ph type="title"/>
+          </p:nvPr>
+        </p:nvSpPr>
+        <p:spPr>
+          <a:xfrm>
+            <a:off x="609600" y="2286000"/>
+            <a:ext cx="10972800" cy="1143000"/>
+          </a:xfrm>
+        </p:spPr>
+        <p:txBody>
+          <a:bodyPr/>
+          <a:lstStyle/>
+          <a:p>
+            <a:r>
+              <a:rPr lang="en-GB"/>
+              <a:t>Click to edit Master title style</a:t>
+            </a:r>
+            <a:endParaRPr lang="it-IT" dirty="0"/>
+          </a:p>
+        </p:txBody>
+      </p:sp>
+      <p:sp>
+        <p:nvSpPr>
+          <p:cNvPr id="3" name="Date Placeholder 2">
+            <a:extLst>
+              <a:ext uri="{FF2B5EF4-FFF2-40B4-BE49-F238E27FC236}">
+                <a16:creationId xmlns:a16="http://schemas.microsoft.com/office/drawing/2014/main" id="{662A33B8-9C12-4DD4-B7A2-462DBDF9FD58}"/>
+              </a:ext>
+            </a:extLst>
+          </p:cNvPr>
+          <p:cNvSpPr>
+            <a:spLocks noGrp="1"/>
+          </p:cNvSpPr>
+          <p:nvPr>
+            <p:ph type="dt" sz="half" idx="10"/>
+          </p:nvPr>
+        </p:nvSpPr>
+        <p:spPr/>
+        <p:txBody>
+          <a:bodyPr/>
+          <a:lstStyle/>
+          <a:p>
+            <a:pPr>
+              <a:defRPr/>
+            </a:pPr>
+            <a:r>
+              <a:rPr lang="it-IT" altLang="it-IT"/>
+              <a:t>last update: Nov 2019</a:t>
+            </a:r>
+          </a:p>
+        </p:txBody>
+      </p:sp>
+      <p:sp>
+        <p:nvSpPr>
+          <p:cNvPr id="4" name="Footer Placeholder 3">
+            <a:extLst>
+              <a:ext uri="{FF2B5EF4-FFF2-40B4-BE49-F238E27FC236}">
+                <a16:creationId xmlns:a16="http://schemas.microsoft.com/office/drawing/2014/main" id="{5D054AC4-794D-4989-9E00-3CA5380BB33B}"/>
+              </a:ext>
+            </a:extLst>
+          </p:cNvPr>
+          <p:cNvSpPr>
+            <a:spLocks noGrp="1"/>
+          </p:cNvSpPr>
+          <p:nvPr>
+            <p:ph type="ftr" sz="quarter" idx="11"/>
+          </p:nvPr>
+        </p:nvSpPr>
+        <p:spPr/>
+        <p:txBody>
+          <a:bodyPr/>
+          <a:lstStyle/>
+          <a:p>
+            <a:pPr>
+              <a:defRPr/>
+            </a:pPr>
+            <a:r>
+              <a:rPr lang="it-IT" altLang="it-IT"/>
+              <a:t>kathara – [ lab: webserver ]</a:t>
+            </a:r>
+          </a:p>
+        </p:txBody>
+      </p:sp>
+      <p:sp>
+        <p:nvSpPr>
+          <p:cNvPr id="5" name="Rectangle 3">
+            <a:extLst>
+              <a:ext uri="{FF2B5EF4-FFF2-40B4-BE49-F238E27FC236}">
+                <a16:creationId xmlns:a16="http://schemas.microsoft.com/office/drawing/2014/main" id="{EBE93C49-2746-445A-8FEE-BFD8EDF009A1}"/>
+              </a:ext>
+            </a:extLst>
+          </p:cNvPr>
+          <p:cNvSpPr>
+            <a:spLocks noGrp="1" noChangeArrowheads="1"/>
+          </p:cNvSpPr>
+          <p:nvPr>
+            <p:ph type="subTitle" idx="1"/>
+          </p:nvPr>
+        </p:nvSpPr>
+        <p:spPr>
+          <a:xfrm>
+            <a:off x="1828800" y="3645024"/>
+            <a:ext cx="8534400" cy="695325"/>
+          </a:xfrm>
+        </p:spPr>
+        <p:txBody>
+          <a:bodyPr/>
+          <a:lstStyle>
+            <a:lvl1pPr marL="0" indent="0" algn="ctr">
+              <a:buFont typeface="Wingdings" pitchFamily="2" charset="2"/>
+              <a:buNone/>
+              <a:defRPr/>
+            </a:lvl1pPr>
+          </a:lstStyle>
+          <a:p>
+            <a:r>
+              <a:rPr lang="en-GB"/>
+              <a:t>Click to edit Master subtitle style</a:t>
+            </a:r>
+            <a:endParaRPr lang="it-IT" dirty="0"/>
+          </a:p>
+        </p:txBody>
+      </p:sp>
+    </p:spTree>
+    <p:extLst>
+      <p:ext uri="{BB962C8B-B14F-4D97-AF65-F5344CB8AC3E}">
+        <p14:creationId xmlns:p14="http://schemas.microsoft.com/office/powerpoint/2010/main" val="893500353"/>
+      </p:ext>
+    </p:extLst>
+  </p:cSld>
+  <p:clrMapOvr>
+    <a:masterClrMapping/>
+  </p:clrMapOvr>
+</p:sldLayout>
+</file>
+
 <file path=ppt/slideLayouts/slideLayout3.xml><?xml version="1.0" encoding="utf-8"?>
 <p:sldLayout xmlns:a="http://schemas.openxmlformats.org/drawingml/2006/main" xmlns:r="http://schemas.openxmlformats.org/officeDocument/2006/relationships" xmlns:p="http://schemas.openxmlformats.org/presentationml/2006/main" preserve="1">
   <p:cSld name="Section Title and Subtitle">
@@ -5827,6 +6378,1634 @@
     <p:extLst>
       <p:ext uri="{BB962C8B-B14F-4D97-AF65-F5344CB8AC3E}">
         <p14:creationId xmlns:p14="http://schemas.microsoft.com/office/powerpoint/2010/main" val="4085829481"/>
+      </p:ext>
+    </p:extLst>
+  </p:cSld>
+  <p:clrMapOvr>
+    <a:masterClrMapping/>
+  </p:clrMapOvr>
+</p:sldLayout>
+</file>
+
+<file path=ppt/slideLayouts/slideLayout30.xml><?xml version="1.0" encoding="utf-8"?>
+<p:sldLayout xmlns:a="http://schemas.openxmlformats.org/drawingml/2006/main" xmlns:r="http://schemas.openxmlformats.org/officeDocument/2006/relationships" xmlns:p="http://schemas.openxmlformats.org/presentationml/2006/main" type="obj" preserve="1">
+  <p:cSld name="Titolo e contenuto">
+    <p:spTree>
+      <p:nvGrpSpPr>
+        <p:cNvPr id="1" name=""/>
+        <p:cNvGrpSpPr/>
+        <p:nvPr/>
+      </p:nvGrpSpPr>
+      <p:grpSpPr>
+        <a:xfrm>
+          <a:off x="0" y="0"/>
+          <a:ext cx="0" cy="0"/>
+          <a:chOff x="0" y="0"/>
+          <a:chExt cx="0" cy="0"/>
+        </a:xfrm>
+      </p:grpSpPr>
+      <p:sp>
+        <p:nvSpPr>
+          <p:cNvPr id="2" name="Titolo 1"/>
+          <p:cNvSpPr>
+            <a:spLocks noGrp="1"/>
+          </p:cNvSpPr>
+          <p:nvPr>
+            <p:ph type="title"/>
+          </p:nvPr>
+        </p:nvSpPr>
+        <p:spPr/>
+        <p:txBody>
+          <a:bodyPr/>
+          <a:lstStyle/>
+          <a:p>
+            <a:r>
+              <a:rPr lang="en-GB"/>
+              <a:t>Click to edit Master title style</a:t>
+            </a:r>
+            <a:endParaRPr lang="it-IT"/>
+          </a:p>
+        </p:txBody>
+      </p:sp>
+      <p:sp>
+        <p:nvSpPr>
+          <p:cNvPr id="3" name="Segnaposto contenuto 2"/>
+          <p:cNvSpPr>
+            <a:spLocks noGrp="1"/>
+          </p:cNvSpPr>
+          <p:nvPr>
+            <p:ph idx="1"/>
+          </p:nvPr>
+        </p:nvSpPr>
+        <p:spPr/>
+        <p:txBody>
+          <a:bodyPr/>
+          <a:lstStyle/>
+          <a:p>
+            <a:pPr lvl="0"/>
+            <a:r>
+              <a:rPr lang="en-GB"/>
+              <a:t>Click to edit Master text styles</a:t>
+            </a:r>
+          </a:p>
+          <a:p>
+            <a:pPr lvl="1"/>
+            <a:r>
+              <a:rPr lang="en-GB"/>
+              <a:t>Second level</a:t>
+            </a:r>
+          </a:p>
+          <a:p>
+            <a:pPr lvl="2"/>
+            <a:r>
+              <a:rPr lang="en-GB"/>
+              <a:t>Third level</a:t>
+            </a:r>
+          </a:p>
+          <a:p>
+            <a:pPr lvl="3"/>
+            <a:r>
+              <a:rPr lang="en-GB"/>
+              <a:t>Fourth level</a:t>
+            </a:r>
+          </a:p>
+          <a:p>
+            <a:pPr lvl="4"/>
+            <a:r>
+              <a:rPr lang="en-GB"/>
+              <a:t>Fifth level</a:t>
+            </a:r>
+            <a:endParaRPr lang="it-IT"/>
+          </a:p>
+        </p:txBody>
+      </p:sp>
+      <p:sp>
+        <p:nvSpPr>
+          <p:cNvPr id="4" name="Rectangle 4">
+            <a:extLst>
+              <a:ext uri="{FF2B5EF4-FFF2-40B4-BE49-F238E27FC236}">
+                <a16:creationId xmlns:a16="http://schemas.microsoft.com/office/drawing/2014/main" id="{01B5F34A-3762-4DC4-8521-3CCFBDBBB557}"/>
+              </a:ext>
+            </a:extLst>
+          </p:cNvPr>
+          <p:cNvSpPr>
+            <a:spLocks noGrp="1" noChangeArrowheads="1"/>
+          </p:cNvSpPr>
+          <p:nvPr>
+            <p:ph type="dt" sz="half" idx="10"/>
+          </p:nvPr>
+        </p:nvSpPr>
+        <p:spPr>
+          <a:ln/>
+        </p:spPr>
+        <p:txBody>
+          <a:bodyPr/>
+          <a:lstStyle>
+            <a:lvl1pPr>
+              <a:defRPr/>
+            </a:lvl1pPr>
+          </a:lstStyle>
+          <a:p>
+            <a:pPr>
+              <a:defRPr/>
+            </a:pPr>
+            <a:r>
+              <a:rPr lang="it-IT" altLang="it-IT"/>
+              <a:t>last update: Nov 2019</a:t>
+            </a:r>
+          </a:p>
+        </p:txBody>
+      </p:sp>
+      <p:sp>
+        <p:nvSpPr>
+          <p:cNvPr id="5" name="Rectangle 5">
+            <a:extLst>
+              <a:ext uri="{FF2B5EF4-FFF2-40B4-BE49-F238E27FC236}">
+                <a16:creationId xmlns:a16="http://schemas.microsoft.com/office/drawing/2014/main" id="{5AD2D072-E423-4081-B786-4B5AABE6E907}"/>
+              </a:ext>
+            </a:extLst>
+          </p:cNvPr>
+          <p:cNvSpPr>
+            <a:spLocks noGrp="1" noChangeArrowheads="1"/>
+          </p:cNvSpPr>
+          <p:nvPr>
+            <p:ph type="ftr" sz="quarter" idx="11"/>
+          </p:nvPr>
+        </p:nvSpPr>
+        <p:spPr>
+          <a:ln/>
+        </p:spPr>
+        <p:txBody>
+          <a:bodyPr/>
+          <a:lstStyle>
+            <a:lvl1pPr>
+              <a:defRPr/>
+            </a:lvl1pPr>
+          </a:lstStyle>
+          <a:p>
+            <a:pPr>
+              <a:defRPr/>
+            </a:pPr>
+            <a:r>
+              <a:rPr lang="it-IT" altLang="it-IT"/>
+              <a:t>kathara – [ lab: webserver ]</a:t>
+            </a:r>
+          </a:p>
+        </p:txBody>
+      </p:sp>
+    </p:spTree>
+    <p:extLst>
+      <p:ext uri="{BB962C8B-B14F-4D97-AF65-F5344CB8AC3E}">
+        <p14:creationId xmlns:p14="http://schemas.microsoft.com/office/powerpoint/2010/main" val="23881336"/>
+      </p:ext>
+    </p:extLst>
+  </p:cSld>
+  <p:clrMapOvr>
+    <a:masterClrMapping/>
+  </p:clrMapOvr>
+</p:sldLayout>
+</file>
+
+<file path=ppt/slideLayouts/slideLayout31.xml><?xml version="1.0" encoding="utf-8"?>
+<p:sldLayout xmlns:a="http://schemas.openxmlformats.org/drawingml/2006/main" xmlns:r="http://schemas.openxmlformats.org/officeDocument/2006/relationships" xmlns:p="http://schemas.openxmlformats.org/presentationml/2006/main" type="twoObj" preserve="1">
+  <p:cSld name="Due contenuti">
+    <p:spTree>
+      <p:nvGrpSpPr>
+        <p:cNvPr id="1" name=""/>
+        <p:cNvGrpSpPr/>
+        <p:nvPr/>
+      </p:nvGrpSpPr>
+      <p:grpSpPr>
+        <a:xfrm>
+          <a:off x="0" y="0"/>
+          <a:ext cx="0" cy="0"/>
+          <a:chOff x="0" y="0"/>
+          <a:chExt cx="0" cy="0"/>
+        </a:xfrm>
+      </p:grpSpPr>
+      <p:sp>
+        <p:nvSpPr>
+          <p:cNvPr id="2" name="Titolo 1"/>
+          <p:cNvSpPr>
+            <a:spLocks noGrp="1"/>
+          </p:cNvSpPr>
+          <p:nvPr>
+            <p:ph type="title"/>
+          </p:nvPr>
+        </p:nvSpPr>
+        <p:spPr/>
+        <p:txBody>
+          <a:bodyPr/>
+          <a:lstStyle/>
+          <a:p>
+            <a:r>
+              <a:rPr lang="en-GB"/>
+              <a:t>Click to edit Master title style</a:t>
+            </a:r>
+            <a:endParaRPr lang="it-IT"/>
+          </a:p>
+        </p:txBody>
+      </p:sp>
+      <p:sp>
+        <p:nvSpPr>
+          <p:cNvPr id="3" name="Segnaposto contenuto 2"/>
+          <p:cNvSpPr>
+            <a:spLocks noGrp="1"/>
+          </p:cNvSpPr>
+          <p:nvPr>
+            <p:ph sz="half" idx="1"/>
+          </p:nvPr>
+        </p:nvSpPr>
+        <p:spPr>
+          <a:xfrm>
+            <a:off x="609600" y="1412875"/>
+            <a:ext cx="5392615" cy="4713291"/>
+          </a:xfrm>
+        </p:spPr>
+        <p:txBody>
+          <a:bodyPr/>
+          <a:lstStyle>
+            <a:lvl1pPr>
+              <a:defRPr sz="2800"/>
+            </a:lvl1pPr>
+            <a:lvl2pPr>
+              <a:defRPr sz="2400"/>
+            </a:lvl2pPr>
+            <a:lvl3pPr>
+              <a:defRPr sz="2000"/>
+            </a:lvl3pPr>
+            <a:lvl4pPr>
+              <a:defRPr sz="1800"/>
+            </a:lvl4pPr>
+            <a:lvl5pPr>
+              <a:defRPr sz="1800"/>
+            </a:lvl5pPr>
+            <a:lvl6pPr>
+              <a:defRPr sz="1800"/>
+            </a:lvl6pPr>
+            <a:lvl7pPr>
+              <a:defRPr sz="1800"/>
+            </a:lvl7pPr>
+            <a:lvl8pPr>
+              <a:defRPr sz="1800"/>
+            </a:lvl8pPr>
+            <a:lvl9pPr>
+              <a:defRPr sz="1800"/>
+            </a:lvl9pPr>
+          </a:lstStyle>
+          <a:p>
+            <a:pPr lvl="0"/>
+            <a:r>
+              <a:rPr lang="en-GB"/>
+              <a:t>Click to edit Master text styles</a:t>
+            </a:r>
+          </a:p>
+          <a:p>
+            <a:pPr lvl="1"/>
+            <a:r>
+              <a:rPr lang="en-GB"/>
+              <a:t>Second level</a:t>
+            </a:r>
+          </a:p>
+          <a:p>
+            <a:pPr lvl="2"/>
+            <a:r>
+              <a:rPr lang="en-GB"/>
+              <a:t>Third level</a:t>
+            </a:r>
+          </a:p>
+          <a:p>
+            <a:pPr lvl="3"/>
+            <a:r>
+              <a:rPr lang="en-GB"/>
+              <a:t>Fourth level</a:t>
+            </a:r>
+          </a:p>
+          <a:p>
+            <a:pPr lvl="4"/>
+            <a:r>
+              <a:rPr lang="en-GB"/>
+              <a:t>Fifth level</a:t>
+            </a:r>
+            <a:endParaRPr lang="it-IT"/>
+          </a:p>
+        </p:txBody>
+      </p:sp>
+      <p:sp>
+        <p:nvSpPr>
+          <p:cNvPr id="4" name="Segnaposto contenuto 3"/>
+          <p:cNvSpPr>
+            <a:spLocks noGrp="1"/>
+          </p:cNvSpPr>
+          <p:nvPr>
+            <p:ph sz="half" idx="2"/>
+          </p:nvPr>
+        </p:nvSpPr>
+        <p:spPr>
+          <a:xfrm>
+            <a:off x="6189786" y="1412875"/>
+            <a:ext cx="5392615" cy="4713291"/>
+          </a:xfrm>
+        </p:spPr>
+        <p:txBody>
+          <a:bodyPr/>
+          <a:lstStyle>
+            <a:lvl1pPr>
+              <a:defRPr sz="2800"/>
+            </a:lvl1pPr>
+            <a:lvl2pPr>
+              <a:defRPr sz="2400"/>
+            </a:lvl2pPr>
+            <a:lvl3pPr>
+              <a:defRPr sz="2000"/>
+            </a:lvl3pPr>
+            <a:lvl4pPr>
+              <a:defRPr sz="1800"/>
+            </a:lvl4pPr>
+            <a:lvl5pPr>
+              <a:defRPr sz="1800"/>
+            </a:lvl5pPr>
+            <a:lvl6pPr>
+              <a:defRPr sz="1800"/>
+            </a:lvl6pPr>
+            <a:lvl7pPr>
+              <a:defRPr sz="1800"/>
+            </a:lvl7pPr>
+            <a:lvl8pPr>
+              <a:defRPr sz="1800"/>
+            </a:lvl8pPr>
+            <a:lvl9pPr>
+              <a:defRPr sz="1800"/>
+            </a:lvl9pPr>
+          </a:lstStyle>
+          <a:p>
+            <a:pPr lvl="0"/>
+            <a:r>
+              <a:rPr lang="en-GB"/>
+              <a:t>Click to edit Master text styles</a:t>
+            </a:r>
+          </a:p>
+          <a:p>
+            <a:pPr lvl="1"/>
+            <a:r>
+              <a:rPr lang="en-GB"/>
+              <a:t>Second level</a:t>
+            </a:r>
+          </a:p>
+          <a:p>
+            <a:pPr lvl="2"/>
+            <a:r>
+              <a:rPr lang="en-GB"/>
+              <a:t>Third level</a:t>
+            </a:r>
+          </a:p>
+          <a:p>
+            <a:pPr lvl="3"/>
+            <a:r>
+              <a:rPr lang="en-GB"/>
+              <a:t>Fourth level</a:t>
+            </a:r>
+          </a:p>
+          <a:p>
+            <a:pPr lvl="4"/>
+            <a:r>
+              <a:rPr lang="en-GB"/>
+              <a:t>Fifth level</a:t>
+            </a:r>
+            <a:endParaRPr lang="it-IT"/>
+          </a:p>
+        </p:txBody>
+      </p:sp>
+      <p:sp>
+        <p:nvSpPr>
+          <p:cNvPr id="5" name="Rectangle 4">
+            <a:extLst>
+              <a:ext uri="{FF2B5EF4-FFF2-40B4-BE49-F238E27FC236}">
+                <a16:creationId xmlns:a16="http://schemas.microsoft.com/office/drawing/2014/main" id="{F0D3FD9D-035D-4317-87B9-2E07DC513C53}"/>
+              </a:ext>
+            </a:extLst>
+          </p:cNvPr>
+          <p:cNvSpPr>
+            <a:spLocks noGrp="1" noChangeArrowheads="1"/>
+          </p:cNvSpPr>
+          <p:nvPr>
+            <p:ph type="dt" sz="half" idx="10"/>
+          </p:nvPr>
+        </p:nvSpPr>
+        <p:spPr>
+          <a:ln/>
+        </p:spPr>
+        <p:txBody>
+          <a:bodyPr/>
+          <a:lstStyle>
+            <a:lvl1pPr>
+              <a:defRPr/>
+            </a:lvl1pPr>
+          </a:lstStyle>
+          <a:p>
+            <a:pPr>
+              <a:defRPr/>
+            </a:pPr>
+            <a:r>
+              <a:rPr lang="it-IT" altLang="it-IT"/>
+              <a:t>last update: Nov 2019</a:t>
+            </a:r>
+          </a:p>
+        </p:txBody>
+      </p:sp>
+      <p:sp>
+        <p:nvSpPr>
+          <p:cNvPr id="6" name="Rectangle 5">
+            <a:extLst>
+              <a:ext uri="{FF2B5EF4-FFF2-40B4-BE49-F238E27FC236}">
+                <a16:creationId xmlns:a16="http://schemas.microsoft.com/office/drawing/2014/main" id="{0056CC62-4927-46CE-8071-12D4280A824B}"/>
+              </a:ext>
+            </a:extLst>
+          </p:cNvPr>
+          <p:cNvSpPr>
+            <a:spLocks noGrp="1" noChangeArrowheads="1"/>
+          </p:cNvSpPr>
+          <p:nvPr>
+            <p:ph type="ftr" sz="quarter" idx="11"/>
+          </p:nvPr>
+        </p:nvSpPr>
+        <p:spPr>
+          <a:ln/>
+        </p:spPr>
+        <p:txBody>
+          <a:bodyPr/>
+          <a:lstStyle>
+            <a:lvl1pPr>
+              <a:defRPr/>
+            </a:lvl1pPr>
+          </a:lstStyle>
+          <a:p>
+            <a:pPr>
+              <a:defRPr/>
+            </a:pPr>
+            <a:r>
+              <a:rPr lang="it-IT" altLang="it-IT"/>
+              <a:t>kathara – [ lab: webserver ]</a:t>
+            </a:r>
+          </a:p>
+        </p:txBody>
+      </p:sp>
+    </p:spTree>
+    <p:extLst>
+      <p:ext uri="{BB962C8B-B14F-4D97-AF65-F5344CB8AC3E}">
+        <p14:creationId xmlns:p14="http://schemas.microsoft.com/office/powerpoint/2010/main" val="338602858"/>
+      </p:ext>
+    </p:extLst>
+  </p:cSld>
+  <p:clrMapOvr>
+    <a:masterClrMapping/>
+  </p:clrMapOvr>
+</p:sldLayout>
+</file>
+
+<file path=ppt/slideLayouts/slideLayout32.xml><?xml version="1.0" encoding="utf-8"?>
+<p:sldLayout xmlns:a="http://schemas.openxmlformats.org/drawingml/2006/main" xmlns:r="http://schemas.openxmlformats.org/officeDocument/2006/relationships" xmlns:p="http://schemas.openxmlformats.org/presentationml/2006/main" type="titleOnly" preserve="1">
+  <p:cSld name="Solo titolo">
+    <p:spTree>
+      <p:nvGrpSpPr>
+        <p:cNvPr id="1" name=""/>
+        <p:cNvGrpSpPr/>
+        <p:nvPr/>
+      </p:nvGrpSpPr>
+      <p:grpSpPr>
+        <a:xfrm>
+          <a:off x="0" y="0"/>
+          <a:ext cx="0" cy="0"/>
+          <a:chOff x="0" y="0"/>
+          <a:chExt cx="0" cy="0"/>
+        </a:xfrm>
+      </p:grpSpPr>
+      <p:sp>
+        <p:nvSpPr>
+          <p:cNvPr id="2" name="Titolo 1"/>
+          <p:cNvSpPr>
+            <a:spLocks noGrp="1"/>
+          </p:cNvSpPr>
+          <p:nvPr>
+            <p:ph type="title"/>
+          </p:nvPr>
+        </p:nvSpPr>
+        <p:spPr/>
+        <p:txBody>
+          <a:bodyPr/>
+          <a:lstStyle/>
+          <a:p>
+            <a:r>
+              <a:rPr lang="en-GB"/>
+              <a:t>Click to edit Master title style</a:t>
+            </a:r>
+            <a:endParaRPr lang="it-IT"/>
+          </a:p>
+        </p:txBody>
+      </p:sp>
+      <p:sp>
+        <p:nvSpPr>
+          <p:cNvPr id="3" name="Rectangle 4">
+            <a:extLst>
+              <a:ext uri="{FF2B5EF4-FFF2-40B4-BE49-F238E27FC236}">
+                <a16:creationId xmlns:a16="http://schemas.microsoft.com/office/drawing/2014/main" id="{09E61840-3800-42E1-8104-908EC2290A80}"/>
+              </a:ext>
+            </a:extLst>
+          </p:cNvPr>
+          <p:cNvSpPr>
+            <a:spLocks noGrp="1" noChangeArrowheads="1"/>
+          </p:cNvSpPr>
+          <p:nvPr>
+            <p:ph type="dt" sz="half" idx="10"/>
+          </p:nvPr>
+        </p:nvSpPr>
+        <p:spPr>
+          <a:ln/>
+        </p:spPr>
+        <p:txBody>
+          <a:bodyPr/>
+          <a:lstStyle>
+            <a:lvl1pPr>
+              <a:defRPr/>
+            </a:lvl1pPr>
+          </a:lstStyle>
+          <a:p>
+            <a:pPr>
+              <a:defRPr/>
+            </a:pPr>
+            <a:r>
+              <a:rPr lang="it-IT" altLang="it-IT"/>
+              <a:t>last update: Nov 2019</a:t>
+            </a:r>
+          </a:p>
+        </p:txBody>
+      </p:sp>
+      <p:sp>
+        <p:nvSpPr>
+          <p:cNvPr id="4" name="Rectangle 5">
+            <a:extLst>
+              <a:ext uri="{FF2B5EF4-FFF2-40B4-BE49-F238E27FC236}">
+                <a16:creationId xmlns:a16="http://schemas.microsoft.com/office/drawing/2014/main" id="{BBDBC235-FCC8-44F7-AF2D-D19BB003DF74}"/>
+              </a:ext>
+            </a:extLst>
+          </p:cNvPr>
+          <p:cNvSpPr>
+            <a:spLocks noGrp="1" noChangeArrowheads="1"/>
+          </p:cNvSpPr>
+          <p:nvPr>
+            <p:ph type="ftr" sz="quarter" idx="11"/>
+          </p:nvPr>
+        </p:nvSpPr>
+        <p:spPr>
+          <a:ln/>
+        </p:spPr>
+        <p:txBody>
+          <a:bodyPr/>
+          <a:lstStyle>
+            <a:lvl1pPr>
+              <a:defRPr/>
+            </a:lvl1pPr>
+          </a:lstStyle>
+          <a:p>
+            <a:pPr>
+              <a:defRPr/>
+            </a:pPr>
+            <a:r>
+              <a:rPr lang="it-IT" altLang="it-IT"/>
+              <a:t>kathara – [ lab: webserver ]</a:t>
+            </a:r>
+          </a:p>
+        </p:txBody>
+      </p:sp>
+    </p:spTree>
+    <p:extLst>
+      <p:ext uri="{BB962C8B-B14F-4D97-AF65-F5344CB8AC3E}">
+        <p14:creationId xmlns:p14="http://schemas.microsoft.com/office/powerpoint/2010/main" val="1872858353"/>
+      </p:ext>
+    </p:extLst>
+  </p:cSld>
+  <p:clrMapOvr>
+    <a:masterClrMapping/>
+  </p:clrMapOvr>
+</p:sldLayout>
+</file>
+
+<file path=ppt/slideLayouts/slideLayout33.xml><?xml version="1.0" encoding="utf-8"?>
+<p:sldLayout xmlns:a="http://schemas.openxmlformats.org/drawingml/2006/main" xmlns:r="http://schemas.openxmlformats.org/officeDocument/2006/relationships" xmlns:p="http://schemas.openxmlformats.org/presentationml/2006/main" type="blank" preserve="1">
+  <p:cSld name="Vuota">
+    <p:spTree>
+      <p:nvGrpSpPr>
+        <p:cNvPr id="1" name=""/>
+        <p:cNvGrpSpPr/>
+        <p:nvPr/>
+      </p:nvGrpSpPr>
+      <p:grpSpPr>
+        <a:xfrm>
+          <a:off x="0" y="0"/>
+          <a:ext cx="0" cy="0"/>
+          <a:chOff x="0" y="0"/>
+          <a:chExt cx="0" cy="0"/>
+        </a:xfrm>
+      </p:grpSpPr>
+      <p:sp>
+        <p:nvSpPr>
+          <p:cNvPr id="2" name="Rectangle 4">
+            <a:extLst>
+              <a:ext uri="{FF2B5EF4-FFF2-40B4-BE49-F238E27FC236}">
+                <a16:creationId xmlns:a16="http://schemas.microsoft.com/office/drawing/2014/main" id="{8210B621-DDDB-4969-8052-9E481273EFD3}"/>
+              </a:ext>
+            </a:extLst>
+          </p:cNvPr>
+          <p:cNvSpPr>
+            <a:spLocks noGrp="1" noChangeArrowheads="1"/>
+          </p:cNvSpPr>
+          <p:nvPr>
+            <p:ph type="dt" sz="half" idx="10"/>
+          </p:nvPr>
+        </p:nvSpPr>
+        <p:spPr>
+          <a:ln/>
+        </p:spPr>
+        <p:txBody>
+          <a:bodyPr/>
+          <a:lstStyle>
+            <a:lvl1pPr>
+              <a:defRPr/>
+            </a:lvl1pPr>
+          </a:lstStyle>
+          <a:p>
+            <a:pPr>
+              <a:defRPr/>
+            </a:pPr>
+            <a:r>
+              <a:rPr lang="it-IT" altLang="it-IT"/>
+              <a:t>last update: Nov 2019</a:t>
+            </a:r>
+          </a:p>
+        </p:txBody>
+      </p:sp>
+      <p:sp>
+        <p:nvSpPr>
+          <p:cNvPr id="3" name="Rectangle 5">
+            <a:extLst>
+              <a:ext uri="{FF2B5EF4-FFF2-40B4-BE49-F238E27FC236}">
+                <a16:creationId xmlns:a16="http://schemas.microsoft.com/office/drawing/2014/main" id="{DF427022-EF7C-4DDD-9245-E8A971AB8D5C}"/>
+              </a:ext>
+            </a:extLst>
+          </p:cNvPr>
+          <p:cNvSpPr>
+            <a:spLocks noGrp="1" noChangeArrowheads="1"/>
+          </p:cNvSpPr>
+          <p:nvPr>
+            <p:ph type="ftr" sz="quarter" idx="11"/>
+          </p:nvPr>
+        </p:nvSpPr>
+        <p:spPr>
+          <a:ln/>
+        </p:spPr>
+        <p:txBody>
+          <a:bodyPr/>
+          <a:lstStyle>
+            <a:lvl1pPr>
+              <a:defRPr/>
+            </a:lvl1pPr>
+          </a:lstStyle>
+          <a:p>
+            <a:pPr>
+              <a:defRPr/>
+            </a:pPr>
+            <a:r>
+              <a:rPr lang="it-IT" altLang="it-IT"/>
+              <a:t>kathara – [ lab: webserver ]</a:t>
+            </a:r>
+          </a:p>
+        </p:txBody>
+      </p:sp>
+    </p:spTree>
+    <p:extLst>
+      <p:ext uri="{BB962C8B-B14F-4D97-AF65-F5344CB8AC3E}">
+        <p14:creationId xmlns:p14="http://schemas.microsoft.com/office/powerpoint/2010/main" val="2974003650"/>
+      </p:ext>
+    </p:extLst>
+  </p:cSld>
+  <p:clrMapOvr>
+    <a:masterClrMapping/>
+  </p:clrMapOvr>
+</p:sldLayout>
+</file>
+
+<file path=ppt/slideLayouts/slideLayout34.xml><?xml version="1.0" encoding="utf-8"?>
+<p:sldLayout xmlns:a="http://schemas.openxmlformats.org/drawingml/2006/main" xmlns:r="http://schemas.openxmlformats.org/officeDocument/2006/relationships" xmlns:p="http://schemas.openxmlformats.org/presentationml/2006/main" type="objTx" preserve="1">
+  <p:cSld name="Contenuto con didascalia">
+    <p:spTree>
+      <p:nvGrpSpPr>
+        <p:cNvPr id="1" name=""/>
+        <p:cNvGrpSpPr/>
+        <p:nvPr/>
+      </p:nvGrpSpPr>
+      <p:grpSpPr>
+        <a:xfrm>
+          <a:off x="0" y="0"/>
+          <a:ext cx="0" cy="0"/>
+          <a:chOff x="0" y="0"/>
+          <a:chExt cx="0" cy="0"/>
+        </a:xfrm>
+      </p:grpSpPr>
+      <p:sp>
+        <p:nvSpPr>
+          <p:cNvPr id="2" name="Titolo 1"/>
+          <p:cNvSpPr>
+            <a:spLocks noGrp="1"/>
+          </p:cNvSpPr>
+          <p:nvPr>
+            <p:ph type="title"/>
+          </p:nvPr>
+        </p:nvSpPr>
+        <p:spPr>
+          <a:xfrm>
+            <a:off x="609601" y="273050"/>
+            <a:ext cx="4011247" cy="1162050"/>
+          </a:xfrm>
+        </p:spPr>
+        <p:txBody>
+          <a:bodyPr anchor="b"/>
+          <a:lstStyle>
+            <a:lvl1pPr algn="l">
+              <a:defRPr sz="2000" b="1"/>
+            </a:lvl1pPr>
+          </a:lstStyle>
+          <a:p>
+            <a:r>
+              <a:rPr lang="en-GB"/>
+              <a:t>Click to edit Master title style</a:t>
+            </a:r>
+            <a:endParaRPr lang="it-IT"/>
+          </a:p>
+        </p:txBody>
+      </p:sp>
+      <p:sp>
+        <p:nvSpPr>
+          <p:cNvPr id="3" name="Segnaposto contenuto 2"/>
+          <p:cNvSpPr>
+            <a:spLocks noGrp="1"/>
+          </p:cNvSpPr>
+          <p:nvPr>
+            <p:ph idx="1"/>
+          </p:nvPr>
+        </p:nvSpPr>
+        <p:spPr>
+          <a:xfrm>
+            <a:off x="4767386" y="273053"/>
+            <a:ext cx="6815015" cy="5853113"/>
+          </a:xfrm>
+        </p:spPr>
+        <p:txBody>
+          <a:bodyPr/>
+          <a:lstStyle>
+            <a:lvl1pPr>
+              <a:defRPr sz="3200"/>
+            </a:lvl1pPr>
+            <a:lvl2pPr>
+              <a:defRPr sz="2800"/>
+            </a:lvl2pPr>
+            <a:lvl3pPr>
+              <a:defRPr sz="2400"/>
+            </a:lvl3pPr>
+            <a:lvl4pPr>
+              <a:defRPr sz="2000"/>
+            </a:lvl4pPr>
+            <a:lvl5pPr>
+              <a:defRPr sz="2000"/>
+            </a:lvl5pPr>
+            <a:lvl6pPr>
+              <a:defRPr sz="2000"/>
+            </a:lvl6pPr>
+            <a:lvl7pPr>
+              <a:defRPr sz="2000"/>
+            </a:lvl7pPr>
+            <a:lvl8pPr>
+              <a:defRPr sz="2000"/>
+            </a:lvl8pPr>
+            <a:lvl9pPr>
+              <a:defRPr sz="2000"/>
+            </a:lvl9pPr>
+          </a:lstStyle>
+          <a:p>
+            <a:pPr lvl="0"/>
+            <a:r>
+              <a:rPr lang="en-GB"/>
+              <a:t>Click to edit Master text styles</a:t>
+            </a:r>
+          </a:p>
+          <a:p>
+            <a:pPr lvl="1"/>
+            <a:r>
+              <a:rPr lang="en-GB"/>
+              <a:t>Second level</a:t>
+            </a:r>
+          </a:p>
+          <a:p>
+            <a:pPr lvl="2"/>
+            <a:r>
+              <a:rPr lang="en-GB"/>
+              <a:t>Third level</a:t>
+            </a:r>
+          </a:p>
+          <a:p>
+            <a:pPr lvl="3"/>
+            <a:r>
+              <a:rPr lang="en-GB"/>
+              <a:t>Fourth level</a:t>
+            </a:r>
+          </a:p>
+          <a:p>
+            <a:pPr lvl="4"/>
+            <a:r>
+              <a:rPr lang="en-GB"/>
+              <a:t>Fifth level</a:t>
+            </a:r>
+            <a:endParaRPr lang="it-IT"/>
+          </a:p>
+        </p:txBody>
+      </p:sp>
+      <p:sp>
+        <p:nvSpPr>
+          <p:cNvPr id="4" name="Segnaposto testo 3"/>
+          <p:cNvSpPr>
+            <a:spLocks noGrp="1"/>
+          </p:cNvSpPr>
+          <p:nvPr>
+            <p:ph type="body" sz="half" idx="2"/>
+          </p:nvPr>
+        </p:nvSpPr>
+        <p:spPr>
+          <a:xfrm>
+            <a:off x="609601" y="1435103"/>
+            <a:ext cx="4011247" cy="4691063"/>
+          </a:xfrm>
+        </p:spPr>
+        <p:txBody>
+          <a:bodyPr/>
+          <a:lstStyle>
+            <a:lvl1pPr marL="0" indent="0">
+              <a:buNone/>
+              <a:defRPr sz="1400"/>
+            </a:lvl1pPr>
+            <a:lvl2pPr marL="457212" indent="0">
+              <a:buNone/>
+              <a:defRPr sz="1200"/>
+            </a:lvl2pPr>
+            <a:lvl3pPr marL="914423" indent="0">
+              <a:buNone/>
+              <a:defRPr sz="1000"/>
+            </a:lvl3pPr>
+            <a:lvl4pPr marL="1371634" indent="0">
+              <a:buNone/>
+              <a:defRPr sz="900"/>
+            </a:lvl4pPr>
+            <a:lvl5pPr marL="1828846" indent="0">
+              <a:buNone/>
+              <a:defRPr sz="900"/>
+            </a:lvl5pPr>
+            <a:lvl6pPr marL="2286057" indent="0">
+              <a:buNone/>
+              <a:defRPr sz="900"/>
+            </a:lvl6pPr>
+            <a:lvl7pPr marL="2743269" indent="0">
+              <a:buNone/>
+              <a:defRPr sz="900"/>
+            </a:lvl7pPr>
+            <a:lvl8pPr marL="3200480" indent="0">
+              <a:buNone/>
+              <a:defRPr sz="900"/>
+            </a:lvl8pPr>
+            <a:lvl9pPr marL="3657691" indent="0">
+              <a:buNone/>
+              <a:defRPr sz="900"/>
+            </a:lvl9pPr>
+          </a:lstStyle>
+          <a:p>
+            <a:pPr lvl="0"/>
+            <a:r>
+              <a:rPr lang="en-GB"/>
+              <a:t>Click to edit Master text styles</a:t>
+            </a:r>
+          </a:p>
+        </p:txBody>
+      </p:sp>
+      <p:sp>
+        <p:nvSpPr>
+          <p:cNvPr id="5" name="Rectangle 4">
+            <a:extLst>
+              <a:ext uri="{FF2B5EF4-FFF2-40B4-BE49-F238E27FC236}">
+                <a16:creationId xmlns:a16="http://schemas.microsoft.com/office/drawing/2014/main" id="{B6B7462A-E94B-4E5C-AF83-8E8FA72FC515}"/>
+              </a:ext>
+            </a:extLst>
+          </p:cNvPr>
+          <p:cNvSpPr>
+            <a:spLocks noGrp="1" noChangeArrowheads="1"/>
+          </p:cNvSpPr>
+          <p:nvPr>
+            <p:ph type="dt" sz="half" idx="10"/>
+          </p:nvPr>
+        </p:nvSpPr>
+        <p:spPr>
+          <a:ln/>
+        </p:spPr>
+        <p:txBody>
+          <a:bodyPr/>
+          <a:lstStyle>
+            <a:lvl1pPr>
+              <a:defRPr/>
+            </a:lvl1pPr>
+          </a:lstStyle>
+          <a:p>
+            <a:pPr>
+              <a:defRPr/>
+            </a:pPr>
+            <a:r>
+              <a:rPr lang="it-IT" altLang="it-IT"/>
+              <a:t>last update: Nov 2019</a:t>
+            </a:r>
+          </a:p>
+        </p:txBody>
+      </p:sp>
+      <p:sp>
+        <p:nvSpPr>
+          <p:cNvPr id="6" name="Rectangle 5">
+            <a:extLst>
+              <a:ext uri="{FF2B5EF4-FFF2-40B4-BE49-F238E27FC236}">
+                <a16:creationId xmlns:a16="http://schemas.microsoft.com/office/drawing/2014/main" id="{1ECA9AC3-825F-4AAC-8B76-9EC322D8ACC1}"/>
+              </a:ext>
+            </a:extLst>
+          </p:cNvPr>
+          <p:cNvSpPr>
+            <a:spLocks noGrp="1" noChangeArrowheads="1"/>
+          </p:cNvSpPr>
+          <p:nvPr>
+            <p:ph type="ftr" sz="quarter" idx="11"/>
+          </p:nvPr>
+        </p:nvSpPr>
+        <p:spPr>
+          <a:ln/>
+        </p:spPr>
+        <p:txBody>
+          <a:bodyPr/>
+          <a:lstStyle>
+            <a:lvl1pPr>
+              <a:defRPr/>
+            </a:lvl1pPr>
+          </a:lstStyle>
+          <a:p>
+            <a:pPr>
+              <a:defRPr/>
+            </a:pPr>
+            <a:r>
+              <a:rPr lang="it-IT" altLang="it-IT"/>
+              <a:t>kathara – [ lab: webserver ]</a:t>
+            </a:r>
+          </a:p>
+        </p:txBody>
+      </p:sp>
+    </p:spTree>
+    <p:extLst>
+      <p:ext uri="{BB962C8B-B14F-4D97-AF65-F5344CB8AC3E}">
+        <p14:creationId xmlns:p14="http://schemas.microsoft.com/office/powerpoint/2010/main" val="4254579456"/>
+      </p:ext>
+    </p:extLst>
+  </p:cSld>
+  <p:clrMapOvr>
+    <a:masterClrMapping/>
+  </p:clrMapOvr>
+</p:sldLayout>
+</file>
+
+<file path=ppt/slideLayouts/slideLayout35.xml><?xml version="1.0" encoding="utf-8"?>
+<p:sldLayout xmlns:a="http://schemas.openxmlformats.org/drawingml/2006/main" xmlns:r="http://schemas.openxmlformats.org/officeDocument/2006/relationships" xmlns:p="http://schemas.openxmlformats.org/presentationml/2006/main" type="picTx" preserve="1">
+  <p:cSld name="Immagine con didascalia">
+    <p:spTree>
+      <p:nvGrpSpPr>
+        <p:cNvPr id="1" name=""/>
+        <p:cNvGrpSpPr/>
+        <p:nvPr/>
+      </p:nvGrpSpPr>
+      <p:grpSpPr>
+        <a:xfrm>
+          <a:off x="0" y="0"/>
+          <a:ext cx="0" cy="0"/>
+          <a:chOff x="0" y="0"/>
+          <a:chExt cx="0" cy="0"/>
+        </a:xfrm>
+      </p:grpSpPr>
+      <p:sp>
+        <p:nvSpPr>
+          <p:cNvPr id="2" name="Titolo 1"/>
+          <p:cNvSpPr>
+            <a:spLocks noGrp="1"/>
+          </p:cNvSpPr>
+          <p:nvPr>
+            <p:ph type="title"/>
+          </p:nvPr>
+        </p:nvSpPr>
+        <p:spPr>
+          <a:xfrm>
+            <a:off x="2389554" y="4800600"/>
+            <a:ext cx="7315200" cy="566738"/>
+          </a:xfrm>
+        </p:spPr>
+        <p:txBody>
+          <a:bodyPr anchor="b"/>
+          <a:lstStyle>
+            <a:lvl1pPr algn="l">
+              <a:defRPr sz="2000" b="1"/>
+            </a:lvl1pPr>
+          </a:lstStyle>
+          <a:p>
+            <a:r>
+              <a:rPr lang="en-GB"/>
+              <a:t>Click to edit Master title style</a:t>
+            </a:r>
+            <a:endParaRPr lang="it-IT"/>
+          </a:p>
+        </p:txBody>
+      </p:sp>
+      <p:sp>
+        <p:nvSpPr>
+          <p:cNvPr id="3" name="Segnaposto immagine 2"/>
+          <p:cNvSpPr>
+            <a:spLocks noGrp="1"/>
+          </p:cNvSpPr>
+          <p:nvPr>
+            <p:ph type="pic" idx="1"/>
+          </p:nvPr>
+        </p:nvSpPr>
+        <p:spPr>
+          <a:xfrm>
+            <a:off x="2389554" y="612775"/>
+            <a:ext cx="7315200" cy="4114800"/>
+          </a:xfrm>
+        </p:spPr>
+        <p:txBody>
+          <a:bodyPr/>
+          <a:lstStyle>
+            <a:lvl1pPr marL="0" indent="0">
+              <a:buNone/>
+              <a:defRPr sz="3200"/>
+            </a:lvl1pPr>
+            <a:lvl2pPr marL="457212" indent="0">
+              <a:buNone/>
+              <a:defRPr sz="2800"/>
+            </a:lvl2pPr>
+            <a:lvl3pPr marL="914423" indent="0">
+              <a:buNone/>
+              <a:defRPr sz="2400"/>
+            </a:lvl3pPr>
+            <a:lvl4pPr marL="1371634" indent="0">
+              <a:buNone/>
+              <a:defRPr sz="2000"/>
+            </a:lvl4pPr>
+            <a:lvl5pPr marL="1828846" indent="0">
+              <a:buNone/>
+              <a:defRPr sz="2000"/>
+            </a:lvl5pPr>
+            <a:lvl6pPr marL="2286057" indent="0">
+              <a:buNone/>
+              <a:defRPr sz="2000"/>
+            </a:lvl6pPr>
+            <a:lvl7pPr marL="2743269" indent="0">
+              <a:buNone/>
+              <a:defRPr sz="2000"/>
+            </a:lvl7pPr>
+            <a:lvl8pPr marL="3200480" indent="0">
+              <a:buNone/>
+              <a:defRPr sz="2000"/>
+            </a:lvl8pPr>
+            <a:lvl9pPr marL="3657691" indent="0">
+              <a:buNone/>
+              <a:defRPr sz="2000"/>
+            </a:lvl9pPr>
+          </a:lstStyle>
+          <a:p>
+            <a:pPr lvl="0"/>
+            <a:r>
+              <a:rPr lang="en-GB" noProof="0"/>
+              <a:t>Click icon to add picture</a:t>
+            </a:r>
+            <a:endParaRPr lang="it-IT" noProof="0"/>
+          </a:p>
+        </p:txBody>
+      </p:sp>
+      <p:sp>
+        <p:nvSpPr>
+          <p:cNvPr id="4" name="Segnaposto testo 3"/>
+          <p:cNvSpPr>
+            <a:spLocks noGrp="1"/>
+          </p:cNvSpPr>
+          <p:nvPr>
+            <p:ph type="body" sz="half" idx="2"/>
+          </p:nvPr>
+        </p:nvSpPr>
+        <p:spPr>
+          <a:xfrm>
+            <a:off x="2389554" y="5367338"/>
+            <a:ext cx="7315200" cy="804862"/>
+          </a:xfrm>
+        </p:spPr>
+        <p:txBody>
+          <a:bodyPr/>
+          <a:lstStyle>
+            <a:lvl1pPr marL="0" indent="0">
+              <a:buNone/>
+              <a:defRPr sz="1400"/>
+            </a:lvl1pPr>
+            <a:lvl2pPr marL="457212" indent="0">
+              <a:buNone/>
+              <a:defRPr sz="1200"/>
+            </a:lvl2pPr>
+            <a:lvl3pPr marL="914423" indent="0">
+              <a:buNone/>
+              <a:defRPr sz="1000"/>
+            </a:lvl3pPr>
+            <a:lvl4pPr marL="1371634" indent="0">
+              <a:buNone/>
+              <a:defRPr sz="900"/>
+            </a:lvl4pPr>
+            <a:lvl5pPr marL="1828846" indent="0">
+              <a:buNone/>
+              <a:defRPr sz="900"/>
+            </a:lvl5pPr>
+            <a:lvl6pPr marL="2286057" indent="0">
+              <a:buNone/>
+              <a:defRPr sz="900"/>
+            </a:lvl6pPr>
+            <a:lvl7pPr marL="2743269" indent="0">
+              <a:buNone/>
+              <a:defRPr sz="900"/>
+            </a:lvl7pPr>
+            <a:lvl8pPr marL="3200480" indent="0">
+              <a:buNone/>
+              <a:defRPr sz="900"/>
+            </a:lvl8pPr>
+            <a:lvl9pPr marL="3657691" indent="0">
+              <a:buNone/>
+              <a:defRPr sz="900"/>
+            </a:lvl9pPr>
+          </a:lstStyle>
+          <a:p>
+            <a:pPr lvl="0"/>
+            <a:r>
+              <a:rPr lang="en-GB"/>
+              <a:t>Click to edit Master text styles</a:t>
+            </a:r>
+          </a:p>
+        </p:txBody>
+      </p:sp>
+      <p:sp>
+        <p:nvSpPr>
+          <p:cNvPr id="5" name="Rectangle 4">
+            <a:extLst>
+              <a:ext uri="{FF2B5EF4-FFF2-40B4-BE49-F238E27FC236}">
+                <a16:creationId xmlns:a16="http://schemas.microsoft.com/office/drawing/2014/main" id="{1A58AB6D-2A9D-4F16-A910-0B79968AB2D1}"/>
+              </a:ext>
+            </a:extLst>
+          </p:cNvPr>
+          <p:cNvSpPr>
+            <a:spLocks noGrp="1" noChangeArrowheads="1"/>
+          </p:cNvSpPr>
+          <p:nvPr>
+            <p:ph type="dt" sz="half" idx="10"/>
+          </p:nvPr>
+        </p:nvSpPr>
+        <p:spPr>
+          <a:ln/>
+        </p:spPr>
+        <p:txBody>
+          <a:bodyPr/>
+          <a:lstStyle>
+            <a:lvl1pPr>
+              <a:defRPr/>
+            </a:lvl1pPr>
+          </a:lstStyle>
+          <a:p>
+            <a:pPr>
+              <a:defRPr/>
+            </a:pPr>
+            <a:r>
+              <a:rPr lang="it-IT" altLang="it-IT"/>
+              <a:t>last update: Nov 2019</a:t>
+            </a:r>
+          </a:p>
+        </p:txBody>
+      </p:sp>
+      <p:sp>
+        <p:nvSpPr>
+          <p:cNvPr id="6" name="Rectangle 5">
+            <a:extLst>
+              <a:ext uri="{FF2B5EF4-FFF2-40B4-BE49-F238E27FC236}">
+                <a16:creationId xmlns:a16="http://schemas.microsoft.com/office/drawing/2014/main" id="{86A098BE-69C9-4538-89C8-C00B289910E6}"/>
+              </a:ext>
+            </a:extLst>
+          </p:cNvPr>
+          <p:cNvSpPr>
+            <a:spLocks noGrp="1" noChangeArrowheads="1"/>
+          </p:cNvSpPr>
+          <p:nvPr>
+            <p:ph type="ftr" sz="quarter" idx="11"/>
+          </p:nvPr>
+        </p:nvSpPr>
+        <p:spPr>
+          <a:ln/>
+        </p:spPr>
+        <p:txBody>
+          <a:bodyPr/>
+          <a:lstStyle>
+            <a:lvl1pPr>
+              <a:defRPr/>
+            </a:lvl1pPr>
+          </a:lstStyle>
+          <a:p>
+            <a:pPr>
+              <a:defRPr/>
+            </a:pPr>
+            <a:r>
+              <a:rPr lang="it-IT" altLang="it-IT"/>
+              <a:t>kathara – [ lab: webserver ]</a:t>
+            </a:r>
+          </a:p>
+        </p:txBody>
+      </p:sp>
+    </p:spTree>
+    <p:extLst>
+      <p:ext uri="{BB962C8B-B14F-4D97-AF65-F5344CB8AC3E}">
+        <p14:creationId xmlns:p14="http://schemas.microsoft.com/office/powerpoint/2010/main" val="805339300"/>
+      </p:ext>
+    </p:extLst>
+  </p:cSld>
+  <p:clrMapOvr>
+    <a:masterClrMapping/>
+  </p:clrMapOvr>
+</p:sldLayout>
+</file>
+
+<file path=ppt/slideLayouts/slideLayout36.xml><?xml version="1.0" encoding="utf-8"?>
+<p:sldLayout xmlns:a="http://schemas.openxmlformats.org/drawingml/2006/main" xmlns:r="http://schemas.openxmlformats.org/officeDocument/2006/relationships" xmlns:p="http://schemas.openxmlformats.org/presentationml/2006/main" type="vertTx" preserve="1">
+  <p:cSld name="Titolo e testo verticale">
+    <p:spTree>
+      <p:nvGrpSpPr>
+        <p:cNvPr id="1" name=""/>
+        <p:cNvGrpSpPr/>
+        <p:nvPr/>
+      </p:nvGrpSpPr>
+      <p:grpSpPr>
+        <a:xfrm>
+          <a:off x="0" y="0"/>
+          <a:ext cx="0" cy="0"/>
+          <a:chOff x="0" y="0"/>
+          <a:chExt cx="0" cy="0"/>
+        </a:xfrm>
+      </p:grpSpPr>
+      <p:sp>
+        <p:nvSpPr>
+          <p:cNvPr id="2" name="Titolo 1"/>
+          <p:cNvSpPr>
+            <a:spLocks noGrp="1"/>
+          </p:cNvSpPr>
+          <p:nvPr>
+            <p:ph type="title"/>
+          </p:nvPr>
+        </p:nvSpPr>
+        <p:spPr/>
+        <p:txBody>
+          <a:bodyPr/>
+          <a:lstStyle/>
+          <a:p>
+            <a:r>
+              <a:rPr lang="en-GB"/>
+              <a:t>Click to edit Master title style</a:t>
+            </a:r>
+            <a:endParaRPr lang="it-IT"/>
+          </a:p>
+        </p:txBody>
+      </p:sp>
+      <p:sp>
+        <p:nvSpPr>
+          <p:cNvPr id="3" name="Segnaposto testo verticale 2"/>
+          <p:cNvSpPr>
+            <a:spLocks noGrp="1"/>
+          </p:cNvSpPr>
+          <p:nvPr>
+            <p:ph type="body" orient="vert" idx="1"/>
+          </p:nvPr>
+        </p:nvSpPr>
+        <p:spPr/>
+        <p:txBody>
+          <a:bodyPr vert="eaVert"/>
+          <a:lstStyle/>
+          <a:p>
+            <a:pPr lvl="0"/>
+            <a:r>
+              <a:rPr lang="en-GB"/>
+              <a:t>Click to edit Master text styles</a:t>
+            </a:r>
+          </a:p>
+          <a:p>
+            <a:pPr lvl="1"/>
+            <a:r>
+              <a:rPr lang="en-GB"/>
+              <a:t>Second level</a:t>
+            </a:r>
+          </a:p>
+          <a:p>
+            <a:pPr lvl="2"/>
+            <a:r>
+              <a:rPr lang="en-GB"/>
+              <a:t>Third level</a:t>
+            </a:r>
+          </a:p>
+          <a:p>
+            <a:pPr lvl="3"/>
+            <a:r>
+              <a:rPr lang="en-GB"/>
+              <a:t>Fourth level</a:t>
+            </a:r>
+          </a:p>
+          <a:p>
+            <a:pPr lvl="4"/>
+            <a:r>
+              <a:rPr lang="en-GB"/>
+              <a:t>Fifth level</a:t>
+            </a:r>
+            <a:endParaRPr lang="it-IT"/>
+          </a:p>
+        </p:txBody>
+      </p:sp>
+      <p:sp>
+        <p:nvSpPr>
+          <p:cNvPr id="4" name="Rectangle 4">
+            <a:extLst>
+              <a:ext uri="{FF2B5EF4-FFF2-40B4-BE49-F238E27FC236}">
+                <a16:creationId xmlns:a16="http://schemas.microsoft.com/office/drawing/2014/main" id="{5486F16B-0B58-45B6-9061-CA60B6CB76B3}"/>
+              </a:ext>
+            </a:extLst>
+          </p:cNvPr>
+          <p:cNvSpPr>
+            <a:spLocks noGrp="1" noChangeArrowheads="1"/>
+          </p:cNvSpPr>
+          <p:nvPr>
+            <p:ph type="dt" sz="half" idx="10"/>
+          </p:nvPr>
+        </p:nvSpPr>
+        <p:spPr>
+          <a:ln/>
+        </p:spPr>
+        <p:txBody>
+          <a:bodyPr/>
+          <a:lstStyle>
+            <a:lvl1pPr>
+              <a:defRPr/>
+            </a:lvl1pPr>
+          </a:lstStyle>
+          <a:p>
+            <a:pPr>
+              <a:defRPr/>
+            </a:pPr>
+            <a:r>
+              <a:rPr lang="it-IT" altLang="it-IT"/>
+              <a:t>last update: Nov 2019</a:t>
+            </a:r>
+          </a:p>
+        </p:txBody>
+      </p:sp>
+      <p:sp>
+        <p:nvSpPr>
+          <p:cNvPr id="5" name="Rectangle 5">
+            <a:extLst>
+              <a:ext uri="{FF2B5EF4-FFF2-40B4-BE49-F238E27FC236}">
+                <a16:creationId xmlns:a16="http://schemas.microsoft.com/office/drawing/2014/main" id="{2D754CCF-D619-4891-8E0C-E8A44AB624BA}"/>
+              </a:ext>
+            </a:extLst>
+          </p:cNvPr>
+          <p:cNvSpPr>
+            <a:spLocks noGrp="1" noChangeArrowheads="1"/>
+          </p:cNvSpPr>
+          <p:nvPr>
+            <p:ph type="ftr" sz="quarter" idx="11"/>
+          </p:nvPr>
+        </p:nvSpPr>
+        <p:spPr>
+          <a:ln/>
+        </p:spPr>
+        <p:txBody>
+          <a:bodyPr/>
+          <a:lstStyle>
+            <a:lvl1pPr>
+              <a:defRPr/>
+            </a:lvl1pPr>
+          </a:lstStyle>
+          <a:p>
+            <a:pPr>
+              <a:defRPr/>
+            </a:pPr>
+            <a:r>
+              <a:rPr lang="it-IT" altLang="it-IT"/>
+              <a:t>kathara – [ lab: webserver ]</a:t>
+            </a:r>
+          </a:p>
+        </p:txBody>
+      </p:sp>
+    </p:spTree>
+    <p:extLst>
+      <p:ext uri="{BB962C8B-B14F-4D97-AF65-F5344CB8AC3E}">
+        <p14:creationId xmlns:p14="http://schemas.microsoft.com/office/powerpoint/2010/main" val="1396277776"/>
+      </p:ext>
+    </p:extLst>
+  </p:cSld>
+  <p:clrMapOvr>
+    <a:masterClrMapping/>
+  </p:clrMapOvr>
+</p:sldLayout>
+</file>
+
+<file path=ppt/slideLayouts/slideLayout37.xml><?xml version="1.0" encoding="utf-8"?>
+<p:sldLayout xmlns:a="http://schemas.openxmlformats.org/drawingml/2006/main" xmlns:r="http://schemas.openxmlformats.org/officeDocument/2006/relationships" xmlns:p="http://schemas.openxmlformats.org/presentationml/2006/main" type="vertTitleAndTx" preserve="1">
+  <p:cSld name="1_Titolo e testo verticale">
+    <p:spTree>
+      <p:nvGrpSpPr>
+        <p:cNvPr id="1" name=""/>
+        <p:cNvGrpSpPr/>
+        <p:nvPr/>
+      </p:nvGrpSpPr>
+      <p:grpSpPr>
+        <a:xfrm>
+          <a:off x="0" y="0"/>
+          <a:ext cx="0" cy="0"/>
+          <a:chOff x="0" y="0"/>
+          <a:chExt cx="0" cy="0"/>
+        </a:xfrm>
+      </p:grpSpPr>
+      <p:sp>
+        <p:nvSpPr>
+          <p:cNvPr id="2" name="Titolo verticale 1"/>
+          <p:cNvSpPr>
+            <a:spLocks noGrp="1"/>
+          </p:cNvSpPr>
+          <p:nvPr>
+            <p:ph type="title" orient="vert"/>
+          </p:nvPr>
+        </p:nvSpPr>
+        <p:spPr>
+          <a:xfrm>
+            <a:off x="8839200" y="274641"/>
+            <a:ext cx="2743200" cy="5851525"/>
+          </a:xfrm>
+        </p:spPr>
+        <p:txBody>
+          <a:bodyPr vert="eaVert"/>
+          <a:lstStyle/>
+          <a:p>
+            <a:r>
+              <a:rPr lang="en-GB"/>
+              <a:t>Click to edit Master title style</a:t>
+            </a:r>
+            <a:endParaRPr lang="it-IT"/>
+          </a:p>
+        </p:txBody>
+      </p:sp>
+      <p:sp>
+        <p:nvSpPr>
+          <p:cNvPr id="3" name="Segnaposto testo verticale 2"/>
+          <p:cNvSpPr>
+            <a:spLocks noGrp="1"/>
+          </p:cNvSpPr>
+          <p:nvPr>
+            <p:ph type="body" orient="vert" idx="1"/>
+          </p:nvPr>
+        </p:nvSpPr>
+        <p:spPr>
+          <a:xfrm>
+            <a:off x="609601" y="274641"/>
+            <a:ext cx="8042031" cy="5851525"/>
+          </a:xfrm>
+        </p:spPr>
+        <p:txBody>
+          <a:bodyPr vert="eaVert"/>
+          <a:lstStyle/>
+          <a:p>
+            <a:pPr lvl="0"/>
+            <a:r>
+              <a:rPr lang="en-GB"/>
+              <a:t>Click to edit Master text styles</a:t>
+            </a:r>
+          </a:p>
+          <a:p>
+            <a:pPr lvl="1"/>
+            <a:r>
+              <a:rPr lang="en-GB"/>
+              <a:t>Second level</a:t>
+            </a:r>
+          </a:p>
+          <a:p>
+            <a:pPr lvl="2"/>
+            <a:r>
+              <a:rPr lang="en-GB"/>
+              <a:t>Third level</a:t>
+            </a:r>
+          </a:p>
+          <a:p>
+            <a:pPr lvl="3"/>
+            <a:r>
+              <a:rPr lang="en-GB"/>
+              <a:t>Fourth level</a:t>
+            </a:r>
+          </a:p>
+          <a:p>
+            <a:pPr lvl="4"/>
+            <a:r>
+              <a:rPr lang="en-GB"/>
+              <a:t>Fifth level</a:t>
+            </a:r>
+            <a:endParaRPr lang="it-IT"/>
+          </a:p>
+        </p:txBody>
+      </p:sp>
+      <p:sp>
+        <p:nvSpPr>
+          <p:cNvPr id="4" name="Rectangle 4">
+            <a:extLst>
+              <a:ext uri="{FF2B5EF4-FFF2-40B4-BE49-F238E27FC236}">
+                <a16:creationId xmlns:a16="http://schemas.microsoft.com/office/drawing/2014/main" id="{06ABEC1F-57AF-4AF1-B41E-3F8C58106046}"/>
+              </a:ext>
+            </a:extLst>
+          </p:cNvPr>
+          <p:cNvSpPr>
+            <a:spLocks noGrp="1" noChangeArrowheads="1"/>
+          </p:cNvSpPr>
+          <p:nvPr>
+            <p:ph type="dt" sz="half" idx="10"/>
+          </p:nvPr>
+        </p:nvSpPr>
+        <p:spPr>
+          <a:ln/>
+        </p:spPr>
+        <p:txBody>
+          <a:bodyPr/>
+          <a:lstStyle>
+            <a:lvl1pPr>
+              <a:defRPr/>
+            </a:lvl1pPr>
+          </a:lstStyle>
+          <a:p>
+            <a:pPr>
+              <a:defRPr/>
+            </a:pPr>
+            <a:r>
+              <a:rPr lang="it-IT" altLang="it-IT"/>
+              <a:t>last update: Nov 2019</a:t>
+            </a:r>
+          </a:p>
+        </p:txBody>
+      </p:sp>
+      <p:sp>
+        <p:nvSpPr>
+          <p:cNvPr id="5" name="Rectangle 5">
+            <a:extLst>
+              <a:ext uri="{FF2B5EF4-FFF2-40B4-BE49-F238E27FC236}">
+                <a16:creationId xmlns:a16="http://schemas.microsoft.com/office/drawing/2014/main" id="{CAC44205-C96E-4D3D-B0E4-CEBDE5B2D649}"/>
+              </a:ext>
+            </a:extLst>
+          </p:cNvPr>
+          <p:cNvSpPr>
+            <a:spLocks noGrp="1" noChangeArrowheads="1"/>
+          </p:cNvSpPr>
+          <p:nvPr>
+            <p:ph type="ftr" sz="quarter" idx="11"/>
+          </p:nvPr>
+        </p:nvSpPr>
+        <p:spPr>
+          <a:ln/>
+        </p:spPr>
+        <p:txBody>
+          <a:bodyPr/>
+          <a:lstStyle>
+            <a:lvl1pPr>
+              <a:defRPr/>
+            </a:lvl1pPr>
+          </a:lstStyle>
+          <a:p>
+            <a:pPr>
+              <a:defRPr/>
+            </a:pPr>
+            <a:r>
+              <a:rPr lang="it-IT" altLang="it-IT"/>
+              <a:t>kathara – [ lab: webserver ]</a:t>
+            </a:r>
+          </a:p>
+        </p:txBody>
+      </p:sp>
+    </p:spTree>
+    <p:extLst>
+      <p:ext uri="{BB962C8B-B14F-4D97-AF65-F5344CB8AC3E}">
+        <p14:creationId xmlns:p14="http://schemas.microsoft.com/office/powerpoint/2010/main" val="468076694"/>
       </p:ext>
     </p:extLst>
   </p:cSld>
@@ -9009,6 +11188,925 @@
 </p:sldMaster>
 </file>
 
+<file path=ppt/slideMasters/slideMaster3.xml><?xml version="1.0" encoding="utf-8"?>
+<p:sldMaster xmlns:a="http://schemas.openxmlformats.org/drawingml/2006/main" xmlns:r="http://schemas.openxmlformats.org/officeDocument/2006/relationships" xmlns:p="http://schemas.openxmlformats.org/presentationml/2006/main" preserve="1">
+  <p:cSld>
+    <p:bg>
+      <p:bgPr>
+        <a:solidFill>
+          <a:schemeClr val="bg1"/>
+        </a:solidFill>
+        <a:effectLst/>
+      </p:bgPr>
+    </p:bg>
+    <p:spTree>
+      <p:nvGrpSpPr>
+        <p:cNvPr id="1" name=""/>
+        <p:cNvGrpSpPr/>
+        <p:nvPr/>
+      </p:nvGrpSpPr>
+      <p:grpSpPr>
+        <a:xfrm>
+          <a:off x="0" y="0"/>
+          <a:ext cx="0" cy="0"/>
+          <a:chOff x="0" y="0"/>
+          <a:chExt cx="0" cy="0"/>
+        </a:xfrm>
+      </p:grpSpPr>
+      <p:sp>
+        <p:nvSpPr>
+          <p:cNvPr id="1026" name="Rectangle 2">
+            <a:extLst>
+              <a:ext uri="{FF2B5EF4-FFF2-40B4-BE49-F238E27FC236}">
+                <a16:creationId xmlns:a16="http://schemas.microsoft.com/office/drawing/2014/main" id="{C44DAC59-5E6E-45D0-8524-3E061722C9EC}"/>
+              </a:ext>
+            </a:extLst>
+          </p:cNvPr>
+          <p:cNvSpPr>
+            <a:spLocks noGrp="1" noChangeArrowheads="1"/>
+          </p:cNvSpPr>
+          <p:nvPr>
+            <p:ph type="title"/>
+          </p:nvPr>
+        </p:nvSpPr>
+        <p:spPr bwMode="auto">
+          <a:xfrm>
+            <a:off x="609600" y="116632"/>
+            <a:ext cx="10972800" cy="1143000"/>
+          </a:xfrm>
+          <a:prstGeom prst="rect">
+            <a:avLst/>
+          </a:prstGeom>
+          <a:noFill/>
+          <a:ln>
+            <a:noFill/>
+          </a:ln>
+          <a:extLst>
+            <a:ext uri="{909E8E84-426E-40DD-AFC4-6F175D3DCCD1}">
+              <a14:hiddenFill xmlns:a14="http://schemas.microsoft.com/office/drawing/2010/main">
+                <a:solidFill>
+                  <a:srgbClr val="FFFFFF"/>
+                </a:solidFill>
+              </a14:hiddenFill>
+            </a:ext>
+            <a:ext uri="{91240B29-F687-4F45-9708-019B960494DF}">
+              <a14:hiddenLine xmlns:a14="http://schemas.microsoft.com/office/drawing/2010/main" w="9525">
+                <a:solidFill>
+                  <a:srgbClr val="000000"/>
+                </a:solidFill>
+                <a:miter lim="800000"/>
+                <a:headEnd/>
+                <a:tailEnd/>
+              </a14:hiddenLine>
+            </a:ext>
+          </a:extLst>
+        </p:spPr>
+        <p:txBody>
+          <a:bodyPr vert="horz" wrap="square" lIns="91440" tIns="45720" rIns="91440" bIns="45720" numCol="1" anchor="ctr" anchorCtr="0" compatLnSpc="1">
+            <a:prstTxWarp prst="textNoShape">
+              <a:avLst/>
+            </a:prstTxWarp>
+          </a:bodyPr>
+          <a:lstStyle/>
+          <a:p>
+            <a:pPr lvl="0"/>
+            <a:r>
+              <a:rPr lang="it-IT" altLang="it-IT" dirty="0"/>
+              <a:t>Fare clic per modificare lo stile del titolo</a:t>
+            </a:r>
+          </a:p>
+        </p:txBody>
+      </p:sp>
+      <p:sp>
+        <p:nvSpPr>
+          <p:cNvPr id="1027" name="Rectangle 3">
+            <a:extLst>
+              <a:ext uri="{FF2B5EF4-FFF2-40B4-BE49-F238E27FC236}">
+                <a16:creationId xmlns:a16="http://schemas.microsoft.com/office/drawing/2014/main" id="{7F11B519-1465-43CA-9B06-0B1C84B88C96}"/>
+              </a:ext>
+            </a:extLst>
+          </p:cNvPr>
+          <p:cNvSpPr>
+            <a:spLocks noGrp="1" noChangeArrowheads="1"/>
+          </p:cNvSpPr>
+          <p:nvPr>
+            <p:ph type="body" idx="1"/>
+          </p:nvPr>
+        </p:nvSpPr>
+        <p:spPr bwMode="auto">
+          <a:xfrm>
+            <a:off x="609600" y="1412777"/>
+            <a:ext cx="10972800" cy="4713390"/>
+          </a:xfrm>
+          <a:prstGeom prst="rect">
+            <a:avLst/>
+          </a:prstGeom>
+          <a:noFill/>
+          <a:ln>
+            <a:noFill/>
+          </a:ln>
+          <a:extLst>
+            <a:ext uri="{909E8E84-426E-40DD-AFC4-6F175D3DCCD1}">
+              <a14:hiddenFill xmlns:a14="http://schemas.microsoft.com/office/drawing/2010/main">
+                <a:solidFill>
+                  <a:srgbClr val="FFFFFF"/>
+                </a:solidFill>
+              </a14:hiddenFill>
+            </a:ext>
+            <a:ext uri="{91240B29-F687-4F45-9708-019B960494DF}">
+              <a14:hiddenLine xmlns:a14="http://schemas.microsoft.com/office/drawing/2010/main" w="9525">
+                <a:solidFill>
+                  <a:srgbClr val="000000"/>
+                </a:solidFill>
+                <a:miter lim="800000"/>
+                <a:headEnd/>
+                <a:tailEnd/>
+              </a14:hiddenLine>
+            </a:ext>
+          </a:extLst>
+        </p:spPr>
+        <p:txBody>
+          <a:bodyPr vert="horz" wrap="square" lIns="91440" tIns="45720" rIns="91440" bIns="45720" numCol="1" anchor="t" anchorCtr="0" compatLnSpc="1">
+            <a:prstTxWarp prst="textNoShape">
+              <a:avLst/>
+            </a:prstTxWarp>
+          </a:bodyPr>
+          <a:lstStyle/>
+          <a:p>
+            <a:pPr lvl="0"/>
+            <a:r>
+              <a:rPr lang="it-IT" altLang="it-IT" dirty="0"/>
+              <a:t>Fare clic per modificare gli stili del testo dello schema</a:t>
+            </a:r>
+          </a:p>
+          <a:p>
+            <a:pPr lvl="1"/>
+            <a:r>
+              <a:rPr lang="it-IT" altLang="it-IT" dirty="0"/>
+              <a:t>Secondo livello</a:t>
+            </a:r>
+          </a:p>
+          <a:p>
+            <a:pPr lvl="2"/>
+            <a:r>
+              <a:rPr lang="it-IT" altLang="it-IT" dirty="0"/>
+              <a:t>Terzo livello</a:t>
+            </a:r>
+          </a:p>
+          <a:p>
+            <a:pPr lvl="3"/>
+            <a:r>
+              <a:rPr lang="it-IT" altLang="it-IT" dirty="0"/>
+              <a:t>Quarto livello</a:t>
+            </a:r>
+          </a:p>
+          <a:p>
+            <a:pPr lvl="4"/>
+            <a:r>
+              <a:rPr lang="it-IT" altLang="it-IT" dirty="0"/>
+              <a:t>Quinto livello</a:t>
+            </a:r>
+          </a:p>
+        </p:txBody>
+      </p:sp>
+      <p:sp>
+        <p:nvSpPr>
+          <p:cNvPr id="303108" name="Rectangle 4">
+            <a:extLst>
+              <a:ext uri="{FF2B5EF4-FFF2-40B4-BE49-F238E27FC236}">
+                <a16:creationId xmlns:a16="http://schemas.microsoft.com/office/drawing/2014/main" id="{9F6A8ACC-B973-483A-9EBB-30DD75AA7EB2}"/>
+              </a:ext>
+            </a:extLst>
+          </p:cNvPr>
+          <p:cNvSpPr>
+            <a:spLocks noGrp="1" noChangeArrowheads="1"/>
+          </p:cNvSpPr>
+          <p:nvPr>
+            <p:ph type="dt" sz="half" idx="2"/>
+          </p:nvPr>
+        </p:nvSpPr>
+        <p:spPr bwMode="auto">
+          <a:xfrm>
+            <a:off x="9265138" y="6453191"/>
+            <a:ext cx="2782277" cy="333375"/>
+          </a:xfrm>
+          <a:prstGeom prst="rect">
+            <a:avLst/>
+          </a:prstGeom>
+          <a:noFill/>
+          <a:ln w="9525">
+            <a:noFill/>
+            <a:miter lim="800000"/>
+            <a:headEnd/>
+            <a:tailEnd/>
+          </a:ln>
+          <a:effectLst/>
+        </p:spPr>
+        <p:txBody>
+          <a:bodyPr vert="horz" wrap="square" lIns="91440" tIns="45720" rIns="91440" bIns="45720" numCol="1" anchor="t" anchorCtr="0" compatLnSpc="1">
+            <a:prstTxWarp prst="textNoShape">
+              <a:avLst/>
+            </a:prstTxWarp>
+          </a:bodyPr>
+          <a:lstStyle>
+            <a:lvl1pPr algn="r" eaLnBrk="1" hangingPunct="1">
+              <a:defRPr sz="1400" dirty="0">
+                <a:latin typeface="+mn-lt"/>
+              </a:defRPr>
+            </a:lvl1pPr>
+          </a:lstStyle>
+          <a:p>
+            <a:pPr>
+              <a:defRPr/>
+            </a:pPr>
+            <a:r>
+              <a:rPr lang="it-IT" altLang="it-IT"/>
+              <a:t>last update: Nov 2019</a:t>
+            </a:r>
+          </a:p>
+        </p:txBody>
+      </p:sp>
+      <p:sp>
+        <p:nvSpPr>
+          <p:cNvPr id="303109" name="Rectangle 5">
+            <a:extLst>
+              <a:ext uri="{FF2B5EF4-FFF2-40B4-BE49-F238E27FC236}">
+                <a16:creationId xmlns:a16="http://schemas.microsoft.com/office/drawing/2014/main" id="{6276769E-8AF7-4AB3-B25A-CA8C5C6A001F}"/>
+              </a:ext>
+            </a:extLst>
+          </p:cNvPr>
+          <p:cNvSpPr>
+            <a:spLocks noGrp="1" noChangeArrowheads="1"/>
+          </p:cNvSpPr>
+          <p:nvPr>
+            <p:ph type="ftr" sz="quarter" idx="3"/>
+          </p:nvPr>
+        </p:nvSpPr>
+        <p:spPr bwMode="auto">
+          <a:xfrm>
+            <a:off x="3120295" y="6453191"/>
+            <a:ext cx="5951415" cy="333375"/>
+          </a:xfrm>
+          <a:prstGeom prst="rect">
+            <a:avLst/>
+          </a:prstGeom>
+          <a:noFill/>
+          <a:ln w="9525">
+            <a:noFill/>
+            <a:miter lim="800000"/>
+            <a:headEnd/>
+            <a:tailEnd/>
+          </a:ln>
+          <a:effectLst/>
+        </p:spPr>
+        <p:txBody>
+          <a:bodyPr vert="horz" wrap="square" lIns="91440" tIns="45720" rIns="91440" bIns="45720" numCol="1" anchor="t" anchorCtr="0" compatLnSpc="1">
+            <a:prstTxWarp prst="textNoShape">
+              <a:avLst/>
+            </a:prstTxWarp>
+          </a:bodyPr>
+          <a:lstStyle>
+            <a:lvl1pPr algn="ctr" eaLnBrk="1" hangingPunct="1">
+              <a:defRPr sz="1400" dirty="0" err="1">
+                <a:latin typeface="+mn-lt"/>
+              </a:defRPr>
+            </a:lvl1pPr>
+          </a:lstStyle>
+          <a:p>
+            <a:pPr>
+              <a:defRPr/>
+            </a:pPr>
+            <a:r>
+              <a:rPr lang="it-IT" altLang="it-IT"/>
+              <a:t>kathara – [ lab: webserver ]</a:t>
+            </a:r>
+          </a:p>
+        </p:txBody>
+      </p:sp>
+      <p:sp>
+        <p:nvSpPr>
+          <p:cNvPr id="1030" name="Rectangle 6">
+            <a:extLst>
+              <a:ext uri="{FF2B5EF4-FFF2-40B4-BE49-F238E27FC236}">
+                <a16:creationId xmlns:a16="http://schemas.microsoft.com/office/drawing/2014/main" id="{053844C4-97BD-413F-90CB-BB662D34AACA}"/>
+              </a:ext>
+            </a:extLst>
+          </p:cNvPr>
+          <p:cNvSpPr>
+            <a:spLocks noChangeArrowheads="1"/>
+          </p:cNvSpPr>
+          <p:nvPr/>
+        </p:nvSpPr>
+        <p:spPr bwMode="auto">
+          <a:xfrm>
+            <a:off x="144584" y="6453191"/>
+            <a:ext cx="2279007" cy="333375"/>
+          </a:xfrm>
+          <a:prstGeom prst="rect">
+            <a:avLst/>
+          </a:prstGeom>
+          <a:noFill/>
+          <a:ln>
+            <a:noFill/>
+          </a:ln>
+          <a:extLst>
+            <a:ext uri="{909E8E84-426E-40DD-AFC4-6F175D3DCCD1}">
+              <a14:hiddenFill xmlns:a14="http://schemas.microsoft.com/office/drawing/2010/main">
+                <a:solidFill>
+                  <a:srgbClr val="FFFFFF"/>
+                </a:solidFill>
+              </a14:hiddenFill>
+            </a:ext>
+            <a:ext uri="{91240B29-F687-4F45-9708-019B960494DF}">
+              <a14:hiddenLine xmlns:a14="http://schemas.microsoft.com/office/drawing/2010/main" w="9525">
+                <a:solidFill>
+                  <a:srgbClr val="000000"/>
+                </a:solidFill>
+                <a:miter lim="800000"/>
+                <a:headEnd/>
+                <a:tailEnd/>
+              </a14:hiddenLine>
+            </a:ext>
+          </a:extLst>
+        </p:spPr>
+        <p:txBody>
+          <a:bodyPr/>
+          <a:lstStyle>
+            <a:lvl1pPr>
+              <a:defRPr>
+                <a:solidFill>
+                  <a:schemeClr val="tx1"/>
+                </a:solidFill>
+                <a:latin typeface="Arial" panose="020B0604020202020204" pitchFamily="34" charset="0"/>
+              </a:defRPr>
+            </a:lvl1pPr>
+            <a:lvl2pPr marL="742950" indent="-285750">
+              <a:defRPr>
+                <a:solidFill>
+                  <a:schemeClr val="tx1"/>
+                </a:solidFill>
+                <a:latin typeface="Arial" panose="020B0604020202020204" pitchFamily="34" charset="0"/>
+              </a:defRPr>
+            </a:lvl2pPr>
+            <a:lvl3pPr marL="1143000" indent="-228600">
+              <a:defRPr>
+                <a:solidFill>
+                  <a:schemeClr val="tx1"/>
+                </a:solidFill>
+                <a:latin typeface="Arial" panose="020B0604020202020204" pitchFamily="34" charset="0"/>
+              </a:defRPr>
+            </a:lvl3pPr>
+            <a:lvl4pPr marL="1600200" indent="-228600">
+              <a:defRPr>
+                <a:solidFill>
+                  <a:schemeClr val="tx1"/>
+                </a:solidFill>
+                <a:latin typeface="Arial" panose="020B0604020202020204" pitchFamily="34" charset="0"/>
+              </a:defRPr>
+            </a:lvl4pPr>
+            <a:lvl5pPr marL="2057400" indent="-228600">
+              <a:defRPr>
+                <a:solidFill>
+                  <a:schemeClr val="tx1"/>
+                </a:solidFill>
+                <a:latin typeface="Arial" panose="020B0604020202020204" pitchFamily="34" charset="0"/>
+              </a:defRPr>
+            </a:lvl5pPr>
+            <a:lvl6pPr marL="2514600" indent="-228600" eaLnBrk="0" fontAlgn="base" hangingPunct="0">
+              <a:spcBef>
+                <a:spcPct val="0"/>
+              </a:spcBef>
+              <a:spcAft>
+                <a:spcPct val="0"/>
+              </a:spcAft>
+              <a:defRPr>
+                <a:solidFill>
+                  <a:schemeClr val="tx1"/>
+                </a:solidFill>
+                <a:latin typeface="Arial" panose="020B0604020202020204" pitchFamily="34" charset="0"/>
+              </a:defRPr>
+            </a:lvl6pPr>
+            <a:lvl7pPr marL="2971800" indent="-228600" eaLnBrk="0" fontAlgn="base" hangingPunct="0">
+              <a:spcBef>
+                <a:spcPct val="0"/>
+              </a:spcBef>
+              <a:spcAft>
+                <a:spcPct val="0"/>
+              </a:spcAft>
+              <a:defRPr>
+                <a:solidFill>
+                  <a:schemeClr val="tx1"/>
+                </a:solidFill>
+                <a:latin typeface="Arial" panose="020B0604020202020204" pitchFamily="34" charset="0"/>
+              </a:defRPr>
+            </a:lvl7pPr>
+            <a:lvl8pPr marL="3429000" indent="-228600" eaLnBrk="0" fontAlgn="base" hangingPunct="0">
+              <a:spcBef>
+                <a:spcPct val="0"/>
+              </a:spcBef>
+              <a:spcAft>
+                <a:spcPct val="0"/>
+              </a:spcAft>
+              <a:defRPr>
+                <a:solidFill>
+                  <a:schemeClr val="tx1"/>
+                </a:solidFill>
+                <a:latin typeface="Arial" panose="020B0604020202020204" pitchFamily="34" charset="0"/>
+              </a:defRPr>
+            </a:lvl8pPr>
+            <a:lvl9pPr marL="3886200" indent="-228600" eaLnBrk="0" fontAlgn="base" hangingPunct="0">
+              <a:spcBef>
+                <a:spcPct val="0"/>
+              </a:spcBef>
+              <a:spcAft>
+                <a:spcPct val="0"/>
+              </a:spcAft>
+              <a:defRPr>
+                <a:solidFill>
+                  <a:schemeClr val="tx1"/>
+                </a:solidFill>
+                <a:latin typeface="Arial" panose="020B0604020202020204" pitchFamily="34" charset="0"/>
+              </a:defRPr>
+            </a:lvl9pPr>
+          </a:lstStyle>
+          <a:p>
+            <a:pPr eaLnBrk="1" hangingPunct="1">
+              <a:lnSpc>
+                <a:spcPct val="90000"/>
+              </a:lnSpc>
+            </a:pPr>
+            <a:r>
+              <a:rPr lang="en-US" altLang="it-IT" sz="900" dirty="0">
+                <a:solidFill>
+                  <a:schemeClr val="bg2"/>
+                </a:solidFill>
+                <a:cs typeface="Arial" panose="020B0604020202020204" pitchFamily="34" charset="0"/>
+              </a:rPr>
+              <a:t>© Computer Networks Research Group Roma Tre</a:t>
+            </a:r>
+          </a:p>
+        </p:txBody>
+      </p:sp>
+      <p:pic>
+        <p:nvPicPr>
+          <p:cNvPr id="3" name="Picture 2" descr="A group of cubes with different colors&#10;&#10;Description automatically generated">
+            <a:extLst>
+              <a:ext uri="{FF2B5EF4-FFF2-40B4-BE49-F238E27FC236}">
+                <a16:creationId xmlns:a16="http://schemas.microsoft.com/office/drawing/2014/main" id="{04BC26E2-2780-755F-DAB8-E568CC768E79}"/>
+              </a:ext>
+            </a:extLst>
+          </p:cNvPr>
+          <p:cNvPicPr>
+            <a:picLocks noChangeAspect="1"/>
+          </p:cNvPicPr>
+          <p:nvPr/>
+        </p:nvPicPr>
+        <p:blipFill>
+          <a:blip r:embed="rId13">
+            <a:extLst>
+              <a:ext uri="{28A0092B-C50C-407E-A947-70E740481C1C}">
+                <a14:useLocalDpi xmlns:a14="http://schemas.microsoft.com/office/drawing/2010/main" val="0"/>
+              </a:ext>
+            </a:extLst>
+          </a:blip>
+          <a:stretch>
+            <a:fillRect/>
+          </a:stretch>
+        </p:blipFill>
+        <p:spPr>
+          <a:xfrm>
+            <a:off x="223458" y="200174"/>
+            <a:ext cx="1264030" cy="852562"/>
+          </a:xfrm>
+          <a:prstGeom prst="rect">
+            <a:avLst/>
+          </a:prstGeom>
+        </p:spPr>
+      </p:pic>
+    </p:spTree>
+    <p:extLst>
+      <p:ext uri="{BB962C8B-B14F-4D97-AF65-F5344CB8AC3E}">
+        <p14:creationId xmlns:p14="http://schemas.microsoft.com/office/powerpoint/2010/main" val="357828379"/>
+      </p:ext>
+    </p:extLst>
+  </p:cSld>
+  <p:clrMap bg1="lt1" tx1="dk1" bg2="lt2" tx2="dk2" accent1="accent1" accent2="accent2" accent3="accent3" accent4="accent4" accent5="accent5" accent6="accent6" hlink="hlink" folHlink="folHlink"/>
+  <p:sldLayoutIdLst>
+    <p:sldLayoutId id="2147483726" r:id="rId1"/>
+    <p:sldLayoutId id="2147483727" r:id="rId2"/>
+    <p:sldLayoutId id="2147483728" r:id="rId3"/>
+    <p:sldLayoutId id="2147483729" r:id="rId4"/>
+    <p:sldLayoutId id="2147483730" r:id="rId5"/>
+    <p:sldLayoutId id="2147483731" r:id="rId6"/>
+    <p:sldLayoutId id="2147483732" r:id="rId7"/>
+    <p:sldLayoutId id="2147483733" r:id="rId8"/>
+    <p:sldLayoutId id="2147483734" r:id="rId9"/>
+    <p:sldLayoutId id="2147483735" r:id="rId10"/>
+    <p:sldLayoutId id="2147483736" r:id="rId11"/>
+  </p:sldLayoutIdLst>
+  <p:hf sldNum="0" hdr="0"/>
+  <p:txStyles>
+    <p:titleStyle>
+      <a:lvl1pPr algn="ctr" rtl="0" eaLnBrk="1" fontAlgn="base" hangingPunct="1">
+        <a:spcBef>
+          <a:spcPct val="0"/>
+        </a:spcBef>
+        <a:spcAft>
+          <a:spcPct val="0"/>
+        </a:spcAft>
+        <a:defRPr sz="4401">
+          <a:solidFill>
+            <a:schemeClr val="tx2"/>
+          </a:solidFill>
+          <a:latin typeface="+mj-lt"/>
+          <a:ea typeface="+mj-ea"/>
+          <a:cs typeface="+mj-cs"/>
+        </a:defRPr>
+      </a:lvl1pPr>
+      <a:lvl2pPr algn="ctr" rtl="0" eaLnBrk="1" fontAlgn="base" hangingPunct="1">
+        <a:spcBef>
+          <a:spcPct val="0"/>
+        </a:spcBef>
+        <a:spcAft>
+          <a:spcPct val="0"/>
+        </a:spcAft>
+        <a:defRPr sz="4401">
+          <a:solidFill>
+            <a:schemeClr val="tx2"/>
+          </a:solidFill>
+          <a:latin typeface="Tahoma" pitchFamily="34" charset="0"/>
+        </a:defRPr>
+      </a:lvl2pPr>
+      <a:lvl3pPr algn="ctr" rtl="0" eaLnBrk="1" fontAlgn="base" hangingPunct="1">
+        <a:spcBef>
+          <a:spcPct val="0"/>
+        </a:spcBef>
+        <a:spcAft>
+          <a:spcPct val="0"/>
+        </a:spcAft>
+        <a:defRPr sz="4401">
+          <a:solidFill>
+            <a:schemeClr val="tx2"/>
+          </a:solidFill>
+          <a:latin typeface="Tahoma" pitchFamily="34" charset="0"/>
+        </a:defRPr>
+      </a:lvl3pPr>
+      <a:lvl4pPr algn="ctr" rtl="0" eaLnBrk="1" fontAlgn="base" hangingPunct="1">
+        <a:spcBef>
+          <a:spcPct val="0"/>
+        </a:spcBef>
+        <a:spcAft>
+          <a:spcPct val="0"/>
+        </a:spcAft>
+        <a:defRPr sz="4401">
+          <a:solidFill>
+            <a:schemeClr val="tx2"/>
+          </a:solidFill>
+          <a:latin typeface="Tahoma" pitchFamily="34" charset="0"/>
+        </a:defRPr>
+      </a:lvl4pPr>
+      <a:lvl5pPr algn="ctr" rtl="0" eaLnBrk="1" fontAlgn="base" hangingPunct="1">
+        <a:spcBef>
+          <a:spcPct val="0"/>
+        </a:spcBef>
+        <a:spcAft>
+          <a:spcPct val="0"/>
+        </a:spcAft>
+        <a:defRPr sz="4401">
+          <a:solidFill>
+            <a:schemeClr val="tx2"/>
+          </a:solidFill>
+          <a:latin typeface="Tahoma" pitchFamily="34" charset="0"/>
+        </a:defRPr>
+      </a:lvl5pPr>
+      <a:lvl6pPr marL="457212" algn="ctr" rtl="0" eaLnBrk="1" fontAlgn="base" hangingPunct="1">
+        <a:spcBef>
+          <a:spcPct val="0"/>
+        </a:spcBef>
+        <a:spcAft>
+          <a:spcPct val="0"/>
+        </a:spcAft>
+        <a:defRPr sz="4401">
+          <a:solidFill>
+            <a:schemeClr val="tx2"/>
+          </a:solidFill>
+          <a:latin typeface="Tahoma" pitchFamily="34" charset="0"/>
+        </a:defRPr>
+      </a:lvl6pPr>
+      <a:lvl7pPr marL="914423" algn="ctr" rtl="0" eaLnBrk="1" fontAlgn="base" hangingPunct="1">
+        <a:spcBef>
+          <a:spcPct val="0"/>
+        </a:spcBef>
+        <a:spcAft>
+          <a:spcPct val="0"/>
+        </a:spcAft>
+        <a:defRPr sz="4401">
+          <a:solidFill>
+            <a:schemeClr val="tx2"/>
+          </a:solidFill>
+          <a:latin typeface="Tahoma" pitchFamily="34" charset="0"/>
+        </a:defRPr>
+      </a:lvl7pPr>
+      <a:lvl8pPr marL="1371634" algn="ctr" rtl="0" eaLnBrk="1" fontAlgn="base" hangingPunct="1">
+        <a:spcBef>
+          <a:spcPct val="0"/>
+        </a:spcBef>
+        <a:spcAft>
+          <a:spcPct val="0"/>
+        </a:spcAft>
+        <a:defRPr sz="4401">
+          <a:solidFill>
+            <a:schemeClr val="tx2"/>
+          </a:solidFill>
+          <a:latin typeface="Tahoma" pitchFamily="34" charset="0"/>
+        </a:defRPr>
+      </a:lvl8pPr>
+      <a:lvl9pPr marL="1828846" algn="ctr" rtl="0" eaLnBrk="1" fontAlgn="base" hangingPunct="1">
+        <a:spcBef>
+          <a:spcPct val="0"/>
+        </a:spcBef>
+        <a:spcAft>
+          <a:spcPct val="0"/>
+        </a:spcAft>
+        <a:defRPr sz="4401">
+          <a:solidFill>
+            <a:schemeClr val="tx2"/>
+          </a:solidFill>
+          <a:latin typeface="Tahoma" pitchFamily="34" charset="0"/>
+        </a:defRPr>
+      </a:lvl9pPr>
+    </p:titleStyle>
+    <p:bodyStyle>
+      <a:lvl1pPr marL="342908" indent="-342908" algn="l" rtl="0" eaLnBrk="1" fontAlgn="base" hangingPunct="1">
+        <a:spcBef>
+          <a:spcPct val="20000"/>
+        </a:spcBef>
+        <a:spcAft>
+          <a:spcPct val="0"/>
+        </a:spcAft>
+        <a:buClr>
+          <a:schemeClr val="tx2"/>
+        </a:buClr>
+        <a:buSzPct val="70000"/>
+        <a:buFont typeface="Wingdings" panose="05000000000000000000" pitchFamily="2" charset="2"/>
+        <a:buChar char="n"/>
+        <a:defRPr sz="3200">
+          <a:solidFill>
+            <a:schemeClr val="tx1"/>
+          </a:solidFill>
+          <a:latin typeface="+mn-lt"/>
+          <a:ea typeface="+mn-ea"/>
+          <a:cs typeface="+mn-cs"/>
+        </a:defRPr>
+      </a:lvl1pPr>
+      <a:lvl2pPr marL="742969" indent="-285757" algn="l" rtl="0" eaLnBrk="1" fontAlgn="base" hangingPunct="1">
+        <a:spcBef>
+          <a:spcPct val="20000"/>
+        </a:spcBef>
+        <a:spcAft>
+          <a:spcPct val="0"/>
+        </a:spcAft>
+        <a:buClr>
+          <a:schemeClr val="accent1"/>
+        </a:buClr>
+        <a:buSzPct val="70000"/>
+        <a:buFont typeface="Wingdings" panose="05000000000000000000" pitchFamily="2" charset="2"/>
+        <a:buChar char="n"/>
+        <a:defRPr sz="2800">
+          <a:solidFill>
+            <a:schemeClr val="tx1"/>
+          </a:solidFill>
+          <a:latin typeface="+mn-lt"/>
+        </a:defRPr>
+      </a:lvl2pPr>
+      <a:lvl3pPr marL="1143028" indent="-228606" algn="l" rtl="0" eaLnBrk="1" fontAlgn="base" hangingPunct="1">
+        <a:spcBef>
+          <a:spcPct val="20000"/>
+        </a:spcBef>
+        <a:spcAft>
+          <a:spcPct val="0"/>
+        </a:spcAft>
+        <a:buClr>
+          <a:srgbClr val="66CC00"/>
+        </a:buClr>
+        <a:buSzPct val="70000"/>
+        <a:buFont typeface="Wingdings" panose="05000000000000000000" pitchFamily="2" charset="2"/>
+        <a:buChar char="n"/>
+        <a:defRPr sz="2400">
+          <a:solidFill>
+            <a:schemeClr val="tx1"/>
+          </a:solidFill>
+          <a:latin typeface="+mn-lt"/>
+        </a:defRPr>
+      </a:lvl3pPr>
+      <a:lvl4pPr marL="1600240" indent="-228606" algn="l" rtl="0" eaLnBrk="1" fontAlgn="base" hangingPunct="1">
+        <a:spcBef>
+          <a:spcPct val="20000"/>
+        </a:spcBef>
+        <a:spcAft>
+          <a:spcPct val="0"/>
+        </a:spcAft>
+        <a:buSzPct val="70000"/>
+        <a:buFont typeface="Wingdings" panose="05000000000000000000" pitchFamily="2" charset="2"/>
+        <a:buChar char="l"/>
+        <a:defRPr sz="2000">
+          <a:solidFill>
+            <a:schemeClr val="tx1"/>
+          </a:solidFill>
+          <a:latin typeface="+mn-lt"/>
+        </a:defRPr>
+      </a:lvl4pPr>
+      <a:lvl5pPr marL="2057452" indent="-228606" algn="l" rtl="0" eaLnBrk="1" fontAlgn="base" hangingPunct="1">
+        <a:spcBef>
+          <a:spcPct val="20000"/>
+        </a:spcBef>
+        <a:spcAft>
+          <a:spcPct val="0"/>
+        </a:spcAft>
+        <a:buFont typeface="Arial" panose="020B0604020202020204" pitchFamily="34" charset="0"/>
+        <a:buChar char="–"/>
+        <a:defRPr sz="2000">
+          <a:solidFill>
+            <a:schemeClr val="tx1"/>
+          </a:solidFill>
+          <a:latin typeface="+mn-lt"/>
+        </a:defRPr>
+      </a:lvl5pPr>
+      <a:lvl6pPr marL="2514663" indent="-228606" algn="l" rtl="0" eaLnBrk="1" fontAlgn="base" hangingPunct="1">
+        <a:spcBef>
+          <a:spcPct val="20000"/>
+        </a:spcBef>
+        <a:spcAft>
+          <a:spcPct val="0"/>
+        </a:spcAft>
+        <a:buFont typeface="Arial" charset="0"/>
+        <a:buChar char="–"/>
+        <a:defRPr sz="2000">
+          <a:solidFill>
+            <a:schemeClr val="tx1"/>
+          </a:solidFill>
+          <a:latin typeface="+mn-lt"/>
+        </a:defRPr>
+      </a:lvl6pPr>
+      <a:lvl7pPr marL="2971874" indent="-228606" algn="l" rtl="0" eaLnBrk="1" fontAlgn="base" hangingPunct="1">
+        <a:spcBef>
+          <a:spcPct val="20000"/>
+        </a:spcBef>
+        <a:spcAft>
+          <a:spcPct val="0"/>
+        </a:spcAft>
+        <a:buFont typeface="Arial" charset="0"/>
+        <a:buChar char="–"/>
+        <a:defRPr sz="2000">
+          <a:solidFill>
+            <a:schemeClr val="tx1"/>
+          </a:solidFill>
+          <a:latin typeface="+mn-lt"/>
+        </a:defRPr>
+      </a:lvl7pPr>
+      <a:lvl8pPr marL="3429086" indent="-228606" algn="l" rtl="0" eaLnBrk="1" fontAlgn="base" hangingPunct="1">
+        <a:spcBef>
+          <a:spcPct val="20000"/>
+        </a:spcBef>
+        <a:spcAft>
+          <a:spcPct val="0"/>
+        </a:spcAft>
+        <a:buFont typeface="Arial" charset="0"/>
+        <a:buChar char="–"/>
+        <a:defRPr sz="2000">
+          <a:solidFill>
+            <a:schemeClr val="tx1"/>
+          </a:solidFill>
+          <a:latin typeface="+mn-lt"/>
+        </a:defRPr>
+      </a:lvl8pPr>
+      <a:lvl9pPr marL="3886297" indent="-228606" algn="l" rtl="0" eaLnBrk="1" fontAlgn="base" hangingPunct="1">
+        <a:spcBef>
+          <a:spcPct val="20000"/>
+        </a:spcBef>
+        <a:spcAft>
+          <a:spcPct val="0"/>
+        </a:spcAft>
+        <a:buFont typeface="Arial" charset="0"/>
+        <a:buChar char="–"/>
+        <a:defRPr sz="2000">
+          <a:solidFill>
+            <a:schemeClr val="tx1"/>
+          </a:solidFill>
+          <a:latin typeface="+mn-lt"/>
+        </a:defRPr>
+      </a:lvl9pPr>
+    </p:bodyStyle>
+    <p:otherStyle>
+      <a:defPPr>
+        <a:defRPr lang="it-IT"/>
+      </a:defPPr>
+      <a:lvl1pPr marL="0" algn="l" defTabSz="914423" rtl="0" eaLnBrk="1" latinLnBrk="0" hangingPunct="1">
+        <a:defRPr sz="1800" kern="1200">
+          <a:solidFill>
+            <a:schemeClr val="tx1"/>
+          </a:solidFill>
+          <a:latin typeface="+mn-lt"/>
+          <a:ea typeface="+mn-ea"/>
+          <a:cs typeface="+mn-cs"/>
+        </a:defRPr>
+      </a:lvl1pPr>
+      <a:lvl2pPr marL="457212" algn="l" defTabSz="914423" rtl="0" eaLnBrk="1" latinLnBrk="0" hangingPunct="1">
+        <a:defRPr sz="1800" kern="1200">
+          <a:solidFill>
+            <a:schemeClr val="tx1"/>
+          </a:solidFill>
+          <a:latin typeface="+mn-lt"/>
+          <a:ea typeface="+mn-ea"/>
+          <a:cs typeface="+mn-cs"/>
+        </a:defRPr>
+      </a:lvl2pPr>
+      <a:lvl3pPr marL="914423" algn="l" defTabSz="914423" rtl="0" eaLnBrk="1" latinLnBrk="0" hangingPunct="1">
+        <a:defRPr sz="1800" kern="1200">
+          <a:solidFill>
+            <a:schemeClr val="tx1"/>
+          </a:solidFill>
+          <a:latin typeface="+mn-lt"/>
+          <a:ea typeface="+mn-ea"/>
+          <a:cs typeface="+mn-cs"/>
+        </a:defRPr>
+      </a:lvl3pPr>
+      <a:lvl4pPr marL="1371634" algn="l" defTabSz="914423" rtl="0" eaLnBrk="1" latinLnBrk="0" hangingPunct="1">
+        <a:defRPr sz="1800" kern="1200">
+          <a:solidFill>
+            <a:schemeClr val="tx1"/>
+          </a:solidFill>
+          <a:latin typeface="+mn-lt"/>
+          <a:ea typeface="+mn-ea"/>
+          <a:cs typeface="+mn-cs"/>
+        </a:defRPr>
+      </a:lvl4pPr>
+      <a:lvl5pPr marL="1828846" algn="l" defTabSz="914423" rtl="0" eaLnBrk="1" latinLnBrk="0" hangingPunct="1">
+        <a:defRPr sz="1800" kern="1200">
+          <a:solidFill>
+            <a:schemeClr val="tx1"/>
+          </a:solidFill>
+          <a:latin typeface="+mn-lt"/>
+          <a:ea typeface="+mn-ea"/>
+          <a:cs typeface="+mn-cs"/>
+        </a:defRPr>
+      </a:lvl5pPr>
+      <a:lvl6pPr marL="2286057" algn="l" defTabSz="914423" rtl="0" eaLnBrk="1" latinLnBrk="0" hangingPunct="1">
+        <a:defRPr sz="1800" kern="1200">
+          <a:solidFill>
+            <a:schemeClr val="tx1"/>
+          </a:solidFill>
+          <a:latin typeface="+mn-lt"/>
+          <a:ea typeface="+mn-ea"/>
+          <a:cs typeface="+mn-cs"/>
+        </a:defRPr>
+      </a:lvl6pPr>
+      <a:lvl7pPr marL="2743269" algn="l" defTabSz="914423" rtl="0" eaLnBrk="1" latinLnBrk="0" hangingPunct="1">
+        <a:defRPr sz="1800" kern="1200">
+          <a:solidFill>
+            <a:schemeClr val="tx1"/>
+          </a:solidFill>
+          <a:latin typeface="+mn-lt"/>
+          <a:ea typeface="+mn-ea"/>
+          <a:cs typeface="+mn-cs"/>
+        </a:defRPr>
+      </a:lvl7pPr>
+      <a:lvl8pPr marL="3200480" algn="l" defTabSz="914423" rtl="0" eaLnBrk="1" latinLnBrk="0" hangingPunct="1">
+        <a:defRPr sz="1800" kern="1200">
+          <a:solidFill>
+            <a:schemeClr val="tx1"/>
+          </a:solidFill>
+          <a:latin typeface="+mn-lt"/>
+          <a:ea typeface="+mn-ea"/>
+          <a:cs typeface="+mn-cs"/>
+        </a:defRPr>
+      </a:lvl8pPr>
+      <a:lvl9pPr marL="3657691" algn="l" defTabSz="914423" rtl="0" eaLnBrk="1" latinLnBrk="0" hangingPunct="1">
+        <a:defRPr sz="1800" kern="1200">
+          <a:solidFill>
+            <a:schemeClr val="tx1"/>
+          </a:solidFill>
+          <a:latin typeface="+mn-lt"/>
+          <a:ea typeface="+mn-ea"/>
+          <a:cs typeface="+mn-cs"/>
+        </a:defRPr>
+      </a:lvl9pPr>
+    </p:otherStyle>
+  </p:txStyles>
+  <p:extLst>
+    <p:ext uri="{27BBF7A9-308A-43DC-89C8-2F10F3537804}">
+      <p15:sldGuideLst xmlns:p15="http://schemas.microsoft.com/office/powerpoint/2012/main">
+        <p15:guide id="1" orient="horz" pos="890">
+          <p15:clr>
+            <a:srgbClr val="F26B43"/>
+          </p15:clr>
+        </p15:guide>
+      </p15:sldGuideLst>
+    </p:ext>
+  </p:extLst>
+</p:sldMaster>
+</file>
+
 <file path=ppt/slides/slide1.xml><?xml version="1.0" encoding="utf-8"?>
 <p:sld xmlns:a="http://schemas.openxmlformats.org/drawingml/2006/main" xmlns:r="http://schemas.openxmlformats.org/officeDocument/2006/relationships" xmlns:p="http://schemas.openxmlformats.org/presentationml/2006/main">
   <p:cSld>
@@ -9104,7 +12202,7 @@
           <p:nvPr>
             <p:extLst>
               <p:ext uri="{D42A27DB-BD31-4B8C-83A1-F6EECF244321}">
-                <p14:modId xmlns:p14="http://schemas.microsoft.com/office/powerpoint/2010/main" val="2257895742"/>
+                <p14:modId xmlns:p14="http://schemas.microsoft.com/office/powerpoint/2010/main" val="1499635268"/>
               </p:ext>
             </p:extLst>
           </p:nvPr>
@@ -9520,7 +12618,7 @@
                           <a:effectLst/>
                           <a:latin typeface="Tahoma" panose="020B0604030504040204" pitchFamily="34" charset="0"/>
                         </a:rPr>
-                        <a:t>1.2</a:t>
+                        <a:t>1.3</a:t>
                       </a:r>
                     </a:p>
                   </a:txBody>
@@ -24390,23 +27488,6 @@
                 <a:t>:~$ </a:t>
               </a:r>
               <a:r>
-                <a:rPr kumimoji="0" lang="it-IT" sz="1800" b="0" i="0" u="none" strike="noStrike" kern="0" cap="none" spc="0" normalizeH="0" baseline="0" noProof="0" dirty="0">
-                  <a:ln>
-                    <a:noFill/>
-                  </a:ln>
-                  <a:solidFill>
-                    <a:prstClr val="white"/>
-                  </a:solidFill>
-                  <a:effectLst/>
-                  <a:uLnTx/>
-                  <a:uFillTx/>
-                  <a:latin typeface="Consolas" panose="020B0609020204030204" pitchFamily="49" charset="0"/>
-                  <a:ea typeface="+mn-ea"/>
-                  <a:cs typeface="+mn-cs"/>
-                </a:rPr>
-                <a:t>/</a:t>
-              </a:r>
-              <a:r>
                 <a:rPr kumimoji="0" lang="it-IT" sz="1800" b="0" i="0" u="none" strike="noStrike" kern="0" cap="none" spc="0" normalizeH="0" baseline="0" noProof="0" dirty="0" err="1">
                   <a:ln>
                     <a:noFill/>
@@ -24421,7 +27502,7 @@
                   <a:ea typeface="+mn-ea"/>
                   <a:cs typeface="+mn-cs"/>
                 </a:rPr>
-                <a:t>etc</a:t>
+                <a:t>systemctl</a:t>
               </a:r>
               <a:r>
                 <a:rPr kumimoji="0" lang="it-IT" sz="1800" b="0" i="0" u="none" strike="noStrike" kern="0" cap="none" spc="0" normalizeH="0" baseline="0" noProof="0" dirty="0">
@@ -24438,105 +27519,7 @@
                   <a:ea typeface="+mn-ea"/>
                   <a:cs typeface="+mn-cs"/>
                 </a:rPr>
-                <a:t>/</a:t>
-              </a:r>
-              <a:r>
-                <a:rPr kumimoji="0" lang="it-IT" sz="1800" b="0" i="0" u="none" strike="noStrike" kern="0" cap="none" spc="0" normalizeH="0" baseline="0" noProof="0" dirty="0" err="1">
-                  <a:ln>
-                    <a:noFill/>
-                  </a:ln>
-                  <a:solidFill>
-                    <a:prstClr val="white"/>
-                  </a:solidFill>
-                  <a:effectLst/>
-                  <a:uLnTx/>
-                  <a:uFillTx/>
-                  <a:latin typeface="Consolas" panose="020B0609020204030204" pitchFamily="49" charset="0"/>
-                  <a:ea typeface="+mn-ea"/>
-                  <a:cs typeface="+mn-cs"/>
-                </a:rPr>
-                <a:t>init.d</a:t>
-              </a:r>
-              <a:r>
-                <a:rPr kumimoji="0" lang="it-IT" sz="1800" b="0" i="0" u="none" strike="noStrike" kern="0" cap="none" spc="0" normalizeH="0" baseline="0" noProof="0" dirty="0">
-                  <a:ln>
-                    <a:noFill/>
-                  </a:ln>
-                  <a:solidFill>
-                    <a:prstClr val="white"/>
-                  </a:solidFill>
-                  <a:effectLst/>
-                  <a:uLnTx/>
-                  <a:uFillTx/>
-                  <a:latin typeface="Consolas" panose="020B0609020204030204" pitchFamily="49" charset="0"/>
-                  <a:ea typeface="+mn-ea"/>
-                  <a:cs typeface="+mn-cs"/>
-                </a:rPr>
-                <a:t>/apache2 status</a:t>
-              </a:r>
-            </a:p>
-            <a:p>
-              <a:pPr marL="0" marR="0" lvl="0" indent="0" defTabSz="914400" eaLnBrk="1" fontAlgn="auto" latinLnBrk="0" hangingPunct="1">
-                <a:lnSpc>
-                  <a:spcPct val="100000"/>
-                </a:lnSpc>
-                <a:spcBef>
-                  <a:spcPts val="0"/>
-                </a:spcBef>
-                <a:spcAft>
-                  <a:spcPts val="0"/>
-                </a:spcAft>
-                <a:buClrTx/>
-                <a:buSzTx/>
-                <a:buFontTx/>
-                <a:buNone/>
-                <a:tabLst/>
-                <a:defRPr/>
-              </a:pPr>
-              <a:r>
-                <a:rPr lang="it-IT" kern="0" dirty="0">
-                  <a:solidFill>
-                    <a:prstClr val="white"/>
-                  </a:solidFill>
-                  <a:latin typeface="Consolas" panose="020B0609020204030204" pitchFamily="49" charset="0"/>
-                </a:rPr>
-                <a:t>Apache </a:t>
-              </a:r>
-              <a:r>
-                <a:rPr lang="it-IT" kern="0" dirty="0" err="1">
-                  <a:solidFill>
-                    <a:prstClr val="white"/>
-                  </a:solidFill>
-                  <a:latin typeface="Consolas" panose="020B0609020204030204" pitchFamily="49" charset="0"/>
-                </a:rPr>
-                <a:t>is</a:t>
-              </a:r>
-              <a:r>
-                <a:rPr lang="it-IT" kern="0" dirty="0">
-                  <a:solidFill>
-                    <a:prstClr val="white"/>
-                  </a:solidFill>
-                  <a:latin typeface="Consolas" panose="020B0609020204030204" pitchFamily="49" charset="0"/>
-                </a:rPr>
-                <a:t> running (</a:t>
-              </a:r>
-              <a:r>
-                <a:rPr lang="it-IT" kern="0" dirty="0" err="1">
-                  <a:solidFill>
-                    <a:prstClr val="white"/>
-                  </a:solidFill>
-                  <a:latin typeface="Consolas" panose="020B0609020204030204" pitchFamily="49" charset="0"/>
-                </a:rPr>
-                <a:t>pid</a:t>
-              </a:r>
-              <a:r>
-                <a:rPr lang="it-IT" kern="0" dirty="0">
-                  <a:solidFill>
-                    <a:prstClr val="white"/>
-                  </a:solidFill>
-                  <a:latin typeface="Consolas" panose="020B0609020204030204" pitchFamily="49" charset="0"/>
-                </a:rPr>
-                <a:t> 234)…</a:t>
+                <a:t> start apache2</a:t>
               </a:r>
             </a:p>
             <a:p>
@@ -25060,102 +28043,31 @@
             <a:endParaRPr lang="it-IT" altLang="it-IT" sz="3200" dirty="0"/>
           </a:p>
           <a:p>
-            <a:pPr eaLnBrk="1" hangingPunct="1">
+            <a:pPr marL="0" indent="0" eaLnBrk="1" hangingPunct="1">
               <a:lnSpc>
                 <a:spcPct val="90000"/>
               </a:lnSpc>
+              <a:buNone/>
             </a:pPr>
-            <a:r>
-              <a:rPr lang="it-IT" altLang="it-IT" sz="3200" dirty="0"/>
-              <a:t>an </a:t>
-            </a:r>
-            <a:r>
-              <a:rPr lang="it-IT" altLang="it-IT" sz="3200" dirty="0" err="1"/>
-              <a:t>empty</a:t>
-            </a:r>
-            <a:r>
-              <a:rPr lang="it-IT" altLang="it-IT" sz="3200" dirty="0"/>
-              <a:t> screen </a:t>
-            </a:r>
-            <a:r>
-              <a:rPr lang="it-IT" altLang="it-IT" sz="3200" dirty="0" err="1"/>
-              <a:t>is</a:t>
-            </a:r>
-            <a:r>
-              <a:rPr lang="it-IT" altLang="it-IT" sz="3200" dirty="0"/>
-              <a:t> </a:t>
-            </a:r>
-            <a:r>
-              <a:rPr lang="it-IT" altLang="it-IT" sz="3200" dirty="0" err="1"/>
-              <a:t>presented</a:t>
-            </a:r>
-            <a:r>
-              <a:rPr lang="it-IT" altLang="it-IT" sz="3200" dirty="0"/>
-              <a:t> to the user...</a:t>
-            </a:r>
-          </a:p>
-          <a:p>
-            <a:pPr eaLnBrk="1" hangingPunct="1">
+            <a:endParaRPr lang="it-IT" altLang="it-IT" dirty="0"/>
+          </a:p>
+          <a:p>
+            <a:pPr marL="0" indent="0" eaLnBrk="1" hangingPunct="1">
               <a:lnSpc>
                 <a:spcPct val="90000"/>
               </a:lnSpc>
+              <a:buNone/>
             </a:pPr>
-            <a:r>
-              <a:rPr lang="it-IT" altLang="it-IT" sz="3200" dirty="0"/>
-              <a:t>to access the menu bar, press F10</a:t>
-            </a:r>
-          </a:p>
-          <a:p>
-            <a:pPr eaLnBrk="1" hangingPunct="1">
+            <a:endParaRPr lang="it-IT" altLang="it-IT" sz="3200" dirty="0"/>
+          </a:p>
+          <a:p>
+            <a:pPr marL="0" indent="0" eaLnBrk="1" hangingPunct="1">
               <a:lnSpc>
                 <a:spcPct val="90000"/>
               </a:lnSpc>
+              <a:buNone/>
             </a:pPr>
-            <a:r>
-              <a:rPr lang="it-IT" altLang="it-IT" sz="3200" dirty="0" err="1"/>
-              <a:t>using</a:t>
-            </a:r>
-            <a:r>
-              <a:rPr lang="it-IT" altLang="it-IT" sz="3200" dirty="0"/>
-              <a:t> the </a:t>
-            </a:r>
-            <a:r>
-              <a:rPr lang="it-IT" altLang="it-IT" sz="3200" dirty="0" err="1"/>
-              <a:t>cursor</a:t>
-            </a:r>
-            <a:r>
-              <a:rPr lang="it-IT" altLang="it-IT" sz="3200" dirty="0"/>
-              <a:t> keys, </a:t>
-            </a:r>
-            <a:r>
-              <a:rPr lang="it-IT" altLang="it-IT" sz="3200" dirty="0" err="1"/>
-              <a:t>select</a:t>
-            </a:r>
-            <a:r>
-              <a:rPr lang="it-IT" altLang="it-IT" sz="3200" dirty="0"/>
-              <a:t> “Go to URL” and press </a:t>
-            </a:r>
-            <a:r>
-              <a:rPr lang="it-IT" altLang="it-IT" sz="3200" dirty="0" err="1"/>
-              <a:t>Enter</a:t>
-            </a:r>
             <a:endParaRPr lang="it-IT" altLang="it-IT" sz="3200" dirty="0"/>
-          </a:p>
-          <a:p>
-            <a:r>
-              <a:rPr lang="it-IT" altLang="it-IT" sz="3200" dirty="0" err="1"/>
-              <a:t>enter</a:t>
-            </a:r>
-            <a:r>
-              <a:rPr lang="it-IT" altLang="it-IT" sz="3200" dirty="0"/>
-              <a:t> the following URL: </a:t>
-            </a:r>
-            <a:r>
-              <a:rPr lang="it-IT" altLang="it-IT" sz="3200" b="1" dirty="0">
-                <a:latin typeface="Courier New" panose="02070309020205020404" pitchFamily="49" charset="0"/>
-              </a:rPr>
-              <a:t>http://10.0.0.1/</a:t>
-            </a:r>
           </a:p>
           <a:p>
             <a:r>
@@ -25265,10 +28177,10 @@
       </p:sp>
       <p:grpSp>
         <p:nvGrpSpPr>
-          <p:cNvPr id="33" name="Group 32">
+          <p:cNvPr id="2" name="Group 1">
             <a:extLst>
               <a:ext uri="{FF2B5EF4-FFF2-40B4-BE49-F238E27FC236}">
-                <a16:creationId xmlns:a16="http://schemas.microsoft.com/office/drawing/2014/main" id="{79E8B505-E318-4CFB-9325-F3FEE8466BA4}"/>
+                <a16:creationId xmlns:a16="http://schemas.microsoft.com/office/drawing/2014/main" id="{D164DB65-F19A-4F5A-16EA-DC6CAAC2A682}"/>
               </a:ext>
             </a:extLst>
           </p:cNvPr>
@@ -25277,111 +28189,167 @@
         </p:nvGrpSpPr>
         <p:grpSpPr>
           <a:xfrm>
-            <a:off x="3431704" y="2132856"/>
-            <a:ext cx="5508580" cy="1242835"/>
-            <a:chOff x="2116183" y="1995487"/>
-            <a:chExt cx="6661106" cy="1242835"/>
+            <a:off x="2078427" y="2712239"/>
+            <a:ext cx="8035145" cy="1433522"/>
+            <a:chOff x="2039933" y="1347406"/>
+            <a:chExt cx="8035145" cy="1433522"/>
           </a:xfrm>
         </p:grpSpPr>
-        <p:sp>
-          <p:nvSpPr>
-            <p:cNvPr id="34" name="Rectangle 33">
+        <p:grpSp>
+          <p:nvGrpSpPr>
+            <p:cNvPr id="3" name="Group 2">
               <a:extLst>
                 <a:ext uri="{FF2B5EF4-FFF2-40B4-BE49-F238E27FC236}">
-                  <a16:creationId xmlns:a16="http://schemas.microsoft.com/office/drawing/2014/main" id="{201942D9-4ED4-4882-8433-D3615D928BB3}"/>
+                  <a16:creationId xmlns:a16="http://schemas.microsoft.com/office/drawing/2014/main" id="{4856110B-CA82-8A92-863D-4273C075333C}"/>
                 </a:ext>
               </a:extLst>
             </p:cNvPr>
-            <p:cNvSpPr/>
+            <p:cNvGrpSpPr/>
             <p:nvPr/>
-          </p:nvSpPr>
-          <p:spPr>
+          </p:nvGrpSpPr>
+          <p:grpSpPr>
             <a:xfrm>
-              <a:off x="2116184" y="2203269"/>
-              <a:ext cx="6661105" cy="1035053"/>
+              <a:off x="2039933" y="1347406"/>
+              <a:ext cx="8035145" cy="1433522"/>
+              <a:chOff x="2116183" y="1995487"/>
+              <a:chExt cx="6661106" cy="1433522"/>
             </a:xfrm>
-            <a:prstGeom prst="rect">
-              <a:avLst/>
-            </a:prstGeom>
-            <a:solidFill>
-              <a:sysClr val="windowText" lastClr="000000"/>
-            </a:solidFill>
-            <a:ln w="57150" cap="flat" cmpd="sng" algn="ctr">
+          </p:grpSpPr>
+          <p:sp>
+            <p:nvSpPr>
+              <p:cNvPr id="8" name="Rectangle 7">
+                <a:extLst>
+                  <a:ext uri="{FF2B5EF4-FFF2-40B4-BE49-F238E27FC236}">
+                    <a16:creationId xmlns:a16="http://schemas.microsoft.com/office/drawing/2014/main" id="{FD7E9E14-F3D0-6E69-AB46-E86E7DEF55C1}"/>
+                  </a:ext>
+                </a:extLst>
+              </p:cNvPr>
+              <p:cNvSpPr/>
+              <p:nvPr/>
+            </p:nvSpPr>
+            <p:spPr>
+              <a:xfrm>
+                <a:off x="2116184" y="2203269"/>
+                <a:ext cx="6661105" cy="1225740"/>
+              </a:xfrm>
+              <a:prstGeom prst="rect">
+                <a:avLst/>
+              </a:prstGeom>
               <a:solidFill>
-                <a:srgbClr val="4472C4"/>
+                <a:sysClr val="windowText" lastClr="000000"/>
               </a:solidFill>
-              <a:prstDash val="solid"/>
-              <a:miter lim="800000"/>
-            </a:ln>
-            <a:effectLst>
-              <a:outerShdw blurRad="50800" dist="38100" dir="2700000" algn="tl" rotWithShape="0">
-                <a:prstClr val="black">
-                  <a:alpha val="40000"/>
-                </a:prstClr>
-              </a:outerShdw>
-            </a:effectLst>
-          </p:spPr>
-          <p:txBody>
-            <a:bodyPr rtlCol="0" anchor="t"/>
-            <a:lstStyle/>
-            <a:p>
-              <a:pPr marL="0" marR="0" lvl="0" indent="0" defTabSz="914400" eaLnBrk="1" fontAlgn="auto" latinLnBrk="0" hangingPunct="1">
-                <a:lnSpc>
-                  <a:spcPct val="100000"/>
-                </a:lnSpc>
-                <a:spcBef>
-                  <a:spcPts val="0"/>
-                </a:spcBef>
-                <a:spcAft>
-                  <a:spcPts val="0"/>
-                </a:spcAft>
-                <a:buClrTx/>
-                <a:buSzTx/>
-                <a:buFontTx/>
-                <a:buNone/>
-                <a:tabLst/>
-                <a:defRPr/>
-              </a:pPr>
-              <a:r>
-                <a:rPr kumimoji="0" lang="it-IT" sz="2400" b="0" i="0" u="none" strike="noStrike" kern="0" cap="none" spc="0" normalizeH="0" baseline="0" noProof="0" dirty="0" err="1">
-                  <a:ln>
-                    <a:noFill/>
-                  </a:ln>
-                  <a:solidFill>
-                    <a:prstClr val="white">
-                      <a:lumMod val="65000"/>
-                    </a:prstClr>
-                  </a:solidFill>
-                  <a:effectLst/>
-                  <a:uLnTx/>
-                  <a:uFillTx/>
-                  <a:latin typeface="Consolas" panose="020B0609020204030204" pitchFamily="49" charset="0"/>
-                  <a:ea typeface="+mn-ea"/>
-                  <a:cs typeface="+mn-cs"/>
-                </a:rPr>
-                <a:t>root@client</a:t>
-              </a:r>
-              <a:r>
-                <a:rPr kumimoji="0" lang="it-IT" sz="2400" b="0" i="0" u="none" strike="noStrike" kern="0" cap="none" spc="0" normalizeH="0" baseline="0" noProof="0" dirty="0">
-                  <a:ln>
-                    <a:noFill/>
-                  </a:ln>
-                  <a:solidFill>
-                    <a:prstClr val="white">
-                      <a:lumMod val="65000"/>
-                    </a:prstClr>
-                  </a:solidFill>
-                  <a:effectLst/>
-                  <a:uLnTx/>
-                  <a:uFillTx/>
-                  <a:latin typeface="Consolas" panose="020B0609020204030204" pitchFamily="49" charset="0"/>
-                  <a:ea typeface="+mn-ea"/>
-                  <a:cs typeface="+mn-cs"/>
-                </a:rPr>
-                <a:t>:~$ </a:t>
-              </a:r>
-              <a:r>
-                <a:rPr kumimoji="0" lang="it-IT" sz="2400" b="0" i="0" u="none" strike="noStrike" kern="0" cap="none" spc="0" normalizeH="0" baseline="0" noProof="0" dirty="0">
+              <a:ln w="57150" cap="flat" cmpd="sng" algn="ctr">
+                <a:solidFill>
+                  <a:srgbClr val="4472C4"/>
+                </a:solidFill>
+                <a:prstDash val="solid"/>
+                <a:miter lim="800000"/>
+              </a:ln>
+              <a:effectLst>
+                <a:outerShdw blurRad="50800" dist="38100" dir="2700000" algn="tl" rotWithShape="0">
+                  <a:prstClr val="black">
+                    <a:alpha val="40000"/>
+                  </a:prstClr>
+                </a:outerShdw>
+              </a:effectLst>
+            </p:spPr>
+            <p:txBody>
+              <a:bodyPr rtlCol="0" anchor="t"/>
+              <a:lstStyle/>
+              <a:p>
+                <a:pPr marL="0" marR="0" lvl="0" indent="0" defTabSz="914400" eaLnBrk="1" fontAlgn="auto" latinLnBrk="0" hangingPunct="1">
+                  <a:lnSpc>
+                    <a:spcPct val="100000"/>
+                  </a:lnSpc>
+                  <a:spcBef>
+                    <a:spcPts val="0"/>
+                  </a:spcBef>
+                  <a:spcAft>
+                    <a:spcPts val="0"/>
+                  </a:spcAft>
+                  <a:buClrTx/>
+                  <a:buSzTx/>
+                  <a:buFontTx/>
+                  <a:buNone/>
+                  <a:tabLst/>
+                  <a:defRPr/>
+                </a:pPr>
+                <a:r>
+                  <a:rPr kumimoji="0" lang="it-IT" sz="1800" b="0" i="0" u="none" strike="noStrike" kern="0" cap="none" spc="0" normalizeH="0" baseline="0" noProof="0" dirty="0">
+                    <a:ln>
+                      <a:noFill/>
+                    </a:ln>
+                    <a:solidFill>
+                      <a:prstClr val="white">
+                        <a:lumMod val="65000"/>
+                      </a:prstClr>
+                    </a:solidFill>
+                    <a:effectLst/>
+                    <a:uLnTx/>
+                    <a:uFillTx/>
+                    <a:latin typeface="Consolas" panose="020B0609020204030204" pitchFamily="49" charset="0"/>
+                    <a:ea typeface="+mn-ea"/>
+                    <a:cs typeface="+mn-cs"/>
+                  </a:rPr>
+                  <a:t>root@</a:t>
+                </a:r>
+                <a:r>
+                  <a:rPr lang="it-IT" kern="0" dirty="0">
+                    <a:solidFill>
+                      <a:prstClr val="white">
+                        <a:lumMod val="65000"/>
+                      </a:prstClr>
+                    </a:solidFill>
+                    <a:latin typeface="Consolas" panose="020B0609020204030204" pitchFamily="49" charset="0"/>
+                  </a:rPr>
+                  <a:t>client</a:t>
+                </a:r>
+                <a:r>
+                  <a:rPr kumimoji="0" lang="it-IT" sz="1800" b="0" i="0" u="none" strike="noStrike" kern="0" cap="none" spc="0" normalizeH="0" baseline="0" noProof="0" dirty="0">
+                    <a:ln>
+                      <a:noFill/>
+                    </a:ln>
+                    <a:solidFill>
+                      <a:prstClr val="white">
+                        <a:lumMod val="65000"/>
+                      </a:prstClr>
+                    </a:solidFill>
+                    <a:effectLst/>
+                    <a:uLnTx/>
+                    <a:uFillTx/>
+                    <a:latin typeface="Consolas" panose="020B0609020204030204" pitchFamily="49" charset="0"/>
+                    <a:ea typeface="+mn-ea"/>
+                    <a:cs typeface="+mn-cs"/>
+                  </a:rPr>
+                  <a:t>:~$ </a:t>
+                </a:r>
+                <a:r>
+                  <a:rPr kumimoji="0" lang="it-IT" sz="1800" b="1" i="0" u="none" strike="noStrike" kern="0" cap="none" spc="0" normalizeH="0" baseline="0" noProof="0" dirty="0">
+                    <a:ln>
+                      <a:noFill/>
+                    </a:ln>
+                    <a:solidFill>
+                      <a:prstClr val="white"/>
+                    </a:solidFill>
+                    <a:effectLst/>
+                    <a:uLnTx/>
+                    <a:uFillTx/>
+                    <a:latin typeface="Consolas" panose="020B0609020204030204" pitchFamily="49" charset="0"/>
+                    <a:ea typeface="+mn-ea"/>
+                    <a:cs typeface="+mn-cs"/>
+                  </a:rPr>
+                  <a:t>links </a:t>
+                </a:r>
+                <a:r>
+                  <a:rPr lang="it-IT" b="1" kern="0" dirty="0">
+                    <a:solidFill>
+                      <a:prstClr val="white"/>
+                    </a:solidFill>
+                    <a:latin typeface="Consolas" panose="020B0609020204030204" pitchFamily="49" charset="0"/>
+                  </a:rPr>
+                  <a:t>http://10.0.0.1</a:t>
+                </a:r>
+                <a:endParaRPr kumimoji="0" lang="it-IT" sz="1800" b="0" i="0" u="none" strike="noStrike" kern="0" cap="none" spc="0" normalizeH="0" baseline="0" noProof="0" dirty="0">
                   <a:ln>
                     <a:noFill/>
                   </a:ln>
@@ -25394,357 +28362,427 @@
                   <a:latin typeface="Consolas" panose="020B0609020204030204" pitchFamily="49" charset="0"/>
                   <a:ea typeface="+mn-ea"/>
                   <a:cs typeface="+mn-cs"/>
-                </a:rPr>
-                <a:t>links</a:t>
-              </a:r>
-              <a:endParaRPr kumimoji="0" lang="it-IT" sz="2400" b="0" i="0" u="none" strike="noStrike" kern="0" cap="none" spc="0" normalizeH="0" baseline="0" noProof="0" dirty="0">
-                <a:ln>
-                  <a:noFill/>
-                </a:ln>
+                </a:endParaRPr>
+              </a:p>
+            </p:txBody>
+          </p:sp>
+          <p:sp>
+            <p:nvSpPr>
+              <p:cNvPr id="9" name="Rectangle 8">
+                <a:extLst>
+                  <a:ext uri="{FF2B5EF4-FFF2-40B4-BE49-F238E27FC236}">
+                    <a16:creationId xmlns:a16="http://schemas.microsoft.com/office/drawing/2014/main" id="{683699C3-A145-0E89-F9DF-2DD5CAF88143}"/>
+                  </a:ext>
+                </a:extLst>
+              </p:cNvPr>
+              <p:cNvSpPr/>
+              <p:nvPr/>
+            </p:nvSpPr>
+            <p:spPr>
+              <a:xfrm>
+                <a:off x="2116183" y="1995487"/>
+                <a:ext cx="6661105" cy="207781"/>
+              </a:xfrm>
+              <a:prstGeom prst="rect">
+                <a:avLst/>
+              </a:prstGeom>
+              <a:solidFill>
+                <a:srgbClr val="4472C4"/>
+              </a:solidFill>
+              <a:ln w="57150" cap="flat" cmpd="sng" algn="ctr">
                 <a:solidFill>
-                  <a:schemeClr val="bg1"/>
+                  <a:srgbClr val="4472C4"/>
                 </a:solidFill>
-                <a:effectLst/>
-                <a:uLnTx/>
-                <a:uFillTx/>
-                <a:latin typeface="Consolas" panose="020B0609020204030204" pitchFamily="49" charset="0"/>
-              </a:endParaRPr>
-            </a:p>
-          </p:txBody>
-        </p:sp>
-        <p:sp>
-          <p:nvSpPr>
-            <p:cNvPr id="35" name="Rectangle 34">
+                <a:prstDash val="solid"/>
+                <a:miter lim="800000"/>
+              </a:ln>
+              <a:effectLst>
+                <a:outerShdw blurRad="50800" dist="25400" algn="l" rotWithShape="0">
+                  <a:prstClr val="black">
+                    <a:alpha val="32000"/>
+                  </a:prstClr>
+                </a:outerShdw>
+              </a:effectLst>
+            </p:spPr>
+            <p:txBody>
+              <a:bodyPr rtlCol="0" anchor="ctr"/>
+              <a:lstStyle/>
+              <a:p>
+                <a:pPr marL="0" marR="0" lvl="0" indent="0" algn="ctr" defTabSz="914400" eaLnBrk="1" fontAlgn="auto" latinLnBrk="0" hangingPunct="1">
+                  <a:lnSpc>
+                    <a:spcPct val="100000"/>
+                  </a:lnSpc>
+                  <a:spcBef>
+                    <a:spcPts val="0"/>
+                  </a:spcBef>
+                  <a:spcAft>
+                    <a:spcPts val="0"/>
+                  </a:spcAft>
+                  <a:buClrTx/>
+                  <a:buSzTx/>
+                  <a:buFontTx/>
+                  <a:buNone/>
+                  <a:tabLst/>
+                  <a:defRPr/>
+                </a:pPr>
+                <a:endParaRPr kumimoji="0" lang="it-IT" sz="1800" b="0" i="0" u="none" strike="noStrike" kern="0" cap="none" spc="0" normalizeH="0" baseline="0" noProof="0">
+                  <a:ln>
+                    <a:noFill/>
+                  </a:ln>
+                  <a:solidFill>
+                    <a:prstClr val="white"/>
+                  </a:solidFill>
+                  <a:effectLst/>
+                  <a:uLnTx/>
+                  <a:uFillTx/>
+                  <a:latin typeface="Calibri" panose="020F0502020204030204"/>
+                  <a:ea typeface="+mn-ea"/>
+                  <a:cs typeface="+mn-cs"/>
+                </a:endParaRPr>
+              </a:p>
+            </p:txBody>
+          </p:sp>
+        </p:grpSp>
+        <p:grpSp>
+          <p:nvGrpSpPr>
+            <p:cNvPr id="4" name="Group 3">
               <a:extLst>
                 <a:ext uri="{FF2B5EF4-FFF2-40B4-BE49-F238E27FC236}">
-                  <a16:creationId xmlns:a16="http://schemas.microsoft.com/office/drawing/2014/main" id="{135E3D38-7F6C-45EF-B1E3-4C0A9F96A583}"/>
+                  <a16:creationId xmlns:a16="http://schemas.microsoft.com/office/drawing/2014/main" id="{27275B39-8456-D453-ECE5-2F00A48A92A8}"/>
                 </a:ext>
               </a:extLst>
             </p:cNvPr>
-            <p:cNvSpPr/>
+            <p:cNvGrpSpPr/>
             <p:nvPr/>
-          </p:nvSpPr>
-          <p:spPr>
+          </p:nvGrpSpPr>
+          <p:grpSpPr>
             <a:xfrm>
-              <a:off x="2116183" y="1995487"/>
-              <a:ext cx="6661105" cy="207781"/>
+              <a:off x="9409698" y="1388178"/>
+              <a:ext cx="581348" cy="126235"/>
+              <a:chOff x="8092857" y="2035375"/>
+              <a:chExt cx="581348" cy="126235"/>
             </a:xfrm>
-            <a:prstGeom prst="rect">
-              <a:avLst/>
-            </a:prstGeom>
-            <a:solidFill>
-              <a:srgbClr val="4472C4"/>
-            </a:solidFill>
-            <a:ln w="57150" cap="flat" cmpd="sng" algn="ctr">
+          </p:grpSpPr>
+          <p:sp>
+            <p:nvSpPr>
+              <p:cNvPr id="5" name="Rectangle 4">
+                <a:extLst>
+                  <a:ext uri="{FF2B5EF4-FFF2-40B4-BE49-F238E27FC236}">
+                    <a16:creationId xmlns:a16="http://schemas.microsoft.com/office/drawing/2014/main" id="{8CB54577-A710-9C8A-8E40-F087ECC57CA7}"/>
+                  </a:ext>
+                </a:extLst>
+              </p:cNvPr>
+              <p:cNvSpPr>
+                <a:spLocks noChangeAspect="1"/>
+              </p:cNvSpPr>
+              <p:nvPr/>
+            </p:nvSpPr>
+            <p:spPr>
+              <a:xfrm>
+                <a:off x="8548205" y="2035610"/>
+                <a:ext cx="126000" cy="126000"/>
+              </a:xfrm>
+              <a:prstGeom prst="rect">
+                <a:avLst/>
+              </a:prstGeom>
               <a:solidFill>
-                <a:srgbClr val="4472C4"/>
+                <a:srgbClr val="FF0000">
+                  <a:alpha val="50196"/>
+                </a:srgbClr>
               </a:solidFill>
-              <a:prstDash val="solid"/>
-              <a:miter lim="800000"/>
-            </a:ln>
-            <a:effectLst>
-              <a:outerShdw blurRad="50800" dist="25400" algn="l" rotWithShape="0">
-                <a:prstClr val="black">
-                  <a:alpha val="32000"/>
-                </a:prstClr>
-              </a:outerShdw>
-            </a:effectLst>
-          </p:spPr>
-          <p:txBody>
-            <a:bodyPr rtlCol="0" anchor="ctr"/>
-            <a:lstStyle/>
-            <a:p>
-              <a:pPr marL="0" marR="0" lvl="0" indent="0" algn="ctr" defTabSz="914400" eaLnBrk="1" fontAlgn="auto" latinLnBrk="0" hangingPunct="1">
-                <a:lnSpc>
-                  <a:spcPct val="100000"/>
-                </a:lnSpc>
-                <a:spcBef>
-                  <a:spcPts val="0"/>
-                </a:spcBef>
-                <a:spcAft>
-                  <a:spcPts val="0"/>
-                </a:spcAft>
-                <a:buClrTx/>
-                <a:buSzTx/>
-                <a:buFontTx/>
-                <a:buNone/>
-                <a:tabLst/>
-                <a:defRPr/>
-              </a:pPr>
-              <a:endParaRPr kumimoji="0" lang="it-IT" sz="1800" b="0" i="0" u="none" strike="noStrike" kern="0" cap="none" spc="0" normalizeH="0" baseline="0" noProof="0">
-                <a:ln>
-                  <a:noFill/>
-                </a:ln>
+              <a:ln w="12700" cap="flat" cmpd="sng" algn="ctr">
                 <a:solidFill>
-                  <a:prstClr val="white"/>
+                  <a:srgbClr val="4472C4">
+                    <a:shade val="50000"/>
+                  </a:srgbClr>
                 </a:solidFill>
-                <a:effectLst/>
-                <a:uLnTx/>
-                <a:uFillTx/>
-                <a:latin typeface="Calibri" panose="020F0502020204030204"/>
-                <a:ea typeface="+mn-ea"/>
-                <a:cs typeface="+mn-cs"/>
-              </a:endParaRPr>
-            </a:p>
-          </p:txBody>
-        </p:sp>
-      </p:grpSp>
-      <p:grpSp>
-        <p:nvGrpSpPr>
-          <p:cNvPr id="36" name="Group 35">
-            <a:extLst>
-              <a:ext uri="{FF2B5EF4-FFF2-40B4-BE49-F238E27FC236}">
-                <a16:creationId xmlns:a16="http://schemas.microsoft.com/office/drawing/2014/main" id="{C4F1237B-570B-49B7-B65B-E21030D82229}"/>
-              </a:ext>
-            </a:extLst>
-          </p:cNvPr>
-          <p:cNvGrpSpPr/>
-          <p:nvPr/>
-        </p:nvGrpSpPr>
-        <p:grpSpPr>
-          <a:xfrm>
-            <a:off x="8274903" y="2173628"/>
-            <a:ext cx="581348" cy="126235"/>
-            <a:chOff x="8092857" y="2035375"/>
-            <a:chExt cx="581348" cy="126235"/>
-          </a:xfrm>
-        </p:grpSpPr>
-        <p:sp>
-          <p:nvSpPr>
-            <p:cNvPr id="37" name="Rectangle 36">
-              <a:extLst>
-                <a:ext uri="{FF2B5EF4-FFF2-40B4-BE49-F238E27FC236}">
-                  <a16:creationId xmlns:a16="http://schemas.microsoft.com/office/drawing/2014/main" id="{86A81839-22A9-4CB5-BE49-FBB32A6A77AF}"/>
-                </a:ext>
-              </a:extLst>
-            </p:cNvPr>
-            <p:cNvSpPr>
-              <a:spLocks noChangeAspect="1"/>
-            </p:cNvSpPr>
-            <p:nvPr/>
-          </p:nvSpPr>
-          <p:spPr>
-            <a:xfrm>
-              <a:off x="8548205" y="2035610"/>
-              <a:ext cx="126000" cy="126000"/>
-            </a:xfrm>
-            <a:prstGeom prst="rect">
-              <a:avLst/>
-            </a:prstGeom>
-            <a:solidFill>
-              <a:srgbClr val="FF0000">
-                <a:alpha val="50196"/>
-              </a:srgbClr>
-            </a:solidFill>
-            <a:ln w="12700" cap="flat" cmpd="sng" algn="ctr">
+                <a:prstDash val="solid"/>
+                <a:miter lim="800000"/>
+              </a:ln>
+              <a:effectLst/>
+            </p:spPr>
+            <p:txBody>
+              <a:bodyPr rtlCol="0" anchor="ctr"/>
+              <a:lstStyle/>
+              <a:p>
+                <a:pPr marL="0" marR="0" lvl="0" indent="0" algn="ctr" defTabSz="914400" eaLnBrk="1" fontAlgn="auto" latinLnBrk="0" hangingPunct="1">
+                  <a:lnSpc>
+                    <a:spcPct val="100000"/>
+                  </a:lnSpc>
+                  <a:spcBef>
+                    <a:spcPts val="0"/>
+                  </a:spcBef>
+                  <a:spcAft>
+                    <a:spcPts val="0"/>
+                  </a:spcAft>
+                  <a:buClrTx/>
+                  <a:buSzTx/>
+                  <a:buFontTx/>
+                  <a:buNone/>
+                  <a:tabLst/>
+                  <a:defRPr/>
+                </a:pPr>
+                <a:endParaRPr kumimoji="0" lang="it-IT" sz="1800" b="0" i="0" u="none" strike="noStrike" kern="0" cap="none" spc="0" normalizeH="0" baseline="0" noProof="0">
+                  <a:ln>
+                    <a:noFill/>
+                  </a:ln>
+                  <a:solidFill>
+                    <a:prstClr val="white"/>
+                  </a:solidFill>
+                  <a:effectLst/>
+                  <a:uLnTx/>
+                  <a:uFillTx/>
+                  <a:latin typeface="Calibri" panose="020F0502020204030204"/>
+                  <a:ea typeface="+mn-ea"/>
+                  <a:cs typeface="+mn-cs"/>
+                </a:endParaRPr>
+              </a:p>
+            </p:txBody>
+          </p:sp>
+          <p:sp>
+            <p:nvSpPr>
+              <p:cNvPr id="6" name="Rectangle 5">
+                <a:extLst>
+                  <a:ext uri="{FF2B5EF4-FFF2-40B4-BE49-F238E27FC236}">
+                    <a16:creationId xmlns:a16="http://schemas.microsoft.com/office/drawing/2014/main" id="{3237878C-2E71-4764-0B67-B87900F25346}"/>
+                  </a:ext>
+                </a:extLst>
+              </p:cNvPr>
+              <p:cNvSpPr>
+                <a:spLocks noChangeAspect="1"/>
+              </p:cNvSpPr>
+              <p:nvPr/>
+            </p:nvSpPr>
+            <p:spPr>
+              <a:xfrm>
+                <a:off x="8092857" y="2035375"/>
+                <a:ext cx="126235" cy="126235"/>
+              </a:xfrm>
+              <a:prstGeom prst="rect">
+                <a:avLst/>
+              </a:prstGeom>
               <a:solidFill>
                 <a:srgbClr val="4472C4">
-                  <a:shade val="50000"/>
+                  <a:lumMod val="60000"/>
+                  <a:lumOff val="40000"/>
                 </a:srgbClr>
               </a:solidFill>
-              <a:prstDash val="solid"/>
-              <a:miter lim="800000"/>
-            </a:ln>
-            <a:effectLst/>
-          </p:spPr>
-          <p:txBody>
-            <a:bodyPr rtlCol="0" anchor="ctr"/>
-            <a:lstStyle/>
-            <a:p>
-              <a:pPr marL="0" marR="0" lvl="0" indent="0" algn="ctr" defTabSz="914400" eaLnBrk="1" fontAlgn="auto" latinLnBrk="0" hangingPunct="1">
-                <a:lnSpc>
-                  <a:spcPct val="100000"/>
-                </a:lnSpc>
-                <a:spcBef>
-                  <a:spcPts val="0"/>
-                </a:spcBef>
-                <a:spcAft>
-                  <a:spcPts val="0"/>
-                </a:spcAft>
-                <a:buClrTx/>
-                <a:buSzTx/>
-                <a:buFontTx/>
-                <a:buNone/>
-                <a:tabLst/>
-                <a:defRPr/>
-              </a:pPr>
-              <a:endParaRPr kumimoji="0" lang="it-IT" sz="1800" b="0" i="0" u="none" strike="noStrike" kern="0" cap="none" spc="0" normalizeH="0" baseline="0" noProof="0">
-                <a:ln>
-                  <a:noFill/>
-                </a:ln>
+              <a:ln w="12700" cap="flat" cmpd="sng" algn="ctr">
                 <a:solidFill>
-                  <a:prstClr val="white"/>
+                  <a:srgbClr val="4472C4">
+                    <a:shade val="50000"/>
+                  </a:srgbClr>
                 </a:solidFill>
-                <a:effectLst/>
-                <a:uLnTx/>
-                <a:uFillTx/>
-                <a:latin typeface="Calibri" panose="020F0502020204030204"/>
-                <a:ea typeface="+mn-ea"/>
-                <a:cs typeface="+mn-cs"/>
-              </a:endParaRPr>
-            </a:p>
-          </p:txBody>
-        </p:sp>
-        <p:sp>
-          <p:nvSpPr>
-            <p:cNvPr id="38" name="Rectangle 37">
-              <a:extLst>
-                <a:ext uri="{FF2B5EF4-FFF2-40B4-BE49-F238E27FC236}">
-                  <a16:creationId xmlns:a16="http://schemas.microsoft.com/office/drawing/2014/main" id="{36608872-18C0-4F61-9B3A-90AC8D3E0E30}"/>
-                </a:ext>
-              </a:extLst>
-            </p:cNvPr>
-            <p:cNvSpPr>
-              <a:spLocks noChangeAspect="1"/>
-            </p:cNvSpPr>
-            <p:nvPr/>
-          </p:nvSpPr>
-          <p:spPr>
-            <a:xfrm>
-              <a:off x="8092857" y="2035375"/>
-              <a:ext cx="126235" cy="126235"/>
-            </a:xfrm>
-            <a:prstGeom prst="rect">
-              <a:avLst/>
-            </a:prstGeom>
-            <a:solidFill>
-              <a:srgbClr val="4472C4">
-                <a:lumMod val="60000"/>
-                <a:lumOff val="40000"/>
-              </a:srgbClr>
-            </a:solidFill>
-            <a:ln w="12700" cap="flat" cmpd="sng" algn="ctr">
+                <a:prstDash val="solid"/>
+                <a:miter lim="800000"/>
+              </a:ln>
+              <a:effectLst/>
+            </p:spPr>
+            <p:txBody>
+              <a:bodyPr rtlCol="0" anchor="ctr"/>
+              <a:lstStyle/>
+              <a:p>
+                <a:pPr marL="0" marR="0" lvl="0" indent="0" algn="r" defTabSz="914400" eaLnBrk="1" fontAlgn="auto" latinLnBrk="0" hangingPunct="1">
+                  <a:lnSpc>
+                    <a:spcPct val="100000"/>
+                  </a:lnSpc>
+                  <a:spcBef>
+                    <a:spcPts val="0"/>
+                  </a:spcBef>
+                  <a:spcAft>
+                    <a:spcPts val="0"/>
+                  </a:spcAft>
+                  <a:buClrTx/>
+                  <a:buSzTx/>
+                  <a:buFontTx/>
+                  <a:buNone/>
+                  <a:tabLst/>
+                  <a:defRPr/>
+                </a:pPr>
+                <a:endParaRPr kumimoji="0" lang="it-IT" sz="1800" b="0" i="0" u="none" strike="noStrike" kern="0" cap="none" spc="0" normalizeH="0" baseline="0" noProof="0" dirty="0">
+                  <a:ln>
+                    <a:noFill/>
+                  </a:ln>
+                  <a:solidFill>
+                    <a:prstClr val="white"/>
+                  </a:solidFill>
+                  <a:effectLst/>
+                  <a:uLnTx/>
+                  <a:uFillTx/>
+                  <a:latin typeface="Calibri" panose="020F0502020204030204"/>
+                  <a:ea typeface="+mn-ea"/>
+                  <a:cs typeface="+mn-cs"/>
+                </a:endParaRPr>
+              </a:p>
+            </p:txBody>
+          </p:sp>
+          <p:sp>
+            <p:nvSpPr>
+              <p:cNvPr id="7" name="Rectangle 6">
+                <a:extLst>
+                  <a:ext uri="{FF2B5EF4-FFF2-40B4-BE49-F238E27FC236}">
+                    <a16:creationId xmlns:a16="http://schemas.microsoft.com/office/drawing/2014/main" id="{4DD2D4F4-A0D0-41D0-092A-0F49346B41CF}"/>
+                  </a:ext>
+                </a:extLst>
+              </p:cNvPr>
+              <p:cNvSpPr>
+                <a:spLocks noChangeAspect="1"/>
+              </p:cNvSpPr>
+              <p:nvPr/>
+            </p:nvSpPr>
+            <p:spPr>
+              <a:xfrm>
+                <a:off x="8320531" y="2035375"/>
+                <a:ext cx="126235" cy="126235"/>
+              </a:xfrm>
+              <a:prstGeom prst="rect">
+                <a:avLst/>
+              </a:prstGeom>
               <a:solidFill>
                 <a:srgbClr val="4472C4">
-                  <a:shade val="50000"/>
+                  <a:lumMod val="60000"/>
+                  <a:lumOff val="40000"/>
                 </a:srgbClr>
               </a:solidFill>
-              <a:prstDash val="solid"/>
-              <a:miter lim="800000"/>
-            </a:ln>
-            <a:effectLst/>
-          </p:spPr>
-          <p:txBody>
-            <a:bodyPr rtlCol="0" anchor="ctr"/>
-            <a:lstStyle/>
-            <a:p>
-              <a:pPr marL="0" marR="0" lvl="0" indent="0" algn="r" defTabSz="914400" eaLnBrk="1" fontAlgn="auto" latinLnBrk="0" hangingPunct="1">
-                <a:lnSpc>
-                  <a:spcPct val="100000"/>
-                </a:lnSpc>
-                <a:spcBef>
-                  <a:spcPts val="0"/>
-                </a:spcBef>
-                <a:spcAft>
-                  <a:spcPts val="0"/>
-                </a:spcAft>
-                <a:buClrTx/>
-                <a:buSzTx/>
-                <a:buFontTx/>
-                <a:buNone/>
-                <a:tabLst/>
-                <a:defRPr/>
-              </a:pPr>
-              <a:endParaRPr kumimoji="0" lang="it-IT" sz="1800" b="0" i="0" u="none" strike="noStrike" kern="0" cap="none" spc="0" normalizeH="0" baseline="0" noProof="0" dirty="0">
-                <a:ln>
-                  <a:noFill/>
-                </a:ln>
+              <a:ln w="12700" cap="flat" cmpd="sng" algn="ctr">
                 <a:solidFill>
-                  <a:prstClr val="white"/>
+                  <a:srgbClr val="4472C4">
+                    <a:shade val="50000"/>
+                  </a:srgbClr>
                 </a:solidFill>
-                <a:effectLst/>
-                <a:uLnTx/>
-                <a:uFillTx/>
-                <a:latin typeface="Calibri" panose="020F0502020204030204"/>
-                <a:ea typeface="+mn-ea"/>
-                <a:cs typeface="+mn-cs"/>
-              </a:endParaRPr>
-            </a:p>
-          </p:txBody>
-        </p:sp>
-        <p:sp>
-          <p:nvSpPr>
-            <p:cNvPr id="39" name="Rectangle 38">
-              <a:extLst>
-                <a:ext uri="{FF2B5EF4-FFF2-40B4-BE49-F238E27FC236}">
-                  <a16:creationId xmlns:a16="http://schemas.microsoft.com/office/drawing/2014/main" id="{4B39462D-7EF9-411D-BFB2-CA2292C8EDD6}"/>
-                </a:ext>
-              </a:extLst>
-            </p:cNvPr>
-            <p:cNvSpPr>
-              <a:spLocks noChangeAspect="1"/>
-            </p:cNvSpPr>
-            <p:nvPr/>
-          </p:nvSpPr>
-          <p:spPr>
-            <a:xfrm>
-              <a:off x="8320531" y="2035375"/>
-              <a:ext cx="126235" cy="126235"/>
-            </a:xfrm>
-            <a:prstGeom prst="rect">
-              <a:avLst/>
-            </a:prstGeom>
-            <a:solidFill>
-              <a:srgbClr val="4472C4">
-                <a:lumMod val="60000"/>
-                <a:lumOff val="40000"/>
-              </a:srgbClr>
-            </a:solidFill>
-            <a:ln w="12700" cap="flat" cmpd="sng" algn="ctr">
-              <a:solidFill>
-                <a:srgbClr val="4472C4">
-                  <a:shade val="50000"/>
-                </a:srgbClr>
-              </a:solidFill>
-              <a:prstDash val="solid"/>
-              <a:miter lim="800000"/>
-            </a:ln>
-            <a:effectLst/>
-          </p:spPr>
-          <p:txBody>
-            <a:bodyPr rtlCol="0" anchor="ctr"/>
-            <a:lstStyle/>
-            <a:p>
-              <a:pPr marL="0" marR="0" lvl="0" indent="0" algn="r" defTabSz="914400" eaLnBrk="1" fontAlgn="auto" latinLnBrk="0" hangingPunct="1">
-                <a:lnSpc>
-                  <a:spcPct val="100000"/>
-                </a:lnSpc>
-                <a:spcBef>
-                  <a:spcPts val="0"/>
-                </a:spcBef>
-                <a:spcAft>
-                  <a:spcPts val="0"/>
-                </a:spcAft>
-                <a:buClrTx/>
-                <a:buSzTx/>
-                <a:buFontTx/>
-                <a:buNone/>
-                <a:tabLst/>
-                <a:defRPr/>
-              </a:pPr>
-              <a:endParaRPr kumimoji="0" lang="it-IT" sz="1800" b="0" i="0" u="none" strike="noStrike" kern="0" cap="none" spc="0" normalizeH="0" baseline="0" noProof="0" dirty="0">
-                <a:ln>
-                  <a:noFill/>
-                </a:ln>
-                <a:solidFill>
-                  <a:prstClr val="white"/>
-                </a:solidFill>
-                <a:effectLst/>
-                <a:uLnTx/>
-                <a:uFillTx/>
-                <a:latin typeface="Calibri" panose="020F0502020204030204"/>
-                <a:ea typeface="+mn-ea"/>
-                <a:cs typeface="+mn-cs"/>
-              </a:endParaRPr>
-            </a:p>
-          </p:txBody>
-        </p:sp>
+                <a:prstDash val="solid"/>
+                <a:miter lim="800000"/>
+              </a:ln>
+              <a:effectLst/>
+            </p:spPr>
+            <p:txBody>
+              <a:bodyPr rtlCol="0" anchor="ctr"/>
+              <a:lstStyle/>
+              <a:p>
+                <a:pPr marL="0" marR="0" lvl="0" indent="0" algn="r" defTabSz="914400" eaLnBrk="1" fontAlgn="auto" latinLnBrk="0" hangingPunct="1">
+                  <a:lnSpc>
+                    <a:spcPct val="100000"/>
+                  </a:lnSpc>
+                  <a:spcBef>
+                    <a:spcPts val="0"/>
+                  </a:spcBef>
+                  <a:spcAft>
+                    <a:spcPts val="0"/>
+                  </a:spcAft>
+                  <a:buClrTx/>
+                  <a:buSzTx/>
+                  <a:buFontTx/>
+                  <a:buNone/>
+                  <a:tabLst/>
+                  <a:defRPr/>
+                </a:pPr>
+                <a:endParaRPr kumimoji="0" lang="it-IT" sz="1800" b="0" i="0" u="none" strike="noStrike" kern="0" cap="none" spc="0" normalizeH="0" baseline="0" noProof="0" dirty="0">
+                  <a:ln>
+                    <a:noFill/>
+                  </a:ln>
+                  <a:solidFill>
+                    <a:prstClr val="white"/>
+                  </a:solidFill>
+                  <a:effectLst/>
+                  <a:uLnTx/>
+                  <a:uFillTx/>
+                  <a:latin typeface="Calibri" panose="020F0502020204030204"/>
+                  <a:ea typeface="+mn-ea"/>
+                  <a:cs typeface="+mn-cs"/>
+                </a:endParaRPr>
+              </a:p>
+            </p:txBody>
+          </p:sp>
+        </p:grpSp>
       </p:grpSp>
     </p:spTree>
   </p:cSld>
   <p:clrMapOvr>
     <a:masterClrMapping/>
   </p:clrMapOvr>
+  <p:timing>
+    <p:tnLst>
+      <p:par>
+        <p:cTn id="1" dur="indefinite" restart="never" nodeType="tmRoot">
+          <p:childTnLst>
+            <p:seq concurrent="1" nextAc="seek">
+              <p:cTn id="2" dur="indefinite" nodeType="mainSeq">
+                <p:childTnLst>
+                  <p:par>
+                    <p:cTn id="3" fill="hold">
+                      <p:stCondLst>
+                        <p:cond delay="indefinite"/>
+                      </p:stCondLst>
+                      <p:childTnLst>
+                        <p:par>
+                          <p:cTn id="4" fill="hold">
+                            <p:stCondLst>
+                              <p:cond delay="0"/>
+                            </p:stCondLst>
+                            <p:childTnLst>
+                              <p:par>
+                                <p:cTn id="5" presetID="10" presetClass="entr" presetSubtype="0" fill="hold" nodeType="clickEffect">
+                                  <p:stCondLst>
+                                    <p:cond delay="0"/>
+                                  </p:stCondLst>
+                                  <p:childTnLst>
+                                    <p:set>
+                                      <p:cBhvr>
+                                        <p:cTn id="6" dur="1" fill="hold">
+                                          <p:stCondLst>
+                                            <p:cond delay="0"/>
+                                          </p:stCondLst>
+                                        </p:cTn>
+                                        <p:tgtEl>
+                                          <p:spTgt spid="2"/>
+                                        </p:tgtEl>
+                                        <p:attrNameLst>
+                                          <p:attrName>style.visibility</p:attrName>
+                                        </p:attrNameLst>
+                                      </p:cBhvr>
+                                      <p:to>
+                                        <p:strVal val="visible"/>
+                                      </p:to>
+                                    </p:set>
+                                    <p:animEffect transition="in" filter="fade">
+                                      <p:cBhvr>
+                                        <p:cTn id="7" dur="500"/>
+                                        <p:tgtEl>
+                                          <p:spTgt spid="2"/>
+                                        </p:tgtEl>
+                                      </p:cBhvr>
+                                    </p:animEffect>
+                                  </p:childTnLst>
+                                </p:cTn>
+                              </p:par>
+                            </p:childTnLst>
+                          </p:cTn>
+                        </p:par>
+                      </p:childTnLst>
+                    </p:cTn>
+                  </p:par>
+                </p:childTnLst>
+              </p:cTn>
+              <p:prevCondLst>
+                <p:cond evt="onPrev" delay="0">
+                  <p:tgtEl>
+                    <p:sldTgt/>
+                  </p:tgtEl>
+                </p:cond>
+              </p:prevCondLst>
+              <p:nextCondLst>
+                <p:cond evt="onNext" delay="0">
+                  <p:tgtEl>
+                    <p:sldTgt/>
+                  </p:tgtEl>
+                </p:cond>
+              </p:nextCondLst>
+            </p:seq>
+          </p:childTnLst>
+        </p:cTn>
+      </p:par>
+    </p:tnLst>
+  </p:timing>
 </p:sld>
 </file>
 
@@ -26027,7 +29065,7 @@
                 <a:t>:~$ </a:t>
               </a:r>
               <a:r>
-                <a:rPr lang="it-IT" kern="0" dirty="0" err="1">
+                <a:rPr lang="it-IT" b="1" kern="0" dirty="0" err="1">
                   <a:solidFill>
                     <a:prstClr val="white"/>
                   </a:solidFill>
@@ -26036,7 +29074,7 @@
                 <a:t>tail</a:t>
               </a:r>
               <a:r>
-                <a:rPr lang="it-IT" kern="0" dirty="0">
+                <a:rPr lang="it-IT" b="1" kern="0" dirty="0">
                   <a:solidFill>
                     <a:prstClr val="white"/>
                   </a:solidFill>
@@ -26045,7 +29083,7 @@
                 <a:t> -f /</a:t>
               </a:r>
               <a:r>
-                <a:rPr lang="it-IT" kern="0" dirty="0" err="1">
+                <a:rPr lang="it-IT" b="1" kern="0" dirty="0" err="1">
                   <a:solidFill>
                     <a:prstClr val="white"/>
                   </a:solidFill>
@@ -26054,7 +29092,7 @@
                 <a:t>var</a:t>
               </a:r>
               <a:r>
-                <a:rPr lang="it-IT" kern="0" dirty="0">
+                <a:rPr lang="it-IT" b="1" kern="0" dirty="0">
                   <a:solidFill>
                     <a:prstClr val="white"/>
                   </a:solidFill>
@@ -26588,46 +29626,36 @@
             <a:endParaRPr lang="it-IT" altLang="it-IT" sz="2800" dirty="0"/>
           </a:p>
           <a:p>
-            <a:pPr marL="342909" lvl="1" indent="0" eaLnBrk="1" hangingPunct="1">
-              <a:buNone/>
-            </a:pPr>
-            <a:r>
-              <a:rPr lang="it-IT" altLang="it-IT" sz="3200" dirty="0" err="1"/>
-              <a:t>tip</a:t>
-            </a:r>
-            <a:r>
-              <a:rPr lang="it-IT" altLang="it-IT" sz="3200" dirty="0"/>
-              <a:t>: </a:t>
-            </a:r>
-            <a:r>
-              <a:rPr lang="it-IT" altLang="it-IT" sz="3200" dirty="0" err="1"/>
+            <a:pPr marL="400048" indent="-457200"/>
+            <a:r>
+              <a:rPr lang="it-IT" altLang="it-IT" sz="3600" dirty="0" err="1"/>
               <a:t>very</a:t>
             </a:r>
             <a:r>
-              <a:rPr lang="it-IT" altLang="it-IT" sz="3200" dirty="0"/>
+              <a:rPr lang="it-IT" altLang="it-IT" sz="3600" dirty="0"/>
               <a:t> </a:t>
             </a:r>
             <a:r>
-              <a:rPr lang="it-IT" altLang="it-IT" sz="3200" dirty="0" err="1"/>
+              <a:rPr lang="it-IT" altLang="it-IT" sz="3600" dirty="0" err="1"/>
               <a:t>useful</a:t>
             </a:r>
             <a:r>
-              <a:rPr lang="it-IT" altLang="it-IT" sz="3200" dirty="0"/>
+              <a:rPr lang="it-IT" altLang="it-IT" sz="3600" dirty="0"/>
               <a:t> </a:t>
             </a:r>
             <a:r>
-              <a:rPr lang="it-IT" altLang="it-IT" sz="3200" dirty="0" err="1"/>
+              <a:rPr lang="it-IT" altLang="it-IT" sz="3600" dirty="0" err="1"/>
               <a:t>when</a:t>
             </a:r>
             <a:r>
-              <a:rPr lang="it-IT" altLang="it-IT" sz="3200" dirty="0"/>
+              <a:rPr lang="it-IT" altLang="it-IT" sz="3600" dirty="0"/>
               <a:t> debugging </a:t>
             </a:r>
             <a:r>
-              <a:rPr lang="it-IT" altLang="it-IT" sz="3200" dirty="0" err="1"/>
+              <a:rPr lang="it-IT" altLang="it-IT" sz="3600" dirty="0" err="1"/>
               <a:t>configurations</a:t>
             </a:r>
-            <a:endParaRPr lang="it-IT" altLang="it-IT" sz="3200" dirty="0"/>
+            <a:endParaRPr lang="it-IT" altLang="it-IT" sz="3600" dirty="0"/>
           </a:p>
         </p:txBody>
       </p:sp>
@@ -26693,76 +29721,6 @@
           </a:p>
         </p:txBody>
       </p:sp>
-      <p:pic>
-        <p:nvPicPr>
-          <p:cNvPr id="14343" name="Picture 33">
-            <a:extLst>
-              <a:ext uri="{FF2B5EF4-FFF2-40B4-BE49-F238E27FC236}">
-                <a16:creationId xmlns:a16="http://schemas.microsoft.com/office/drawing/2014/main" id="{6E91FF8C-9B0E-4CB8-A4AD-9D6C37541856}"/>
-              </a:ext>
-            </a:extLst>
-          </p:cNvPr>
-          <p:cNvPicPr>
-            <a:picLocks noChangeAspect="1" noChangeArrowheads="1"/>
-          </p:cNvPicPr>
-          <p:nvPr/>
-        </p:nvPicPr>
-        <p:blipFill>
-          <a:blip r:embed="rId2">
-            <a:extLst>
-              <a:ext uri="{28A0092B-C50C-407E-A947-70E740481C1C}">
-                <a14:useLocalDpi xmlns:a14="http://schemas.microsoft.com/office/drawing/2010/main" val="0"/>
-              </a:ext>
-            </a:extLst>
-          </a:blip>
-          <a:srcRect/>
-          <a:stretch>
-            <a:fillRect/>
-          </a:stretch>
-        </p:blipFill>
-        <p:spPr bwMode="auto">
-          <a:xfrm>
-            <a:off x="407368" y="5157192"/>
-            <a:ext cx="609600" cy="812800"/>
-          </a:xfrm>
-          <a:prstGeom prst="rect">
-            <a:avLst/>
-          </a:prstGeom>
-          <a:noFill/>
-          <a:ln>
-            <a:noFill/>
-          </a:ln>
-          <a:effectLst/>
-          <a:extLst>
-            <a:ext uri="{909E8E84-426E-40DD-AFC4-6F175D3DCCD1}">
-              <a14:hiddenFill xmlns:a14="http://schemas.microsoft.com/office/drawing/2010/main">
-                <a:solidFill>
-                  <a:schemeClr val="accent1"/>
-                </a:solidFill>
-              </a14:hiddenFill>
-            </a:ext>
-            <a:ext uri="{91240B29-F687-4F45-9708-019B960494DF}">
-              <a14:hiddenLine xmlns:a14="http://schemas.microsoft.com/office/drawing/2010/main" w="9525">
-                <a:solidFill>
-                  <a:schemeClr val="tx1"/>
-                </a:solidFill>
-                <a:miter lim="800000"/>
-                <a:headEnd/>
-                <a:tailEnd/>
-              </a14:hiddenLine>
-            </a:ext>
-            <a:ext uri="{AF507438-7753-43E0-B8FC-AC1667EBCBE1}">
-              <a14:hiddenEffects xmlns:a14="http://schemas.microsoft.com/office/drawing/2010/main">
-                <a:effectLst>
-                  <a:outerShdw dist="35921" dir="2700000" algn="ctr" rotWithShape="0">
-                    <a:schemeClr val="bg2"/>
-                  </a:outerShdw>
-                </a:effectLst>
-              </a14:hiddenEffects>
-            </a:ext>
-          </a:extLst>
-        </p:spPr>
-      </p:pic>
       <p:grpSp>
         <p:nvGrpSpPr>
           <p:cNvPr id="34" name="Group 33">
@@ -26881,7 +29839,7 @@
                 <a:t>:~$ </a:t>
               </a:r>
               <a:r>
-                <a:rPr lang="it-IT" kern="0" dirty="0" err="1">
+                <a:rPr lang="it-IT" b="1" kern="0" dirty="0" err="1">
                   <a:solidFill>
                     <a:prstClr val="white"/>
                   </a:solidFill>
@@ -26890,7 +29848,7 @@
                 <a:t>tail</a:t>
               </a:r>
               <a:r>
-                <a:rPr lang="it-IT" kern="0" dirty="0">
+                <a:rPr lang="it-IT" b="1" kern="0" dirty="0">
                   <a:solidFill>
                     <a:prstClr val="white"/>
                   </a:solidFill>
@@ -26899,7 +29857,7 @@
                 <a:t> -f /</a:t>
               </a:r>
               <a:r>
-                <a:rPr lang="it-IT" kern="0" dirty="0" err="1">
+                <a:rPr lang="it-IT" b="1" kern="0" dirty="0" err="1">
                   <a:solidFill>
                     <a:prstClr val="white"/>
                   </a:solidFill>
@@ -26908,7 +29866,7 @@
                 <a:t>var</a:t>
               </a:r>
               <a:r>
-                <a:rPr lang="it-IT" kern="0" dirty="0">
+                <a:rPr lang="it-IT" b="1" kern="0" dirty="0">
                   <a:solidFill>
                     <a:prstClr val="white"/>
                   </a:solidFill>
@@ -27547,62 +30505,13 @@
             </a:r>
           </a:p>
           <a:p>
-            <a:pPr eaLnBrk="1" hangingPunct="1">
-              <a:lnSpc>
-                <a:spcPct val="90000"/>
-              </a:lnSpc>
-            </a:pPr>
-            <a:endParaRPr lang="it-IT" altLang="it-IT" sz="2800" dirty="0"/>
-          </a:p>
-          <a:p>
-            <a:pPr eaLnBrk="1" hangingPunct="1">
-              <a:lnSpc>
-                <a:spcPct val="90000"/>
-              </a:lnSpc>
-            </a:pPr>
-            <a:endParaRPr lang="it-IT" altLang="it-IT" sz="2800" dirty="0"/>
-          </a:p>
-          <a:p>
-            <a:pPr eaLnBrk="1" hangingPunct="1">
-              <a:lnSpc>
-                <a:spcPct val="90000"/>
-              </a:lnSpc>
-            </a:pPr>
-            <a:endParaRPr lang="it-IT" altLang="it-IT" sz="2800" dirty="0"/>
-          </a:p>
-          <a:p>
-            <a:pPr marL="342909" lvl="1" indent="0" eaLnBrk="1" hangingPunct="1">
+            <a:pPr marL="0" indent="0" eaLnBrk="1" hangingPunct="1">
               <a:lnSpc>
                 <a:spcPct val="90000"/>
               </a:lnSpc>
               <a:buNone/>
             </a:pPr>
             <a:endParaRPr lang="it-IT" altLang="it-IT" sz="2800" dirty="0"/>
-          </a:p>
-          <a:p>
-            <a:pPr marL="342909" lvl="1" indent="0" eaLnBrk="1" hangingPunct="1">
-              <a:lnSpc>
-                <a:spcPct val="90000"/>
-              </a:lnSpc>
-              <a:buNone/>
-            </a:pPr>
-            <a:r>
-              <a:rPr lang="it-IT" altLang="it-IT" sz="2400" dirty="0"/>
-              <a:t>apache must be (re)</a:t>
-            </a:r>
-            <a:r>
-              <a:rPr lang="it-IT" altLang="it-IT" sz="2400" dirty="0" err="1"/>
-              <a:t>started</a:t>
-            </a:r>
-            <a:r>
-              <a:rPr lang="it-IT" altLang="it-IT" sz="2400" dirty="0"/>
-              <a:t> </a:t>
-            </a:r>
-            <a:r>
-              <a:rPr lang="it-IT" altLang="it-IT" sz="2400" dirty="0" err="1"/>
-              <a:t>afterwards</a:t>
-            </a:r>
-            <a:endParaRPr lang="it-IT" altLang="it-IT" sz="2400" dirty="0"/>
           </a:p>
         </p:txBody>
       </p:sp>
@@ -27668,66 +30577,6 @@
           </a:p>
         </p:txBody>
       </p:sp>
-      <p:pic>
-        <p:nvPicPr>
-          <p:cNvPr id="15367" name="Picture 33" descr="MC900432526[1]">
-            <a:extLst>
-              <a:ext uri="{FF2B5EF4-FFF2-40B4-BE49-F238E27FC236}">
-                <a16:creationId xmlns:a16="http://schemas.microsoft.com/office/drawing/2014/main" id="{AA5AB722-B649-46C6-B325-3E2FFC49DD08}"/>
-              </a:ext>
-            </a:extLst>
-          </p:cNvPr>
-          <p:cNvPicPr>
-            <a:picLocks noChangeAspect="1" noChangeArrowheads="1"/>
-          </p:cNvPicPr>
-          <p:nvPr/>
-        </p:nvPicPr>
-        <p:blipFill>
-          <a:blip r:embed="rId2">
-            <a:extLst>
-              <a:ext uri="{28A0092B-C50C-407E-A947-70E740481C1C}">
-                <a14:useLocalDpi xmlns:a14="http://schemas.microsoft.com/office/drawing/2010/main" val="0"/>
-              </a:ext>
-            </a:extLst>
-          </a:blip>
-          <a:srcRect/>
-          <a:stretch>
-            <a:fillRect/>
-          </a:stretch>
-        </p:blipFill>
-        <p:spPr bwMode="auto">
-          <a:xfrm>
-            <a:off x="600975" y="5461726"/>
-            <a:ext cx="531812" cy="531813"/>
-          </a:xfrm>
-          <a:prstGeom prst="rect">
-            <a:avLst/>
-          </a:prstGeom>
-          <a:noFill/>
-          <a:ln>
-            <a:noFill/>
-          </a:ln>
-          <a:extLst>
-            <a:ext uri="{909E8E84-426E-40DD-AFC4-6F175D3DCCD1}">
-              <a14:hiddenFill xmlns:a14="http://schemas.microsoft.com/office/drawing/2010/main">
-                <a:solidFill>
-                  <a:srgbClr val="FFFFFF"/>
-                </a:solidFill>
-              </a14:hiddenFill>
-            </a:ext>
-            <a:ext uri="{91240B29-F687-4F45-9708-019B960494DF}">
-              <a14:hiddenLine xmlns:a14="http://schemas.microsoft.com/office/drawing/2010/main" w="9525">
-                <a:solidFill>
-                  <a:srgbClr val="000000"/>
-                </a:solidFill>
-                <a:miter lim="800000"/>
-                <a:headEnd/>
-                <a:tailEnd/>
-              </a14:hiddenLine>
-            </a:ext>
-          </a:extLst>
-        </p:spPr>
-      </p:pic>
       <p:grpSp>
         <p:nvGrpSpPr>
           <p:cNvPr id="35" name="Group 34">
@@ -27743,9 +30592,9 @@
         <p:grpSpPr>
           <a:xfrm>
             <a:off x="2063428" y="3645024"/>
-            <a:ext cx="8588330" cy="1612771"/>
+            <a:ext cx="8588330" cy="1800199"/>
             <a:chOff x="2116183" y="1995487"/>
-            <a:chExt cx="6661106" cy="1612771"/>
+            <a:chExt cx="6661106" cy="1800199"/>
           </a:xfrm>
         </p:grpSpPr>
         <p:sp>
@@ -27763,7 +30612,7 @@
           <p:spPr>
             <a:xfrm>
               <a:off x="2116184" y="2203269"/>
-              <a:ext cx="6661105" cy="1404989"/>
+              <a:ext cx="6661105" cy="1592417"/>
             </a:xfrm>
             <a:prstGeom prst="rect">
               <a:avLst/>
@@ -27923,17 +30772,27 @@
                   </a:solidFill>
                   <a:latin typeface="Consolas" panose="020B0609020204030204" pitchFamily="49" charset="0"/>
                 </a:rPr>
-                <a:t>Run '/</a:t>
+                <a:t>To activate the new configuration, you need to run:</a:t>
               </a:r>
-              <a:r>
-                <a:rPr lang="en-US" kern="0" dirty="0" err="1">
-                  <a:solidFill>
-                    <a:prstClr val="white"/>
-                  </a:solidFill>
-                  <a:latin typeface="Consolas" panose="020B0609020204030204" pitchFamily="49" charset="0"/>
-                </a:rPr>
-                <a:t>etc</a:t>
-              </a:r>
+            </a:p>
+            <a:p>
+              <a:pPr marL="0" marR="0" lvl="0" indent="0" defTabSz="914400" eaLnBrk="1" fontAlgn="auto" latinLnBrk="0" hangingPunct="1">
+                <a:lnSpc>
+                  <a:spcPct val="100000"/>
+                </a:lnSpc>
+                <a:spcBef>
+                  <a:spcPts val="0"/>
+                </a:spcBef>
+                <a:spcAft>
+                  <a:spcPts val="0"/>
+                </a:spcAft>
+                <a:buClrTx/>
+                <a:buSzTx/>
+                <a:buFontTx/>
+                <a:buNone/>
+                <a:tabLst/>
+                <a:defRPr/>
+              </a:pPr>
               <a:r>
                 <a:rPr lang="en-US" kern="0" dirty="0">
                   <a:solidFill>
@@ -27941,25 +30800,7 @@
                   </a:solidFill>
                   <a:latin typeface="Consolas" panose="020B0609020204030204" pitchFamily="49" charset="0"/>
                 </a:rPr>
-                <a:t>/</a:t>
-              </a:r>
-              <a:r>
-                <a:rPr lang="en-US" kern="0" dirty="0" err="1">
-                  <a:solidFill>
-                    <a:prstClr val="white"/>
-                  </a:solidFill>
-                  <a:latin typeface="Consolas" panose="020B0609020204030204" pitchFamily="49" charset="0"/>
-                </a:rPr>
-                <a:t>init.d</a:t>
-              </a:r>
-              <a:r>
-                <a:rPr lang="en-US" kern="0" dirty="0">
-                  <a:solidFill>
-                    <a:prstClr val="white"/>
-                  </a:solidFill>
-                  <a:latin typeface="Consolas" panose="020B0609020204030204" pitchFamily="49" charset="0"/>
-                </a:rPr>
-                <a:t>/apache2 restart' to activate new configuration!</a:t>
+                <a:t>  service apache2 restart</a:t>
               </a:r>
             </a:p>
             <a:p>
@@ -29973,9 +32814,9 @@
 </file>
 
 <file path=ppt/theme/theme3.xml><?xml version="1.0" encoding="utf-8"?>
-<a:theme xmlns:a="http://schemas.openxmlformats.org/drawingml/2006/main" name="Tema di Office">
+<a:theme xmlns:a="http://schemas.openxmlformats.org/drawingml/2006/main" name="2_slides-template">
   <a:themeElements>
-    <a:clrScheme name="">
+    <a:clrScheme name="slides-template 14">
       <a:dk1>
         <a:srgbClr val="000000"/>
       </a:dk1>
@@ -29983,16 +32824,16 @@
         <a:srgbClr val="FFFFFF"/>
       </a:lt1>
       <a:dk2>
-        <a:srgbClr val="000000"/>
+        <a:srgbClr val="FF0000"/>
       </a:dk2>
       <a:lt2>
         <a:srgbClr val="808080"/>
       </a:lt2>
       <a:accent1>
-        <a:srgbClr val="BBE0E3"/>
+        <a:srgbClr val="483FFF"/>
       </a:accent1>
       <a:accent2>
-        <a:srgbClr val="333399"/>
+        <a:srgbClr val="FCEA04"/>
       </a:accent2>
       <a:accent3>
         <a:srgbClr val="FFFFFF"/>
@@ -30001,10 +32842,10 @@
         <a:srgbClr val="000000"/>
       </a:accent4>
       <a:accent5>
-        <a:srgbClr val="DAEDEF"/>
+        <a:srgbClr val="B1AFFF"/>
       </a:accent5>
       <a:accent6>
-        <a:srgbClr val="2D2D8A"/>
+        <a:srgbClr val="E4D403"/>
       </a:accent6>
       <a:hlink>
         <a:srgbClr val="009999"/>
@@ -30013,110 +32854,16 @@
         <a:srgbClr val="99CC00"/>
       </a:folHlink>
     </a:clrScheme>
-    <a:fontScheme name="Office">
+    <a:fontScheme name="slides-template">
       <a:majorFont>
-        <a:latin typeface="Calibri Light" panose="020F0302020204030204"/>
+        <a:latin typeface="Tahoma"/>
         <a:ea typeface=""/>
         <a:cs typeface=""/>
-        <a:font script="Jpan" typeface="游ゴシック Light"/>
-        <a:font script="Hang" typeface="맑은 고딕"/>
-        <a:font script="Hans" typeface="等线 Light"/>
-        <a:font script="Hant" typeface="新細明體"/>
-        <a:font script="Arab" typeface="Times New Roman"/>
-        <a:font script="Hebr" typeface="Times New Roman"/>
-        <a:font script="Thai" typeface="Angsana New"/>
-        <a:font script="Ethi" typeface="Nyala"/>
-        <a:font script="Beng" typeface="Vrinda"/>
-        <a:font script="Gujr" typeface="Shruti"/>
-        <a:font script="Khmr" typeface="MoolBoran"/>
-        <a:font script="Knda" typeface="Tunga"/>
-        <a:font script="Guru" typeface="Raavi"/>
-        <a:font script="Cans" typeface="Euphemia"/>
-        <a:font script="Cher" typeface="Plantagenet Cherokee"/>
-        <a:font script="Yiii" typeface="Microsoft Yi Baiti"/>
-        <a:font script="Tibt" typeface="Microsoft Himalaya"/>
-        <a:font script="Thaa" typeface="MV Boli"/>
-        <a:font script="Deva" typeface="Mangal"/>
-        <a:font script="Telu" typeface="Gautami"/>
-        <a:font script="Taml" typeface="Latha"/>
-        <a:font script="Syrc" typeface="Estrangelo Edessa"/>
-        <a:font script="Orya" typeface="Kalinga"/>
-        <a:font script="Mlym" typeface="Kartika"/>
-        <a:font script="Laoo" typeface="DokChampa"/>
-        <a:font script="Sinh" typeface="Iskoola Pota"/>
-        <a:font script="Mong" typeface="Mongolian Baiti"/>
-        <a:font script="Viet" typeface="Times New Roman"/>
-        <a:font script="Uigh" typeface="Microsoft Uighur"/>
-        <a:font script="Geor" typeface="Sylfaen"/>
-        <a:font script="Armn" typeface="Arial"/>
-        <a:font script="Bugi" typeface="Leelawadee UI"/>
-        <a:font script="Bopo" typeface="Microsoft JhengHei"/>
-        <a:font script="Java" typeface="Javanese Text"/>
-        <a:font script="Lisu" typeface="Segoe UI"/>
-        <a:font script="Mymr" typeface="Myanmar Text"/>
-        <a:font script="Nkoo" typeface="Ebrima"/>
-        <a:font script="Olck" typeface="Nirmala UI"/>
-        <a:font script="Osma" typeface="Ebrima"/>
-        <a:font script="Phag" typeface="Phagspa"/>
-        <a:font script="Syrn" typeface="Estrangelo Edessa"/>
-        <a:font script="Syrj" typeface="Estrangelo Edessa"/>
-        <a:font script="Syre" typeface="Estrangelo Edessa"/>
-        <a:font script="Sora" typeface="Nirmala UI"/>
-        <a:font script="Tale" typeface="Microsoft Tai Le"/>
-        <a:font script="Talu" typeface="Microsoft New Tai Lue"/>
-        <a:font script="Tfng" typeface="Ebrima"/>
       </a:majorFont>
       <a:minorFont>
-        <a:latin typeface="Calibri" panose="020F0502020204030204"/>
+        <a:latin typeface="Tahoma"/>
         <a:ea typeface=""/>
         <a:cs typeface=""/>
-        <a:font script="Jpan" typeface="游ゴシック"/>
-        <a:font script="Hang" typeface="맑은 고딕"/>
-        <a:font script="Hans" typeface="等线"/>
-        <a:font script="Hant" typeface="新細明體"/>
-        <a:font script="Arab" typeface="Arial"/>
-        <a:font script="Hebr" typeface="Arial"/>
-        <a:font script="Thai" typeface="Cordia New"/>
-        <a:font script="Ethi" typeface="Nyala"/>
-        <a:font script="Beng" typeface="Vrinda"/>
-        <a:font script="Gujr" typeface="Shruti"/>
-        <a:font script="Khmr" typeface="DaunPenh"/>
-        <a:font script="Knda" typeface="Tunga"/>
-        <a:font script="Guru" typeface="Raavi"/>
-        <a:font script="Cans" typeface="Euphemia"/>
-        <a:font script="Cher" typeface="Plantagenet Cherokee"/>
-        <a:font script="Yiii" typeface="Microsoft Yi Baiti"/>
-        <a:font script="Tibt" typeface="Microsoft Himalaya"/>
-        <a:font script="Thaa" typeface="MV Boli"/>
-        <a:font script="Deva" typeface="Mangal"/>
-        <a:font script="Telu" typeface="Gautami"/>
-        <a:font script="Taml" typeface="Latha"/>
-        <a:font script="Syrc" typeface="Estrangelo Edessa"/>
-        <a:font script="Orya" typeface="Kalinga"/>
-        <a:font script="Mlym" typeface="Kartika"/>
-        <a:font script="Laoo" typeface="DokChampa"/>
-        <a:font script="Sinh" typeface="Iskoola Pota"/>
-        <a:font script="Mong" typeface="Mongolian Baiti"/>
-        <a:font script="Viet" typeface="Arial"/>
-        <a:font script="Uigh" typeface="Microsoft Uighur"/>
-        <a:font script="Geor" typeface="Sylfaen"/>
-        <a:font script="Armn" typeface="Arial"/>
-        <a:font script="Bugi" typeface="Leelawadee UI"/>
-        <a:font script="Bopo" typeface="Microsoft JhengHei"/>
-        <a:font script="Java" typeface="Javanese Text"/>
-        <a:font script="Lisu" typeface="Segoe UI"/>
-        <a:font script="Mymr" typeface="Myanmar Text"/>
-        <a:font script="Nkoo" typeface="Ebrima"/>
-        <a:font script="Olck" typeface="Nirmala UI"/>
-        <a:font script="Osma" typeface="Ebrima"/>
-        <a:font script="Phag" typeface="Phagspa"/>
-        <a:font script="Syrn" typeface="Estrangelo Edessa"/>
-        <a:font script="Syrj" typeface="Estrangelo Edessa"/>
-        <a:font script="Syre" typeface="Estrangelo Edessa"/>
-        <a:font script="Sora" typeface="Nirmala UI"/>
-        <a:font script="Tale" typeface="Microsoft Tai Le"/>
-        <a:font script="Talu" typeface="Microsoft New Tai Lue"/>
-        <a:font script="Tfng" typeface="Ebrima"/>
       </a:minorFont>
     </a:fontScheme>
     <a:fmtScheme name="Office">
@@ -30128,140 +32875,744 @@
           <a:gsLst>
             <a:gs pos="0">
               <a:schemeClr val="phClr">
-                <a:lumMod val="110000"/>
-                <a:satMod val="105000"/>
-                <a:tint val="67000"/>
+                <a:tint val="50000"/>
+                <a:satMod val="300000"/>
               </a:schemeClr>
             </a:gs>
-            <a:gs pos="50000">
+            <a:gs pos="35000">
               <a:schemeClr val="phClr">
-                <a:lumMod val="105000"/>
-                <a:satMod val="103000"/>
-                <a:tint val="73000"/>
+                <a:tint val="37000"/>
+                <a:satMod val="300000"/>
               </a:schemeClr>
             </a:gs>
             <a:gs pos="100000">
               <a:schemeClr val="phClr">
-                <a:lumMod val="105000"/>
-                <a:satMod val="109000"/>
-                <a:tint val="81000"/>
+                <a:tint val="15000"/>
+                <a:satMod val="350000"/>
               </a:schemeClr>
             </a:gs>
           </a:gsLst>
-          <a:lin ang="5400000" scaled="0"/>
+          <a:lin ang="16200000" scaled="1"/>
         </a:gradFill>
         <a:gradFill rotWithShape="1">
           <a:gsLst>
             <a:gs pos="0">
               <a:schemeClr val="phClr">
-                <a:satMod val="103000"/>
-                <a:lumMod val="102000"/>
-                <a:tint val="94000"/>
+                <a:shade val="51000"/>
+                <a:satMod val="130000"/>
               </a:schemeClr>
             </a:gs>
-            <a:gs pos="50000">
+            <a:gs pos="80000">
               <a:schemeClr val="phClr">
-                <a:satMod val="110000"/>
-                <a:lumMod val="100000"/>
-                <a:shade val="100000"/>
+                <a:shade val="93000"/>
+                <a:satMod val="130000"/>
               </a:schemeClr>
             </a:gs>
             <a:gs pos="100000">
               <a:schemeClr val="phClr">
-                <a:lumMod val="99000"/>
-                <a:satMod val="120000"/>
-                <a:shade val="78000"/>
+                <a:shade val="94000"/>
+                <a:satMod val="135000"/>
               </a:schemeClr>
             </a:gs>
           </a:gsLst>
-          <a:lin ang="5400000" scaled="0"/>
+          <a:lin ang="16200000" scaled="0"/>
         </a:gradFill>
       </a:fillStyleLst>
       <a:lnStyleLst>
-        <a:ln w="6350" cap="flat" cmpd="sng" algn="ctr">
+        <a:ln w="9525" cap="flat" cmpd="sng" algn="ctr">
+          <a:solidFill>
+            <a:schemeClr val="phClr">
+              <a:shade val="95000"/>
+              <a:satMod val="105000"/>
+            </a:schemeClr>
+          </a:solidFill>
+          <a:prstDash val="solid"/>
+        </a:ln>
+        <a:ln w="25400" cap="flat" cmpd="sng" algn="ctr">
           <a:solidFill>
             <a:schemeClr val="phClr"/>
           </a:solidFill>
           <a:prstDash val="solid"/>
-          <a:miter lim="800000"/>
         </a:ln>
-        <a:ln w="12700" cap="flat" cmpd="sng" algn="ctr">
+        <a:ln w="38100" cap="flat" cmpd="sng" algn="ctr">
           <a:solidFill>
             <a:schemeClr val="phClr"/>
           </a:solidFill>
           <a:prstDash val="solid"/>
-          <a:miter lim="800000"/>
-        </a:ln>
-        <a:ln w="19050" cap="flat" cmpd="sng" algn="ctr">
-          <a:solidFill>
-            <a:schemeClr val="phClr"/>
-          </a:solidFill>
-          <a:prstDash val="solid"/>
-          <a:miter lim="800000"/>
         </a:ln>
       </a:lnStyleLst>
       <a:effectStyleLst>
         <a:effectStyle>
-          <a:effectLst/>
-        </a:effectStyle>
-        <a:effectStyle>
-          <a:effectLst/>
+          <a:effectLst>
+            <a:outerShdw blurRad="40000" dist="20000" dir="5400000" rotWithShape="0">
+              <a:srgbClr val="000000">
+                <a:alpha val="38000"/>
+              </a:srgbClr>
+            </a:outerShdw>
+          </a:effectLst>
         </a:effectStyle>
         <a:effectStyle>
           <a:effectLst>
-            <a:outerShdw blurRad="57150" dist="19050" dir="5400000" algn="ctr" rotWithShape="0">
+            <a:outerShdw blurRad="40000" dist="23000" dir="5400000" rotWithShape="0">
               <a:srgbClr val="000000">
-                <a:alpha val="63000"/>
+                <a:alpha val="35000"/>
               </a:srgbClr>
             </a:outerShdw>
           </a:effectLst>
+        </a:effectStyle>
+        <a:effectStyle>
+          <a:effectLst>
+            <a:outerShdw blurRad="40000" dist="23000" dir="5400000" rotWithShape="0">
+              <a:srgbClr val="000000">
+                <a:alpha val="35000"/>
+              </a:srgbClr>
+            </a:outerShdw>
+          </a:effectLst>
+          <a:scene3d>
+            <a:camera prst="orthographicFront">
+              <a:rot lat="0" lon="0" rev="0"/>
+            </a:camera>
+            <a:lightRig rig="threePt" dir="t">
+              <a:rot lat="0" lon="0" rev="1200000"/>
+            </a:lightRig>
+          </a:scene3d>
+          <a:sp3d>
+            <a:bevelT w="63500" h="25400"/>
+          </a:sp3d>
         </a:effectStyle>
       </a:effectStyleLst>
       <a:bgFillStyleLst>
         <a:solidFill>
           <a:schemeClr val="phClr"/>
         </a:solidFill>
-        <a:solidFill>
-          <a:schemeClr val="phClr">
-            <a:tint val="95000"/>
-            <a:satMod val="170000"/>
-          </a:schemeClr>
-        </a:solidFill>
         <a:gradFill rotWithShape="1">
           <a:gsLst>
             <a:gs pos="0">
               <a:schemeClr val="phClr">
-                <a:tint val="93000"/>
-                <a:satMod val="150000"/>
-                <a:shade val="98000"/>
-                <a:lumMod val="102000"/>
+                <a:tint val="40000"/>
+                <a:satMod val="350000"/>
               </a:schemeClr>
             </a:gs>
-            <a:gs pos="50000">
+            <a:gs pos="40000">
               <a:schemeClr val="phClr">
-                <a:tint val="98000"/>
-                <a:satMod val="130000"/>
-                <a:shade val="90000"/>
-                <a:lumMod val="103000"/>
+                <a:tint val="45000"/>
+                <a:shade val="99000"/>
+                <a:satMod val="350000"/>
               </a:schemeClr>
             </a:gs>
             <a:gs pos="100000">
               <a:schemeClr val="phClr">
-                <a:shade val="63000"/>
-                <a:satMod val="120000"/>
+                <a:shade val="20000"/>
+                <a:satMod val="255000"/>
               </a:schemeClr>
             </a:gs>
           </a:gsLst>
-          <a:lin ang="5400000" scaled="0"/>
+          <a:path path="circle">
+            <a:fillToRect l="50000" t="-80000" r="50000" b="180000"/>
+          </a:path>
+        </a:gradFill>
+        <a:gradFill rotWithShape="1">
+          <a:gsLst>
+            <a:gs pos="0">
+              <a:schemeClr val="phClr">
+                <a:tint val="80000"/>
+                <a:satMod val="300000"/>
+              </a:schemeClr>
+            </a:gs>
+            <a:gs pos="100000">
+              <a:schemeClr val="phClr">
+                <a:shade val="30000"/>
+                <a:satMod val="200000"/>
+              </a:schemeClr>
+            </a:gs>
+          </a:gsLst>
+          <a:path path="circle">
+            <a:fillToRect l="50000" t="50000" r="50000" b="50000"/>
+          </a:path>
         </a:gradFill>
       </a:bgFillStyleLst>
     </a:fmtScheme>
   </a:themeElements>
   <a:objectDefaults/>
-  <a:extraClrSchemeLst/>
+  <a:extraClrSchemeLst>
+    <a:extraClrScheme>
+      <a:clrScheme name="slides-template 1">
+        <a:dk1>
+          <a:srgbClr val="000000"/>
+        </a:dk1>
+        <a:lt1>
+          <a:srgbClr val="FFFFFF"/>
+        </a:lt1>
+        <a:dk2>
+          <a:srgbClr val="000000"/>
+        </a:dk2>
+        <a:lt2>
+          <a:srgbClr val="808080"/>
+        </a:lt2>
+        <a:accent1>
+          <a:srgbClr val="BBE0E3"/>
+        </a:accent1>
+        <a:accent2>
+          <a:srgbClr val="333399"/>
+        </a:accent2>
+        <a:accent3>
+          <a:srgbClr val="FFFFFF"/>
+        </a:accent3>
+        <a:accent4>
+          <a:srgbClr val="000000"/>
+        </a:accent4>
+        <a:accent5>
+          <a:srgbClr val="DAEDEF"/>
+        </a:accent5>
+        <a:accent6>
+          <a:srgbClr val="2D2D8A"/>
+        </a:accent6>
+        <a:hlink>
+          <a:srgbClr val="009999"/>
+        </a:hlink>
+        <a:folHlink>
+          <a:srgbClr val="99CC00"/>
+        </a:folHlink>
+      </a:clrScheme>
+      <a:clrMap bg1="lt1" tx1="dk1" bg2="lt2" tx2="dk2" accent1="accent1" accent2="accent2" accent3="accent3" accent4="accent4" accent5="accent5" accent6="accent6" hlink="hlink" folHlink="folHlink"/>
+    </a:extraClrScheme>
+    <a:extraClrScheme>
+      <a:clrScheme name="slides-template 2">
+        <a:dk1>
+          <a:srgbClr val="000000"/>
+        </a:dk1>
+        <a:lt1>
+          <a:srgbClr val="FFFFFF"/>
+        </a:lt1>
+        <a:dk2>
+          <a:srgbClr val="000000"/>
+        </a:dk2>
+        <a:lt2>
+          <a:srgbClr val="969696"/>
+        </a:lt2>
+        <a:accent1>
+          <a:srgbClr val="FBDF53"/>
+        </a:accent1>
+        <a:accent2>
+          <a:srgbClr val="FF9966"/>
+        </a:accent2>
+        <a:accent3>
+          <a:srgbClr val="FFFFFF"/>
+        </a:accent3>
+        <a:accent4>
+          <a:srgbClr val="000000"/>
+        </a:accent4>
+        <a:accent5>
+          <a:srgbClr val="FDECB3"/>
+        </a:accent5>
+        <a:accent6>
+          <a:srgbClr val="E78A5C"/>
+        </a:accent6>
+        <a:hlink>
+          <a:srgbClr val="CC3300"/>
+        </a:hlink>
+        <a:folHlink>
+          <a:srgbClr val="996600"/>
+        </a:folHlink>
+      </a:clrScheme>
+      <a:clrMap bg1="lt1" tx1="dk1" bg2="lt2" tx2="dk2" accent1="accent1" accent2="accent2" accent3="accent3" accent4="accent4" accent5="accent5" accent6="accent6" hlink="hlink" folHlink="folHlink"/>
+    </a:extraClrScheme>
+    <a:extraClrScheme>
+      <a:clrScheme name="slides-template 3">
+        <a:dk1>
+          <a:srgbClr val="000000"/>
+        </a:dk1>
+        <a:lt1>
+          <a:srgbClr val="FFFFFF"/>
+        </a:lt1>
+        <a:dk2>
+          <a:srgbClr val="000000"/>
+        </a:dk2>
+        <a:lt2>
+          <a:srgbClr val="808080"/>
+        </a:lt2>
+        <a:accent1>
+          <a:srgbClr val="99CCFF"/>
+        </a:accent1>
+        <a:accent2>
+          <a:srgbClr val="CCCCFF"/>
+        </a:accent2>
+        <a:accent3>
+          <a:srgbClr val="FFFFFF"/>
+        </a:accent3>
+        <a:accent4>
+          <a:srgbClr val="000000"/>
+        </a:accent4>
+        <a:accent5>
+          <a:srgbClr val="CAE2FF"/>
+        </a:accent5>
+        <a:accent6>
+          <a:srgbClr val="B9B9E7"/>
+        </a:accent6>
+        <a:hlink>
+          <a:srgbClr val="3333CC"/>
+        </a:hlink>
+        <a:folHlink>
+          <a:srgbClr val="AF67FF"/>
+        </a:folHlink>
+      </a:clrScheme>
+      <a:clrMap bg1="lt1" tx1="dk1" bg2="lt2" tx2="dk2" accent1="accent1" accent2="accent2" accent3="accent3" accent4="accent4" accent5="accent5" accent6="accent6" hlink="hlink" folHlink="folHlink"/>
+    </a:extraClrScheme>
+    <a:extraClrScheme>
+      <a:clrScheme name="slides-template 4">
+        <a:dk1>
+          <a:srgbClr val="000000"/>
+        </a:dk1>
+        <a:lt1>
+          <a:srgbClr val="DEF6F1"/>
+        </a:lt1>
+        <a:dk2>
+          <a:srgbClr val="000000"/>
+        </a:dk2>
+        <a:lt2>
+          <a:srgbClr val="969696"/>
+        </a:lt2>
+        <a:accent1>
+          <a:srgbClr val="FFFFFF"/>
+        </a:accent1>
+        <a:accent2>
+          <a:srgbClr val="8DC6FF"/>
+        </a:accent2>
+        <a:accent3>
+          <a:srgbClr val="ECFAF7"/>
+        </a:accent3>
+        <a:accent4>
+          <a:srgbClr val="000000"/>
+        </a:accent4>
+        <a:accent5>
+          <a:srgbClr val="FFFFFF"/>
+        </a:accent5>
+        <a:accent6>
+          <a:srgbClr val="7FB3E7"/>
+        </a:accent6>
+        <a:hlink>
+          <a:srgbClr val="0066CC"/>
+        </a:hlink>
+        <a:folHlink>
+          <a:srgbClr val="00A800"/>
+        </a:folHlink>
+      </a:clrScheme>
+      <a:clrMap bg1="lt1" tx1="dk1" bg2="lt2" tx2="dk2" accent1="accent1" accent2="accent2" accent3="accent3" accent4="accent4" accent5="accent5" accent6="accent6" hlink="hlink" folHlink="folHlink"/>
+    </a:extraClrScheme>
+    <a:extraClrScheme>
+      <a:clrScheme name="slides-template 5">
+        <a:dk1>
+          <a:srgbClr val="000000"/>
+        </a:dk1>
+        <a:lt1>
+          <a:srgbClr val="FFFFD9"/>
+        </a:lt1>
+        <a:dk2>
+          <a:srgbClr val="000000"/>
+        </a:dk2>
+        <a:lt2>
+          <a:srgbClr val="777777"/>
+        </a:lt2>
+        <a:accent1>
+          <a:srgbClr val="FFFFF7"/>
+        </a:accent1>
+        <a:accent2>
+          <a:srgbClr val="33CCCC"/>
+        </a:accent2>
+        <a:accent3>
+          <a:srgbClr val="FFFFE9"/>
+        </a:accent3>
+        <a:accent4>
+          <a:srgbClr val="000000"/>
+        </a:accent4>
+        <a:accent5>
+          <a:srgbClr val="FFFFFA"/>
+        </a:accent5>
+        <a:accent6>
+          <a:srgbClr val="2DB9B9"/>
+        </a:accent6>
+        <a:hlink>
+          <a:srgbClr val="FF5050"/>
+        </a:hlink>
+        <a:folHlink>
+          <a:srgbClr val="FF9900"/>
+        </a:folHlink>
+      </a:clrScheme>
+      <a:clrMap bg1="lt1" tx1="dk1" bg2="lt2" tx2="dk2" accent1="accent1" accent2="accent2" accent3="accent3" accent4="accent4" accent5="accent5" accent6="accent6" hlink="hlink" folHlink="folHlink"/>
+    </a:extraClrScheme>
+    <a:extraClrScheme>
+      <a:clrScheme name="slides-template 6">
+        <a:dk1>
+          <a:srgbClr val="005A58"/>
+        </a:dk1>
+        <a:lt1>
+          <a:srgbClr val="FFFFFF"/>
+        </a:lt1>
+        <a:dk2>
+          <a:srgbClr val="008080"/>
+        </a:dk2>
+        <a:lt2>
+          <a:srgbClr val="FFFF99"/>
+        </a:lt2>
+        <a:accent1>
+          <a:srgbClr val="006462"/>
+        </a:accent1>
+        <a:accent2>
+          <a:srgbClr val="6D6FC7"/>
+        </a:accent2>
+        <a:accent3>
+          <a:srgbClr val="AAC0C0"/>
+        </a:accent3>
+        <a:accent4>
+          <a:srgbClr val="DADADA"/>
+        </a:accent4>
+        <a:accent5>
+          <a:srgbClr val="AAB8B7"/>
+        </a:accent5>
+        <a:accent6>
+          <a:srgbClr val="6264B4"/>
+        </a:accent6>
+        <a:hlink>
+          <a:srgbClr val="00FFFF"/>
+        </a:hlink>
+        <a:folHlink>
+          <a:srgbClr val="00FF00"/>
+        </a:folHlink>
+      </a:clrScheme>
+      <a:clrMap bg1="dk2" tx1="lt1" bg2="dk1" tx2="lt2" accent1="accent1" accent2="accent2" accent3="accent3" accent4="accent4" accent5="accent5" accent6="accent6" hlink="hlink" folHlink="folHlink"/>
+    </a:extraClrScheme>
+    <a:extraClrScheme>
+      <a:clrScheme name="slides-template 7">
+        <a:dk1>
+          <a:srgbClr val="5C1F00"/>
+        </a:dk1>
+        <a:lt1>
+          <a:srgbClr val="FFFFFF"/>
+        </a:lt1>
+        <a:dk2>
+          <a:srgbClr val="800000"/>
+        </a:dk2>
+        <a:lt2>
+          <a:srgbClr val="DFD293"/>
+        </a:lt2>
+        <a:accent1>
+          <a:srgbClr val="CC3300"/>
+        </a:accent1>
+        <a:accent2>
+          <a:srgbClr val="BE7960"/>
+        </a:accent2>
+        <a:accent3>
+          <a:srgbClr val="C0AAAA"/>
+        </a:accent3>
+        <a:accent4>
+          <a:srgbClr val="DADADA"/>
+        </a:accent4>
+        <a:accent5>
+          <a:srgbClr val="E2ADAA"/>
+        </a:accent5>
+        <a:accent6>
+          <a:srgbClr val="AC6D56"/>
+        </a:accent6>
+        <a:hlink>
+          <a:srgbClr val="FFFF99"/>
+        </a:hlink>
+        <a:folHlink>
+          <a:srgbClr val="D3A219"/>
+        </a:folHlink>
+      </a:clrScheme>
+      <a:clrMap bg1="dk2" tx1="lt1" bg2="dk1" tx2="lt2" accent1="accent1" accent2="accent2" accent3="accent3" accent4="accent4" accent5="accent5" accent6="accent6" hlink="hlink" folHlink="folHlink"/>
+    </a:extraClrScheme>
+    <a:extraClrScheme>
+      <a:clrScheme name="slides-template 8">
+        <a:dk1>
+          <a:srgbClr val="003366"/>
+        </a:dk1>
+        <a:lt1>
+          <a:srgbClr val="FFFFFF"/>
+        </a:lt1>
+        <a:dk2>
+          <a:srgbClr val="000099"/>
+        </a:dk2>
+        <a:lt2>
+          <a:srgbClr val="CCFFFF"/>
+        </a:lt2>
+        <a:accent1>
+          <a:srgbClr val="3366CC"/>
+        </a:accent1>
+        <a:accent2>
+          <a:srgbClr val="00B000"/>
+        </a:accent2>
+        <a:accent3>
+          <a:srgbClr val="AAAACA"/>
+        </a:accent3>
+        <a:accent4>
+          <a:srgbClr val="DADADA"/>
+        </a:accent4>
+        <a:accent5>
+          <a:srgbClr val="ADB8E2"/>
+        </a:accent5>
+        <a:accent6>
+          <a:srgbClr val="009F00"/>
+        </a:accent6>
+        <a:hlink>
+          <a:srgbClr val="66CCFF"/>
+        </a:hlink>
+        <a:folHlink>
+          <a:srgbClr val="FFE701"/>
+        </a:folHlink>
+      </a:clrScheme>
+      <a:clrMap bg1="dk2" tx1="lt1" bg2="dk1" tx2="lt2" accent1="accent1" accent2="accent2" accent3="accent3" accent4="accent4" accent5="accent5" accent6="accent6" hlink="hlink" folHlink="folHlink"/>
+    </a:extraClrScheme>
+    <a:extraClrScheme>
+      <a:clrScheme name="slides-template 9">
+        <a:dk1>
+          <a:srgbClr val="336699"/>
+        </a:dk1>
+        <a:lt1>
+          <a:srgbClr val="FFFFFF"/>
+        </a:lt1>
+        <a:dk2>
+          <a:srgbClr val="000000"/>
+        </a:dk2>
+        <a:lt2>
+          <a:srgbClr val="E3EBF1"/>
+        </a:lt2>
+        <a:accent1>
+          <a:srgbClr val="003399"/>
+        </a:accent1>
+        <a:accent2>
+          <a:srgbClr val="468A4B"/>
+        </a:accent2>
+        <a:accent3>
+          <a:srgbClr val="AAAAAA"/>
+        </a:accent3>
+        <a:accent4>
+          <a:srgbClr val="DADADA"/>
+        </a:accent4>
+        <a:accent5>
+          <a:srgbClr val="AAADCA"/>
+        </a:accent5>
+        <a:accent6>
+          <a:srgbClr val="3F7D43"/>
+        </a:accent6>
+        <a:hlink>
+          <a:srgbClr val="66CCFF"/>
+        </a:hlink>
+        <a:folHlink>
+          <a:srgbClr val="F0E500"/>
+        </a:folHlink>
+      </a:clrScheme>
+      <a:clrMap bg1="dk2" tx1="lt1" bg2="dk1" tx2="lt2" accent1="accent1" accent2="accent2" accent3="accent3" accent4="accent4" accent5="accent5" accent6="accent6" hlink="hlink" folHlink="folHlink"/>
+    </a:extraClrScheme>
+    <a:extraClrScheme>
+      <a:clrScheme name="slides-template 10">
+        <a:dk1>
+          <a:srgbClr val="777777"/>
+        </a:dk1>
+        <a:lt1>
+          <a:srgbClr val="FFFFFF"/>
+        </a:lt1>
+        <a:dk2>
+          <a:srgbClr val="686B5D"/>
+        </a:dk2>
+        <a:lt2>
+          <a:srgbClr val="D1D1CB"/>
+        </a:lt2>
+        <a:accent1>
+          <a:srgbClr val="909082"/>
+        </a:accent1>
+        <a:accent2>
+          <a:srgbClr val="809EA8"/>
+        </a:accent2>
+        <a:accent3>
+          <a:srgbClr val="B9BAB6"/>
+        </a:accent3>
+        <a:accent4>
+          <a:srgbClr val="DADADA"/>
+        </a:accent4>
+        <a:accent5>
+          <a:srgbClr val="C6C6C1"/>
+        </a:accent5>
+        <a:accent6>
+          <a:srgbClr val="738F98"/>
+        </a:accent6>
+        <a:hlink>
+          <a:srgbClr val="FFCC66"/>
+        </a:hlink>
+        <a:folHlink>
+          <a:srgbClr val="E9DCB9"/>
+        </a:folHlink>
+      </a:clrScheme>
+      <a:clrMap bg1="dk2" tx1="lt1" bg2="dk1" tx2="lt2" accent1="accent1" accent2="accent2" accent3="accent3" accent4="accent4" accent5="accent5" accent6="accent6" hlink="hlink" folHlink="folHlink"/>
+    </a:extraClrScheme>
+    <a:extraClrScheme>
+      <a:clrScheme name="slides-template 11">
+        <a:dk1>
+          <a:srgbClr val="3E3E5C"/>
+        </a:dk1>
+        <a:lt1>
+          <a:srgbClr val="FFFFFF"/>
+        </a:lt1>
+        <a:dk2>
+          <a:srgbClr val="666699"/>
+        </a:dk2>
+        <a:lt2>
+          <a:srgbClr val="FFFFFF"/>
+        </a:lt2>
+        <a:accent1>
+          <a:srgbClr val="60597B"/>
+        </a:accent1>
+        <a:accent2>
+          <a:srgbClr val="6666FF"/>
+        </a:accent2>
+        <a:accent3>
+          <a:srgbClr val="B8B8CA"/>
+        </a:accent3>
+        <a:accent4>
+          <a:srgbClr val="DADADA"/>
+        </a:accent4>
+        <a:accent5>
+          <a:srgbClr val="B6B5BF"/>
+        </a:accent5>
+        <a:accent6>
+          <a:srgbClr val="5C5CE7"/>
+        </a:accent6>
+        <a:hlink>
+          <a:srgbClr val="99CCFF"/>
+        </a:hlink>
+        <a:folHlink>
+          <a:srgbClr val="FFFF99"/>
+        </a:folHlink>
+      </a:clrScheme>
+      <a:clrMap bg1="dk2" tx1="lt1" bg2="dk1" tx2="lt2" accent1="accent1" accent2="accent2" accent3="accent3" accent4="accent4" accent5="accent5" accent6="accent6" hlink="hlink" folHlink="folHlink"/>
+    </a:extraClrScheme>
+    <a:extraClrScheme>
+      <a:clrScheme name="slides-template 12">
+        <a:dk1>
+          <a:srgbClr val="2D2015"/>
+        </a:dk1>
+        <a:lt1>
+          <a:srgbClr val="FFFFFF"/>
+        </a:lt1>
+        <a:dk2>
+          <a:srgbClr val="523E26"/>
+        </a:dk2>
+        <a:lt2>
+          <a:srgbClr val="DFC08D"/>
+        </a:lt2>
+        <a:accent1>
+          <a:srgbClr val="8C7B70"/>
+        </a:accent1>
+        <a:accent2>
+          <a:srgbClr val="8F5F2F"/>
+        </a:accent2>
+        <a:accent3>
+          <a:srgbClr val="B3AFAC"/>
+        </a:accent3>
+        <a:accent4>
+          <a:srgbClr val="DADADA"/>
+        </a:accent4>
+        <a:accent5>
+          <a:srgbClr val="C5BFBB"/>
+        </a:accent5>
+        <a:accent6>
+          <a:srgbClr val="81552A"/>
+        </a:accent6>
+        <a:hlink>
+          <a:srgbClr val="CCB400"/>
+        </a:hlink>
+        <a:folHlink>
+          <a:srgbClr val="8C9EA0"/>
+        </a:folHlink>
+      </a:clrScheme>
+      <a:clrMap bg1="dk2" tx1="lt1" bg2="dk1" tx2="lt2" accent1="accent1" accent2="accent2" accent3="accent3" accent4="accent4" accent5="accent5" accent6="accent6" hlink="hlink" folHlink="folHlink"/>
+    </a:extraClrScheme>
+    <a:extraClrScheme>
+      <a:clrScheme name="slides-template 13">
+        <a:dk1>
+          <a:srgbClr val="000000"/>
+        </a:dk1>
+        <a:lt1>
+          <a:srgbClr val="FFFFFF"/>
+        </a:lt1>
+        <a:dk2>
+          <a:srgbClr val="FF0000"/>
+        </a:dk2>
+        <a:lt2>
+          <a:srgbClr val="808080"/>
+        </a:lt2>
+        <a:accent1>
+          <a:srgbClr val="99C4DF"/>
+        </a:accent1>
+        <a:accent2>
+          <a:srgbClr val="FCEA04"/>
+        </a:accent2>
+        <a:accent3>
+          <a:srgbClr val="FFFFFF"/>
+        </a:accent3>
+        <a:accent4>
+          <a:srgbClr val="000000"/>
+        </a:accent4>
+        <a:accent5>
+          <a:srgbClr val="CADEEC"/>
+        </a:accent5>
+        <a:accent6>
+          <a:srgbClr val="E4D403"/>
+        </a:accent6>
+        <a:hlink>
+          <a:srgbClr val="009999"/>
+        </a:hlink>
+        <a:folHlink>
+          <a:srgbClr val="99CC00"/>
+        </a:folHlink>
+      </a:clrScheme>
+      <a:clrMap bg1="lt1" tx1="dk1" bg2="lt2" tx2="dk2" accent1="accent1" accent2="accent2" accent3="accent3" accent4="accent4" accent5="accent5" accent6="accent6" hlink="hlink" folHlink="folHlink"/>
+    </a:extraClrScheme>
+    <a:extraClrScheme>
+      <a:clrScheme name="slides-template 14">
+        <a:dk1>
+          <a:srgbClr val="000000"/>
+        </a:dk1>
+        <a:lt1>
+          <a:srgbClr val="FFFFFF"/>
+        </a:lt1>
+        <a:dk2>
+          <a:srgbClr val="FF0000"/>
+        </a:dk2>
+        <a:lt2>
+          <a:srgbClr val="808080"/>
+        </a:lt2>
+        <a:accent1>
+          <a:srgbClr val="483FFF"/>
+        </a:accent1>
+        <a:accent2>
+          <a:srgbClr val="FCEA04"/>
+        </a:accent2>
+        <a:accent3>
+          <a:srgbClr val="FFFFFF"/>
+        </a:accent3>
+        <a:accent4>
+          <a:srgbClr val="000000"/>
+        </a:accent4>
+        <a:accent5>
+          <a:srgbClr val="B1AFFF"/>
+        </a:accent5>
+        <a:accent6>
+          <a:srgbClr val="E4D403"/>
+        </a:accent6>
+        <a:hlink>
+          <a:srgbClr val="009999"/>
+        </a:hlink>
+        <a:folHlink>
+          <a:srgbClr val="99CC00"/>
+        </a:folHlink>
+      </a:clrScheme>
+      <a:clrMap bg1="lt1" tx1="dk1" bg2="lt2" tx2="dk2" accent1="accent1" accent2="accent2" accent3="accent3" accent4="accent4" accent5="accent5" accent6="accent6" hlink="hlink" folHlink="folHlink"/>
+    </a:extraClrScheme>
+  </a:extraClrSchemeLst>
   <a:extLst>
     <a:ext uri="{05A4C25C-085E-4340-85A3-A5531E510DB2}">
-      <thm15:themeFamily xmlns:thm15="http://schemas.microsoft.com/office/thememl/2012/main" name="Office Theme" id="{62F939B6-93AF-4DB8-9C6B-D6C7DFDC589F}" vid="{4A3C46E8-61CC-4603-A589-7422A47A8E4A}"/>
+      <thm15:themeFamily xmlns:thm15="http://schemas.microsoft.com/office/thememl/2012/main" name="Presentation4" id="{A57A8743-A8A9-764F-A11E-756F8260ADDF}" vid="{039FA2A0-2943-A842-BC1C-5D9203B6B29A}"/>
     </a:ext>
   </a:extLst>
 </a:theme>
@@ -30560,4 +33911,299 @@
     </a:ext>
   </a:extLst>
 </a:theme>
+</file>
+
+<file path=ppt/theme/theme5.xml><?xml version="1.0" encoding="utf-8"?>
+<a:theme xmlns:a="http://schemas.openxmlformats.org/drawingml/2006/main" name="Tema di Office">
+  <a:themeElements>
+    <a:clrScheme name="">
+      <a:dk1>
+        <a:srgbClr val="000000"/>
+      </a:dk1>
+      <a:lt1>
+        <a:srgbClr val="FFFFFF"/>
+      </a:lt1>
+      <a:dk2>
+        <a:srgbClr val="000000"/>
+      </a:dk2>
+      <a:lt2>
+        <a:srgbClr val="808080"/>
+      </a:lt2>
+      <a:accent1>
+        <a:srgbClr val="BBE0E3"/>
+      </a:accent1>
+      <a:accent2>
+        <a:srgbClr val="333399"/>
+      </a:accent2>
+      <a:accent3>
+        <a:srgbClr val="FFFFFF"/>
+      </a:accent3>
+      <a:accent4>
+        <a:srgbClr val="000000"/>
+      </a:accent4>
+      <a:accent5>
+        <a:srgbClr val="DAEDEF"/>
+      </a:accent5>
+      <a:accent6>
+        <a:srgbClr val="2D2D8A"/>
+      </a:accent6>
+      <a:hlink>
+        <a:srgbClr val="009999"/>
+      </a:hlink>
+      <a:folHlink>
+        <a:srgbClr val="99CC00"/>
+      </a:folHlink>
+    </a:clrScheme>
+    <a:fontScheme name="Office">
+      <a:majorFont>
+        <a:latin typeface="Calibri Light" panose="020F0302020204030204"/>
+        <a:ea typeface=""/>
+        <a:cs typeface=""/>
+        <a:font script="Jpan" typeface="游ゴシック Light"/>
+        <a:font script="Hang" typeface="맑은 고딕"/>
+        <a:font script="Hans" typeface="等线 Light"/>
+        <a:font script="Hant" typeface="新細明體"/>
+        <a:font script="Arab" typeface="Times New Roman"/>
+        <a:font script="Hebr" typeface="Times New Roman"/>
+        <a:font script="Thai" typeface="Angsana New"/>
+        <a:font script="Ethi" typeface="Nyala"/>
+        <a:font script="Beng" typeface="Vrinda"/>
+        <a:font script="Gujr" typeface="Shruti"/>
+        <a:font script="Khmr" typeface="MoolBoran"/>
+        <a:font script="Knda" typeface="Tunga"/>
+        <a:font script="Guru" typeface="Raavi"/>
+        <a:font script="Cans" typeface="Euphemia"/>
+        <a:font script="Cher" typeface="Plantagenet Cherokee"/>
+        <a:font script="Yiii" typeface="Microsoft Yi Baiti"/>
+        <a:font script="Tibt" typeface="Microsoft Himalaya"/>
+        <a:font script="Thaa" typeface="MV Boli"/>
+        <a:font script="Deva" typeface="Mangal"/>
+        <a:font script="Telu" typeface="Gautami"/>
+        <a:font script="Taml" typeface="Latha"/>
+        <a:font script="Syrc" typeface="Estrangelo Edessa"/>
+        <a:font script="Orya" typeface="Kalinga"/>
+        <a:font script="Mlym" typeface="Kartika"/>
+        <a:font script="Laoo" typeface="DokChampa"/>
+        <a:font script="Sinh" typeface="Iskoola Pota"/>
+        <a:font script="Mong" typeface="Mongolian Baiti"/>
+        <a:font script="Viet" typeface="Times New Roman"/>
+        <a:font script="Uigh" typeface="Microsoft Uighur"/>
+        <a:font script="Geor" typeface="Sylfaen"/>
+        <a:font script="Armn" typeface="Arial"/>
+        <a:font script="Bugi" typeface="Leelawadee UI"/>
+        <a:font script="Bopo" typeface="Microsoft JhengHei"/>
+        <a:font script="Java" typeface="Javanese Text"/>
+        <a:font script="Lisu" typeface="Segoe UI"/>
+        <a:font script="Mymr" typeface="Myanmar Text"/>
+        <a:font script="Nkoo" typeface="Ebrima"/>
+        <a:font script="Olck" typeface="Nirmala UI"/>
+        <a:font script="Osma" typeface="Ebrima"/>
+        <a:font script="Phag" typeface="Phagspa"/>
+        <a:font script="Syrn" typeface="Estrangelo Edessa"/>
+        <a:font script="Syrj" typeface="Estrangelo Edessa"/>
+        <a:font script="Syre" typeface="Estrangelo Edessa"/>
+        <a:font script="Sora" typeface="Nirmala UI"/>
+        <a:font script="Tale" typeface="Microsoft Tai Le"/>
+        <a:font script="Talu" typeface="Microsoft New Tai Lue"/>
+        <a:font script="Tfng" typeface="Ebrima"/>
+      </a:majorFont>
+      <a:minorFont>
+        <a:latin typeface="Calibri" panose="020F0502020204030204"/>
+        <a:ea typeface=""/>
+        <a:cs typeface=""/>
+        <a:font script="Jpan" typeface="游ゴシック"/>
+        <a:font script="Hang" typeface="맑은 고딕"/>
+        <a:font script="Hans" typeface="等线"/>
+        <a:font script="Hant" typeface="新細明體"/>
+        <a:font script="Arab" typeface="Arial"/>
+        <a:font script="Hebr" typeface="Arial"/>
+        <a:font script="Thai" typeface="Cordia New"/>
+        <a:font script="Ethi" typeface="Nyala"/>
+        <a:font script="Beng" typeface="Vrinda"/>
+        <a:font script="Gujr" typeface="Shruti"/>
+        <a:font script="Khmr" typeface="DaunPenh"/>
+        <a:font script="Knda" typeface="Tunga"/>
+        <a:font script="Guru" typeface="Raavi"/>
+        <a:font script="Cans" typeface="Euphemia"/>
+        <a:font script="Cher" typeface="Plantagenet Cherokee"/>
+        <a:font script="Yiii" typeface="Microsoft Yi Baiti"/>
+        <a:font script="Tibt" typeface="Microsoft Himalaya"/>
+        <a:font script="Thaa" typeface="MV Boli"/>
+        <a:font script="Deva" typeface="Mangal"/>
+        <a:font script="Telu" typeface="Gautami"/>
+        <a:font script="Taml" typeface="Latha"/>
+        <a:font script="Syrc" typeface="Estrangelo Edessa"/>
+        <a:font script="Orya" typeface="Kalinga"/>
+        <a:font script="Mlym" typeface="Kartika"/>
+        <a:font script="Laoo" typeface="DokChampa"/>
+        <a:font script="Sinh" typeface="Iskoola Pota"/>
+        <a:font script="Mong" typeface="Mongolian Baiti"/>
+        <a:font script="Viet" typeface="Arial"/>
+        <a:font script="Uigh" typeface="Microsoft Uighur"/>
+        <a:font script="Geor" typeface="Sylfaen"/>
+        <a:font script="Armn" typeface="Arial"/>
+        <a:font script="Bugi" typeface="Leelawadee UI"/>
+        <a:font script="Bopo" typeface="Microsoft JhengHei"/>
+        <a:font script="Java" typeface="Javanese Text"/>
+        <a:font script="Lisu" typeface="Segoe UI"/>
+        <a:font script="Mymr" typeface="Myanmar Text"/>
+        <a:font script="Nkoo" typeface="Ebrima"/>
+        <a:font script="Olck" typeface="Nirmala UI"/>
+        <a:font script="Osma" typeface="Ebrima"/>
+        <a:font script="Phag" typeface="Phagspa"/>
+        <a:font script="Syrn" typeface="Estrangelo Edessa"/>
+        <a:font script="Syrj" typeface="Estrangelo Edessa"/>
+        <a:font script="Syre" typeface="Estrangelo Edessa"/>
+        <a:font script="Sora" typeface="Nirmala UI"/>
+        <a:font script="Tale" typeface="Microsoft Tai Le"/>
+        <a:font script="Talu" typeface="Microsoft New Tai Lue"/>
+        <a:font script="Tfng" typeface="Ebrima"/>
+      </a:minorFont>
+    </a:fontScheme>
+    <a:fmtScheme name="Office">
+      <a:fillStyleLst>
+        <a:solidFill>
+          <a:schemeClr val="phClr"/>
+        </a:solidFill>
+        <a:gradFill rotWithShape="1">
+          <a:gsLst>
+            <a:gs pos="0">
+              <a:schemeClr val="phClr">
+                <a:lumMod val="110000"/>
+                <a:satMod val="105000"/>
+                <a:tint val="67000"/>
+              </a:schemeClr>
+            </a:gs>
+            <a:gs pos="50000">
+              <a:schemeClr val="phClr">
+                <a:lumMod val="105000"/>
+                <a:satMod val="103000"/>
+                <a:tint val="73000"/>
+              </a:schemeClr>
+            </a:gs>
+            <a:gs pos="100000">
+              <a:schemeClr val="phClr">
+                <a:lumMod val="105000"/>
+                <a:satMod val="109000"/>
+                <a:tint val="81000"/>
+              </a:schemeClr>
+            </a:gs>
+          </a:gsLst>
+          <a:lin ang="5400000" scaled="0"/>
+        </a:gradFill>
+        <a:gradFill rotWithShape="1">
+          <a:gsLst>
+            <a:gs pos="0">
+              <a:schemeClr val="phClr">
+                <a:satMod val="103000"/>
+                <a:lumMod val="102000"/>
+                <a:tint val="94000"/>
+              </a:schemeClr>
+            </a:gs>
+            <a:gs pos="50000">
+              <a:schemeClr val="phClr">
+                <a:satMod val="110000"/>
+                <a:lumMod val="100000"/>
+                <a:shade val="100000"/>
+              </a:schemeClr>
+            </a:gs>
+            <a:gs pos="100000">
+              <a:schemeClr val="phClr">
+                <a:lumMod val="99000"/>
+                <a:satMod val="120000"/>
+                <a:shade val="78000"/>
+              </a:schemeClr>
+            </a:gs>
+          </a:gsLst>
+          <a:lin ang="5400000" scaled="0"/>
+        </a:gradFill>
+      </a:fillStyleLst>
+      <a:lnStyleLst>
+        <a:ln w="6350" cap="flat" cmpd="sng" algn="ctr">
+          <a:solidFill>
+            <a:schemeClr val="phClr"/>
+          </a:solidFill>
+          <a:prstDash val="solid"/>
+          <a:miter lim="800000"/>
+        </a:ln>
+        <a:ln w="12700" cap="flat" cmpd="sng" algn="ctr">
+          <a:solidFill>
+            <a:schemeClr val="phClr"/>
+          </a:solidFill>
+          <a:prstDash val="solid"/>
+          <a:miter lim="800000"/>
+        </a:ln>
+        <a:ln w="19050" cap="flat" cmpd="sng" algn="ctr">
+          <a:solidFill>
+            <a:schemeClr val="phClr"/>
+          </a:solidFill>
+          <a:prstDash val="solid"/>
+          <a:miter lim="800000"/>
+        </a:ln>
+      </a:lnStyleLst>
+      <a:effectStyleLst>
+        <a:effectStyle>
+          <a:effectLst/>
+        </a:effectStyle>
+        <a:effectStyle>
+          <a:effectLst/>
+        </a:effectStyle>
+        <a:effectStyle>
+          <a:effectLst>
+            <a:outerShdw blurRad="57150" dist="19050" dir="5400000" algn="ctr" rotWithShape="0">
+              <a:srgbClr val="000000">
+                <a:alpha val="63000"/>
+              </a:srgbClr>
+            </a:outerShdw>
+          </a:effectLst>
+        </a:effectStyle>
+      </a:effectStyleLst>
+      <a:bgFillStyleLst>
+        <a:solidFill>
+          <a:schemeClr val="phClr"/>
+        </a:solidFill>
+        <a:solidFill>
+          <a:schemeClr val="phClr">
+            <a:tint val="95000"/>
+            <a:satMod val="170000"/>
+          </a:schemeClr>
+        </a:solidFill>
+        <a:gradFill rotWithShape="1">
+          <a:gsLst>
+            <a:gs pos="0">
+              <a:schemeClr val="phClr">
+                <a:tint val="93000"/>
+                <a:satMod val="150000"/>
+                <a:shade val="98000"/>
+                <a:lumMod val="102000"/>
+              </a:schemeClr>
+            </a:gs>
+            <a:gs pos="50000">
+              <a:schemeClr val="phClr">
+                <a:tint val="98000"/>
+                <a:satMod val="130000"/>
+                <a:shade val="90000"/>
+                <a:lumMod val="103000"/>
+              </a:schemeClr>
+            </a:gs>
+            <a:gs pos="100000">
+              <a:schemeClr val="phClr">
+                <a:shade val="63000"/>
+                <a:satMod val="120000"/>
+              </a:schemeClr>
+            </a:gs>
+          </a:gsLst>
+          <a:lin ang="5400000" scaled="0"/>
+        </a:gradFill>
+      </a:bgFillStyleLst>
+    </a:fmtScheme>
+  </a:themeElements>
+  <a:objectDefaults/>
+  <a:extraClrSchemeLst/>
+  <a:extLst>
+    <a:ext uri="{05A4C25C-085E-4340-85A3-A5531E510DB2}">
+      <thm15:themeFamily xmlns:thm15="http://schemas.microsoft.com/office/thememl/2012/main" name="Office Theme" id="{62F939B6-93AF-4DB8-9C6B-D6C7DFDC589F}" vid="{4A3C46E8-61CC-4603-A589-7422A47A8E4A}"/>
+    </a:ext>
+  </a:extLst>
+</a:theme>
 </file>
--- a/main-labs/application-level/web-server/008-kathara-lab_web-server.pptx
+++ b/main-labs/application-level/web-server/008-kathara-lab_web-server.pptx
@@ -1473,7 +1473,7 @@
             </a:pPr>
             <a:r>
               <a:rPr lang="it-IT" altLang="it-IT"/>
-              <a:t>last update: Nov 2019</a:t>
+              <a:t>last update: Oct 2023</a:t>
             </a:r>
           </a:p>
         </p:txBody>
@@ -1510,7 +1510,7 @@
             </a:pPr>
             <a:r>
               <a:rPr lang="it-IT" altLang="it-IT"/>
-              <a:t>kathara – [ lab: webserver ]</a:t>
+              <a:t>Kathará - Introduction</a:t>
             </a:r>
           </a:p>
         </p:txBody>
@@ -1652,7 +1652,7 @@
             </a:pPr>
             <a:r>
               <a:rPr lang="it-IT" altLang="it-IT"/>
-              <a:t>last update: Nov 2019</a:t>
+              <a:t>last update: Oct 2023</a:t>
             </a:r>
           </a:p>
         </p:txBody>
@@ -1689,7 +1689,7 @@
             </a:pPr>
             <a:r>
               <a:rPr lang="it-IT" altLang="it-IT"/>
-              <a:t>kathara – [ lab: webserver ]</a:t>
+              <a:t>Kathará - Introduction</a:t>
             </a:r>
           </a:p>
         </p:txBody>
@@ -1841,7 +1841,7 @@
             </a:pPr>
             <a:r>
               <a:rPr lang="it-IT" altLang="it-IT"/>
-              <a:t>last update: Nov 2019</a:t>
+              <a:t>last update: Oct 2023</a:t>
             </a:r>
           </a:p>
         </p:txBody>
@@ -1878,7 +1878,7 @@
             </a:pPr>
             <a:r>
               <a:rPr lang="it-IT" altLang="it-IT"/>
-              <a:t>kathara – [ lab: webserver ]</a:t>
+              <a:t>Kathará - Introduction</a:t>
             </a:r>
           </a:p>
         </p:txBody>
@@ -2334,7 +2334,7 @@
             </a:pPr>
             <a:r>
               <a:rPr lang="it-IT"/>
-              <a:t>last update: Nov 2019</a:t>
+              <a:t>last update: Oct 2023</a:t>
             </a:r>
           </a:p>
         </p:txBody>
@@ -2544,7 +2544,7 @@
             </a:pPr>
             <a:r>
               <a:rPr lang="it-IT"/>
-              <a:t>last update: Nov 2019</a:t>
+              <a:t>last update: Oct 2023</a:t>
             </a:r>
           </a:p>
         </p:txBody>
@@ -2758,7 +2758,7 @@
             </a:pPr>
             <a:r>
               <a:rPr lang="it-IT"/>
-              <a:t>last update: Nov 2019</a:t>
+              <a:t>last update: Oct 2023</a:t>
             </a:r>
           </a:p>
         </p:txBody>
@@ -2885,7 +2885,7 @@
             </a:pPr>
             <a:r>
               <a:rPr lang="it-IT"/>
-              <a:t>last update: Nov 2019</a:t>
+              <a:t>last update: Oct 2023</a:t>
             </a:r>
           </a:p>
         </p:txBody>
@@ -3532,7 +3532,7 @@
             </a:pPr>
             <a:r>
               <a:rPr lang="it-IT"/>
-              <a:t>last update: Nov 2019</a:t>
+              <a:t>last update: Oct 2023</a:t>
             </a:r>
           </a:p>
         </p:txBody>
@@ -3829,7 +3829,7 @@
             </a:pPr>
             <a:r>
               <a:rPr lang="it-IT"/>
-              <a:t>last update: Nov 2019</a:t>
+              <a:t>last update: Oct 2023</a:t>
             </a:r>
           </a:p>
         </p:txBody>
@@ -3964,7 +3964,7 @@
             </a:pPr>
             <a:r>
               <a:rPr lang="it-IT" altLang="it-IT"/>
-              <a:t>last update: Nov 2019</a:t>
+              <a:t>last update: Oct 2023</a:t>
             </a:r>
           </a:p>
         </p:txBody>
@@ -3995,7 +3995,7 @@
             </a:pPr>
             <a:r>
               <a:rPr lang="it-IT" altLang="it-IT"/>
-              <a:t>kathara – [ lab: webserver ]</a:t>
+              <a:t>Kathará - Introduction</a:t>
             </a:r>
           </a:p>
         </p:txBody>
@@ -4472,7 +4472,7 @@
             </a:pPr>
             <a:r>
               <a:rPr lang="it-IT"/>
-              <a:t>last update: Nov 2019</a:t>
+              <a:t>last update: Oct 2023</a:t>
             </a:r>
           </a:p>
         </p:txBody>
@@ -4599,7 +4599,7 @@
             </a:pPr>
             <a:r>
               <a:rPr lang="it-IT"/>
-              <a:t>last update: Nov 2019</a:t>
+              <a:t>last update: Oct 2023</a:t>
             </a:r>
           </a:p>
         </p:txBody>
@@ -4703,7 +4703,7 @@
             </a:pPr>
             <a:r>
               <a:rPr lang="it-IT"/>
-              <a:t>last update: Nov 2019</a:t>
+              <a:t>last update: Oct 2023</a:t>
             </a:r>
           </a:p>
         </p:txBody>
@@ -4989,7 +4989,7 @@
             </a:pPr>
             <a:r>
               <a:rPr lang="it-IT"/>
-              <a:t>last update: Nov 2019</a:t>
+              <a:t>last update: Oct 2023</a:t>
             </a:r>
           </a:p>
         </p:txBody>
@@ -5256,7 +5256,7 @@
             </a:pPr>
             <a:r>
               <a:rPr lang="it-IT"/>
-              <a:t>last update: Nov 2019</a:t>
+              <a:t>last update: Oct 2023</a:t>
             </a:r>
           </a:p>
         </p:txBody>
@@ -5435,7 +5435,7 @@
             </a:pPr>
             <a:r>
               <a:rPr lang="it-IT"/>
-              <a:t>last update: Nov 2019</a:t>
+              <a:t>last update: Oct 2023</a:t>
             </a:r>
           </a:p>
         </p:txBody>
@@ -5624,7 +5624,7 @@
             </a:pPr>
             <a:r>
               <a:rPr lang="it-IT"/>
-              <a:t>last update: Nov 2019</a:t>
+              <a:t>last update: Oct 2023</a:t>
             </a:r>
           </a:p>
         </p:txBody>
@@ -5907,7 +5907,7 @@
             </a:pPr>
             <a:r>
               <a:rPr lang="it-IT" altLang="it-IT"/>
-              <a:t>last update: Nov 2019</a:t>
+              <a:t>last update: Oct 2023</a:t>
             </a:r>
           </a:p>
         </p:txBody>
@@ -5938,7 +5938,7 @@
             </a:pPr>
             <a:r>
               <a:rPr lang="it-IT" altLang="it-IT"/>
-              <a:t>kathara – [ lab: webserver ]</a:t>
+              <a:t>Kathará - Introduction</a:t>
             </a:r>
           </a:p>
         </p:txBody>
@@ -6132,7 +6132,7 @@
             </a:pPr>
             <a:r>
               <a:rPr lang="it-IT" altLang="it-IT"/>
-              <a:t>last update: Nov 2019</a:t>
+              <a:t>last update: Oct 2023</a:t>
             </a:r>
           </a:p>
         </p:txBody>
@@ -6163,7 +6163,7 @@
             </a:pPr>
             <a:r>
               <a:rPr lang="it-IT" altLang="it-IT"/>
-              <a:t>kathara – [ lab: webserver ]</a:t>
+              <a:t>Kathará - Introduction</a:t>
             </a:r>
           </a:p>
         </p:txBody>
@@ -6298,7 +6298,7 @@
             </a:pPr>
             <a:r>
               <a:rPr lang="it-IT" altLang="it-IT"/>
-              <a:t>last update: Nov 2019</a:t>
+              <a:t>last update: Oct 2023</a:t>
             </a:r>
           </a:p>
         </p:txBody>
@@ -6329,7 +6329,7 @@
             </a:pPr>
             <a:r>
               <a:rPr lang="it-IT" altLang="it-IT"/>
-              <a:t>kathara – [ lab: webserver ]</a:t>
+              <a:t>Kathará - Introduction</a:t>
             </a:r>
           </a:p>
         </p:txBody>
@@ -6511,7 +6511,7 @@
             </a:pPr>
             <a:r>
               <a:rPr lang="it-IT" altLang="it-IT"/>
-              <a:t>last update: Nov 2019</a:t>
+              <a:t>last update: Oct 2023</a:t>
             </a:r>
           </a:p>
         </p:txBody>
@@ -6548,7 +6548,7 @@
             </a:pPr>
             <a:r>
               <a:rPr lang="it-IT" altLang="it-IT"/>
-              <a:t>kathara – [ lab: webserver ]</a:t>
+              <a:t>Kathará - Introduction</a:t>
             </a:r>
           </a:p>
         </p:txBody>
@@ -6808,7 +6808,7 @@
             </a:pPr>
             <a:r>
               <a:rPr lang="it-IT" altLang="it-IT"/>
-              <a:t>last update: Nov 2019</a:t>
+              <a:t>last update: Oct 2023</a:t>
             </a:r>
           </a:p>
         </p:txBody>
@@ -6845,7 +6845,7 @@
             </a:pPr>
             <a:r>
               <a:rPr lang="it-IT" altLang="it-IT"/>
-              <a:t>kathara – [ lab: webserver ]</a:t>
+              <a:t>Kathará - Introduction</a:t>
             </a:r>
           </a:p>
         </p:txBody>
@@ -6935,7 +6935,7 @@
             </a:pPr>
             <a:r>
               <a:rPr lang="it-IT" altLang="it-IT"/>
-              <a:t>last update: Nov 2019</a:t>
+              <a:t>last update: Oct 2023</a:t>
             </a:r>
           </a:p>
         </p:txBody>
@@ -6972,7 +6972,7 @@
             </a:pPr>
             <a:r>
               <a:rPr lang="it-IT" altLang="it-IT"/>
-              <a:t>kathara – [ lab: webserver ]</a:t>
+              <a:t>Kathará - Introduction</a:t>
             </a:r>
           </a:p>
         </p:txBody>
@@ -7039,7 +7039,7 @@
             </a:pPr>
             <a:r>
               <a:rPr lang="it-IT" altLang="it-IT"/>
-              <a:t>last update: Nov 2019</a:t>
+              <a:t>last update: Oct 2023</a:t>
             </a:r>
           </a:p>
         </p:txBody>
@@ -7076,7 +7076,7 @@
             </a:pPr>
             <a:r>
               <a:rPr lang="it-IT" altLang="it-IT"/>
-              <a:t>kathara – [ lab: webserver ]</a:t>
+              <a:t>Kathará - Introduction</a:t>
             </a:r>
           </a:p>
         </p:txBody>
@@ -7325,7 +7325,7 @@
             </a:pPr>
             <a:r>
               <a:rPr lang="it-IT" altLang="it-IT"/>
-              <a:t>last update: Nov 2019</a:t>
+              <a:t>last update: Oct 2023</a:t>
             </a:r>
           </a:p>
         </p:txBody>
@@ -7362,7 +7362,7 @@
             </a:pPr>
             <a:r>
               <a:rPr lang="it-IT" altLang="it-IT"/>
-              <a:t>kathara – [ lab: webserver ]</a:t>
+              <a:t>Kathará - Introduction</a:t>
             </a:r>
           </a:p>
         </p:txBody>
@@ -7592,7 +7592,7 @@
             </a:pPr>
             <a:r>
               <a:rPr lang="it-IT" altLang="it-IT"/>
-              <a:t>last update: Nov 2019</a:t>
+              <a:t>last update: Oct 2023</a:t>
             </a:r>
           </a:p>
         </p:txBody>
@@ -7629,7 +7629,7 @@
             </a:pPr>
             <a:r>
               <a:rPr lang="it-IT" altLang="it-IT"/>
-              <a:t>kathara – [ lab: webserver ]</a:t>
+              <a:t>Kathará - Introduction</a:t>
             </a:r>
           </a:p>
         </p:txBody>
@@ -7771,7 +7771,7 @@
             </a:pPr>
             <a:r>
               <a:rPr lang="it-IT" altLang="it-IT"/>
-              <a:t>last update: Nov 2019</a:t>
+              <a:t>last update: Oct 2023</a:t>
             </a:r>
           </a:p>
         </p:txBody>
@@ -7808,7 +7808,7 @@
             </a:pPr>
             <a:r>
               <a:rPr lang="it-IT" altLang="it-IT"/>
-              <a:t>kathara – [ lab: webserver ]</a:t>
+              <a:t>Kathará - Introduction</a:t>
             </a:r>
           </a:p>
         </p:txBody>
@@ -7960,7 +7960,7 @@
             </a:pPr>
             <a:r>
               <a:rPr lang="it-IT" altLang="it-IT"/>
-              <a:t>last update: Nov 2019</a:t>
+              <a:t>last update: Oct 2023</a:t>
             </a:r>
           </a:p>
         </p:txBody>
@@ -7997,7 +7997,7 @@
             </a:pPr>
             <a:r>
               <a:rPr lang="it-IT" altLang="it-IT"/>
-              <a:t>kathara – [ lab: webserver ]</a:t>
+              <a:t>Kathará - Introduction</a:t>
             </a:r>
           </a:p>
         </p:txBody>
@@ -8139,7 +8139,7 @@
             </a:pPr>
             <a:r>
               <a:rPr lang="it-IT" altLang="it-IT"/>
-              <a:t>last update: Nov 2019</a:t>
+              <a:t>last update: Oct 2023</a:t>
             </a:r>
           </a:p>
         </p:txBody>
@@ -8176,7 +8176,7 @@
             </a:pPr>
             <a:r>
               <a:rPr lang="it-IT" altLang="it-IT"/>
-              <a:t>kathara – [ lab: webserver ]</a:t>
+              <a:t>Kathará - Introduction</a:t>
             </a:r>
           </a:p>
         </p:txBody>
@@ -8436,7 +8436,7 @@
             </a:pPr>
             <a:r>
               <a:rPr lang="it-IT" altLang="it-IT"/>
-              <a:t>last update: Nov 2019</a:t>
+              <a:t>last update: Oct 2023</a:t>
             </a:r>
           </a:p>
         </p:txBody>
@@ -8473,7 +8473,7 @@
             </a:pPr>
             <a:r>
               <a:rPr lang="it-IT" altLang="it-IT"/>
-              <a:t>kathara – [ lab: webserver ]</a:t>
+              <a:t>Kathará - Introduction</a:t>
             </a:r>
           </a:p>
         </p:txBody>
@@ -8867,7 +8867,7 @@
             </a:pPr>
             <a:r>
               <a:rPr lang="it-IT" altLang="it-IT"/>
-              <a:t>last update: Nov 2019</a:t>
+              <a:t>last update: Oct 2023</a:t>
             </a:r>
           </a:p>
         </p:txBody>
@@ -8904,7 +8904,7 @@
             </a:pPr>
             <a:r>
               <a:rPr lang="it-IT" altLang="it-IT"/>
-              <a:t>kathara – [ lab: webserver ]</a:t>
+              <a:t>Kathará - Introduction</a:t>
             </a:r>
           </a:p>
         </p:txBody>
@@ -8994,7 +8994,7 @@
             </a:pPr>
             <a:r>
               <a:rPr lang="it-IT" altLang="it-IT"/>
-              <a:t>last update: Nov 2019</a:t>
+              <a:t>last update: Oct 2023</a:t>
             </a:r>
           </a:p>
         </p:txBody>
@@ -9031,7 +9031,7 @@
             </a:pPr>
             <a:r>
               <a:rPr lang="it-IT" altLang="it-IT"/>
-              <a:t>kathara – [ lab: webserver ]</a:t>
+              <a:t>Kathará - Introduction</a:t>
             </a:r>
           </a:p>
         </p:txBody>
@@ -9098,7 +9098,7 @@
             </a:pPr>
             <a:r>
               <a:rPr lang="it-IT" altLang="it-IT"/>
-              <a:t>last update: Nov 2019</a:t>
+              <a:t>last update: Oct 2023</a:t>
             </a:r>
           </a:p>
         </p:txBody>
@@ -9135,7 +9135,7 @@
             </a:pPr>
             <a:r>
               <a:rPr lang="it-IT" altLang="it-IT"/>
-              <a:t>kathara – [ lab: webserver ]</a:t>
+              <a:t>Kathará - Introduction</a:t>
             </a:r>
           </a:p>
         </p:txBody>
@@ -9384,7 +9384,7 @@
             </a:pPr>
             <a:r>
               <a:rPr lang="it-IT" altLang="it-IT"/>
-              <a:t>last update: Nov 2019</a:t>
+              <a:t>last update: Oct 2023</a:t>
             </a:r>
           </a:p>
         </p:txBody>
@@ -9421,7 +9421,7 @@
             </a:pPr>
             <a:r>
               <a:rPr lang="it-IT" altLang="it-IT"/>
-              <a:t>kathara – [ lab: webserver ]</a:t>
+              <a:t>Kathará - Introduction</a:t>
             </a:r>
           </a:p>
         </p:txBody>
@@ -9672,7 +9672,7 @@
             </a:pPr>
             <a:r>
               <a:rPr lang="it-IT" altLang="it-IT"/>
-              <a:t>last update: Nov 2019</a:t>
+              <a:t>last update: Oct 2023</a:t>
             </a:r>
           </a:p>
         </p:txBody>
@@ -9729,7 +9729,7 @@
             </a:pPr>
             <a:r>
               <a:rPr lang="it-IT" altLang="it-IT"/>
-              <a:t>kathara – [ lab: webserver ]</a:t>
+              <a:t>Kathará - Introduction</a:t>
             </a:r>
           </a:p>
         </p:txBody>
@@ -10545,7 +10545,7 @@
             </a:pPr>
             <a:r>
               <a:rPr lang="it-IT"/>
-              <a:t>last update: Nov 2019</a:t>
+              <a:t>last update: Oct 2023</a:t>
             </a:r>
           </a:p>
         </p:txBody>
@@ -11421,7 +11421,7 @@
             </a:pPr>
             <a:r>
               <a:rPr lang="it-IT" altLang="it-IT"/>
-              <a:t>last update: Nov 2019</a:t>
+              <a:t>last update: Oct 2023</a:t>
             </a:r>
           </a:p>
         </p:txBody>
@@ -11478,7 +11478,7 @@
             </a:pPr>
             <a:r>
               <a:rPr lang="it-IT" altLang="it-IT"/>
-              <a:t>kathara – [ lab: webserver ]</a:t>
+              <a:t>Kathará - Introduction</a:t>
             </a:r>
           </a:p>
         </p:txBody>
@@ -15080,7 +15080,7 @@
             </a:pPr>
             <a:r>
               <a:rPr lang="it-IT" altLang="it-IT"/>
-              <a:t>last update: Nov 2019</a:t>
+              <a:t>last update: Oct 2023</a:t>
             </a:r>
           </a:p>
         </p:txBody>
@@ -15111,7 +15111,7 @@
             </a:pPr>
             <a:r>
               <a:rPr lang="it-IT" altLang="it-IT"/>
-              <a:t>kathara – [ lab: webserver ]</a:t>
+              <a:t>Kathará - Introduction</a:t>
             </a:r>
           </a:p>
         </p:txBody>
@@ -17068,7 +17068,7 @@
             </a:pPr>
             <a:r>
               <a:rPr lang="it-IT" altLang="it-IT"/>
-              <a:t>last update: Nov 2019</a:t>
+              <a:t>last update: Oct 2023</a:t>
             </a:r>
           </a:p>
         </p:txBody>
@@ -17099,7 +17099,7 @@
             </a:pPr>
             <a:r>
               <a:rPr lang="it-IT" altLang="it-IT"/>
-              <a:t>kathara – [ lab: webserver ]</a:t>
+              <a:t>Kathará - Introduction</a:t>
             </a:r>
           </a:p>
         </p:txBody>
@@ -17455,7 +17455,7 @@
             </a:pPr>
             <a:r>
               <a:rPr lang="it-IT" altLang="it-IT"/>
-              <a:t>last update: Nov 2019</a:t>
+              <a:t>last update: Oct 2023</a:t>
             </a:r>
           </a:p>
         </p:txBody>
@@ -17486,7 +17486,7 @@
             </a:pPr>
             <a:r>
               <a:rPr lang="it-IT" altLang="it-IT"/>
-              <a:t>kathara – [ lab: webserver ]</a:t>
+              <a:t>Kathará - Introduction</a:t>
             </a:r>
           </a:p>
         </p:txBody>
@@ -17811,7 +17811,7 @@
             </a:pPr>
             <a:r>
               <a:rPr lang="it-IT" altLang="it-IT"/>
-              <a:t>last update: Nov 2019</a:t>
+              <a:t>last update: Oct 2023</a:t>
             </a:r>
           </a:p>
         </p:txBody>
@@ -17842,7 +17842,7 @@
             </a:pPr>
             <a:r>
               <a:rPr lang="it-IT" altLang="it-IT"/>
-              <a:t>kathara – [ lab: webserver ]</a:t>
+              <a:t>Kathará - Introduction</a:t>
             </a:r>
           </a:p>
         </p:txBody>
@@ -18285,7 +18285,7 @@
             </a:pPr>
             <a:r>
               <a:rPr lang="it-IT" altLang="it-IT"/>
-              <a:t>last update: Nov 2019</a:t>
+              <a:t>last update: Oct 2023</a:t>
             </a:r>
           </a:p>
         </p:txBody>
@@ -18316,7 +18316,7 @@
             </a:pPr>
             <a:r>
               <a:rPr lang="it-IT" altLang="it-IT"/>
-              <a:t>kathara – [ lab: webserver ]</a:t>
+              <a:t>Kathará - Introduction</a:t>
             </a:r>
           </a:p>
         </p:txBody>
@@ -18432,7 +18432,7 @@
                 <a:ea typeface="+mn-ea"/>
                 <a:cs typeface="+mn-cs"/>
               </a:rPr>
-              <a:t>last update: Nov 2019</a:t>
+              <a:t>last update: Oct 2023</a:t>
             </a:r>
           </a:p>
         </p:txBody>
@@ -20134,7 +20134,7 @@
             </a:pPr>
             <a:r>
               <a:rPr lang="it-IT" altLang="it-IT"/>
-              <a:t>last update: Nov 2019</a:t>
+              <a:t>last update: Oct 2023</a:t>
             </a:r>
           </a:p>
         </p:txBody>
@@ -20165,7 +20165,7 @@
             </a:pPr>
             <a:r>
               <a:rPr lang="it-IT" altLang="it-IT"/>
-              <a:t>kathara – [ lab: webserver ]</a:t>
+              <a:t>Kathará - Introduction</a:t>
             </a:r>
           </a:p>
         </p:txBody>
@@ -26776,7 +26776,7 @@
             </a:pPr>
             <a:r>
               <a:rPr lang="it-IT" altLang="it-IT"/>
-              <a:t>last update: Nov 2019</a:t>
+              <a:t>last update: Oct 2023</a:t>
             </a:r>
           </a:p>
         </p:txBody>
@@ -26807,7 +26807,7 @@
             </a:pPr>
             <a:r>
               <a:rPr lang="it-IT" altLang="it-IT"/>
-              <a:t>kathara – [ lab: webserver ]</a:t>
+              <a:t>Kathará - Introduction</a:t>
             </a:r>
           </a:p>
         </p:txBody>
@@ -27057,7 +27057,7 @@
             </a:pPr>
             <a:r>
               <a:rPr lang="it-IT" altLang="it-IT"/>
-              <a:t>last update: Nov 2019</a:t>
+              <a:t>last update: Oct 2023</a:t>
             </a:r>
           </a:p>
         </p:txBody>
@@ -27088,7 +27088,7 @@
             </a:pPr>
             <a:r>
               <a:rPr lang="it-IT" altLang="it-IT"/>
-              <a:t>kathara – [ lab: webserver ]</a:t>
+              <a:t>Kathará - Introduction</a:t>
             </a:r>
           </a:p>
         </p:txBody>
@@ -28139,7 +28139,7 @@
             </a:pPr>
             <a:r>
               <a:rPr lang="it-IT" altLang="it-IT"/>
-              <a:t>last update: Nov 2019</a:t>
+              <a:t>last update: Oct 2023</a:t>
             </a:r>
           </a:p>
         </p:txBody>
@@ -28170,7 +28170,7 @@
             </a:pPr>
             <a:r>
               <a:rPr lang="it-IT" altLang="it-IT"/>
-              <a:t>kathara – [ lab: webserver ]</a:t>
+              <a:t>Kathará - Introduction</a:t>
             </a:r>
           </a:p>
         </p:txBody>
@@ -28911,7 +28911,7 @@
             </a:pPr>
             <a:r>
               <a:rPr lang="it-IT" altLang="it-IT"/>
-              <a:t>last update: Nov 2019</a:t>
+              <a:t>last update: Oct 2023</a:t>
             </a:r>
           </a:p>
         </p:txBody>
@@ -28942,7 +28942,7 @@
             </a:pPr>
             <a:r>
               <a:rPr lang="it-IT" altLang="it-IT"/>
-              <a:t>kathara – [ lab: webserver ]</a:t>
+              <a:t>Kathará - Introduction</a:t>
             </a:r>
           </a:p>
         </p:txBody>
@@ -29685,7 +29685,7 @@
             </a:pPr>
             <a:r>
               <a:rPr lang="it-IT" altLang="it-IT"/>
-              <a:t>last update: Nov 2019</a:t>
+              <a:t>last update: Oct 2023</a:t>
             </a:r>
           </a:p>
         </p:txBody>
@@ -29716,7 +29716,7 @@
             </a:pPr>
             <a:r>
               <a:rPr lang="it-IT" altLang="it-IT"/>
-              <a:t>kathara – [ lab: webserver ]</a:t>
+              <a:t>Kathará - Introduction</a:t>
             </a:r>
           </a:p>
         </p:txBody>
@@ -30541,7 +30541,7 @@
             </a:pPr>
             <a:r>
               <a:rPr lang="it-IT" altLang="it-IT"/>
-              <a:t>last update: Nov 2019</a:t>
+              <a:t>last update: Oct 2023</a:t>
             </a:r>
           </a:p>
         </p:txBody>
@@ -30572,7 +30572,7 @@
             </a:pPr>
             <a:r>
               <a:rPr lang="it-IT" altLang="it-IT"/>
-              <a:t>kathara – [ lab: webserver ]</a:t>
+              <a:t>Kathará - Introduction</a:t>
             </a:r>
           </a:p>
         </p:txBody>

--- a/main-labs/application-level/web-server/008-kathara-lab_web-server.pptx
+++ b/main-labs/application-level/web-server/008-kathara-lab_web-server.pptx
@@ -4,28 +4,29 @@
   <p:sldMasterIdLst>
     <p:sldMasterId id="2147483697" r:id="rId1"/>
     <p:sldMasterId id="2147483710" r:id="rId2"/>
+    <p:sldMasterId id="2147483725" r:id="rId3"/>
   </p:sldMasterIdLst>
   <p:notesMasterIdLst>
-    <p:notesMasterId r:id="rId17"/>
+    <p:notesMasterId r:id="rId18"/>
   </p:notesMasterIdLst>
   <p:handoutMasterIdLst>
-    <p:handoutMasterId r:id="rId18"/>
+    <p:handoutMasterId r:id="rId19"/>
   </p:handoutMasterIdLst>
   <p:sldIdLst>
-    <p:sldId id="256" r:id="rId3"/>
-    <p:sldId id="292" r:id="rId4"/>
-    <p:sldId id="271" r:id="rId5"/>
-    <p:sldId id="278" r:id="rId6"/>
-    <p:sldId id="279" r:id="rId7"/>
-    <p:sldId id="280" r:id="rId8"/>
-    <p:sldId id="282" r:id="rId9"/>
-    <p:sldId id="289" r:id="rId10"/>
-    <p:sldId id="283" r:id="rId11"/>
-    <p:sldId id="285" r:id="rId12"/>
-    <p:sldId id="284" r:id="rId13"/>
-    <p:sldId id="288" r:id="rId14"/>
-    <p:sldId id="291" r:id="rId15"/>
-    <p:sldId id="290" r:id="rId16"/>
+    <p:sldId id="256" r:id="rId4"/>
+    <p:sldId id="292" r:id="rId5"/>
+    <p:sldId id="271" r:id="rId6"/>
+    <p:sldId id="278" r:id="rId7"/>
+    <p:sldId id="279" r:id="rId8"/>
+    <p:sldId id="280" r:id="rId9"/>
+    <p:sldId id="282" r:id="rId10"/>
+    <p:sldId id="289" r:id="rId11"/>
+    <p:sldId id="283" r:id="rId12"/>
+    <p:sldId id="285" r:id="rId13"/>
+    <p:sldId id="284" r:id="rId14"/>
+    <p:sldId id="288" r:id="rId15"/>
+    <p:sldId id="291" r:id="rId16"/>
+    <p:sldId id="290" r:id="rId17"/>
   </p:sldIdLst>
   <p:sldSz cx="12192000" cy="6858000"/>
   <p:notesSz cx="7099300" cy="10234613"/>
@@ -169,6 +170,9 @@
         </p15:guide>
       </p15:sldGuideLst>
     </p:ext>
+    <p:ext uri="{2D200454-40CA-4A62-9FC3-DE9A4176ACB9}">
+      <p15:notesGuideLst xmlns:p15="http://schemas.microsoft.com/office/powerpoint/2012/main"/>
+    </p:ext>
   </p:extLst>
 </p:presentation>
 </file>
@@ -402,6 +406,11 @@
         </p:txBody>
       </p:sp>
     </p:spTree>
+    <p:extLst>
+      <p:ext uri="{BB962C8B-B14F-4D97-AF65-F5344CB8AC3E}">
+        <p14:creationId xmlns:p14="http://schemas.microsoft.com/office/powerpoint/2010/main" val="1"/>
+      </p:ext>
+    </p:extLst>
   </p:cSld>
   <p:clrMap bg1="lt1" tx1="dk1" bg2="lt2" tx2="dk2" accent1="accent1" accent2="accent2" accent3="accent3" accent4="accent4" accent5="accent5" accent6="accent6" hlink="hlink" folHlink="folHlink"/>
 </p:handoutMaster>
@@ -540,7 +549,7 @@
             </a:extLst>
           </p:cNvPr>
           <p:cNvSpPr>
-            <a:spLocks noRot="1" noChangeArrowheads="1" noTextEdit="1"/>
+            <a:spLocks noGrp="1" noRot="1" noChangeAspect="1" noChangeArrowheads="1" noTextEdit="1"/>
           </p:cNvSpPr>
           <p:nvPr>
             <p:ph type="sldImg" idx="2"/>
@@ -1464,7 +1473,7 @@
             </a:pPr>
             <a:r>
               <a:rPr lang="it-IT" altLang="it-IT"/>
-              <a:t>last update: Nov 2019</a:t>
+              <a:t>last update: Oct 2023</a:t>
             </a:r>
           </a:p>
         </p:txBody>
@@ -1501,7 +1510,7 @@
             </a:pPr>
             <a:r>
               <a:rPr lang="it-IT" altLang="it-IT"/>
-              <a:t>kathara – [ lab: webserver ]</a:t>
+              <a:t>Kathará - Introduction</a:t>
             </a:r>
           </a:p>
         </p:txBody>
@@ -1643,7 +1652,7 @@
             </a:pPr>
             <a:r>
               <a:rPr lang="it-IT" altLang="it-IT"/>
-              <a:t>last update: Nov 2019</a:t>
+              <a:t>last update: Oct 2023</a:t>
             </a:r>
           </a:p>
         </p:txBody>
@@ -1680,7 +1689,7 @@
             </a:pPr>
             <a:r>
               <a:rPr lang="it-IT" altLang="it-IT"/>
-              <a:t>kathara – [ lab: webserver ]</a:t>
+              <a:t>Kathará - Introduction</a:t>
             </a:r>
           </a:p>
         </p:txBody>
@@ -1832,7 +1841,7 @@
             </a:pPr>
             <a:r>
               <a:rPr lang="it-IT" altLang="it-IT"/>
-              <a:t>last update: Nov 2019</a:t>
+              <a:t>last update: Oct 2023</a:t>
             </a:r>
           </a:p>
         </p:txBody>
@@ -1869,7 +1878,7 @@
             </a:pPr>
             <a:r>
               <a:rPr lang="it-IT" altLang="it-IT"/>
-              <a:t>kathara – [ lab: webserver ]</a:t>
+              <a:t>Kathará - Introduction</a:t>
             </a:r>
           </a:p>
         </p:txBody>
@@ -2325,7 +2334,7 @@
             </a:pPr>
             <a:r>
               <a:rPr lang="it-IT"/>
-              <a:t>last update: Nov 2019</a:t>
+              <a:t>last update: Oct 2023</a:t>
             </a:r>
           </a:p>
         </p:txBody>
@@ -2535,7 +2544,7 @@
             </a:pPr>
             <a:r>
               <a:rPr lang="it-IT"/>
-              <a:t>last update: Nov 2019</a:t>
+              <a:t>last update: Oct 2023</a:t>
             </a:r>
           </a:p>
         </p:txBody>
@@ -2749,7 +2758,7 @@
             </a:pPr>
             <a:r>
               <a:rPr lang="it-IT"/>
-              <a:t>last update: Nov 2019</a:t>
+              <a:t>last update: Oct 2023</a:t>
             </a:r>
           </a:p>
         </p:txBody>
@@ -2876,7 +2885,7 @@
             </a:pPr>
             <a:r>
               <a:rPr lang="it-IT"/>
-              <a:t>last update: Nov 2019</a:t>
+              <a:t>last update: Oct 2023</a:t>
             </a:r>
           </a:p>
         </p:txBody>
@@ -3523,7 +3532,7 @@
             </a:pPr>
             <a:r>
               <a:rPr lang="it-IT"/>
-              <a:t>last update: Nov 2019</a:t>
+              <a:t>last update: Oct 2023</a:t>
             </a:r>
           </a:p>
         </p:txBody>
@@ -3820,7 +3829,7 @@
             </a:pPr>
             <a:r>
               <a:rPr lang="it-IT"/>
-              <a:t>last update: Nov 2019</a:t>
+              <a:t>last update: Oct 2023</a:t>
             </a:r>
           </a:p>
         </p:txBody>
@@ -3955,7 +3964,7 @@
             </a:pPr>
             <a:r>
               <a:rPr lang="it-IT" altLang="it-IT"/>
-              <a:t>last update: Nov 2019</a:t>
+              <a:t>last update: Oct 2023</a:t>
             </a:r>
           </a:p>
         </p:txBody>
@@ -3986,7 +3995,7 @@
             </a:pPr>
             <a:r>
               <a:rPr lang="it-IT" altLang="it-IT"/>
-              <a:t>kathara – [ lab: webserver ]</a:t>
+              <a:t>Kathará - Introduction</a:t>
             </a:r>
           </a:p>
         </p:txBody>
@@ -4463,7 +4472,7 @@
             </a:pPr>
             <a:r>
               <a:rPr lang="it-IT"/>
-              <a:t>last update: Nov 2019</a:t>
+              <a:t>last update: Oct 2023</a:t>
             </a:r>
           </a:p>
         </p:txBody>
@@ -4590,7 +4599,7 @@
             </a:pPr>
             <a:r>
               <a:rPr lang="it-IT"/>
-              <a:t>last update: Nov 2019</a:t>
+              <a:t>last update: Oct 2023</a:t>
             </a:r>
           </a:p>
         </p:txBody>
@@ -4694,7 +4703,7 @@
             </a:pPr>
             <a:r>
               <a:rPr lang="it-IT"/>
-              <a:t>last update: Nov 2019</a:t>
+              <a:t>last update: Oct 2023</a:t>
             </a:r>
           </a:p>
         </p:txBody>
@@ -4980,7 +4989,7 @@
             </a:pPr>
             <a:r>
               <a:rPr lang="it-IT"/>
-              <a:t>last update: Nov 2019</a:t>
+              <a:t>last update: Oct 2023</a:t>
             </a:r>
           </a:p>
         </p:txBody>
@@ -5247,7 +5256,7 @@
             </a:pPr>
             <a:r>
               <a:rPr lang="it-IT"/>
-              <a:t>last update: Nov 2019</a:t>
+              <a:t>last update: Oct 2023</a:t>
             </a:r>
           </a:p>
         </p:txBody>
@@ -5426,7 +5435,7 @@
             </a:pPr>
             <a:r>
               <a:rPr lang="it-IT"/>
-              <a:t>last update: Nov 2019</a:t>
+              <a:t>last update: Oct 2023</a:t>
             </a:r>
           </a:p>
         </p:txBody>
@@ -5615,7 +5624,7 @@
             </a:pPr>
             <a:r>
               <a:rPr lang="it-IT"/>
-              <a:t>last update: Nov 2019</a:t>
+              <a:t>last update: Oct 2023</a:t>
             </a:r>
           </a:p>
         </p:txBody>
@@ -5661,6 +5670,548 @@
     <p:extLst>
       <p:ext uri="{BB962C8B-B14F-4D97-AF65-F5344CB8AC3E}">
         <p14:creationId xmlns:p14="http://schemas.microsoft.com/office/powerpoint/2010/main" val="3489717004"/>
+      </p:ext>
+    </p:extLst>
+  </p:cSld>
+  <p:clrMapOvr>
+    <a:masterClrMapping/>
+  </p:clrMapOvr>
+</p:sldLayout>
+</file>
+
+<file path=ppt/slideLayouts/slideLayout27.xml><?xml version="1.0" encoding="utf-8"?>
+<p:sldLayout xmlns:a="http://schemas.openxmlformats.org/drawingml/2006/main" xmlns:r="http://schemas.openxmlformats.org/officeDocument/2006/relationships" xmlns:p="http://schemas.openxmlformats.org/presentationml/2006/main" type="title" preserve="1">
+  <p:cSld name="Diapositiva titolo lab">
+    <p:spTree>
+      <p:nvGrpSpPr>
+        <p:cNvPr id="1" name=""/>
+        <p:cNvGrpSpPr/>
+        <p:nvPr/>
+      </p:nvGrpSpPr>
+      <p:grpSpPr>
+        <a:xfrm>
+          <a:off x="0" y="0"/>
+          <a:ext cx="0" cy="0"/>
+          <a:chOff x="0" y="0"/>
+          <a:chExt cx="0" cy="0"/>
+        </a:xfrm>
+      </p:grpSpPr>
+      <p:sp>
+        <p:nvSpPr>
+          <p:cNvPr id="304130" name="Rectangle 2"/>
+          <p:cNvSpPr>
+            <a:spLocks noGrp="1" noChangeArrowheads="1"/>
+          </p:cNvSpPr>
+          <p:nvPr>
+            <p:ph type="ctrTitle"/>
+          </p:nvPr>
+        </p:nvSpPr>
+        <p:spPr>
+          <a:xfrm>
+            <a:off x="914400" y="1988840"/>
+            <a:ext cx="10363200" cy="866775"/>
+          </a:xfrm>
+        </p:spPr>
+        <p:txBody>
+          <a:bodyPr/>
+          <a:lstStyle>
+            <a:lvl1pPr>
+              <a:defRPr sz="5400"/>
+            </a:lvl1pPr>
+          </a:lstStyle>
+          <a:p>
+            <a:r>
+              <a:rPr lang="en-GB"/>
+              <a:t>Click to edit Master title style</a:t>
+            </a:r>
+            <a:endParaRPr lang="it-IT" dirty="0"/>
+          </a:p>
+        </p:txBody>
+      </p:sp>
+      <p:sp>
+        <p:nvSpPr>
+          <p:cNvPr id="304131" name="Rectangle 3"/>
+          <p:cNvSpPr>
+            <a:spLocks noGrp="1" noChangeArrowheads="1"/>
+          </p:cNvSpPr>
+          <p:nvPr>
+            <p:ph type="subTitle" idx="1"/>
+          </p:nvPr>
+        </p:nvSpPr>
+        <p:spPr>
+          <a:xfrm>
+            <a:off x="1828800" y="2996952"/>
+            <a:ext cx="8534400" cy="695325"/>
+          </a:xfrm>
+        </p:spPr>
+        <p:txBody>
+          <a:bodyPr/>
+          <a:lstStyle>
+            <a:lvl1pPr marL="0" indent="0" algn="ctr">
+              <a:buFont typeface="Wingdings" pitchFamily="2" charset="2"/>
+              <a:buNone/>
+              <a:defRPr sz="2400"/>
+            </a:lvl1pPr>
+          </a:lstStyle>
+          <a:p>
+            <a:r>
+              <a:rPr lang="en-GB"/>
+              <a:t>Click to edit Master subtitle style</a:t>
+            </a:r>
+            <a:endParaRPr lang="it-IT" dirty="0"/>
+          </a:p>
+        </p:txBody>
+      </p:sp>
+      <p:pic>
+        <p:nvPicPr>
+          <p:cNvPr id="7" name="Picture 6" descr="A black background with a black square&#10;&#10;Description automatically generated with medium confidence">
+            <a:extLst>
+              <a:ext uri="{FF2B5EF4-FFF2-40B4-BE49-F238E27FC236}">
+                <a16:creationId xmlns:a16="http://schemas.microsoft.com/office/drawing/2014/main" id="{7B150B1F-FA08-F63A-3429-F7F8A760DB9E}"/>
+              </a:ext>
+            </a:extLst>
+          </p:cNvPr>
+          <p:cNvPicPr>
+            <a:picLocks noChangeAspect="1"/>
+          </p:cNvPicPr>
+          <p:nvPr/>
+        </p:nvPicPr>
+        <p:blipFill>
+          <a:blip r:embed="rId2">
+            <a:extLst>
+              <a:ext uri="{28A0092B-C50C-407E-A947-70E740481C1C}">
+                <a14:useLocalDpi xmlns:a14="http://schemas.microsoft.com/office/drawing/2010/main" val="0"/>
+              </a:ext>
+            </a:extLst>
+          </a:blip>
+          <a:stretch>
+            <a:fillRect/>
+          </a:stretch>
+        </p:blipFill>
+        <p:spPr>
+          <a:xfrm>
+            <a:off x="150788" y="150788"/>
+            <a:ext cx="4234565" cy="945842"/>
+          </a:xfrm>
+          <a:prstGeom prst="rect">
+            <a:avLst/>
+          </a:prstGeom>
+        </p:spPr>
+      </p:pic>
+    </p:spTree>
+    <p:extLst>
+      <p:ext uri="{BB962C8B-B14F-4D97-AF65-F5344CB8AC3E}">
+        <p14:creationId xmlns:p14="http://schemas.microsoft.com/office/powerpoint/2010/main" val="186935787"/>
+      </p:ext>
+    </p:extLst>
+  </p:cSld>
+  <p:clrMapOvr>
+    <a:masterClrMapping/>
+  </p:clrMapOvr>
+  <p:extLst>
+    <p:ext uri="{DCECCB84-F9BA-43D5-87BE-67443E8EF086}">
+      <p15:sldGuideLst xmlns:p15="http://schemas.microsoft.com/office/powerpoint/2012/main">
+        <p15:guide id="1" orient="horz" pos="2160">
+          <p15:clr>
+            <a:srgbClr val="FBAE40"/>
+          </p15:clr>
+        </p15:guide>
+        <p15:guide id="2" pos="3840">
+          <p15:clr>
+            <a:srgbClr val="FBAE40"/>
+          </p15:clr>
+        </p15:guide>
+      </p15:sldGuideLst>
+    </p:ext>
+  </p:extLst>
+</p:sldLayout>
+</file>
+
+<file path=ppt/slideLayouts/slideLayout28.xml><?xml version="1.0" encoding="utf-8"?>
+<p:sldLayout xmlns:a="http://schemas.openxmlformats.org/drawingml/2006/main" xmlns:r="http://schemas.openxmlformats.org/officeDocument/2006/relationships" xmlns:p="http://schemas.openxmlformats.org/presentationml/2006/main" preserve="1">
+  <p:cSld name="Copyright slide">
+    <p:spTree>
+      <p:nvGrpSpPr>
+        <p:cNvPr id="1" name=""/>
+        <p:cNvGrpSpPr/>
+        <p:nvPr/>
+      </p:nvGrpSpPr>
+      <p:grpSpPr>
+        <a:xfrm>
+          <a:off x="0" y="0"/>
+          <a:ext cx="0" cy="0"/>
+          <a:chOff x="0" y="0"/>
+          <a:chExt cx="0" cy="0"/>
+        </a:xfrm>
+      </p:grpSpPr>
+      <p:sp>
+        <p:nvSpPr>
+          <p:cNvPr id="2" name="Title 1">
+            <a:extLst>
+              <a:ext uri="{FF2B5EF4-FFF2-40B4-BE49-F238E27FC236}">
+                <a16:creationId xmlns:a16="http://schemas.microsoft.com/office/drawing/2014/main" id="{9C359400-AFF6-4FC9-8E2F-F363C6F6602C}"/>
+              </a:ext>
+            </a:extLst>
+          </p:cNvPr>
+          <p:cNvSpPr>
+            <a:spLocks noGrp="1"/>
+          </p:cNvSpPr>
+          <p:nvPr>
+            <p:ph type="title" hasCustomPrompt="1"/>
+          </p:nvPr>
+        </p:nvSpPr>
+        <p:spPr/>
+        <p:txBody>
+          <a:bodyPr/>
+          <a:lstStyle>
+            <a:lvl1pPr>
+              <a:defRPr/>
+            </a:lvl1pPr>
+          </a:lstStyle>
+          <a:p>
+            <a:r>
+              <a:rPr lang="it-IT" altLang="it-IT" dirty="0"/>
+              <a:t>copyright </a:t>
+            </a:r>
+            <a:r>
+              <a:rPr lang="it-IT" altLang="it-IT" dirty="0" err="1"/>
+              <a:t>notice</a:t>
+            </a:r>
+            <a:endParaRPr lang="it-IT" dirty="0"/>
+          </a:p>
+        </p:txBody>
+      </p:sp>
+      <p:sp>
+        <p:nvSpPr>
+          <p:cNvPr id="3" name="Date Placeholder 2">
+            <a:extLst>
+              <a:ext uri="{FF2B5EF4-FFF2-40B4-BE49-F238E27FC236}">
+                <a16:creationId xmlns:a16="http://schemas.microsoft.com/office/drawing/2014/main" id="{AC95E1F6-EE88-4027-874C-C2A60CB4012A}"/>
+              </a:ext>
+            </a:extLst>
+          </p:cNvPr>
+          <p:cNvSpPr>
+            <a:spLocks noGrp="1"/>
+          </p:cNvSpPr>
+          <p:nvPr>
+            <p:ph type="dt" sz="half" idx="10"/>
+          </p:nvPr>
+        </p:nvSpPr>
+        <p:spPr/>
+        <p:txBody>
+          <a:bodyPr/>
+          <a:lstStyle/>
+          <a:p>
+            <a:pPr>
+              <a:defRPr/>
+            </a:pPr>
+            <a:r>
+              <a:rPr lang="it-IT" altLang="it-IT"/>
+              <a:t>last update: Oct 2023</a:t>
+            </a:r>
+          </a:p>
+        </p:txBody>
+      </p:sp>
+      <p:sp>
+        <p:nvSpPr>
+          <p:cNvPr id="4" name="Footer Placeholder 3">
+            <a:extLst>
+              <a:ext uri="{FF2B5EF4-FFF2-40B4-BE49-F238E27FC236}">
+                <a16:creationId xmlns:a16="http://schemas.microsoft.com/office/drawing/2014/main" id="{684B42B5-5FDC-4B42-887A-B68A97D000BE}"/>
+              </a:ext>
+            </a:extLst>
+          </p:cNvPr>
+          <p:cNvSpPr>
+            <a:spLocks noGrp="1"/>
+          </p:cNvSpPr>
+          <p:nvPr>
+            <p:ph type="ftr" sz="quarter" idx="11"/>
+          </p:nvPr>
+        </p:nvSpPr>
+        <p:spPr/>
+        <p:txBody>
+          <a:bodyPr/>
+          <a:lstStyle/>
+          <a:p>
+            <a:pPr>
+              <a:defRPr/>
+            </a:pPr>
+            <a:r>
+              <a:rPr lang="it-IT" altLang="it-IT"/>
+              <a:t>Kathará - Introduction</a:t>
+            </a:r>
+          </a:p>
+        </p:txBody>
+      </p:sp>
+      <p:sp>
+        <p:nvSpPr>
+          <p:cNvPr id="5" name="Rectangle 3">
+            <a:extLst>
+              <a:ext uri="{FF2B5EF4-FFF2-40B4-BE49-F238E27FC236}">
+                <a16:creationId xmlns:a16="http://schemas.microsoft.com/office/drawing/2014/main" id="{E9C412A2-966A-4BF2-921A-CFBA729795EE}"/>
+              </a:ext>
+            </a:extLst>
+          </p:cNvPr>
+          <p:cNvSpPr>
+            <a:spLocks noGrp="1" noChangeArrowheads="1"/>
+          </p:cNvSpPr>
+          <p:nvPr>
+            <p:ph type="body" idx="1"/>
+          </p:nvPr>
+        </p:nvSpPr>
+        <p:spPr>
+          <a:xfrm>
+            <a:off x="609600" y="1412876"/>
+            <a:ext cx="10972800" cy="4713288"/>
+          </a:xfrm>
+        </p:spPr>
+        <p:txBody>
+          <a:bodyPr/>
+          <a:lstStyle/>
+          <a:p>
+            <a:pPr lvl="0" eaLnBrk="1" hangingPunct="1">
+              <a:lnSpc>
+                <a:spcPct val="80000"/>
+              </a:lnSpc>
+            </a:pPr>
+            <a:r>
+              <a:rPr lang="en-GB" altLang="it-IT" sz="1800"/>
+              <a:t>Click to edit Master text styles</a:t>
+            </a:r>
+          </a:p>
+          <a:p>
+            <a:pPr lvl="1" eaLnBrk="1" hangingPunct="1">
+              <a:lnSpc>
+                <a:spcPct val="80000"/>
+              </a:lnSpc>
+            </a:pPr>
+            <a:r>
+              <a:rPr lang="en-GB" altLang="it-IT" sz="1800"/>
+              <a:t>Second level</a:t>
+            </a:r>
+          </a:p>
+          <a:p>
+            <a:pPr lvl="2" eaLnBrk="1" hangingPunct="1">
+              <a:lnSpc>
+                <a:spcPct val="80000"/>
+              </a:lnSpc>
+            </a:pPr>
+            <a:r>
+              <a:rPr lang="en-GB" altLang="it-IT" sz="1800"/>
+              <a:t>Third level</a:t>
+            </a:r>
+          </a:p>
+          <a:p>
+            <a:pPr lvl="3" eaLnBrk="1" hangingPunct="1">
+              <a:lnSpc>
+                <a:spcPct val="80000"/>
+              </a:lnSpc>
+            </a:pPr>
+            <a:r>
+              <a:rPr lang="en-GB" altLang="it-IT" sz="1800"/>
+              <a:t>Fourth level</a:t>
+            </a:r>
+          </a:p>
+          <a:p>
+            <a:pPr lvl="4" eaLnBrk="1" hangingPunct="1">
+              <a:lnSpc>
+                <a:spcPct val="80000"/>
+              </a:lnSpc>
+            </a:pPr>
+            <a:r>
+              <a:rPr lang="en-GB" altLang="it-IT" sz="1800"/>
+              <a:t>Fifth level</a:t>
+            </a:r>
+            <a:endParaRPr lang="it-IT" altLang="it-IT" sz="1800" dirty="0"/>
+          </a:p>
+        </p:txBody>
+      </p:sp>
+    </p:spTree>
+    <p:extLst>
+      <p:ext uri="{BB962C8B-B14F-4D97-AF65-F5344CB8AC3E}">
+        <p14:creationId xmlns:p14="http://schemas.microsoft.com/office/powerpoint/2010/main" val="4128870579"/>
+      </p:ext>
+    </p:extLst>
+  </p:cSld>
+  <p:clrMapOvr>
+    <a:masterClrMapping/>
+  </p:clrMapOvr>
+  <p:extLst>
+    <p:ext uri="{DCECCB84-F9BA-43D5-87BE-67443E8EF086}">
+      <p15:sldGuideLst xmlns:p15="http://schemas.microsoft.com/office/powerpoint/2012/main">
+        <p15:guide id="1" orient="horz" pos="2160">
+          <p15:clr>
+            <a:srgbClr val="FBAE40"/>
+          </p15:clr>
+        </p15:guide>
+        <p15:guide id="2" pos="3840">
+          <p15:clr>
+            <a:srgbClr val="FBAE40"/>
+          </p15:clr>
+        </p15:guide>
+      </p15:sldGuideLst>
+    </p:ext>
+  </p:extLst>
+</p:sldLayout>
+</file>
+
+<file path=ppt/slideLayouts/slideLayout29.xml><?xml version="1.0" encoding="utf-8"?>
+<p:sldLayout xmlns:a="http://schemas.openxmlformats.org/drawingml/2006/main" xmlns:r="http://schemas.openxmlformats.org/officeDocument/2006/relationships" xmlns:p="http://schemas.openxmlformats.org/presentationml/2006/main" preserve="1">
+  <p:cSld name="Section Title and Subtitle">
+    <p:spTree>
+      <p:nvGrpSpPr>
+        <p:cNvPr id="1" name=""/>
+        <p:cNvGrpSpPr/>
+        <p:nvPr/>
+      </p:nvGrpSpPr>
+      <p:grpSpPr>
+        <a:xfrm>
+          <a:off x="0" y="0"/>
+          <a:ext cx="0" cy="0"/>
+          <a:chOff x="0" y="0"/>
+          <a:chExt cx="0" cy="0"/>
+        </a:xfrm>
+      </p:grpSpPr>
+      <p:sp>
+        <p:nvSpPr>
+          <p:cNvPr id="2" name="Title 1">
+            <a:extLst>
+              <a:ext uri="{FF2B5EF4-FFF2-40B4-BE49-F238E27FC236}">
+                <a16:creationId xmlns:a16="http://schemas.microsoft.com/office/drawing/2014/main" id="{4572C402-67A5-4652-B395-80C3CFCC7964}"/>
+              </a:ext>
+            </a:extLst>
+          </p:cNvPr>
+          <p:cNvSpPr>
+            <a:spLocks noGrp="1"/>
+          </p:cNvSpPr>
+          <p:nvPr>
+            <p:ph type="title"/>
+          </p:nvPr>
+        </p:nvSpPr>
+        <p:spPr>
+          <a:xfrm>
+            <a:off x="609600" y="2286000"/>
+            <a:ext cx="10972800" cy="1143000"/>
+          </a:xfrm>
+        </p:spPr>
+        <p:txBody>
+          <a:bodyPr/>
+          <a:lstStyle/>
+          <a:p>
+            <a:r>
+              <a:rPr lang="en-GB"/>
+              <a:t>Click to edit Master title style</a:t>
+            </a:r>
+            <a:endParaRPr lang="it-IT" dirty="0"/>
+          </a:p>
+        </p:txBody>
+      </p:sp>
+      <p:sp>
+        <p:nvSpPr>
+          <p:cNvPr id="3" name="Date Placeholder 2">
+            <a:extLst>
+              <a:ext uri="{FF2B5EF4-FFF2-40B4-BE49-F238E27FC236}">
+                <a16:creationId xmlns:a16="http://schemas.microsoft.com/office/drawing/2014/main" id="{662A33B8-9C12-4DD4-B7A2-462DBDF9FD58}"/>
+              </a:ext>
+            </a:extLst>
+          </p:cNvPr>
+          <p:cNvSpPr>
+            <a:spLocks noGrp="1"/>
+          </p:cNvSpPr>
+          <p:nvPr>
+            <p:ph type="dt" sz="half" idx="10"/>
+          </p:nvPr>
+        </p:nvSpPr>
+        <p:spPr/>
+        <p:txBody>
+          <a:bodyPr/>
+          <a:lstStyle/>
+          <a:p>
+            <a:pPr>
+              <a:defRPr/>
+            </a:pPr>
+            <a:r>
+              <a:rPr lang="it-IT" altLang="it-IT"/>
+              <a:t>last update: Oct 2023</a:t>
+            </a:r>
+          </a:p>
+        </p:txBody>
+      </p:sp>
+      <p:sp>
+        <p:nvSpPr>
+          <p:cNvPr id="4" name="Footer Placeholder 3">
+            <a:extLst>
+              <a:ext uri="{FF2B5EF4-FFF2-40B4-BE49-F238E27FC236}">
+                <a16:creationId xmlns:a16="http://schemas.microsoft.com/office/drawing/2014/main" id="{5D054AC4-794D-4989-9E00-3CA5380BB33B}"/>
+              </a:ext>
+            </a:extLst>
+          </p:cNvPr>
+          <p:cNvSpPr>
+            <a:spLocks noGrp="1"/>
+          </p:cNvSpPr>
+          <p:nvPr>
+            <p:ph type="ftr" sz="quarter" idx="11"/>
+          </p:nvPr>
+        </p:nvSpPr>
+        <p:spPr/>
+        <p:txBody>
+          <a:bodyPr/>
+          <a:lstStyle/>
+          <a:p>
+            <a:pPr>
+              <a:defRPr/>
+            </a:pPr>
+            <a:r>
+              <a:rPr lang="it-IT" altLang="it-IT"/>
+              <a:t>Kathará - Introduction</a:t>
+            </a:r>
+          </a:p>
+        </p:txBody>
+      </p:sp>
+      <p:sp>
+        <p:nvSpPr>
+          <p:cNvPr id="5" name="Rectangle 3">
+            <a:extLst>
+              <a:ext uri="{FF2B5EF4-FFF2-40B4-BE49-F238E27FC236}">
+                <a16:creationId xmlns:a16="http://schemas.microsoft.com/office/drawing/2014/main" id="{EBE93C49-2746-445A-8FEE-BFD8EDF009A1}"/>
+              </a:ext>
+            </a:extLst>
+          </p:cNvPr>
+          <p:cNvSpPr>
+            <a:spLocks noGrp="1" noChangeArrowheads="1"/>
+          </p:cNvSpPr>
+          <p:nvPr>
+            <p:ph type="subTitle" idx="1"/>
+          </p:nvPr>
+        </p:nvSpPr>
+        <p:spPr>
+          <a:xfrm>
+            <a:off x="1828800" y="3645024"/>
+            <a:ext cx="8534400" cy="695325"/>
+          </a:xfrm>
+        </p:spPr>
+        <p:txBody>
+          <a:bodyPr/>
+          <a:lstStyle>
+            <a:lvl1pPr marL="0" indent="0" algn="ctr">
+              <a:buFont typeface="Wingdings" pitchFamily="2" charset="2"/>
+              <a:buNone/>
+              <a:defRPr/>
+            </a:lvl1pPr>
+          </a:lstStyle>
+          <a:p>
+            <a:r>
+              <a:rPr lang="en-GB"/>
+              <a:t>Click to edit Master subtitle style</a:t>
+            </a:r>
+            <a:endParaRPr lang="it-IT" dirty="0"/>
+          </a:p>
+        </p:txBody>
+      </p:sp>
+    </p:spTree>
+    <p:extLst>
+      <p:ext uri="{BB962C8B-B14F-4D97-AF65-F5344CB8AC3E}">
+        <p14:creationId xmlns:p14="http://schemas.microsoft.com/office/powerpoint/2010/main" val="893500353"/>
       </p:ext>
     </p:extLst>
   </p:cSld>
@@ -5747,7 +6298,7 @@
             </a:pPr>
             <a:r>
               <a:rPr lang="it-IT" altLang="it-IT"/>
-              <a:t>last update: Nov 2019</a:t>
+              <a:t>last update: Oct 2023</a:t>
             </a:r>
           </a:p>
         </p:txBody>
@@ -5778,7 +6329,7 @@
             </a:pPr>
             <a:r>
               <a:rPr lang="it-IT" altLang="it-IT"/>
-              <a:t>kathara – [ lab: webserver ]</a:t>
+              <a:t>Kathará - Introduction</a:t>
             </a:r>
           </a:p>
         </p:txBody>
@@ -5827,6 +6378,1634 @@
     <p:extLst>
       <p:ext uri="{BB962C8B-B14F-4D97-AF65-F5344CB8AC3E}">
         <p14:creationId xmlns:p14="http://schemas.microsoft.com/office/powerpoint/2010/main" val="4085829481"/>
+      </p:ext>
+    </p:extLst>
+  </p:cSld>
+  <p:clrMapOvr>
+    <a:masterClrMapping/>
+  </p:clrMapOvr>
+</p:sldLayout>
+</file>
+
+<file path=ppt/slideLayouts/slideLayout30.xml><?xml version="1.0" encoding="utf-8"?>
+<p:sldLayout xmlns:a="http://schemas.openxmlformats.org/drawingml/2006/main" xmlns:r="http://schemas.openxmlformats.org/officeDocument/2006/relationships" xmlns:p="http://schemas.openxmlformats.org/presentationml/2006/main" type="obj" preserve="1">
+  <p:cSld name="Titolo e contenuto">
+    <p:spTree>
+      <p:nvGrpSpPr>
+        <p:cNvPr id="1" name=""/>
+        <p:cNvGrpSpPr/>
+        <p:nvPr/>
+      </p:nvGrpSpPr>
+      <p:grpSpPr>
+        <a:xfrm>
+          <a:off x="0" y="0"/>
+          <a:ext cx="0" cy="0"/>
+          <a:chOff x="0" y="0"/>
+          <a:chExt cx="0" cy="0"/>
+        </a:xfrm>
+      </p:grpSpPr>
+      <p:sp>
+        <p:nvSpPr>
+          <p:cNvPr id="2" name="Titolo 1"/>
+          <p:cNvSpPr>
+            <a:spLocks noGrp="1"/>
+          </p:cNvSpPr>
+          <p:nvPr>
+            <p:ph type="title"/>
+          </p:nvPr>
+        </p:nvSpPr>
+        <p:spPr/>
+        <p:txBody>
+          <a:bodyPr/>
+          <a:lstStyle/>
+          <a:p>
+            <a:r>
+              <a:rPr lang="en-GB"/>
+              <a:t>Click to edit Master title style</a:t>
+            </a:r>
+            <a:endParaRPr lang="it-IT"/>
+          </a:p>
+        </p:txBody>
+      </p:sp>
+      <p:sp>
+        <p:nvSpPr>
+          <p:cNvPr id="3" name="Segnaposto contenuto 2"/>
+          <p:cNvSpPr>
+            <a:spLocks noGrp="1"/>
+          </p:cNvSpPr>
+          <p:nvPr>
+            <p:ph idx="1"/>
+          </p:nvPr>
+        </p:nvSpPr>
+        <p:spPr/>
+        <p:txBody>
+          <a:bodyPr/>
+          <a:lstStyle/>
+          <a:p>
+            <a:pPr lvl="0"/>
+            <a:r>
+              <a:rPr lang="en-GB"/>
+              <a:t>Click to edit Master text styles</a:t>
+            </a:r>
+          </a:p>
+          <a:p>
+            <a:pPr lvl="1"/>
+            <a:r>
+              <a:rPr lang="en-GB"/>
+              <a:t>Second level</a:t>
+            </a:r>
+          </a:p>
+          <a:p>
+            <a:pPr lvl="2"/>
+            <a:r>
+              <a:rPr lang="en-GB"/>
+              <a:t>Third level</a:t>
+            </a:r>
+          </a:p>
+          <a:p>
+            <a:pPr lvl="3"/>
+            <a:r>
+              <a:rPr lang="en-GB"/>
+              <a:t>Fourth level</a:t>
+            </a:r>
+          </a:p>
+          <a:p>
+            <a:pPr lvl="4"/>
+            <a:r>
+              <a:rPr lang="en-GB"/>
+              <a:t>Fifth level</a:t>
+            </a:r>
+            <a:endParaRPr lang="it-IT"/>
+          </a:p>
+        </p:txBody>
+      </p:sp>
+      <p:sp>
+        <p:nvSpPr>
+          <p:cNvPr id="4" name="Rectangle 4">
+            <a:extLst>
+              <a:ext uri="{FF2B5EF4-FFF2-40B4-BE49-F238E27FC236}">
+                <a16:creationId xmlns:a16="http://schemas.microsoft.com/office/drawing/2014/main" id="{01B5F34A-3762-4DC4-8521-3CCFBDBBB557}"/>
+              </a:ext>
+            </a:extLst>
+          </p:cNvPr>
+          <p:cNvSpPr>
+            <a:spLocks noGrp="1" noChangeArrowheads="1"/>
+          </p:cNvSpPr>
+          <p:nvPr>
+            <p:ph type="dt" sz="half" idx="10"/>
+          </p:nvPr>
+        </p:nvSpPr>
+        <p:spPr>
+          <a:ln/>
+        </p:spPr>
+        <p:txBody>
+          <a:bodyPr/>
+          <a:lstStyle>
+            <a:lvl1pPr>
+              <a:defRPr/>
+            </a:lvl1pPr>
+          </a:lstStyle>
+          <a:p>
+            <a:pPr>
+              <a:defRPr/>
+            </a:pPr>
+            <a:r>
+              <a:rPr lang="it-IT" altLang="it-IT"/>
+              <a:t>last update: Oct 2023</a:t>
+            </a:r>
+          </a:p>
+        </p:txBody>
+      </p:sp>
+      <p:sp>
+        <p:nvSpPr>
+          <p:cNvPr id="5" name="Rectangle 5">
+            <a:extLst>
+              <a:ext uri="{FF2B5EF4-FFF2-40B4-BE49-F238E27FC236}">
+                <a16:creationId xmlns:a16="http://schemas.microsoft.com/office/drawing/2014/main" id="{5AD2D072-E423-4081-B786-4B5AABE6E907}"/>
+              </a:ext>
+            </a:extLst>
+          </p:cNvPr>
+          <p:cNvSpPr>
+            <a:spLocks noGrp="1" noChangeArrowheads="1"/>
+          </p:cNvSpPr>
+          <p:nvPr>
+            <p:ph type="ftr" sz="quarter" idx="11"/>
+          </p:nvPr>
+        </p:nvSpPr>
+        <p:spPr>
+          <a:ln/>
+        </p:spPr>
+        <p:txBody>
+          <a:bodyPr/>
+          <a:lstStyle>
+            <a:lvl1pPr>
+              <a:defRPr/>
+            </a:lvl1pPr>
+          </a:lstStyle>
+          <a:p>
+            <a:pPr>
+              <a:defRPr/>
+            </a:pPr>
+            <a:r>
+              <a:rPr lang="it-IT" altLang="it-IT"/>
+              <a:t>Kathará - Introduction</a:t>
+            </a:r>
+          </a:p>
+        </p:txBody>
+      </p:sp>
+    </p:spTree>
+    <p:extLst>
+      <p:ext uri="{BB962C8B-B14F-4D97-AF65-F5344CB8AC3E}">
+        <p14:creationId xmlns:p14="http://schemas.microsoft.com/office/powerpoint/2010/main" val="23881336"/>
+      </p:ext>
+    </p:extLst>
+  </p:cSld>
+  <p:clrMapOvr>
+    <a:masterClrMapping/>
+  </p:clrMapOvr>
+</p:sldLayout>
+</file>
+
+<file path=ppt/slideLayouts/slideLayout31.xml><?xml version="1.0" encoding="utf-8"?>
+<p:sldLayout xmlns:a="http://schemas.openxmlformats.org/drawingml/2006/main" xmlns:r="http://schemas.openxmlformats.org/officeDocument/2006/relationships" xmlns:p="http://schemas.openxmlformats.org/presentationml/2006/main" type="twoObj" preserve="1">
+  <p:cSld name="Due contenuti">
+    <p:spTree>
+      <p:nvGrpSpPr>
+        <p:cNvPr id="1" name=""/>
+        <p:cNvGrpSpPr/>
+        <p:nvPr/>
+      </p:nvGrpSpPr>
+      <p:grpSpPr>
+        <a:xfrm>
+          <a:off x="0" y="0"/>
+          <a:ext cx="0" cy="0"/>
+          <a:chOff x="0" y="0"/>
+          <a:chExt cx="0" cy="0"/>
+        </a:xfrm>
+      </p:grpSpPr>
+      <p:sp>
+        <p:nvSpPr>
+          <p:cNvPr id="2" name="Titolo 1"/>
+          <p:cNvSpPr>
+            <a:spLocks noGrp="1"/>
+          </p:cNvSpPr>
+          <p:nvPr>
+            <p:ph type="title"/>
+          </p:nvPr>
+        </p:nvSpPr>
+        <p:spPr/>
+        <p:txBody>
+          <a:bodyPr/>
+          <a:lstStyle/>
+          <a:p>
+            <a:r>
+              <a:rPr lang="en-GB"/>
+              <a:t>Click to edit Master title style</a:t>
+            </a:r>
+            <a:endParaRPr lang="it-IT"/>
+          </a:p>
+        </p:txBody>
+      </p:sp>
+      <p:sp>
+        <p:nvSpPr>
+          <p:cNvPr id="3" name="Segnaposto contenuto 2"/>
+          <p:cNvSpPr>
+            <a:spLocks noGrp="1"/>
+          </p:cNvSpPr>
+          <p:nvPr>
+            <p:ph sz="half" idx="1"/>
+          </p:nvPr>
+        </p:nvSpPr>
+        <p:spPr>
+          <a:xfrm>
+            <a:off x="609600" y="1412875"/>
+            <a:ext cx="5392615" cy="4713291"/>
+          </a:xfrm>
+        </p:spPr>
+        <p:txBody>
+          <a:bodyPr/>
+          <a:lstStyle>
+            <a:lvl1pPr>
+              <a:defRPr sz="2800"/>
+            </a:lvl1pPr>
+            <a:lvl2pPr>
+              <a:defRPr sz="2400"/>
+            </a:lvl2pPr>
+            <a:lvl3pPr>
+              <a:defRPr sz="2000"/>
+            </a:lvl3pPr>
+            <a:lvl4pPr>
+              <a:defRPr sz="1800"/>
+            </a:lvl4pPr>
+            <a:lvl5pPr>
+              <a:defRPr sz="1800"/>
+            </a:lvl5pPr>
+            <a:lvl6pPr>
+              <a:defRPr sz="1800"/>
+            </a:lvl6pPr>
+            <a:lvl7pPr>
+              <a:defRPr sz="1800"/>
+            </a:lvl7pPr>
+            <a:lvl8pPr>
+              <a:defRPr sz="1800"/>
+            </a:lvl8pPr>
+            <a:lvl9pPr>
+              <a:defRPr sz="1800"/>
+            </a:lvl9pPr>
+          </a:lstStyle>
+          <a:p>
+            <a:pPr lvl="0"/>
+            <a:r>
+              <a:rPr lang="en-GB"/>
+              <a:t>Click to edit Master text styles</a:t>
+            </a:r>
+          </a:p>
+          <a:p>
+            <a:pPr lvl="1"/>
+            <a:r>
+              <a:rPr lang="en-GB"/>
+              <a:t>Second level</a:t>
+            </a:r>
+          </a:p>
+          <a:p>
+            <a:pPr lvl="2"/>
+            <a:r>
+              <a:rPr lang="en-GB"/>
+              <a:t>Third level</a:t>
+            </a:r>
+          </a:p>
+          <a:p>
+            <a:pPr lvl="3"/>
+            <a:r>
+              <a:rPr lang="en-GB"/>
+              <a:t>Fourth level</a:t>
+            </a:r>
+          </a:p>
+          <a:p>
+            <a:pPr lvl="4"/>
+            <a:r>
+              <a:rPr lang="en-GB"/>
+              <a:t>Fifth level</a:t>
+            </a:r>
+            <a:endParaRPr lang="it-IT"/>
+          </a:p>
+        </p:txBody>
+      </p:sp>
+      <p:sp>
+        <p:nvSpPr>
+          <p:cNvPr id="4" name="Segnaposto contenuto 3"/>
+          <p:cNvSpPr>
+            <a:spLocks noGrp="1"/>
+          </p:cNvSpPr>
+          <p:nvPr>
+            <p:ph sz="half" idx="2"/>
+          </p:nvPr>
+        </p:nvSpPr>
+        <p:spPr>
+          <a:xfrm>
+            <a:off x="6189786" y="1412875"/>
+            <a:ext cx="5392615" cy="4713291"/>
+          </a:xfrm>
+        </p:spPr>
+        <p:txBody>
+          <a:bodyPr/>
+          <a:lstStyle>
+            <a:lvl1pPr>
+              <a:defRPr sz="2800"/>
+            </a:lvl1pPr>
+            <a:lvl2pPr>
+              <a:defRPr sz="2400"/>
+            </a:lvl2pPr>
+            <a:lvl3pPr>
+              <a:defRPr sz="2000"/>
+            </a:lvl3pPr>
+            <a:lvl4pPr>
+              <a:defRPr sz="1800"/>
+            </a:lvl4pPr>
+            <a:lvl5pPr>
+              <a:defRPr sz="1800"/>
+            </a:lvl5pPr>
+            <a:lvl6pPr>
+              <a:defRPr sz="1800"/>
+            </a:lvl6pPr>
+            <a:lvl7pPr>
+              <a:defRPr sz="1800"/>
+            </a:lvl7pPr>
+            <a:lvl8pPr>
+              <a:defRPr sz="1800"/>
+            </a:lvl8pPr>
+            <a:lvl9pPr>
+              <a:defRPr sz="1800"/>
+            </a:lvl9pPr>
+          </a:lstStyle>
+          <a:p>
+            <a:pPr lvl="0"/>
+            <a:r>
+              <a:rPr lang="en-GB"/>
+              <a:t>Click to edit Master text styles</a:t>
+            </a:r>
+          </a:p>
+          <a:p>
+            <a:pPr lvl="1"/>
+            <a:r>
+              <a:rPr lang="en-GB"/>
+              <a:t>Second level</a:t>
+            </a:r>
+          </a:p>
+          <a:p>
+            <a:pPr lvl="2"/>
+            <a:r>
+              <a:rPr lang="en-GB"/>
+              <a:t>Third level</a:t>
+            </a:r>
+          </a:p>
+          <a:p>
+            <a:pPr lvl="3"/>
+            <a:r>
+              <a:rPr lang="en-GB"/>
+              <a:t>Fourth level</a:t>
+            </a:r>
+          </a:p>
+          <a:p>
+            <a:pPr lvl="4"/>
+            <a:r>
+              <a:rPr lang="en-GB"/>
+              <a:t>Fifth level</a:t>
+            </a:r>
+            <a:endParaRPr lang="it-IT"/>
+          </a:p>
+        </p:txBody>
+      </p:sp>
+      <p:sp>
+        <p:nvSpPr>
+          <p:cNvPr id="5" name="Rectangle 4">
+            <a:extLst>
+              <a:ext uri="{FF2B5EF4-FFF2-40B4-BE49-F238E27FC236}">
+                <a16:creationId xmlns:a16="http://schemas.microsoft.com/office/drawing/2014/main" id="{F0D3FD9D-035D-4317-87B9-2E07DC513C53}"/>
+              </a:ext>
+            </a:extLst>
+          </p:cNvPr>
+          <p:cNvSpPr>
+            <a:spLocks noGrp="1" noChangeArrowheads="1"/>
+          </p:cNvSpPr>
+          <p:nvPr>
+            <p:ph type="dt" sz="half" idx="10"/>
+          </p:nvPr>
+        </p:nvSpPr>
+        <p:spPr>
+          <a:ln/>
+        </p:spPr>
+        <p:txBody>
+          <a:bodyPr/>
+          <a:lstStyle>
+            <a:lvl1pPr>
+              <a:defRPr/>
+            </a:lvl1pPr>
+          </a:lstStyle>
+          <a:p>
+            <a:pPr>
+              <a:defRPr/>
+            </a:pPr>
+            <a:r>
+              <a:rPr lang="it-IT" altLang="it-IT"/>
+              <a:t>last update: Oct 2023</a:t>
+            </a:r>
+          </a:p>
+        </p:txBody>
+      </p:sp>
+      <p:sp>
+        <p:nvSpPr>
+          <p:cNvPr id="6" name="Rectangle 5">
+            <a:extLst>
+              <a:ext uri="{FF2B5EF4-FFF2-40B4-BE49-F238E27FC236}">
+                <a16:creationId xmlns:a16="http://schemas.microsoft.com/office/drawing/2014/main" id="{0056CC62-4927-46CE-8071-12D4280A824B}"/>
+              </a:ext>
+            </a:extLst>
+          </p:cNvPr>
+          <p:cNvSpPr>
+            <a:spLocks noGrp="1" noChangeArrowheads="1"/>
+          </p:cNvSpPr>
+          <p:nvPr>
+            <p:ph type="ftr" sz="quarter" idx="11"/>
+          </p:nvPr>
+        </p:nvSpPr>
+        <p:spPr>
+          <a:ln/>
+        </p:spPr>
+        <p:txBody>
+          <a:bodyPr/>
+          <a:lstStyle>
+            <a:lvl1pPr>
+              <a:defRPr/>
+            </a:lvl1pPr>
+          </a:lstStyle>
+          <a:p>
+            <a:pPr>
+              <a:defRPr/>
+            </a:pPr>
+            <a:r>
+              <a:rPr lang="it-IT" altLang="it-IT"/>
+              <a:t>Kathará - Introduction</a:t>
+            </a:r>
+          </a:p>
+        </p:txBody>
+      </p:sp>
+    </p:spTree>
+    <p:extLst>
+      <p:ext uri="{BB962C8B-B14F-4D97-AF65-F5344CB8AC3E}">
+        <p14:creationId xmlns:p14="http://schemas.microsoft.com/office/powerpoint/2010/main" val="338602858"/>
+      </p:ext>
+    </p:extLst>
+  </p:cSld>
+  <p:clrMapOvr>
+    <a:masterClrMapping/>
+  </p:clrMapOvr>
+</p:sldLayout>
+</file>
+
+<file path=ppt/slideLayouts/slideLayout32.xml><?xml version="1.0" encoding="utf-8"?>
+<p:sldLayout xmlns:a="http://schemas.openxmlformats.org/drawingml/2006/main" xmlns:r="http://schemas.openxmlformats.org/officeDocument/2006/relationships" xmlns:p="http://schemas.openxmlformats.org/presentationml/2006/main" type="titleOnly" preserve="1">
+  <p:cSld name="Solo titolo">
+    <p:spTree>
+      <p:nvGrpSpPr>
+        <p:cNvPr id="1" name=""/>
+        <p:cNvGrpSpPr/>
+        <p:nvPr/>
+      </p:nvGrpSpPr>
+      <p:grpSpPr>
+        <a:xfrm>
+          <a:off x="0" y="0"/>
+          <a:ext cx="0" cy="0"/>
+          <a:chOff x="0" y="0"/>
+          <a:chExt cx="0" cy="0"/>
+        </a:xfrm>
+      </p:grpSpPr>
+      <p:sp>
+        <p:nvSpPr>
+          <p:cNvPr id="2" name="Titolo 1"/>
+          <p:cNvSpPr>
+            <a:spLocks noGrp="1"/>
+          </p:cNvSpPr>
+          <p:nvPr>
+            <p:ph type="title"/>
+          </p:nvPr>
+        </p:nvSpPr>
+        <p:spPr/>
+        <p:txBody>
+          <a:bodyPr/>
+          <a:lstStyle/>
+          <a:p>
+            <a:r>
+              <a:rPr lang="en-GB"/>
+              <a:t>Click to edit Master title style</a:t>
+            </a:r>
+            <a:endParaRPr lang="it-IT"/>
+          </a:p>
+        </p:txBody>
+      </p:sp>
+      <p:sp>
+        <p:nvSpPr>
+          <p:cNvPr id="3" name="Rectangle 4">
+            <a:extLst>
+              <a:ext uri="{FF2B5EF4-FFF2-40B4-BE49-F238E27FC236}">
+                <a16:creationId xmlns:a16="http://schemas.microsoft.com/office/drawing/2014/main" id="{09E61840-3800-42E1-8104-908EC2290A80}"/>
+              </a:ext>
+            </a:extLst>
+          </p:cNvPr>
+          <p:cNvSpPr>
+            <a:spLocks noGrp="1" noChangeArrowheads="1"/>
+          </p:cNvSpPr>
+          <p:nvPr>
+            <p:ph type="dt" sz="half" idx="10"/>
+          </p:nvPr>
+        </p:nvSpPr>
+        <p:spPr>
+          <a:ln/>
+        </p:spPr>
+        <p:txBody>
+          <a:bodyPr/>
+          <a:lstStyle>
+            <a:lvl1pPr>
+              <a:defRPr/>
+            </a:lvl1pPr>
+          </a:lstStyle>
+          <a:p>
+            <a:pPr>
+              <a:defRPr/>
+            </a:pPr>
+            <a:r>
+              <a:rPr lang="it-IT" altLang="it-IT"/>
+              <a:t>last update: Oct 2023</a:t>
+            </a:r>
+          </a:p>
+        </p:txBody>
+      </p:sp>
+      <p:sp>
+        <p:nvSpPr>
+          <p:cNvPr id="4" name="Rectangle 5">
+            <a:extLst>
+              <a:ext uri="{FF2B5EF4-FFF2-40B4-BE49-F238E27FC236}">
+                <a16:creationId xmlns:a16="http://schemas.microsoft.com/office/drawing/2014/main" id="{BBDBC235-FCC8-44F7-AF2D-D19BB003DF74}"/>
+              </a:ext>
+            </a:extLst>
+          </p:cNvPr>
+          <p:cNvSpPr>
+            <a:spLocks noGrp="1" noChangeArrowheads="1"/>
+          </p:cNvSpPr>
+          <p:nvPr>
+            <p:ph type="ftr" sz="quarter" idx="11"/>
+          </p:nvPr>
+        </p:nvSpPr>
+        <p:spPr>
+          <a:ln/>
+        </p:spPr>
+        <p:txBody>
+          <a:bodyPr/>
+          <a:lstStyle>
+            <a:lvl1pPr>
+              <a:defRPr/>
+            </a:lvl1pPr>
+          </a:lstStyle>
+          <a:p>
+            <a:pPr>
+              <a:defRPr/>
+            </a:pPr>
+            <a:r>
+              <a:rPr lang="it-IT" altLang="it-IT"/>
+              <a:t>Kathará - Introduction</a:t>
+            </a:r>
+          </a:p>
+        </p:txBody>
+      </p:sp>
+    </p:spTree>
+    <p:extLst>
+      <p:ext uri="{BB962C8B-B14F-4D97-AF65-F5344CB8AC3E}">
+        <p14:creationId xmlns:p14="http://schemas.microsoft.com/office/powerpoint/2010/main" val="1872858353"/>
+      </p:ext>
+    </p:extLst>
+  </p:cSld>
+  <p:clrMapOvr>
+    <a:masterClrMapping/>
+  </p:clrMapOvr>
+</p:sldLayout>
+</file>
+
+<file path=ppt/slideLayouts/slideLayout33.xml><?xml version="1.0" encoding="utf-8"?>
+<p:sldLayout xmlns:a="http://schemas.openxmlformats.org/drawingml/2006/main" xmlns:r="http://schemas.openxmlformats.org/officeDocument/2006/relationships" xmlns:p="http://schemas.openxmlformats.org/presentationml/2006/main" type="blank" preserve="1">
+  <p:cSld name="Vuota">
+    <p:spTree>
+      <p:nvGrpSpPr>
+        <p:cNvPr id="1" name=""/>
+        <p:cNvGrpSpPr/>
+        <p:nvPr/>
+      </p:nvGrpSpPr>
+      <p:grpSpPr>
+        <a:xfrm>
+          <a:off x="0" y="0"/>
+          <a:ext cx="0" cy="0"/>
+          <a:chOff x="0" y="0"/>
+          <a:chExt cx="0" cy="0"/>
+        </a:xfrm>
+      </p:grpSpPr>
+      <p:sp>
+        <p:nvSpPr>
+          <p:cNvPr id="2" name="Rectangle 4">
+            <a:extLst>
+              <a:ext uri="{FF2B5EF4-FFF2-40B4-BE49-F238E27FC236}">
+                <a16:creationId xmlns:a16="http://schemas.microsoft.com/office/drawing/2014/main" id="{8210B621-DDDB-4969-8052-9E481273EFD3}"/>
+              </a:ext>
+            </a:extLst>
+          </p:cNvPr>
+          <p:cNvSpPr>
+            <a:spLocks noGrp="1" noChangeArrowheads="1"/>
+          </p:cNvSpPr>
+          <p:nvPr>
+            <p:ph type="dt" sz="half" idx="10"/>
+          </p:nvPr>
+        </p:nvSpPr>
+        <p:spPr>
+          <a:ln/>
+        </p:spPr>
+        <p:txBody>
+          <a:bodyPr/>
+          <a:lstStyle>
+            <a:lvl1pPr>
+              <a:defRPr/>
+            </a:lvl1pPr>
+          </a:lstStyle>
+          <a:p>
+            <a:pPr>
+              <a:defRPr/>
+            </a:pPr>
+            <a:r>
+              <a:rPr lang="it-IT" altLang="it-IT"/>
+              <a:t>last update: Oct 2023</a:t>
+            </a:r>
+          </a:p>
+        </p:txBody>
+      </p:sp>
+      <p:sp>
+        <p:nvSpPr>
+          <p:cNvPr id="3" name="Rectangle 5">
+            <a:extLst>
+              <a:ext uri="{FF2B5EF4-FFF2-40B4-BE49-F238E27FC236}">
+                <a16:creationId xmlns:a16="http://schemas.microsoft.com/office/drawing/2014/main" id="{DF427022-EF7C-4DDD-9245-E8A971AB8D5C}"/>
+              </a:ext>
+            </a:extLst>
+          </p:cNvPr>
+          <p:cNvSpPr>
+            <a:spLocks noGrp="1" noChangeArrowheads="1"/>
+          </p:cNvSpPr>
+          <p:nvPr>
+            <p:ph type="ftr" sz="quarter" idx="11"/>
+          </p:nvPr>
+        </p:nvSpPr>
+        <p:spPr>
+          <a:ln/>
+        </p:spPr>
+        <p:txBody>
+          <a:bodyPr/>
+          <a:lstStyle>
+            <a:lvl1pPr>
+              <a:defRPr/>
+            </a:lvl1pPr>
+          </a:lstStyle>
+          <a:p>
+            <a:pPr>
+              <a:defRPr/>
+            </a:pPr>
+            <a:r>
+              <a:rPr lang="it-IT" altLang="it-IT"/>
+              <a:t>Kathará - Introduction</a:t>
+            </a:r>
+          </a:p>
+        </p:txBody>
+      </p:sp>
+    </p:spTree>
+    <p:extLst>
+      <p:ext uri="{BB962C8B-B14F-4D97-AF65-F5344CB8AC3E}">
+        <p14:creationId xmlns:p14="http://schemas.microsoft.com/office/powerpoint/2010/main" val="2974003650"/>
+      </p:ext>
+    </p:extLst>
+  </p:cSld>
+  <p:clrMapOvr>
+    <a:masterClrMapping/>
+  </p:clrMapOvr>
+</p:sldLayout>
+</file>
+
+<file path=ppt/slideLayouts/slideLayout34.xml><?xml version="1.0" encoding="utf-8"?>
+<p:sldLayout xmlns:a="http://schemas.openxmlformats.org/drawingml/2006/main" xmlns:r="http://schemas.openxmlformats.org/officeDocument/2006/relationships" xmlns:p="http://schemas.openxmlformats.org/presentationml/2006/main" type="objTx" preserve="1">
+  <p:cSld name="Contenuto con didascalia">
+    <p:spTree>
+      <p:nvGrpSpPr>
+        <p:cNvPr id="1" name=""/>
+        <p:cNvGrpSpPr/>
+        <p:nvPr/>
+      </p:nvGrpSpPr>
+      <p:grpSpPr>
+        <a:xfrm>
+          <a:off x="0" y="0"/>
+          <a:ext cx="0" cy="0"/>
+          <a:chOff x="0" y="0"/>
+          <a:chExt cx="0" cy="0"/>
+        </a:xfrm>
+      </p:grpSpPr>
+      <p:sp>
+        <p:nvSpPr>
+          <p:cNvPr id="2" name="Titolo 1"/>
+          <p:cNvSpPr>
+            <a:spLocks noGrp="1"/>
+          </p:cNvSpPr>
+          <p:nvPr>
+            <p:ph type="title"/>
+          </p:nvPr>
+        </p:nvSpPr>
+        <p:spPr>
+          <a:xfrm>
+            <a:off x="609601" y="273050"/>
+            <a:ext cx="4011247" cy="1162050"/>
+          </a:xfrm>
+        </p:spPr>
+        <p:txBody>
+          <a:bodyPr anchor="b"/>
+          <a:lstStyle>
+            <a:lvl1pPr algn="l">
+              <a:defRPr sz="2000" b="1"/>
+            </a:lvl1pPr>
+          </a:lstStyle>
+          <a:p>
+            <a:r>
+              <a:rPr lang="en-GB"/>
+              <a:t>Click to edit Master title style</a:t>
+            </a:r>
+            <a:endParaRPr lang="it-IT"/>
+          </a:p>
+        </p:txBody>
+      </p:sp>
+      <p:sp>
+        <p:nvSpPr>
+          <p:cNvPr id="3" name="Segnaposto contenuto 2"/>
+          <p:cNvSpPr>
+            <a:spLocks noGrp="1"/>
+          </p:cNvSpPr>
+          <p:nvPr>
+            <p:ph idx="1"/>
+          </p:nvPr>
+        </p:nvSpPr>
+        <p:spPr>
+          <a:xfrm>
+            <a:off x="4767386" y="273053"/>
+            <a:ext cx="6815015" cy="5853113"/>
+          </a:xfrm>
+        </p:spPr>
+        <p:txBody>
+          <a:bodyPr/>
+          <a:lstStyle>
+            <a:lvl1pPr>
+              <a:defRPr sz="3200"/>
+            </a:lvl1pPr>
+            <a:lvl2pPr>
+              <a:defRPr sz="2800"/>
+            </a:lvl2pPr>
+            <a:lvl3pPr>
+              <a:defRPr sz="2400"/>
+            </a:lvl3pPr>
+            <a:lvl4pPr>
+              <a:defRPr sz="2000"/>
+            </a:lvl4pPr>
+            <a:lvl5pPr>
+              <a:defRPr sz="2000"/>
+            </a:lvl5pPr>
+            <a:lvl6pPr>
+              <a:defRPr sz="2000"/>
+            </a:lvl6pPr>
+            <a:lvl7pPr>
+              <a:defRPr sz="2000"/>
+            </a:lvl7pPr>
+            <a:lvl8pPr>
+              <a:defRPr sz="2000"/>
+            </a:lvl8pPr>
+            <a:lvl9pPr>
+              <a:defRPr sz="2000"/>
+            </a:lvl9pPr>
+          </a:lstStyle>
+          <a:p>
+            <a:pPr lvl="0"/>
+            <a:r>
+              <a:rPr lang="en-GB"/>
+              <a:t>Click to edit Master text styles</a:t>
+            </a:r>
+          </a:p>
+          <a:p>
+            <a:pPr lvl="1"/>
+            <a:r>
+              <a:rPr lang="en-GB"/>
+              <a:t>Second level</a:t>
+            </a:r>
+          </a:p>
+          <a:p>
+            <a:pPr lvl="2"/>
+            <a:r>
+              <a:rPr lang="en-GB"/>
+              <a:t>Third level</a:t>
+            </a:r>
+          </a:p>
+          <a:p>
+            <a:pPr lvl="3"/>
+            <a:r>
+              <a:rPr lang="en-GB"/>
+              <a:t>Fourth level</a:t>
+            </a:r>
+          </a:p>
+          <a:p>
+            <a:pPr lvl="4"/>
+            <a:r>
+              <a:rPr lang="en-GB"/>
+              <a:t>Fifth level</a:t>
+            </a:r>
+            <a:endParaRPr lang="it-IT"/>
+          </a:p>
+        </p:txBody>
+      </p:sp>
+      <p:sp>
+        <p:nvSpPr>
+          <p:cNvPr id="4" name="Segnaposto testo 3"/>
+          <p:cNvSpPr>
+            <a:spLocks noGrp="1"/>
+          </p:cNvSpPr>
+          <p:nvPr>
+            <p:ph type="body" sz="half" idx="2"/>
+          </p:nvPr>
+        </p:nvSpPr>
+        <p:spPr>
+          <a:xfrm>
+            <a:off x="609601" y="1435103"/>
+            <a:ext cx="4011247" cy="4691063"/>
+          </a:xfrm>
+        </p:spPr>
+        <p:txBody>
+          <a:bodyPr/>
+          <a:lstStyle>
+            <a:lvl1pPr marL="0" indent="0">
+              <a:buNone/>
+              <a:defRPr sz="1400"/>
+            </a:lvl1pPr>
+            <a:lvl2pPr marL="457212" indent="0">
+              <a:buNone/>
+              <a:defRPr sz="1200"/>
+            </a:lvl2pPr>
+            <a:lvl3pPr marL="914423" indent="0">
+              <a:buNone/>
+              <a:defRPr sz="1000"/>
+            </a:lvl3pPr>
+            <a:lvl4pPr marL="1371634" indent="0">
+              <a:buNone/>
+              <a:defRPr sz="900"/>
+            </a:lvl4pPr>
+            <a:lvl5pPr marL="1828846" indent="0">
+              <a:buNone/>
+              <a:defRPr sz="900"/>
+            </a:lvl5pPr>
+            <a:lvl6pPr marL="2286057" indent="0">
+              <a:buNone/>
+              <a:defRPr sz="900"/>
+            </a:lvl6pPr>
+            <a:lvl7pPr marL="2743269" indent="0">
+              <a:buNone/>
+              <a:defRPr sz="900"/>
+            </a:lvl7pPr>
+            <a:lvl8pPr marL="3200480" indent="0">
+              <a:buNone/>
+              <a:defRPr sz="900"/>
+            </a:lvl8pPr>
+            <a:lvl9pPr marL="3657691" indent="0">
+              <a:buNone/>
+              <a:defRPr sz="900"/>
+            </a:lvl9pPr>
+          </a:lstStyle>
+          <a:p>
+            <a:pPr lvl="0"/>
+            <a:r>
+              <a:rPr lang="en-GB"/>
+              <a:t>Click to edit Master text styles</a:t>
+            </a:r>
+          </a:p>
+        </p:txBody>
+      </p:sp>
+      <p:sp>
+        <p:nvSpPr>
+          <p:cNvPr id="5" name="Rectangle 4">
+            <a:extLst>
+              <a:ext uri="{FF2B5EF4-FFF2-40B4-BE49-F238E27FC236}">
+                <a16:creationId xmlns:a16="http://schemas.microsoft.com/office/drawing/2014/main" id="{B6B7462A-E94B-4E5C-AF83-8E8FA72FC515}"/>
+              </a:ext>
+            </a:extLst>
+          </p:cNvPr>
+          <p:cNvSpPr>
+            <a:spLocks noGrp="1" noChangeArrowheads="1"/>
+          </p:cNvSpPr>
+          <p:nvPr>
+            <p:ph type="dt" sz="half" idx="10"/>
+          </p:nvPr>
+        </p:nvSpPr>
+        <p:spPr>
+          <a:ln/>
+        </p:spPr>
+        <p:txBody>
+          <a:bodyPr/>
+          <a:lstStyle>
+            <a:lvl1pPr>
+              <a:defRPr/>
+            </a:lvl1pPr>
+          </a:lstStyle>
+          <a:p>
+            <a:pPr>
+              <a:defRPr/>
+            </a:pPr>
+            <a:r>
+              <a:rPr lang="it-IT" altLang="it-IT"/>
+              <a:t>last update: Oct 2023</a:t>
+            </a:r>
+          </a:p>
+        </p:txBody>
+      </p:sp>
+      <p:sp>
+        <p:nvSpPr>
+          <p:cNvPr id="6" name="Rectangle 5">
+            <a:extLst>
+              <a:ext uri="{FF2B5EF4-FFF2-40B4-BE49-F238E27FC236}">
+                <a16:creationId xmlns:a16="http://schemas.microsoft.com/office/drawing/2014/main" id="{1ECA9AC3-825F-4AAC-8B76-9EC322D8ACC1}"/>
+              </a:ext>
+            </a:extLst>
+          </p:cNvPr>
+          <p:cNvSpPr>
+            <a:spLocks noGrp="1" noChangeArrowheads="1"/>
+          </p:cNvSpPr>
+          <p:nvPr>
+            <p:ph type="ftr" sz="quarter" idx="11"/>
+          </p:nvPr>
+        </p:nvSpPr>
+        <p:spPr>
+          <a:ln/>
+        </p:spPr>
+        <p:txBody>
+          <a:bodyPr/>
+          <a:lstStyle>
+            <a:lvl1pPr>
+              <a:defRPr/>
+            </a:lvl1pPr>
+          </a:lstStyle>
+          <a:p>
+            <a:pPr>
+              <a:defRPr/>
+            </a:pPr>
+            <a:r>
+              <a:rPr lang="it-IT" altLang="it-IT"/>
+              <a:t>Kathará - Introduction</a:t>
+            </a:r>
+          </a:p>
+        </p:txBody>
+      </p:sp>
+    </p:spTree>
+    <p:extLst>
+      <p:ext uri="{BB962C8B-B14F-4D97-AF65-F5344CB8AC3E}">
+        <p14:creationId xmlns:p14="http://schemas.microsoft.com/office/powerpoint/2010/main" val="4254579456"/>
+      </p:ext>
+    </p:extLst>
+  </p:cSld>
+  <p:clrMapOvr>
+    <a:masterClrMapping/>
+  </p:clrMapOvr>
+</p:sldLayout>
+</file>
+
+<file path=ppt/slideLayouts/slideLayout35.xml><?xml version="1.0" encoding="utf-8"?>
+<p:sldLayout xmlns:a="http://schemas.openxmlformats.org/drawingml/2006/main" xmlns:r="http://schemas.openxmlformats.org/officeDocument/2006/relationships" xmlns:p="http://schemas.openxmlformats.org/presentationml/2006/main" type="picTx" preserve="1">
+  <p:cSld name="Immagine con didascalia">
+    <p:spTree>
+      <p:nvGrpSpPr>
+        <p:cNvPr id="1" name=""/>
+        <p:cNvGrpSpPr/>
+        <p:nvPr/>
+      </p:nvGrpSpPr>
+      <p:grpSpPr>
+        <a:xfrm>
+          <a:off x="0" y="0"/>
+          <a:ext cx="0" cy="0"/>
+          <a:chOff x="0" y="0"/>
+          <a:chExt cx="0" cy="0"/>
+        </a:xfrm>
+      </p:grpSpPr>
+      <p:sp>
+        <p:nvSpPr>
+          <p:cNvPr id="2" name="Titolo 1"/>
+          <p:cNvSpPr>
+            <a:spLocks noGrp="1"/>
+          </p:cNvSpPr>
+          <p:nvPr>
+            <p:ph type="title"/>
+          </p:nvPr>
+        </p:nvSpPr>
+        <p:spPr>
+          <a:xfrm>
+            <a:off x="2389554" y="4800600"/>
+            <a:ext cx="7315200" cy="566738"/>
+          </a:xfrm>
+        </p:spPr>
+        <p:txBody>
+          <a:bodyPr anchor="b"/>
+          <a:lstStyle>
+            <a:lvl1pPr algn="l">
+              <a:defRPr sz="2000" b="1"/>
+            </a:lvl1pPr>
+          </a:lstStyle>
+          <a:p>
+            <a:r>
+              <a:rPr lang="en-GB"/>
+              <a:t>Click to edit Master title style</a:t>
+            </a:r>
+            <a:endParaRPr lang="it-IT"/>
+          </a:p>
+        </p:txBody>
+      </p:sp>
+      <p:sp>
+        <p:nvSpPr>
+          <p:cNvPr id="3" name="Segnaposto immagine 2"/>
+          <p:cNvSpPr>
+            <a:spLocks noGrp="1"/>
+          </p:cNvSpPr>
+          <p:nvPr>
+            <p:ph type="pic" idx="1"/>
+          </p:nvPr>
+        </p:nvSpPr>
+        <p:spPr>
+          <a:xfrm>
+            <a:off x="2389554" y="612775"/>
+            <a:ext cx="7315200" cy="4114800"/>
+          </a:xfrm>
+        </p:spPr>
+        <p:txBody>
+          <a:bodyPr/>
+          <a:lstStyle>
+            <a:lvl1pPr marL="0" indent="0">
+              <a:buNone/>
+              <a:defRPr sz="3200"/>
+            </a:lvl1pPr>
+            <a:lvl2pPr marL="457212" indent="0">
+              <a:buNone/>
+              <a:defRPr sz="2800"/>
+            </a:lvl2pPr>
+            <a:lvl3pPr marL="914423" indent="0">
+              <a:buNone/>
+              <a:defRPr sz="2400"/>
+            </a:lvl3pPr>
+            <a:lvl4pPr marL="1371634" indent="0">
+              <a:buNone/>
+              <a:defRPr sz="2000"/>
+            </a:lvl4pPr>
+            <a:lvl5pPr marL="1828846" indent="0">
+              <a:buNone/>
+              <a:defRPr sz="2000"/>
+            </a:lvl5pPr>
+            <a:lvl6pPr marL="2286057" indent="0">
+              <a:buNone/>
+              <a:defRPr sz="2000"/>
+            </a:lvl6pPr>
+            <a:lvl7pPr marL="2743269" indent="0">
+              <a:buNone/>
+              <a:defRPr sz="2000"/>
+            </a:lvl7pPr>
+            <a:lvl8pPr marL="3200480" indent="0">
+              <a:buNone/>
+              <a:defRPr sz="2000"/>
+            </a:lvl8pPr>
+            <a:lvl9pPr marL="3657691" indent="0">
+              <a:buNone/>
+              <a:defRPr sz="2000"/>
+            </a:lvl9pPr>
+          </a:lstStyle>
+          <a:p>
+            <a:pPr lvl="0"/>
+            <a:r>
+              <a:rPr lang="en-GB" noProof="0"/>
+              <a:t>Click icon to add picture</a:t>
+            </a:r>
+            <a:endParaRPr lang="it-IT" noProof="0"/>
+          </a:p>
+        </p:txBody>
+      </p:sp>
+      <p:sp>
+        <p:nvSpPr>
+          <p:cNvPr id="4" name="Segnaposto testo 3"/>
+          <p:cNvSpPr>
+            <a:spLocks noGrp="1"/>
+          </p:cNvSpPr>
+          <p:nvPr>
+            <p:ph type="body" sz="half" idx="2"/>
+          </p:nvPr>
+        </p:nvSpPr>
+        <p:spPr>
+          <a:xfrm>
+            <a:off x="2389554" y="5367338"/>
+            <a:ext cx="7315200" cy="804862"/>
+          </a:xfrm>
+        </p:spPr>
+        <p:txBody>
+          <a:bodyPr/>
+          <a:lstStyle>
+            <a:lvl1pPr marL="0" indent="0">
+              <a:buNone/>
+              <a:defRPr sz="1400"/>
+            </a:lvl1pPr>
+            <a:lvl2pPr marL="457212" indent="0">
+              <a:buNone/>
+              <a:defRPr sz="1200"/>
+            </a:lvl2pPr>
+            <a:lvl3pPr marL="914423" indent="0">
+              <a:buNone/>
+              <a:defRPr sz="1000"/>
+            </a:lvl3pPr>
+            <a:lvl4pPr marL="1371634" indent="0">
+              <a:buNone/>
+              <a:defRPr sz="900"/>
+            </a:lvl4pPr>
+            <a:lvl5pPr marL="1828846" indent="0">
+              <a:buNone/>
+              <a:defRPr sz="900"/>
+            </a:lvl5pPr>
+            <a:lvl6pPr marL="2286057" indent="0">
+              <a:buNone/>
+              <a:defRPr sz="900"/>
+            </a:lvl6pPr>
+            <a:lvl7pPr marL="2743269" indent="0">
+              <a:buNone/>
+              <a:defRPr sz="900"/>
+            </a:lvl7pPr>
+            <a:lvl8pPr marL="3200480" indent="0">
+              <a:buNone/>
+              <a:defRPr sz="900"/>
+            </a:lvl8pPr>
+            <a:lvl9pPr marL="3657691" indent="0">
+              <a:buNone/>
+              <a:defRPr sz="900"/>
+            </a:lvl9pPr>
+          </a:lstStyle>
+          <a:p>
+            <a:pPr lvl="0"/>
+            <a:r>
+              <a:rPr lang="en-GB"/>
+              <a:t>Click to edit Master text styles</a:t>
+            </a:r>
+          </a:p>
+        </p:txBody>
+      </p:sp>
+      <p:sp>
+        <p:nvSpPr>
+          <p:cNvPr id="5" name="Rectangle 4">
+            <a:extLst>
+              <a:ext uri="{FF2B5EF4-FFF2-40B4-BE49-F238E27FC236}">
+                <a16:creationId xmlns:a16="http://schemas.microsoft.com/office/drawing/2014/main" id="{1A58AB6D-2A9D-4F16-A910-0B79968AB2D1}"/>
+              </a:ext>
+            </a:extLst>
+          </p:cNvPr>
+          <p:cNvSpPr>
+            <a:spLocks noGrp="1" noChangeArrowheads="1"/>
+          </p:cNvSpPr>
+          <p:nvPr>
+            <p:ph type="dt" sz="half" idx="10"/>
+          </p:nvPr>
+        </p:nvSpPr>
+        <p:spPr>
+          <a:ln/>
+        </p:spPr>
+        <p:txBody>
+          <a:bodyPr/>
+          <a:lstStyle>
+            <a:lvl1pPr>
+              <a:defRPr/>
+            </a:lvl1pPr>
+          </a:lstStyle>
+          <a:p>
+            <a:pPr>
+              <a:defRPr/>
+            </a:pPr>
+            <a:r>
+              <a:rPr lang="it-IT" altLang="it-IT"/>
+              <a:t>last update: Oct 2023</a:t>
+            </a:r>
+          </a:p>
+        </p:txBody>
+      </p:sp>
+      <p:sp>
+        <p:nvSpPr>
+          <p:cNvPr id="6" name="Rectangle 5">
+            <a:extLst>
+              <a:ext uri="{FF2B5EF4-FFF2-40B4-BE49-F238E27FC236}">
+                <a16:creationId xmlns:a16="http://schemas.microsoft.com/office/drawing/2014/main" id="{86A098BE-69C9-4538-89C8-C00B289910E6}"/>
+              </a:ext>
+            </a:extLst>
+          </p:cNvPr>
+          <p:cNvSpPr>
+            <a:spLocks noGrp="1" noChangeArrowheads="1"/>
+          </p:cNvSpPr>
+          <p:nvPr>
+            <p:ph type="ftr" sz="quarter" idx="11"/>
+          </p:nvPr>
+        </p:nvSpPr>
+        <p:spPr>
+          <a:ln/>
+        </p:spPr>
+        <p:txBody>
+          <a:bodyPr/>
+          <a:lstStyle>
+            <a:lvl1pPr>
+              <a:defRPr/>
+            </a:lvl1pPr>
+          </a:lstStyle>
+          <a:p>
+            <a:pPr>
+              <a:defRPr/>
+            </a:pPr>
+            <a:r>
+              <a:rPr lang="it-IT" altLang="it-IT"/>
+              <a:t>Kathará - Introduction</a:t>
+            </a:r>
+          </a:p>
+        </p:txBody>
+      </p:sp>
+    </p:spTree>
+    <p:extLst>
+      <p:ext uri="{BB962C8B-B14F-4D97-AF65-F5344CB8AC3E}">
+        <p14:creationId xmlns:p14="http://schemas.microsoft.com/office/powerpoint/2010/main" val="805339300"/>
+      </p:ext>
+    </p:extLst>
+  </p:cSld>
+  <p:clrMapOvr>
+    <a:masterClrMapping/>
+  </p:clrMapOvr>
+</p:sldLayout>
+</file>
+
+<file path=ppt/slideLayouts/slideLayout36.xml><?xml version="1.0" encoding="utf-8"?>
+<p:sldLayout xmlns:a="http://schemas.openxmlformats.org/drawingml/2006/main" xmlns:r="http://schemas.openxmlformats.org/officeDocument/2006/relationships" xmlns:p="http://schemas.openxmlformats.org/presentationml/2006/main" type="vertTx" preserve="1">
+  <p:cSld name="Titolo e testo verticale">
+    <p:spTree>
+      <p:nvGrpSpPr>
+        <p:cNvPr id="1" name=""/>
+        <p:cNvGrpSpPr/>
+        <p:nvPr/>
+      </p:nvGrpSpPr>
+      <p:grpSpPr>
+        <a:xfrm>
+          <a:off x="0" y="0"/>
+          <a:ext cx="0" cy="0"/>
+          <a:chOff x="0" y="0"/>
+          <a:chExt cx="0" cy="0"/>
+        </a:xfrm>
+      </p:grpSpPr>
+      <p:sp>
+        <p:nvSpPr>
+          <p:cNvPr id="2" name="Titolo 1"/>
+          <p:cNvSpPr>
+            <a:spLocks noGrp="1"/>
+          </p:cNvSpPr>
+          <p:nvPr>
+            <p:ph type="title"/>
+          </p:nvPr>
+        </p:nvSpPr>
+        <p:spPr/>
+        <p:txBody>
+          <a:bodyPr/>
+          <a:lstStyle/>
+          <a:p>
+            <a:r>
+              <a:rPr lang="en-GB"/>
+              <a:t>Click to edit Master title style</a:t>
+            </a:r>
+            <a:endParaRPr lang="it-IT"/>
+          </a:p>
+        </p:txBody>
+      </p:sp>
+      <p:sp>
+        <p:nvSpPr>
+          <p:cNvPr id="3" name="Segnaposto testo verticale 2"/>
+          <p:cNvSpPr>
+            <a:spLocks noGrp="1"/>
+          </p:cNvSpPr>
+          <p:nvPr>
+            <p:ph type="body" orient="vert" idx="1"/>
+          </p:nvPr>
+        </p:nvSpPr>
+        <p:spPr/>
+        <p:txBody>
+          <a:bodyPr vert="eaVert"/>
+          <a:lstStyle/>
+          <a:p>
+            <a:pPr lvl="0"/>
+            <a:r>
+              <a:rPr lang="en-GB"/>
+              <a:t>Click to edit Master text styles</a:t>
+            </a:r>
+          </a:p>
+          <a:p>
+            <a:pPr lvl="1"/>
+            <a:r>
+              <a:rPr lang="en-GB"/>
+              <a:t>Second level</a:t>
+            </a:r>
+          </a:p>
+          <a:p>
+            <a:pPr lvl="2"/>
+            <a:r>
+              <a:rPr lang="en-GB"/>
+              <a:t>Third level</a:t>
+            </a:r>
+          </a:p>
+          <a:p>
+            <a:pPr lvl="3"/>
+            <a:r>
+              <a:rPr lang="en-GB"/>
+              <a:t>Fourth level</a:t>
+            </a:r>
+          </a:p>
+          <a:p>
+            <a:pPr lvl="4"/>
+            <a:r>
+              <a:rPr lang="en-GB"/>
+              <a:t>Fifth level</a:t>
+            </a:r>
+            <a:endParaRPr lang="it-IT"/>
+          </a:p>
+        </p:txBody>
+      </p:sp>
+      <p:sp>
+        <p:nvSpPr>
+          <p:cNvPr id="4" name="Rectangle 4">
+            <a:extLst>
+              <a:ext uri="{FF2B5EF4-FFF2-40B4-BE49-F238E27FC236}">
+                <a16:creationId xmlns:a16="http://schemas.microsoft.com/office/drawing/2014/main" id="{5486F16B-0B58-45B6-9061-CA60B6CB76B3}"/>
+              </a:ext>
+            </a:extLst>
+          </p:cNvPr>
+          <p:cNvSpPr>
+            <a:spLocks noGrp="1" noChangeArrowheads="1"/>
+          </p:cNvSpPr>
+          <p:nvPr>
+            <p:ph type="dt" sz="half" idx="10"/>
+          </p:nvPr>
+        </p:nvSpPr>
+        <p:spPr>
+          <a:ln/>
+        </p:spPr>
+        <p:txBody>
+          <a:bodyPr/>
+          <a:lstStyle>
+            <a:lvl1pPr>
+              <a:defRPr/>
+            </a:lvl1pPr>
+          </a:lstStyle>
+          <a:p>
+            <a:pPr>
+              <a:defRPr/>
+            </a:pPr>
+            <a:r>
+              <a:rPr lang="it-IT" altLang="it-IT"/>
+              <a:t>last update: Oct 2023</a:t>
+            </a:r>
+          </a:p>
+        </p:txBody>
+      </p:sp>
+      <p:sp>
+        <p:nvSpPr>
+          <p:cNvPr id="5" name="Rectangle 5">
+            <a:extLst>
+              <a:ext uri="{FF2B5EF4-FFF2-40B4-BE49-F238E27FC236}">
+                <a16:creationId xmlns:a16="http://schemas.microsoft.com/office/drawing/2014/main" id="{2D754CCF-D619-4891-8E0C-E8A44AB624BA}"/>
+              </a:ext>
+            </a:extLst>
+          </p:cNvPr>
+          <p:cNvSpPr>
+            <a:spLocks noGrp="1" noChangeArrowheads="1"/>
+          </p:cNvSpPr>
+          <p:nvPr>
+            <p:ph type="ftr" sz="quarter" idx="11"/>
+          </p:nvPr>
+        </p:nvSpPr>
+        <p:spPr>
+          <a:ln/>
+        </p:spPr>
+        <p:txBody>
+          <a:bodyPr/>
+          <a:lstStyle>
+            <a:lvl1pPr>
+              <a:defRPr/>
+            </a:lvl1pPr>
+          </a:lstStyle>
+          <a:p>
+            <a:pPr>
+              <a:defRPr/>
+            </a:pPr>
+            <a:r>
+              <a:rPr lang="it-IT" altLang="it-IT"/>
+              <a:t>Kathará - Introduction</a:t>
+            </a:r>
+          </a:p>
+        </p:txBody>
+      </p:sp>
+    </p:spTree>
+    <p:extLst>
+      <p:ext uri="{BB962C8B-B14F-4D97-AF65-F5344CB8AC3E}">
+        <p14:creationId xmlns:p14="http://schemas.microsoft.com/office/powerpoint/2010/main" val="1396277776"/>
+      </p:ext>
+    </p:extLst>
+  </p:cSld>
+  <p:clrMapOvr>
+    <a:masterClrMapping/>
+  </p:clrMapOvr>
+</p:sldLayout>
+</file>
+
+<file path=ppt/slideLayouts/slideLayout37.xml><?xml version="1.0" encoding="utf-8"?>
+<p:sldLayout xmlns:a="http://schemas.openxmlformats.org/drawingml/2006/main" xmlns:r="http://schemas.openxmlformats.org/officeDocument/2006/relationships" xmlns:p="http://schemas.openxmlformats.org/presentationml/2006/main" type="vertTitleAndTx" preserve="1">
+  <p:cSld name="1_Titolo e testo verticale">
+    <p:spTree>
+      <p:nvGrpSpPr>
+        <p:cNvPr id="1" name=""/>
+        <p:cNvGrpSpPr/>
+        <p:nvPr/>
+      </p:nvGrpSpPr>
+      <p:grpSpPr>
+        <a:xfrm>
+          <a:off x="0" y="0"/>
+          <a:ext cx="0" cy="0"/>
+          <a:chOff x="0" y="0"/>
+          <a:chExt cx="0" cy="0"/>
+        </a:xfrm>
+      </p:grpSpPr>
+      <p:sp>
+        <p:nvSpPr>
+          <p:cNvPr id="2" name="Titolo verticale 1"/>
+          <p:cNvSpPr>
+            <a:spLocks noGrp="1"/>
+          </p:cNvSpPr>
+          <p:nvPr>
+            <p:ph type="title" orient="vert"/>
+          </p:nvPr>
+        </p:nvSpPr>
+        <p:spPr>
+          <a:xfrm>
+            <a:off x="8839200" y="274641"/>
+            <a:ext cx="2743200" cy="5851525"/>
+          </a:xfrm>
+        </p:spPr>
+        <p:txBody>
+          <a:bodyPr vert="eaVert"/>
+          <a:lstStyle/>
+          <a:p>
+            <a:r>
+              <a:rPr lang="en-GB"/>
+              <a:t>Click to edit Master title style</a:t>
+            </a:r>
+            <a:endParaRPr lang="it-IT"/>
+          </a:p>
+        </p:txBody>
+      </p:sp>
+      <p:sp>
+        <p:nvSpPr>
+          <p:cNvPr id="3" name="Segnaposto testo verticale 2"/>
+          <p:cNvSpPr>
+            <a:spLocks noGrp="1"/>
+          </p:cNvSpPr>
+          <p:nvPr>
+            <p:ph type="body" orient="vert" idx="1"/>
+          </p:nvPr>
+        </p:nvSpPr>
+        <p:spPr>
+          <a:xfrm>
+            <a:off x="609601" y="274641"/>
+            <a:ext cx="8042031" cy="5851525"/>
+          </a:xfrm>
+        </p:spPr>
+        <p:txBody>
+          <a:bodyPr vert="eaVert"/>
+          <a:lstStyle/>
+          <a:p>
+            <a:pPr lvl="0"/>
+            <a:r>
+              <a:rPr lang="en-GB"/>
+              <a:t>Click to edit Master text styles</a:t>
+            </a:r>
+          </a:p>
+          <a:p>
+            <a:pPr lvl="1"/>
+            <a:r>
+              <a:rPr lang="en-GB"/>
+              <a:t>Second level</a:t>
+            </a:r>
+          </a:p>
+          <a:p>
+            <a:pPr lvl="2"/>
+            <a:r>
+              <a:rPr lang="en-GB"/>
+              <a:t>Third level</a:t>
+            </a:r>
+          </a:p>
+          <a:p>
+            <a:pPr lvl="3"/>
+            <a:r>
+              <a:rPr lang="en-GB"/>
+              <a:t>Fourth level</a:t>
+            </a:r>
+          </a:p>
+          <a:p>
+            <a:pPr lvl="4"/>
+            <a:r>
+              <a:rPr lang="en-GB"/>
+              <a:t>Fifth level</a:t>
+            </a:r>
+            <a:endParaRPr lang="it-IT"/>
+          </a:p>
+        </p:txBody>
+      </p:sp>
+      <p:sp>
+        <p:nvSpPr>
+          <p:cNvPr id="4" name="Rectangle 4">
+            <a:extLst>
+              <a:ext uri="{FF2B5EF4-FFF2-40B4-BE49-F238E27FC236}">
+                <a16:creationId xmlns:a16="http://schemas.microsoft.com/office/drawing/2014/main" id="{06ABEC1F-57AF-4AF1-B41E-3F8C58106046}"/>
+              </a:ext>
+            </a:extLst>
+          </p:cNvPr>
+          <p:cNvSpPr>
+            <a:spLocks noGrp="1" noChangeArrowheads="1"/>
+          </p:cNvSpPr>
+          <p:nvPr>
+            <p:ph type="dt" sz="half" idx="10"/>
+          </p:nvPr>
+        </p:nvSpPr>
+        <p:spPr>
+          <a:ln/>
+        </p:spPr>
+        <p:txBody>
+          <a:bodyPr/>
+          <a:lstStyle>
+            <a:lvl1pPr>
+              <a:defRPr/>
+            </a:lvl1pPr>
+          </a:lstStyle>
+          <a:p>
+            <a:pPr>
+              <a:defRPr/>
+            </a:pPr>
+            <a:r>
+              <a:rPr lang="it-IT" altLang="it-IT"/>
+              <a:t>last update: Oct 2023</a:t>
+            </a:r>
+          </a:p>
+        </p:txBody>
+      </p:sp>
+      <p:sp>
+        <p:nvSpPr>
+          <p:cNvPr id="5" name="Rectangle 5">
+            <a:extLst>
+              <a:ext uri="{FF2B5EF4-FFF2-40B4-BE49-F238E27FC236}">
+                <a16:creationId xmlns:a16="http://schemas.microsoft.com/office/drawing/2014/main" id="{CAC44205-C96E-4D3D-B0E4-CEBDE5B2D649}"/>
+              </a:ext>
+            </a:extLst>
+          </p:cNvPr>
+          <p:cNvSpPr>
+            <a:spLocks noGrp="1" noChangeArrowheads="1"/>
+          </p:cNvSpPr>
+          <p:nvPr>
+            <p:ph type="ftr" sz="quarter" idx="11"/>
+          </p:nvPr>
+        </p:nvSpPr>
+        <p:spPr>
+          <a:ln/>
+        </p:spPr>
+        <p:txBody>
+          <a:bodyPr/>
+          <a:lstStyle>
+            <a:lvl1pPr>
+              <a:defRPr/>
+            </a:lvl1pPr>
+          </a:lstStyle>
+          <a:p>
+            <a:pPr>
+              <a:defRPr/>
+            </a:pPr>
+            <a:r>
+              <a:rPr lang="it-IT" altLang="it-IT"/>
+              <a:t>Kathará - Introduction</a:t>
+            </a:r>
+          </a:p>
+        </p:txBody>
+      </p:sp>
+    </p:spTree>
+    <p:extLst>
+      <p:ext uri="{BB962C8B-B14F-4D97-AF65-F5344CB8AC3E}">
+        <p14:creationId xmlns:p14="http://schemas.microsoft.com/office/powerpoint/2010/main" val="468076694"/>
       </p:ext>
     </p:extLst>
   </p:cSld>
@@ -5960,7 +8139,7 @@
             </a:pPr>
             <a:r>
               <a:rPr lang="it-IT" altLang="it-IT"/>
-              <a:t>last update: Nov 2019</a:t>
+              <a:t>last update: Oct 2023</a:t>
             </a:r>
           </a:p>
         </p:txBody>
@@ -5997,7 +8176,7 @@
             </a:pPr>
             <a:r>
               <a:rPr lang="it-IT" altLang="it-IT"/>
-              <a:t>kathara – [ lab: webserver ]</a:t>
+              <a:t>Kathará - Introduction</a:t>
             </a:r>
           </a:p>
         </p:txBody>
@@ -6257,7 +8436,7 @@
             </a:pPr>
             <a:r>
               <a:rPr lang="it-IT" altLang="it-IT"/>
-              <a:t>last update: Nov 2019</a:t>
+              <a:t>last update: Oct 2023</a:t>
             </a:r>
           </a:p>
         </p:txBody>
@@ -6294,7 +8473,7 @@
             </a:pPr>
             <a:r>
               <a:rPr lang="it-IT" altLang="it-IT"/>
-              <a:t>kathara – [ lab: webserver ]</a:t>
+              <a:t>Kathará - Introduction</a:t>
             </a:r>
           </a:p>
         </p:txBody>
@@ -6688,7 +8867,7 @@
             </a:pPr>
             <a:r>
               <a:rPr lang="it-IT" altLang="it-IT"/>
-              <a:t>last update: Nov 2019</a:t>
+              <a:t>last update: Oct 2023</a:t>
             </a:r>
           </a:p>
         </p:txBody>
@@ -6725,7 +8904,7 @@
             </a:pPr>
             <a:r>
               <a:rPr lang="it-IT" altLang="it-IT"/>
-              <a:t>kathara – [ lab: webserver ]</a:t>
+              <a:t>Kathará - Introduction</a:t>
             </a:r>
           </a:p>
         </p:txBody>
@@ -6815,7 +8994,7 @@
             </a:pPr>
             <a:r>
               <a:rPr lang="it-IT" altLang="it-IT"/>
-              <a:t>last update: Nov 2019</a:t>
+              <a:t>last update: Oct 2023</a:t>
             </a:r>
           </a:p>
         </p:txBody>
@@ -6852,7 +9031,7 @@
             </a:pPr>
             <a:r>
               <a:rPr lang="it-IT" altLang="it-IT"/>
-              <a:t>kathara – [ lab: webserver ]</a:t>
+              <a:t>Kathará - Introduction</a:t>
             </a:r>
           </a:p>
         </p:txBody>
@@ -6919,7 +9098,7 @@
             </a:pPr>
             <a:r>
               <a:rPr lang="it-IT" altLang="it-IT"/>
-              <a:t>last update: Nov 2019</a:t>
+              <a:t>last update: Oct 2023</a:t>
             </a:r>
           </a:p>
         </p:txBody>
@@ -6956,7 +9135,7 @@
             </a:pPr>
             <a:r>
               <a:rPr lang="it-IT" altLang="it-IT"/>
-              <a:t>kathara – [ lab: webserver ]</a:t>
+              <a:t>Kathará - Introduction</a:t>
             </a:r>
           </a:p>
         </p:txBody>
@@ -7205,7 +9384,7 @@
             </a:pPr>
             <a:r>
               <a:rPr lang="it-IT" altLang="it-IT"/>
-              <a:t>last update: Nov 2019</a:t>
+              <a:t>last update: Oct 2023</a:t>
             </a:r>
           </a:p>
         </p:txBody>
@@ -7242,7 +9421,7 @@
             </a:pPr>
             <a:r>
               <a:rPr lang="it-IT" altLang="it-IT"/>
-              <a:t>kathara – [ lab: webserver ]</a:t>
+              <a:t>Kathará - Introduction</a:t>
             </a:r>
           </a:p>
         </p:txBody>
@@ -7493,7 +9672,7 @@
             </a:pPr>
             <a:r>
               <a:rPr lang="it-IT" altLang="it-IT"/>
-              <a:t>last update: Nov 2019</a:t>
+              <a:t>last update: Oct 2023</a:t>
             </a:r>
           </a:p>
         </p:txBody>
@@ -7550,7 +9729,7 @@
             </a:pPr>
             <a:r>
               <a:rPr lang="it-IT" altLang="it-IT"/>
-              <a:t>kathara – [ lab: webserver ]</a:t>
+              <a:t>Kathará - Introduction</a:t>
             </a:r>
           </a:p>
         </p:txBody>
@@ -8366,7 +10545,7 @@
             </a:pPr>
             <a:r>
               <a:rPr lang="it-IT"/>
-              <a:t>last update: Nov 2019</a:t>
+              <a:t>last update: Oct 2023</a:t>
             </a:r>
           </a:p>
         </p:txBody>
@@ -9009,6 +11188,925 @@
 </p:sldMaster>
 </file>
 
+<file path=ppt/slideMasters/slideMaster3.xml><?xml version="1.0" encoding="utf-8"?>
+<p:sldMaster xmlns:a="http://schemas.openxmlformats.org/drawingml/2006/main" xmlns:r="http://schemas.openxmlformats.org/officeDocument/2006/relationships" xmlns:p="http://schemas.openxmlformats.org/presentationml/2006/main" preserve="1">
+  <p:cSld>
+    <p:bg>
+      <p:bgPr>
+        <a:solidFill>
+          <a:schemeClr val="bg1"/>
+        </a:solidFill>
+        <a:effectLst/>
+      </p:bgPr>
+    </p:bg>
+    <p:spTree>
+      <p:nvGrpSpPr>
+        <p:cNvPr id="1" name=""/>
+        <p:cNvGrpSpPr/>
+        <p:nvPr/>
+      </p:nvGrpSpPr>
+      <p:grpSpPr>
+        <a:xfrm>
+          <a:off x="0" y="0"/>
+          <a:ext cx="0" cy="0"/>
+          <a:chOff x="0" y="0"/>
+          <a:chExt cx="0" cy="0"/>
+        </a:xfrm>
+      </p:grpSpPr>
+      <p:sp>
+        <p:nvSpPr>
+          <p:cNvPr id="1026" name="Rectangle 2">
+            <a:extLst>
+              <a:ext uri="{FF2B5EF4-FFF2-40B4-BE49-F238E27FC236}">
+                <a16:creationId xmlns:a16="http://schemas.microsoft.com/office/drawing/2014/main" id="{C44DAC59-5E6E-45D0-8524-3E061722C9EC}"/>
+              </a:ext>
+            </a:extLst>
+          </p:cNvPr>
+          <p:cNvSpPr>
+            <a:spLocks noGrp="1" noChangeArrowheads="1"/>
+          </p:cNvSpPr>
+          <p:nvPr>
+            <p:ph type="title"/>
+          </p:nvPr>
+        </p:nvSpPr>
+        <p:spPr bwMode="auto">
+          <a:xfrm>
+            <a:off x="609600" y="116632"/>
+            <a:ext cx="10972800" cy="1143000"/>
+          </a:xfrm>
+          <a:prstGeom prst="rect">
+            <a:avLst/>
+          </a:prstGeom>
+          <a:noFill/>
+          <a:ln>
+            <a:noFill/>
+          </a:ln>
+          <a:extLst>
+            <a:ext uri="{909E8E84-426E-40DD-AFC4-6F175D3DCCD1}">
+              <a14:hiddenFill xmlns:a14="http://schemas.microsoft.com/office/drawing/2010/main">
+                <a:solidFill>
+                  <a:srgbClr val="FFFFFF"/>
+                </a:solidFill>
+              </a14:hiddenFill>
+            </a:ext>
+            <a:ext uri="{91240B29-F687-4F45-9708-019B960494DF}">
+              <a14:hiddenLine xmlns:a14="http://schemas.microsoft.com/office/drawing/2010/main" w="9525">
+                <a:solidFill>
+                  <a:srgbClr val="000000"/>
+                </a:solidFill>
+                <a:miter lim="800000"/>
+                <a:headEnd/>
+                <a:tailEnd/>
+              </a14:hiddenLine>
+            </a:ext>
+          </a:extLst>
+        </p:spPr>
+        <p:txBody>
+          <a:bodyPr vert="horz" wrap="square" lIns="91440" tIns="45720" rIns="91440" bIns="45720" numCol="1" anchor="ctr" anchorCtr="0" compatLnSpc="1">
+            <a:prstTxWarp prst="textNoShape">
+              <a:avLst/>
+            </a:prstTxWarp>
+          </a:bodyPr>
+          <a:lstStyle/>
+          <a:p>
+            <a:pPr lvl="0"/>
+            <a:r>
+              <a:rPr lang="it-IT" altLang="it-IT" dirty="0"/>
+              <a:t>Fare clic per modificare lo stile del titolo</a:t>
+            </a:r>
+          </a:p>
+        </p:txBody>
+      </p:sp>
+      <p:sp>
+        <p:nvSpPr>
+          <p:cNvPr id="1027" name="Rectangle 3">
+            <a:extLst>
+              <a:ext uri="{FF2B5EF4-FFF2-40B4-BE49-F238E27FC236}">
+                <a16:creationId xmlns:a16="http://schemas.microsoft.com/office/drawing/2014/main" id="{7F11B519-1465-43CA-9B06-0B1C84B88C96}"/>
+              </a:ext>
+            </a:extLst>
+          </p:cNvPr>
+          <p:cNvSpPr>
+            <a:spLocks noGrp="1" noChangeArrowheads="1"/>
+          </p:cNvSpPr>
+          <p:nvPr>
+            <p:ph type="body" idx="1"/>
+          </p:nvPr>
+        </p:nvSpPr>
+        <p:spPr bwMode="auto">
+          <a:xfrm>
+            <a:off x="609600" y="1412777"/>
+            <a:ext cx="10972800" cy="4713390"/>
+          </a:xfrm>
+          <a:prstGeom prst="rect">
+            <a:avLst/>
+          </a:prstGeom>
+          <a:noFill/>
+          <a:ln>
+            <a:noFill/>
+          </a:ln>
+          <a:extLst>
+            <a:ext uri="{909E8E84-426E-40DD-AFC4-6F175D3DCCD1}">
+              <a14:hiddenFill xmlns:a14="http://schemas.microsoft.com/office/drawing/2010/main">
+                <a:solidFill>
+                  <a:srgbClr val="FFFFFF"/>
+                </a:solidFill>
+              </a14:hiddenFill>
+            </a:ext>
+            <a:ext uri="{91240B29-F687-4F45-9708-019B960494DF}">
+              <a14:hiddenLine xmlns:a14="http://schemas.microsoft.com/office/drawing/2010/main" w="9525">
+                <a:solidFill>
+                  <a:srgbClr val="000000"/>
+                </a:solidFill>
+                <a:miter lim="800000"/>
+                <a:headEnd/>
+                <a:tailEnd/>
+              </a14:hiddenLine>
+            </a:ext>
+          </a:extLst>
+        </p:spPr>
+        <p:txBody>
+          <a:bodyPr vert="horz" wrap="square" lIns="91440" tIns="45720" rIns="91440" bIns="45720" numCol="1" anchor="t" anchorCtr="0" compatLnSpc="1">
+            <a:prstTxWarp prst="textNoShape">
+              <a:avLst/>
+            </a:prstTxWarp>
+          </a:bodyPr>
+          <a:lstStyle/>
+          <a:p>
+            <a:pPr lvl="0"/>
+            <a:r>
+              <a:rPr lang="it-IT" altLang="it-IT" dirty="0"/>
+              <a:t>Fare clic per modificare gli stili del testo dello schema</a:t>
+            </a:r>
+          </a:p>
+          <a:p>
+            <a:pPr lvl="1"/>
+            <a:r>
+              <a:rPr lang="it-IT" altLang="it-IT" dirty="0"/>
+              <a:t>Secondo livello</a:t>
+            </a:r>
+          </a:p>
+          <a:p>
+            <a:pPr lvl="2"/>
+            <a:r>
+              <a:rPr lang="it-IT" altLang="it-IT" dirty="0"/>
+              <a:t>Terzo livello</a:t>
+            </a:r>
+          </a:p>
+          <a:p>
+            <a:pPr lvl="3"/>
+            <a:r>
+              <a:rPr lang="it-IT" altLang="it-IT" dirty="0"/>
+              <a:t>Quarto livello</a:t>
+            </a:r>
+          </a:p>
+          <a:p>
+            <a:pPr lvl="4"/>
+            <a:r>
+              <a:rPr lang="it-IT" altLang="it-IT" dirty="0"/>
+              <a:t>Quinto livello</a:t>
+            </a:r>
+          </a:p>
+        </p:txBody>
+      </p:sp>
+      <p:sp>
+        <p:nvSpPr>
+          <p:cNvPr id="303108" name="Rectangle 4">
+            <a:extLst>
+              <a:ext uri="{FF2B5EF4-FFF2-40B4-BE49-F238E27FC236}">
+                <a16:creationId xmlns:a16="http://schemas.microsoft.com/office/drawing/2014/main" id="{9F6A8ACC-B973-483A-9EBB-30DD75AA7EB2}"/>
+              </a:ext>
+            </a:extLst>
+          </p:cNvPr>
+          <p:cNvSpPr>
+            <a:spLocks noGrp="1" noChangeArrowheads="1"/>
+          </p:cNvSpPr>
+          <p:nvPr>
+            <p:ph type="dt" sz="half" idx="2"/>
+          </p:nvPr>
+        </p:nvSpPr>
+        <p:spPr bwMode="auto">
+          <a:xfrm>
+            <a:off x="9265138" y="6453191"/>
+            <a:ext cx="2782277" cy="333375"/>
+          </a:xfrm>
+          <a:prstGeom prst="rect">
+            <a:avLst/>
+          </a:prstGeom>
+          <a:noFill/>
+          <a:ln w="9525">
+            <a:noFill/>
+            <a:miter lim="800000"/>
+            <a:headEnd/>
+            <a:tailEnd/>
+          </a:ln>
+          <a:effectLst/>
+        </p:spPr>
+        <p:txBody>
+          <a:bodyPr vert="horz" wrap="square" lIns="91440" tIns="45720" rIns="91440" bIns="45720" numCol="1" anchor="t" anchorCtr="0" compatLnSpc="1">
+            <a:prstTxWarp prst="textNoShape">
+              <a:avLst/>
+            </a:prstTxWarp>
+          </a:bodyPr>
+          <a:lstStyle>
+            <a:lvl1pPr algn="r" eaLnBrk="1" hangingPunct="1">
+              <a:defRPr sz="1400" dirty="0">
+                <a:latin typeface="+mn-lt"/>
+              </a:defRPr>
+            </a:lvl1pPr>
+          </a:lstStyle>
+          <a:p>
+            <a:pPr>
+              <a:defRPr/>
+            </a:pPr>
+            <a:r>
+              <a:rPr lang="it-IT" altLang="it-IT"/>
+              <a:t>last update: Oct 2023</a:t>
+            </a:r>
+          </a:p>
+        </p:txBody>
+      </p:sp>
+      <p:sp>
+        <p:nvSpPr>
+          <p:cNvPr id="303109" name="Rectangle 5">
+            <a:extLst>
+              <a:ext uri="{FF2B5EF4-FFF2-40B4-BE49-F238E27FC236}">
+                <a16:creationId xmlns:a16="http://schemas.microsoft.com/office/drawing/2014/main" id="{6276769E-8AF7-4AB3-B25A-CA8C5C6A001F}"/>
+              </a:ext>
+            </a:extLst>
+          </p:cNvPr>
+          <p:cNvSpPr>
+            <a:spLocks noGrp="1" noChangeArrowheads="1"/>
+          </p:cNvSpPr>
+          <p:nvPr>
+            <p:ph type="ftr" sz="quarter" idx="3"/>
+          </p:nvPr>
+        </p:nvSpPr>
+        <p:spPr bwMode="auto">
+          <a:xfrm>
+            <a:off x="3120295" y="6453191"/>
+            <a:ext cx="5951415" cy="333375"/>
+          </a:xfrm>
+          <a:prstGeom prst="rect">
+            <a:avLst/>
+          </a:prstGeom>
+          <a:noFill/>
+          <a:ln w="9525">
+            <a:noFill/>
+            <a:miter lim="800000"/>
+            <a:headEnd/>
+            <a:tailEnd/>
+          </a:ln>
+          <a:effectLst/>
+        </p:spPr>
+        <p:txBody>
+          <a:bodyPr vert="horz" wrap="square" lIns="91440" tIns="45720" rIns="91440" bIns="45720" numCol="1" anchor="t" anchorCtr="0" compatLnSpc="1">
+            <a:prstTxWarp prst="textNoShape">
+              <a:avLst/>
+            </a:prstTxWarp>
+          </a:bodyPr>
+          <a:lstStyle>
+            <a:lvl1pPr algn="ctr" eaLnBrk="1" hangingPunct="1">
+              <a:defRPr sz="1400" dirty="0" err="1">
+                <a:latin typeface="+mn-lt"/>
+              </a:defRPr>
+            </a:lvl1pPr>
+          </a:lstStyle>
+          <a:p>
+            <a:pPr>
+              <a:defRPr/>
+            </a:pPr>
+            <a:r>
+              <a:rPr lang="it-IT" altLang="it-IT"/>
+              <a:t>Kathará - Introduction</a:t>
+            </a:r>
+          </a:p>
+        </p:txBody>
+      </p:sp>
+      <p:sp>
+        <p:nvSpPr>
+          <p:cNvPr id="1030" name="Rectangle 6">
+            <a:extLst>
+              <a:ext uri="{FF2B5EF4-FFF2-40B4-BE49-F238E27FC236}">
+                <a16:creationId xmlns:a16="http://schemas.microsoft.com/office/drawing/2014/main" id="{053844C4-97BD-413F-90CB-BB662D34AACA}"/>
+              </a:ext>
+            </a:extLst>
+          </p:cNvPr>
+          <p:cNvSpPr>
+            <a:spLocks noChangeArrowheads="1"/>
+          </p:cNvSpPr>
+          <p:nvPr/>
+        </p:nvSpPr>
+        <p:spPr bwMode="auto">
+          <a:xfrm>
+            <a:off x="144584" y="6453191"/>
+            <a:ext cx="2279007" cy="333375"/>
+          </a:xfrm>
+          <a:prstGeom prst="rect">
+            <a:avLst/>
+          </a:prstGeom>
+          <a:noFill/>
+          <a:ln>
+            <a:noFill/>
+          </a:ln>
+          <a:extLst>
+            <a:ext uri="{909E8E84-426E-40DD-AFC4-6F175D3DCCD1}">
+              <a14:hiddenFill xmlns:a14="http://schemas.microsoft.com/office/drawing/2010/main">
+                <a:solidFill>
+                  <a:srgbClr val="FFFFFF"/>
+                </a:solidFill>
+              </a14:hiddenFill>
+            </a:ext>
+            <a:ext uri="{91240B29-F687-4F45-9708-019B960494DF}">
+              <a14:hiddenLine xmlns:a14="http://schemas.microsoft.com/office/drawing/2010/main" w="9525">
+                <a:solidFill>
+                  <a:srgbClr val="000000"/>
+                </a:solidFill>
+                <a:miter lim="800000"/>
+                <a:headEnd/>
+                <a:tailEnd/>
+              </a14:hiddenLine>
+            </a:ext>
+          </a:extLst>
+        </p:spPr>
+        <p:txBody>
+          <a:bodyPr/>
+          <a:lstStyle>
+            <a:lvl1pPr>
+              <a:defRPr>
+                <a:solidFill>
+                  <a:schemeClr val="tx1"/>
+                </a:solidFill>
+                <a:latin typeface="Arial" panose="020B0604020202020204" pitchFamily="34" charset="0"/>
+              </a:defRPr>
+            </a:lvl1pPr>
+            <a:lvl2pPr marL="742950" indent="-285750">
+              <a:defRPr>
+                <a:solidFill>
+                  <a:schemeClr val="tx1"/>
+                </a:solidFill>
+                <a:latin typeface="Arial" panose="020B0604020202020204" pitchFamily="34" charset="0"/>
+              </a:defRPr>
+            </a:lvl2pPr>
+            <a:lvl3pPr marL="1143000" indent="-228600">
+              <a:defRPr>
+                <a:solidFill>
+                  <a:schemeClr val="tx1"/>
+                </a:solidFill>
+                <a:latin typeface="Arial" panose="020B0604020202020204" pitchFamily="34" charset="0"/>
+              </a:defRPr>
+            </a:lvl3pPr>
+            <a:lvl4pPr marL="1600200" indent="-228600">
+              <a:defRPr>
+                <a:solidFill>
+                  <a:schemeClr val="tx1"/>
+                </a:solidFill>
+                <a:latin typeface="Arial" panose="020B0604020202020204" pitchFamily="34" charset="0"/>
+              </a:defRPr>
+            </a:lvl4pPr>
+            <a:lvl5pPr marL="2057400" indent="-228600">
+              <a:defRPr>
+                <a:solidFill>
+                  <a:schemeClr val="tx1"/>
+                </a:solidFill>
+                <a:latin typeface="Arial" panose="020B0604020202020204" pitchFamily="34" charset="0"/>
+              </a:defRPr>
+            </a:lvl5pPr>
+            <a:lvl6pPr marL="2514600" indent="-228600" eaLnBrk="0" fontAlgn="base" hangingPunct="0">
+              <a:spcBef>
+                <a:spcPct val="0"/>
+              </a:spcBef>
+              <a:spcAft>
+                <a:spcPct val="0"/>
+              </a:spcAft>
+              <a:defRPr>
+                <a:solidFill>
+                  <a:schemeClr val="tx1"/>
+                </a:solidFill>
+                <a:latin typeface="Arial" panose="020B0604020202020204" pitchFamily="34" charset="0"/>
+              </a:defRPr>
+            </a:lvl6pPr>
+            <a:lvl7pPr marL="2971800" indent="-228600" eaLnBrk="0" fontAlgn="base" hangingPunct="0">
+              <a:spcBef>
+                <a:spcPct val="0"/>
+              </a:spcBef>
+              <a:spcAft>
+                <a:spcPct val="0"/>
+              </a:spcAft>
+              <a:defRPr>
+                <a:solidFill>
+                  <a:schemeClr val="tx1"/>
+                </a:solidFill>
+                <a:latin typeface="Arial" panose="020B0604020202020204" pitchFamily="34" charset="0"/>
+              </a:defRPr>
+            </a:lvl7pPr>
+            <a:lvl8pPr marL="3429000" indent="-228600" eaLnBrk="0" fontAlgn="base" hangingPunct="0">
+              <a:spcBef>
+                <a:spcPct val="0"/>
+              </a:spcBef>
+              <a:spcAft>
+                <a:spcPct val="0"/>
+              </a:spcAft>
+              <a:defRPr>
+                <a:solidFill>
+                  <a:schemeClr val="tx1"/>
+                </a:solidFill>
+                <a:latin typeface="Arial" panose="020B0604020202020204" pitchFamily="34" charset="0"/>
+              </a:defRPr>
+            </a:lvl8pPr>
+            <a:lvl9pPr marL="3886200" indent="-228600" eaLnBrk="0" fontAlgn="base" hangingPunct="0">
+              <a:spcBef>
+                <a:spcPct val="0"/>
+              </a:spcBef>
+              <a:spcAft>
+                <a:spcPct val="0"/>
+              </a:spcAft>
+              <a:defRPr>
+                <a:solidFill>
+                  <a:schemeClr val="tx1"/>
+                </a:solidFill>
+                <a:latin typeface="Arial" panose="020B0604020202020204" pitchFamily="34" charset="0"/>
+              </a:defRPr>
+            </a:lvl9pPr>
+          </a:lstStyle>
+          <a:p>
+            <a:pPr eaLnBrk="1" hangingPunct="1">
+              <a:lnSpc>
+                <a:spcPct val="90000"/>
+              </a:lnSpc>
+            </a:pPr>
+            <a:r>
+              <a:rPr lang="en-US" altLang="it-IT" sz="900" dirty="0">
+                <a:solidFill>
+                  <a:schemeClr val="bg2"/>
+                </a:solidFill>
+                <a:cs typeface="Arial" panose="020B0604020202020204" pitchFamily="34" charset="0"/>
+              </a:rPr>
+              <a:t>© Computer Networks Research Group Roma Tre</a:t>
+            </a:r>
+          </a:p>
+        </p:txBody>
+      </p:sp>
+      <p:pic>
+        <p:nvPicPr>
+          <p:cNvPr id="3" name="Picture 2" descr="A group of cubes with different colors&#10;&#10;Description automatically generated">
+            <a:extLst>
+              <a:ext uri="{FF2B5EF4-FFF2-40B4-BE49-F238E27FC236}">
+                <a16:creationId xmlns:a16="http://schemas.microsoft.com/office/drawing/2014/main" id="{04BC26E2-2780-755F-DAB8-E568CC768E79}"/>
+              </a:ext>
+            </a:extLst>
+          </p:cNvPr>
+          <p:cNvPicPr>
+            <a:picLocks noChangeAspect="1"/>
+          </p:cNvPicPr>
+          <p:nvPr/>
+        </p:nvPicPr>
+        <p:blipFill>
+          <a:blip r:embed="rId13">
+            <a:extLst>
+              <a:ext uri="{28A0092B-C50C-407E-A947-70E740481C1C}">
+                <a14:useLocalDpi xmlns:a14="http://schemas.microsoft.com/office/drawing/2010/main" val="0"/>
+              </a:ext>
+            </a:extLst>
+          </a:blip>
+          <a:stretch>
+            <a:fillRect/>
+          </a:stretch>
+        </p:blipFill>
+        <p:spPr>
+          <a:xfrm>
+            <a:off x="223458" y="200174"/>
+            <a:ext cx="1264030" cy="852562"/>
+          </a:xfrm>
+          <a:prstGeom prst="rect">
+            <a:avLst/>
+          </a:prstGeom>
+        </p:spPr>
+      </p:pic>
+    </p:spTree>
+    <p:extLst>
+      <p:ext uri="{BB962C8B-B14F-4D97-AF65-F5344CB8AC3E}">
+        <p14:creationId xmlns:p14="http://schemas.microsoft.com/office/powerpoint/2010/main" val="357828379"/>
+      </p:ext>
+    </p:extLst>
+  </p:cSld>
+  <p:clrMap bg1="lt1" tx1="dk1" bg2="lt2" tx2="dk2" accent1="accent1" accent2="accent2" accent3="accent3" accent4="accent4" accent5="accent5" accent6="accent6" hlink="hlink" folHlink="folHlink"/>
+  <p:sldLayoutIdLst>
+    <p:sldLayoutId id="2147483726" r:id="rId1"/>
+    <p:sldLayoutId id="2147483727" r:id="rId2"/>
+    <p:sldLayoutId id="2147483728" r:id="rId3"/>
+    <p:sldLayoutId id="2147483729" r:id="rId4"/>
+    <p:sldLayoutId id="2147483730" r:id="rId5"/>
+    <p:sldLayoutId id="2147483731" r:id="rId6"/>
+    <p:sldLayoutId id="2147483732" r:id="rId7"/>
+    <p:sldLayoutId id="2147483733" r:id="rId8"/>
+    <p:sldLayoutId id="2147483734" r:id="rId9"/>
+    <p:sldLayoutId id="2147483735" r:id="rId10"/>
+    <p:sldLayoutId id="2147483736" r:id="rId11"/>
+  </p:sldLayoutIdLst>
+  <p:hf sldNum="0" hdr="0"/>
+  <p:txStyles>
+    <p:titleStyle>
+      <a:lvl1pPr algn="ctr" rtl="0" eaLnBrk="1" fontAlgn="base" hangingPunct="1">
+        <a:spcBef>
+          <a:spcPct val="0"/>
+        </a:spcBef>
+        <a:spcAft>
+          <a:spcPct val="0"/>
+        </a:spcAft>
+        <a:defRPr sz="4401">
+          <a:solidFill>
+            <a:schemeClr val="tx2"/>
+          </a:solidFill>
+          <a:latin typeface="+mj-lt"/>
+          <a:ea typeface="+mj-ea"/>
+          <a:cs typeface="+mj-cs"/>
+        </a:defRPr>
+      </a:lvl1pPr>
+      <a:lvl2pPr algn="ctr" rtl="0" eaLnBrk="1" fontAlgn="base" hangingPunct="1">
+        <a:spcBef>
+          <a:spcPct val="0"/>
+        </a:spcBef>
+        <a:spcAft>
+          <a:spcPct val="0"/>
+        </a:spcAft>
+        <a:defRPr sz="4401">
+          <a:solidFill>
+            <a:schemeClr val="tx2"/>
+          </a:solidFill>
+          <a:latin typeface="Tahoma" pitchFamily="34" charset="0"/>
+        </a:defRPr>
+      </a:lvl2pPr>
+      <a:lvl3pPr algn="ctr" rtl="0" eaLnBrk="1" fontAlgn="base" hangingPunct="1">
+        <a:spcBef>
+          <a:spcPct val="0"/>
+        </a:spcBef>
+        <a:spcAft>
+          <a:spcPct val="0"/>
+        </a:spcAft>
+        <a:defRPr sz="4401">
+          <a:solidFill>
+            <a:schemeClr val="tx2"/>
+          </a:solidFill>
+          <a:latin typeface="Tahoma" pitchFamily="34" charset="0"/>
+        </a:defRPr>
+      </a:lvl3pPr>
+      <a:lvl4pPr algn="ctr" rtl="0" eaLnBrk="1" fontAlgn="base" hangingPunct="1">
+        <a:spcBef>
+          <a:spcPct val="0"/>
+        </a:spcBef>
+        <a:spcAft>
+          <a:spcPct val="0"/>
+        </a:spcAft>
+        <a:defRPr sz="4401">
+          <a:solidFill>
+            <a:schemeClr val="tx2"/>
+          </a:solidFill>
+          <a:latin typeface="Tahoma" pitchFamily="34" charset="0"/>
+        </a:defRPr>
+      </a:lvl4pPr>
+      <a:lvl5pPr algn="ctr" rtl="0" eaLnBrk="1" fontAlgn="base" hangingPunct="1">
+        <a:spcBef>
+          <a:spcPct val="0"/>
+        </a:spcBef>
+        <a:spcAft>
+          <a:spcPct val="0"/>
+        </a:spcAft>
+        <a:defRPr sz="4401">
+          <a:solidFill>
+            <a:schemeClr val="tx2"/>
+          </a:solidFill>
+          <a:latin typeface="Tahoma" pitchFamily="34" charset="0"/>
+        </a:defRPr>
+      </a:lvl5pPr>
+      <a:lvl6pPr marL="457212" algn="ctr" rtl="0" eaLnBrk="1" fontAlgn="base" hangingPunct="1">
+        <a:spcBef>
+          <a:spcPct val="0"/>
+        </a:spcBef>
+        <a:spcAft>
+          <a:spcPct val="0"/>
+        </a:spcAft>
+        <a:defRPr sz="4401">
+          <a:solidFill>
+            <a:schemeClr val="tx2"/>
+          </a:solidFill>
+          <a:latin typeface="Tahoma" pitchFamily="34" charset="0"/>
+        </a:defRPr>
+      </a:lvl6pPr>
+      <a:lvl7pPr marL="914423" algn="ctr" rtl="0" eaLnBrk="1" fontAlgn="base" hangingPunct="1">
+        <a:spcBef>
+          <a:spcPct val="0"/>
+        </a:spcBef>
+        <a:spcAft>
+          <a:spcPct val="0"/>
+        </a:spcAft>
+        <a:defRPr sz="4401">
+          <a:solidFill>
+            <a:schemeClr val="tx2"/>
+          </a:solidFill>
+          <a:latin typeface="Tahoma" pitchFamily="34" charset="0"/>
+        </a:defRPr>
+      </a:lvl7pPr>
+      <a:lvl8pPr marL="1371634" algn="ctr" rtl="0" eaLnBrk="1" fontAlgn="base" hangingPunct="1">
+        <a:spcBef>
+          <a:spcPct val="0"/>
+        </a:spcBef>
+        <a:spcAft>
+          <a:spcPct val="0"/>
+        </a:spcAft>
+        <a:defRPr sz="4401">
+          <a:solidFill>
+            <a:schemeClr val="tx2"/>
+          </a:solidFill>
+          <a:latin typeface="Tahoma" pitchFamily="34" charset="0"/>
+        </a:defRPr>
+      </a:lvl8pPr>
+      <a:lvl9pPr marL="1828846" algn="ctr" rtl="0" eaLnBrk="1" fontAlgn="base" hangingPunct="1">
+        <a:spcBef>
+          <a:spcPct val="0"/>
+        </a:spcBef>
+        <a:spcAft>
+          <a:spcPct val="0"/>
+        </a:spcAft>
+        <a:defRPr sz="4401">
+          <a:solidFill>
+            <a:schemeClr val="tx2"/>
+          </a:solidFill>
+          <a:latin typeface="Tahoma" pitchFamily="34" charset="0"/>
+        </a:defRPr>
+      </a:lvl9pPr>
+    </p:titleStyle>
+    <p:bodyStyle>
+      <a:lvl1pPr marL="342908" indent="-342908" algn="l" rtl="0" eaLnBrk="1" fontAlgn="base" hangingPunct="1">
+        <a:spcBef>
+          <a:spcPct val="20000"/>
+        </a:spcBef>
+        <a:spcAft>
+          <a:spcPct val="0"/>
+        </a:spcAft>
+        <a:buClr>
+          <a:schemeClr val="tx2"/>
+        </a:buClr>
+        <a:buSzPct val="70000"/>
+        <a:buFont typeface="Wingdings" panose="05000000000000000000" pitchFamily="2" charset="2"/>
+        <a:buChar char="n"/>
+        <a:defRPr sz="3200">
+          <a:solidFill>
+            <a:schemeClr val="tx1"/>
+          </a:solidFill>
+          <a:latin typeface="+mn-lt"/>
+          <a:ea typeface="+mn-ea"/>
+          <a:cs typeface="+mn-cs"/>
+        </a:defRPr>
+      </a:lvl1pPr>
+      <a:lvl2pPr marL="742969" indent="-285757" algn="l" rtl="0" eaLnBrk="1" fontAlgn="base" hangingPunct="1">
+        <a:spcBef>
+          <a:spcPct val="20000"/>
+        </a:spcBef>
+        <a:spcAft>
+          <a:spcPct val="0"/>
+        </a:spcAft>
+        <a:buClr>
+          <a:schemeClr val="accent1"/>
+        </a:buClr>
+        <a:buSzPct val="70000"/>
+        <a:buFont typeface="Wingdings" panose="05000000000000000000" pitchFamily="2" charset="2"/>
+        <a:buChar char="n"/>
+        <a:defRPr sz="2800">
+          <a:solidFill>
+            <a:schemeClr val="tx1"/>
+          </a:solidFill>
+          <a:latin typeface="+mn-lt"/>
+        </a:defRPr>
+      </a:lvl2pPr>
+      <a:lvl3pPr marL="1143028" indent="-228606" algn="l" rtl="0" eaLnBrk="1" fontAlgn="base" hangingPunct="1">
+        <a:spcBef>
+          <a:spcPct val="20000"/>
+        </a:spcBef>
+        <a:spcAft>
+          <a:spcPct val="0"/>
+        </a:spcAft>
+        <a:buClr>
+          <a:srgbClr val="66CC00"/>
+        </a:buClr>
+        <a:buSzPct val="70000"/>
+        <a:buFont typeface="Wingdings" panose="05000000000000000000" pitchFamily="2" charset="2"/>
+        <a:buChar char="n"/>
+        <a:defRPr sz="2400">
+          <a:solidFill>
+            <a:schemeClr val="tx1"/>
+          </a:solidFill>
+          <a:latin typeface="+mn-lt"/>
+        </a:defRPr>
+      </a:lvl3pPr>
+      <a:lvl4pPr marL="1600240" indent="-228606" algn="l" rtl="0" eaLnBrk="1" fontAlgn="base" hangingPunct="1">
+        <a:spcBef>
+          <a:spcPct val="20000"/>
+        </a:spcBef>
+        <a:spcAft>
+          <a:spcPct val="0"/>
+        </a:spcAft>
+        <a:buSzPct val="70000"/>
+        <a:buFont typeface="Wingdings" panose="05000000000000000000" pitchFamily="2" charset="2"/>
+        <a:buChar char="l"/>
+        <a:defRPr sz="2000">
+          <a:solidFill>
+            <a:schemeClr val="tx1"/>
+          </a:solidFill>
+          <a:latin typeface="+mn-lt"/>
+        </a:defRPr>
+      </a:lvl4pPr>
+      <a:lvl5pPr marL="2057452" indent="-228606" algn="l" rtl="0" eaLnBrk="1" fontAlgn="base" hangingPunct="1">
+        <a:spcBef>
+          <a:spcPct val="20000"/>
+        </a:spcBef>
+        <a:spcAft>
+          <a:spcPct val="0"/>
+        </a:spcAft>
+        <a:buFont typeface="Arial" panose="020B0604020202020204" pitchFamily="34" charset="0"/>
+        <a:buChar char="–"/>
+        <a:defRPr sz="2000">
+          <a:solidFill>
+            <a:schemeClr val="tx1"/>
+          </a:solidFill>
+          <a:latin typeface="+mn-lt"/>
+        </a:defRPr>
+      </a:lvl5pPr>
+      <a:lvl6pPr marL="2514663" indent="-228606" algn="l" rtl="0" eaLnBrk="1" fontAlgn="base" hangingPunct="1">
+        <a:spcBef>
+          <a:spcPct val="20000"/>
+        </a:spcBef>
+        <a:spcAft>
+          <a:spcPct val="0"/>
+        </a:spcAft>
+        <a:buFont typeface="Arial" charset="0"/>
+        <a:buChar char="–"/>
+        <a:defRPr sz="2000">
+          <a:solidFill>
+            <a:schemeClr val="tx1"/>
+          </a:solidFill>
+          <a:latin typeface="+mn-lt"/>
+        </a:defRPr>
+      </a:lvl6pPr>
+      <a:lvl7pPr marL="2971874" indent="-228606" algn="l" rtl="0" eaLnBrk="1" fontAlgn="base" hangingPunct="1">
+        <a:spcBef>
+          <a:spcPct val="20000"/>
+        </a:spcBef>
+        <a:spcAft>
+          <a:spcPct val="0"/>
+        </a:spcAft>
+        <a:buFont typeface="Arial" charset="0"/>
+        <a:buChar char="–"/>
+        <a:defRPr sz="2000">
+          <a:solidFill>
+            <a:schemeClr val="tx1"/>
+          </a:solidFill>
+          <a:latin typeface="+mn-lt"/>
+        </a:defRPr>
+      </a:lvl7pPr>
+      <a:lvl8pPr marL="3429086" indent="-228606" algn="l" rtl="0" eaLnBrk="1" fontAlgn="base" hangingPunct="1">
+        <a:spcBef>
+          <a:spcPct val="20000"/>
+        </a:spcBef>
+        <a:spcAft>
+          <a:spcPct val="0"/>
+        </a:spcAft>
+        <a:buFont typeface="Arial" charset="0"/>
+        <a:buChar char="–"/>
+        <a:defRPr sz="2000">
+          <a:solidFill>
+            <a:schemeClr val="tx1"/>
+          </a:solidFill>
+          <a:latin typeface="+mn-lt"/>
+        </a:defRPr>
+      </a:lvl8pPr>
+      <a:lvl9pPr marL="3886297" indent="-228606" algn="l" rtl="0" eaLnBrk="1" fontAlgn="base" hangingPunct="1">
+        <a:spcBef>
+          <a:spcPct val="20000"/>
+        </a:spcBef>
+        <a:spcAft>
+          <a:spcPct val="0"/>
+        </a:spcAft>
+        <a:buFont typeface="Arial" charset="0"/>
+        <a:buChar char="–"/>
+        <a:defRPr sz="2000">
+          <a:solidFill>
+            <a:schemeClr val="tx1"/>
+          </a:solidFill>
+          <a:latin typeface="+mn-lt"/>
+        </a:defRPr>
+      </a:lvl9pPr>
+    </p:bodyStyle>
+    <p:otherStyle>
+      <a:defPPr>
+        <a:defRPr lang="it-IT"/>
+      </a:defPPr>
+      <a:lvl1pPr marL="0" algn="l" defTabSz="914423" rtl="0" eaLnBrk="1" latinLnBrk="0" hangingPunct="1">
+        <a:defRPr sz="1800" kern="1200">
+          <a:solidFill>
+            <a:schemeClr val="tx1"/>
+          </a:solidFill>
+          <a:latin typeface="+mn-lt"/>
+          <a:ea typeface="+mn-ea"/>
+          <a:cs typeface="+mn-cs"/>
+        </a:defRPr>
+      </a:lvl1pPr>
+      <a:lvl2pPr marL="457212" algn="l" defTabSz="914423" rtl="0" eaLnBrk="1" latinLnBrk="0" hangingPunct="1">
+        <a:defRPr sz="1800" kern="1200">
+          <a:solidFill>
+            <a:schemeClr val="tx1"/>
+          </a:solidFill>
+          <a:latin typeface="+mn-lt"/>
+          <a:ea typeface="+mn-ea"/>
+          <a:cs typeface="+mn-cs"/>
+        </a:defRPr>
+      </a:lvl2pPr>
+      <a:lvl3pPr marL="914423" algn="l" defTabSz="914423" rtl="0" eaLnBrk="1" latinLnBrk="0" hangingPunct="1">
+        <a:defRPr sz="1800" kern="1200">
+          <a:solidFill>
+            <a:schemeClr val="tx1"/>
+          </a:solidFill>
+          <a:latin typeface="+mn-lt"/>
+          <a:ea typeface="+mn-ea"/>
+          <a:cs typeface="+mn-cs"/>
+        </a:defRPr>
+      </a:lvl3pPr>
+      <a:lvl4pPr marL="1371634" algn="l" defTabSz="914423" rtl="0" eaLnBrk="1" latinLnBrk="0" hangingPunct="1">
+        <a:defRPr sz="1800" kern="1200">
+          <a:solidFill>
+            <a:schemeClr val="tx1"/>
+          </a:solidFill>
+          <a:latin typeface="+mn-lt"/>
+          <a:ea typeface="+mn-ea"/>
+          <a:cs typeface="+mn-cs"/>
+        </a:defRPr>
+      </a:lvl4pPr>
+      <a:lvl5pPr marL="1828846" algn="l" defTabSz="914423" rtl="0" eaLnBrk="1" latinLnBrk="0" hangingPunct="1">
+        <a:defRPr sz="1800" kern="1200">
+          <a:solidFill>
+            <a:schemeClr val="tx1"/>
+          </a:solidFill>
+          <a:latin typeface="+mn-lt"/>
+          <a:ea typeface="+mn-ea"/>
+          <a:cs typeface="+mn-cs"/>
+        </a:defRPr>
+      </a:lvl5pPr>
+      <a:lvl6pPr marL="2286057" algn="l" defTabSz="914423" rtl="0" eaLnBrk="1" latinLnBrk="0" hangingPunct="1">
+        <a:defRPr sz="1800" kern="1200">
+          <a:solidFill>
+            <a:schemeClr val="tx1"/>
+          </a:solidFill>
+          <a:latin typeface="+mn-lt"/>
+          <a:ea typeface="+mn-ea"/>
+          <a:cs typeface="+mn-cs"/>
+        </a:defRPr>
+      </a:lvl6pPr>
+      <a:lvl7pPr marL="2743269" algn="l" defTabSz="914423" rtl="0" eaLnBrk="1" latinLnBrk="0" hangingPunct="1">
+        <a:defRPr sz="1800" kern="1200">
+          <a:solidFill>
+            <a:schemeClr val="tx1"/>
+          </a:solidFill>
+          <a:latin typeface="+mn-lt"/>
+          <a:ea typeface="+mn-ea"/>
+          <a:cs typeface="+mn-cs"/>
+        </a:defRPr>
+      </a:lvl7pPr>
+      <a:lvl8pPr marL="3200480" algn="l" defTabSz="914423" rtl="0" eaLnBrk="1" latinLnBrk="0" hangingPunct="1">
+        <a:defRPr sz="1800" kern="1200">
+          <a:solidFill>
+            <a:schemeClr val="tx1"/>
+          </a:solidFill>
+          <a:latin typeface="+mn-lt"/>
+          <a:ea typeface="+mn-ea"/>
+          <a:cs typeface="+mn-cs"/>
+        </a:defRPr>
+      </a:lvl8pPr>
+      <a:lvl9pPr marL="3657691" algn="l" defTabSz="914423" rtl="0" eaLnBrk="1" latinLnBrk="0" hangingPunct="1">
+        <a:defRPr sz="1800" kern="1200">
+          <a:solidFill>
+            <a:schemeClr val="tx1"/>
+          </a:solidFill>
+          <a:latin typeface="+mn-lt"/>
+          <a:ea typeface="+mn-ea"/>
+          <a:cs typeface="+mn-cs"/>
+        </a:defRPr>
+      </a:lvl9pPr>
+    </p:otherStyle>
+  </p:txStyles>
+  <p:extLst>
+    <p:ext uri="{27BBF7A9-308A-43DC-89C8-2F10F3537804}">
+      <p15:sldGuideLst xmlns:p15="http://schemas.microsoft.com/office/powerpoint/2012/main">
+        <p15:guide id="1" orient="horz" pos="890">
+          <p15:clr>
+            <a:srgbClr val="F26B43"/>
+          </p15:clr>
+        </p15:guide>
+      </p15:sldGuideLst>
+    </p:ext>
+  </p:extLst>
+</p:sldMaster>
+</file>
+
 <file path=ppt/slides/slide1.xml><?xml version="1.0" encoding="utf-8"?>
 <p:sld xmlns:a="http://schemas.openxmlformats.org/drawingml/2006/main" xmlns:r="http://schemas.openxmlformats.org/officeDocument/2006/relationships" xmlns:p="http://schemas.openxmlformats.org/presentationml/2006/main">
   <p:cSld>
@@ -9104,7 +12202,7 @@
           <p:nvPr>
             <p:extLst>
               <p:ext uri="{D42A27DB-BD31-4B8C-83A1-F6EECF244321}">
-                <p14:modId xmlns:p14="http://schemas.microsoft.com/office/powerpoint/2010/main" val="2257895742"/>
+                <p14:modId xmlns:p14="http://schemas.microsoft.com/office/powerpoint/2010/main" val="1499635268"/>
               </p:ext>
             </p:extLst>
           </p:nvPr>
@@ -9520,7 +12618,7 @@
                           <a:effectLst/>
                           <a:latin typeface="Tahoma" panose="020B0604030504040204" pitchFamily="34" charset="0"/>
                         </a:rPr>
-                        <a:t>1.2</a:t>
+                        <a:t>1.3</a:t>
                       </a:r>
                     </a:p>
                   </a:txBody>
@@ -11982,7 +15080,7 @@
             </a:pPr>
             <a:r>
               <a:rPr lang="it-IT" altLang="it-IT"/>
-              <a:t>last update: Nov 2019</a:t>
+              <a:t>last update: Oct 2023</a:t>
             </a:r>
           </a:p>
         </p:txBody>
@@ -12013,7 +15111,7 @@
             </a:pPr>
             <a:r>
               <a:rPr lang="it-IT" altLang="it-IT"/>
-              <a:t>kathara – [ lab: webserver ]</a:t>
+              <a:t>Kathará - Introduction</a:t>
             </a:r>
           </a:p>
         </p:txBody>
@@ -13970,7 +17068,7 @@
             </a:pPr>
             <a:r>
               <a:rPr lang="it-IT" altLang="it-IT"/>
-              <a:t>last update: Nov 2019</a:t>
+              <a:t>last update: Oct 2023</a:t>
             </a:r>
           </a:p>
         </p:txBody>
@@ -14001,7 +17099,7 @@
             </a:pPr>
             <a:r>
               <a:rPr lang="it-IT" altLang="it-IT"/>
-              <a:t>kathara – [ lab: webserver ]</a:t>
+              <a:t>Kathará - Introduction</a:t>
             </a:r>
           </a:p>
         </p:txBody>
@@ -14357,7 +17455,7 @@
             </a:pPr>
             <a:r>
               <a:rPr lang="it-IT" altLang="it-IT"/>
-              <a:t>last update: Nov 2019</a:t>
+              <a:t>last update: Oct 2023</a:t>
             </a:r>
           </a:p>
         </p:txBody>
@@ -14388,7 +17486,7 @@
             </a:pPr>
             <a:r>
               <a:rPr lang="it-IT" altLang="it-IT"/>
-              <a:t>kathara – [ lab: webserver ]</a:t>
+              <a:t>Kathará - Introduction</a:t>
             </a:r>
           </a:p>
         </p:txBody>
@@ -14713,7 +17811,7 @@
             </a:pPr>
             <a:r>
               <a:rPr lang="it-IT" altLang="it-IT"/>
-              <a:t>last update: Nov 2019</a:t>
+              <a:t>last update: Oct 2023</a:t>
             </a:r>
           </a:p>
         </p:txBody>
@@ -14744,7 +17842,7 @@
             </a:pPr>
             <a:r>
               <a:rPr lang="it-IT" altLang="it-IT"/>
-              <a:t>kathara – [ lab: webserver ]</a:t>
+              <a:t>Kathará - Introduction</a:t>
             </a:r>
           </a:p>
         </p:txBody>
@@ -15187,7 +18285,7 @@
             </a:pPr>
             <a:r>
               <a:rPr lang="it-IT" altLang="it-IT"/>
-              <a:t>last update: Nov 2019</a:t>
+              <a:t>last update: Oct 2023</a:t>
             </a:r>
           </a:p>
         </p:txBody>
@@ -15218,7 +18316,7 @@
             </a:pPr>
             <a:r>
               <a:rPr lang="it-IT" altLang="it-IT"/>
-              <a:t>kathara – [ lab: webserver ]</a:t>
+              <a:t>Kathará - Introduction</a:t>
             </a:r>
           </a:p>
         </p:txBody>
@@ -15334,7 +18432,7 @@
                 <a:ea typeface="+mn-ea"/>
                 <a:cs typeface="+mn-cs"/>
               </a:rPr>
-              <a:t>last update: Nov 2019</a:t>
+              <a:t>last update: Oct 2023</a:t>
             </a:r>
           </a:p>
         </p:txBody>
@@ -17036,7 +20134,7 @@
             </a:pPr>
             <a:r>
               <a:rPr lang="it-IT" altLang="it-IT"/>
-              <a:t>last update: Nov 2019</a:t>
+              <a:t>last update: Oct 2023</a:t>
             </a:r>
           </a:p>
         </p:txBody>
@@ -17067,7 +20165,7 @@
             </a:pPr>
             <a:r>
               <a:rPr lang="it-IT" altLang="it-IT"/>
-              <a:t>kathara – [ lab: webserver ]</a:t>
+              <a:t>Kathará - Introduction</a:t>
             </a:r>
           </a:p>
         </p:txBody>
@@ -23678,7 +26776,7 @@
             </a:pPr>
             <a:r>
               <a:rPr lang="it-IT" altLang="it-IT"/>
-              <a:t>last update: Nov 2019</a:t>
+              <a:t>last update: Oct 2023</a:t>
             </a:r>
           </a:p>
         </p:txBody>
@@ -23709,7 +26807,7 @@
             </a:pPr>
             <a:r>
               <a:rPr lang="it-IT" altLang="it-IT"/>
-              <a:t>kathara – [ lab: webserver ]</a:t>
+              <a:t>Kathará - Introduction</a:t>
             </a:r>
           </a:p>
         </p:txBody>
@@ -23959,7 +27057,7 @@
             </a:pPr>
             <a:r>
               <a:rPr lang="it-IT" altLang="it-IT"/>
-              <a:t>last update: Nov 2019</a:t>
+              <a:t>last update: Oct 2023</a:t>
             </a:r>
           </a:p>
         </p:txBody>
@@ -23990,7 +27088,7 @@
             </a:pPr>
             <a:r>
               <a:rPr lang="it-IT" altLang="it-IT"/>
-              <a:t>kathara – [ lab: webserver ]</a:t>
+              <a:t>Kathará - Introduction</a:t>
             </a:r>
           </a:p>
         </p:txBody>
@@ -24390,23 +27488,6 @@
                 <a:t>:~$ </a:t>
               </a:r>
               <a:r>
-                <a:rPr kumimoji="0" lang="it-IT" sz="1800" b="0" i="0" u="none" strike="noStrike" kern="0" cap="none" spc="0" normalizeH="0" baseline="0" noProof="0" dirty="0">
-                  <a:ln>
-                    <a:noFill/>
-                  </a:ln>
-                  <a:solidFill>
-                    <a:prstClr val="white"/>
-                  </a:solidFill>
-                  <a:effectLst/>
-                  <a:uLnTx/>
-                  <a:uFillTx/>
-                  <a:latin typeface="Consolas" panose="020B0609020204030204" pitchFamily="49" charset="0"/>
-                  <a:ea typeface="+mn-ea"/>
-                  <a:cs typeface="+mn-cs"/>
-                </a:rPr>
-                <a:t>/</a:t>
-              </a:r>
-              <a:r>
                 <a:rPr kumimoji="0" lang="it-IT" sz="1800" b="0" i="0" u="none" strike="noStrike" kern="0" cap="none" spc="0" normalizeH="0" baseline="0" noProof="0" dirty="0" err="1">
                   <a:ln>
                     <a:noFill/>
@@ -24421,7 +27502,7 @@
                   <a:ea typeface="+mn-ea"/>
                   <a:cs typeface="+mn-cs"/>
                 </a:rPr>
-                <a:t>etc</a:t>
+                <a:t>systemctl</a:t>
               </a:r>
               <a:r>
                 <a:rPr kumimoji="0" lang="it-IT" sz="1800" b="0" i="0" u="none" strike="noStrike" kern="0" cap="none" spc="0" normalizeH="0" baseline="0" noProof="0" dirty="0">
@@ -24438,105 +27519,7 @@
                   <a:ea typeface="+mn-ea"/>
                   <a:cs typeface="+mn-cs"/>
                 </a:rPr>
-                <a:t>/</a:t>
-              </a:r>
-              <a:r>
-                <a:rPr kumimoji="0" lang="it-IT" sz="1800" b="0" i="0" u="none" strike="noStrike" kern="0" cap="none" spc="0" normalizeH="0" baseline="0" noProof="0" dirty="0" err="1">
-                  <a:ln>
-                    <a:noFill/>
-                  </a:ln>
-                  <a:solidFill>
-                    <a:prstClr val="white"/>
-                  </a:solidFill>
-                  <a:effectLst/>
-                  <a:uLnTx/>
-                  <a:uFillTx/>
-                  <a:latin typeface="Consolas" panose="020B0609020204030204" pitchFamily="49" charset="0"/>
-                  <a:ea typeface="+mn-ea"/>
-                  <a:cs typeface="+mn-cs"/>
-                </a:rPr>
-                <a:t>init.d</a:t>
-              </a:r>
-              <a:r>
-                <a:rPr kumimoji="0" lang="it-IT" sz="1800" b="0" i="0" u="none" strike="noStrike" kern="0" cap="none" spc="0" normalizeH="0" baseline="0" noProof="0" dirty="0">
-                  <a:ln>
-                    <a:noFill/>
-                  </a:ln>
-                  <a:solidFill>
-                    <a:prstClr val="white"/>
-                  </a:solidFill>
-                  <a:effectLst/>
-                  <a:uLnTx/>
-                  <a:uFillTx/>
-                  <a:latin typeface="Consolas" panose="020B0609020204030204" pitchFamily="49" charset="0"/>
-                  <a:ea typeface="+mn-ea"/>
-                  <a:cs typeface="+mn-cs"/>
-                </a:rPr>
-                <a:t>/apache2 status</a:t>
-              </a:r>
-            </a:p>
-            <a:p>
-              <a:pPr marL="0" marR="0" lvl="0" indent="0" defTabSz="914400" eaLnBrk="1" fontAlgn="auto" latinLnBrk="0" hangingPunct="1">
-                <a:lnSpc>
-                  <a:spcPct val="100000"/>
-                </a:lnSpc>
-                <a:spcBef>
-                  <a:spcPts val="0"/>
-                </a:spcBef>
-                <a:spcAft>
-                  <a:spcPts val="0"/>
-                </a:spcAft>
-                <a:buClrTx/>
-                <a:buSzTx/>
-                <a:buFontTx/>
-                <a:buNone/>
-                <a:tabLst/>
-                <a:defRPr/>
-              </a:pPr>
-              <a:r>
-                <a:rPr lang="it-IT" kern="0" dirty="0">
-                  <a:solidFill>
-                    <a:prstClr val="white"/>
-                  </a:solidFill>
-                  <a:latin typeface="Consolas" panose="020B0609020204030204" pitchFamily="49" charset="0"/>
-                </a:rPr>
-                <a:t>Apache </a:t>
-              </a:r>
-              <a:r>
-                <a:rPr lang="it-IT" kern="0" dirty="0" err="1">
-                  <a:solidFill>
-                    <a:prstClr val="white"/>
-                  </a:solidFill>
-                  <a:latin typeface="Consolas" panose="020B0609020204030204" pitchFamily="49" charset="0"/>
-                </a:rPr>
-                <a:t>is</a:t>
-              </a:r>
-              <a:r>
-                <a:rPr lang="it-IT" kern="0" dirty="0">
-                  <a:solidFill>
-                    <a:prstClr val="white"/>
-                  </a:solidFill>
-                  <a:latin typeface="Consolas" panose="020B0609020204030204" pitchFamily="49" charset="0"/>
-                </a:rPr>
-                <a:t> running (</a:t>
-              </a:r>
-              <a:r>
-                <a:rPr lang="it-IT" kern="0" dirty="0" err="1">
-                  <a:solidFill>
-                    <a:prstClr val="white"/>
-                  </a:solidFill>
-                  <a:latin typeface="Consolas" panose="020B0609020204030204" pitchFamily="49" charset="0"/>
-                </a:rPr>
-                <a:t>pid</a:t>
-              </a:r>
-              <a:r>
-                <a:rPr lang="it-IT" kern="0" dirty="0">
-                  <a:solidFill>
-                    <a:prstClr val="white"/>
-                  </a:solidFill>
-                  <a:latin typeface="Consolas" panose="020B0609020204030204" pitchFamily="49" charset="0"/>
-                </a:rPr>
-                <a:t> 234)…</a:t>
+                <a:t> start apache2</a:t>
               </a:r>
             </a:p>
             <a:p>
@@ -25060,102 +28043,31 @@
             <a:endParaRPr lang="it-IT" altLang="it-IT" sz="3200" dirty="0"/>
           </a:p>
           <a:p>
-            <a:pPr eaLnBrk="1" hangingPunct="1">
+            <a:pPr marL="0" indent="0" eaLnBrk="1" hangingPunct="1">
               <a:lnSpc>
                 <a:spcPct val="90000"/>
               </a:lnSpc>
+              <a:buNone/>
             </a:pPr>
-            <a:r>
-              <a:rPr lang="it-IT" altLang="it-IT" sz="3200" dirty="0"/>
-              <a:t>an </a:t>
-            </a:r>
-            <a:r>
-              <a:rPr lang="it-IT" altLang="it-IT" sz="3200" dirty="0" err="1"/>
-              <a:t>empty</a:t>
-            </a:r>
-            <a:r>
-              <a:rPr lang="it-IT" altLang="it-IT" sz="3200" dirty="0"/>
-              <a:t> screen </a:t>
-            </a:r>
-            <a:r>
-              <a:rPr lang="it-IT" altLang="it-IT" sz="3200" dirty="0" err="1"/>
-              <a:t>is</a:t>
-            </a:r>
-            <a:r>
-              <a:rPr lang="it-IT" altLang="it-IT" sz="3200" dirty="0"/>
-              <a:t> </a:t>
-            </a:r>
-            <a:r>
-              <a:rPr lang="it-IT" altLang="it-IT" sz="3200" dirty="0" err="1"/>
-              <a:t>presented</a:t>
-            </a:r>
-            <a:r>
-              <a:rPr lang="it-IT" altLang="it-IT" sz="3200" dirty="0"/>
-              <a:t> to the user...</a:t>
-            </a:r>
-          </a:p>
-          <a:p>
-            <a:pPr eaLnBrk="1" hangingPunct="1">
+            <a:endParaRPr lang="it-IT" altLang="it-IT" dirty="0"/>
+          </a:p>
+          <a:p>
+            <a:pPr marL="0" indent="0" eaLnBrk="1" hangingPunct="1">
               <a:lnSpc>
                 <a:spcPct val="90000"/>
               </a:lnSpc>
+              <a:buNone/>
             </a:pPr>
-            <a:r>
-              <a:rPr lang="it-IT" altLang="it-IT" sz="3200" dirty="0"/>
-              <a:t>to access the menu bar, press F10</a:t>
-            </a:r>
-          </a:p>
-          <a:p>
-            <a:pPr eaLnBrk="1" hangingPunct="1">
+            <a:endParaRPr lang="it-IT" altLang="it-IT" sz="3200" dirty="0"/>
+          </a:p>
+          <a:p>
+            <a:pPr marL="0" indent="0" eaLnBrk="1" hangingPunct="1">
               <a:lnSpc>
                 <a:spcPct val="90000"/>
               </a:lnSpc>
+              <a:buNone/>
             </a:pPr>
-            <a:r>
-              <a:rPr lang="it-IT" altLang="it-IT" sz="3200" dirty="0" err="1"/>
-              <a:t>using</a:t>
-            </a:r>
-            <a:r>
-              <a:rPr lang="it-IT" altLang="it-IT" sz="3200" dirty="0"/>
-              <a:t> the </a:t>
-            </a:r>
-            <a:r>
-              <a:rPr lang="it-IT" altLang="it-IT" sz="3200" dirty="0" err="1"/>
-              <a:t>cursor</a:t>
-            </a:r>
-            <a:r>
-              <a:rPr lang="it-IT" altLang="it-IT" sz="3200" dirty="0"/>
-              <a:t> keys, </a:t>
-            </a:r>
-            <a:r>
-              <a:rPr lang="it-IT" altLang="it-IT" sz="3200" dirty="0" err="1"/>
-              <a:t>select</a:t>
-            </a:r>
-            <a:r>
-              <a:rPr lang="it-IT" altLang="it-IT" sz="3200" dirty="0"/>
-              <a:t> “Go to URL” and press </a:t>
-            </a:r>
-            <a:r>
-              <a:rPr lang="it-IT" altLang="it-IT" sz="3200" dirty="0" err="1"/>
-              <a:t>Enter</a:t>
-            </a:r>
             <a:endParaRPr lang="it-IT" altLang="it-IT" sz="3200" dirty="0"/>
-          </a:p>
-          <a:p>
-            <a:r>
-              <a:rPr lang="it-IT" altLang="it-IT" sz="3200" dirty="0" err="1"/>
-              <a:t>enter</a:t>
-            </a:r>
-            <a:r>
-              <a:rPr lang="it-IT" altLang="it-IT" sz="3200" dirty="0"/>
-              <a:t> the following URL: </a:t>
-            </a:r>
-            <a:r>
-              <a:rPr lang="it-IT" altLang="it-IT" sz="3200" b="1" dirty="0">
-                <a:latin typeface="Courier New" panose="02070309020205020404" pitchFamily="49" charset="0"/>
-              </a:rPr>
-              <a:t>http://10.0.0.1/</a:t>
-            </a:r>
           </a:p>
           <a:p>
             <a:r>
@@ -25227,7 +28139,7 @@
             </a:pPr>
             <a:r>
               <a:rPr lang="it-IT" altLang="it-IT"/>
-              <a:t>last update: Nov 2019</a:t>
+              <a:t>last update: Oct 2023</a:t>
             </a:r>
           </a:p>
         </p:txBody>
@@ -25258,17 +28170,17 @@
             </a:pPr>
             <a:r>
               <a:rPr lang="it-IT" altLang="it-IT"/>
-              <a:t>kathara – [ lab: webserver ]</a:t>
+              <a:t>Kathará - Introduction</a:t>
             </a:r>
           </a:p>
         </p:txBody>
       </p:sp>
       <p:grpSp>
         <p:nvGrpSpPr>
-          <p:cNvPr id="33" name="Group 32">
+          <p:cNvPr id="2" name="Group 1">
             <a:extLst>
               <a:ext uri="{FF2B5EF4-FFF2-40B4-BE49-F238E27FC236}">
-                <a16:creationId xmlns:a16="http://schemas.microsoft.com/office/drawing/2014/main" id="{79E8B505-E318-4CFB-9325-F3FEE8466BA4}"/>
+                <a16:creationId xmlns:a16="http://schemas.microsoft.com/office/drawing/2014/main" id="{D164DB65-F19A-4F5A-16EA-DC6CAAC2A682}"/>
               </a:ext>
             </a:extLst>
           </p:cNvPr>
@@ -25277,111 +28189,167 @@
         </p:nvGrpSpPr>
         <p:grpSpPr>
           <a:xfrm>
-            <a:off x="3431704" y="2132856"/>
-            <a:ext cx="5508580" cy="1242835"/>
-            <a:chOff x="2116183" y="1995487"/>
-            <a:chExt cx="6661106" cy="1242835"/>
+            <a:off x="2078427" y="2712239"/>
+            <a:ext cx="8035145" cy="1433522"/>
+            <a:chOff x="2039933" y="1347406"/>
+            <a:chExt cx="8035145" cy="1433522"/>
           </a:xfrm>
         </p:grpSpPr>
-        <p:sp>
-          <p:nvSpPr>
-            <p:cNvPr id="34" name="Rectangle 33">
+        <p:grpSp>
+          <p:nvGrpSpPr>
+            <p:cNvPr id="3" name="Group 2">
               <a:extLst>
                 <a:ext uri="{FF2B5EF4-FFF2-40B4-BE49-F238E27FC236}">
-                  <a16:creationId xmlns:a16="http://schemas.microsoft.com/office/drawing/2014/main" id="{201942D9-4ED4-4882-8433-D3615D928BB3}"/>
+                  <a16:creationId xmlns:a16="http://schemas.microsoft.com/office/drawing/2014/main" id="{4856110B-CA82-8A92-863D-4273C075333C}"/>
                 </a:ext>
               </a:extLst>
             </p:cNvPr>
-            <p:cNvSpPr/>
+            <p:cNvGrpSpPr/>
             <p:nvPr/>
-          </p:nvSpPr>
-          <p:spPr>
+          </p:nvGrpSpPr>
+          <p:grpSpPr>
             <a:xfrm>
-              <a:off x="2116184" y="2203269"/>
-              <a:ext cx="6661105" cy="1035053"/>
+              <a:off x="2039933" y="1347406"/>
+              <a:ext cx="8035145" cy="1433522"/>
+              <a:chOff x="2116183" y="1995487"/>
+              <a:chExt cx="6661106" cy="1433522"/>
             </a:xfrm>
-            <a:prstGeom prst="rect">
-              <a:avLst/>
-            </a:prstGeom>
-            <a:solidFill>
-              <a:sysClr val="windowText" lastClr="000000"/>
-            </a:solidFill>
-            <a:ln w="57150" cap="flat" cmpd="sng" algn="ctr">
+          </p:grpSpPr>
+          <p:sp>
+            <p:nvSpPr>
+              <p:cNvPr id="8" name="Rectangle 7">
+                <a:extLst>
+                  <a:ext uri="{FF2B5EF4-FFF2-40B4-BE49-F238E27FC236}">
+                    <a16:creationId xmlns:a16="http://schemas.microsoft.com/office/drawing/2014/main" id="{FD7E9E14-F3D0-6E69-AB46-E86E7DEF55C1}"/>
+                  </a:ext>
+                </a:extLst>
+              </p:cNvPr>
+              <p:cNvSpPr/>
+              <p:nvPr/>
+            </p:nvSpPr>
+            <p:spPr>
+              <a:xfrm>
+                <a:off x="2116184" y="2203269"/>
+                <a:ext cx="6661105" cy="1225740"/>
+              </a:xfrm>
+              <a:prstGeom prst="rect">
+                <a:avLst/>
+              </a:prstGeom>
               <a:solidFill>
-                <a:srgbClr val="4472C4"/>
+                <a:sysClr val="windowText" lastClr="000000"/>
               </a:solidFill>
-              <a:prstDash val="solid"/>
-              <a:miter lim="800000"/>
-            </a:ln>
-            <a:effectLst>
-              <a:outerShdw blurRad="50800" dist="38100" dir="2700000" algn="tl" rotWithShape="0">
-                <a:prstClr val="black">
-                  <a:alpha val="40000"/>
-                </a:prstClr>
-              </a:outerShdw>
-            </a:effectLst>
-          </p:spPr>
-          <p:txBody>
-            <a:bodyPr rtlCol="0" anchor="t"/>
-            <a:lstStyle/>
-            <a:p>
-              <a:pPr marL="0" marR="0" lvl="0" indent="0" defTabSz="914400" eaLnBrk="1" fontAlgn="auto" latinLnBrk="0" hangingPunct="1">
-                <a:lnSpc>
-                  <a:spcPct val="100000"/>
-                </a:lnSpc>
-                <a:spcBef>
-                  <a:spcPts val="0"/>
-                </a:spcBef>
-                <a:spcAft>
-                  <a:spcPts val="0"/>
-                </a:spcAft>
-                <a:buClrTx/>
-                <a:buSzTx/>
-                <a:buFontTx/>
-                <a:buNone/>
-                <a:tabLst/>
-                <a:defRPr/>
-              </a:pPr>
-              <a:r>
-                <a:rPr kumimoji="0" lang="it-IT" sz="2400" b="0" i="0" u="none" strike="noStrike" kern="0" cap="none" spc="0" normalizeH="0" baseline="0" noProof="0" dirty="0" err="1">
-                  <a:ln>
-                    <a:noFill/>
-                  </a:ln>
-                  <a:solidFill>
-                    <a:prstClr val="white">
-                      <a:lumMod val="65000"/>
-                    </a:prstClr>
-                  </a:solidFill>
-                  <a:effectLst/>
-                  <a:uLnTx/>
-                  <a:uFillTx/>
-                  <a:latin typeface="Consolas" panose="020B0609020204030204" pitchFamily="49" charset="0"/>
-                  <a:ea typeface="+mn-ea"/>
-                  <a:cs typeface="+mn-cs"/>
-                </a:rPr>
-                <a:t>root@client</a:t>
-              </a:r>
-              <a:r>
-                <a:rPr kumimoji="0" lang="it-IT" sz="2400" b="0" i="0" u="none" strike="noStrike" kern="0" cap="none" spc="0" normalizeH="0" baseline="0" noProof="0" dirty="0">
-                  <a:ln>
-                    <a:noFill/>
-                  </a:ln>
-                  <a:solidFill>
-                    <a:prstClr val="white">
-                      <a:lumMod val="65000"/>
-                    </a:prstClr>
-                  </a:solidFill>
-                  <a:effectLst/>
-                  <a:uLnTx/>
-                  <a:uFillTx/>
-                  <a:latin typeface="Consolas" panose="020B0609020204030204" pitchFamily="49" charset="0"/>
-                  <a:ea typeface="+mn-ea"/>
-                  <a:cs typeface="+mn-cs"/>
-                </a:rPr>
-                <a:t>:~$ </a:t>
-              </a:r>
-              <a:r>
-                <a:rPr kumimoji="0" lang="it-IT" sz="2400" b="0" i="0" u="none" strike="noStrike" kern="0" cap="none" spc="0" normalizeH="0" baseline="0" noProof="0" dirty="0">
+              <a:ln w="57150" cap="flat" cmpd="sng" algn="ctr">
+                <a:solidFill>
+                  <a:srgbClr val="4472C4"/>
+                </a:solidFill>
+                <a:prstDash val="solid"/>
+                <a:miter lim="800000"/>
+              </a:ln>
+              <a:effectLst>
+                <a:outerShdw blurRad="50800" dist="38100" dir="2700000" algn="tl" rotWithShape="0">
+                  <a:prstClr val="black">
+                    <a:alpha val="40000"/>
+                  </a:prstClr>
+                </a:outerShdw>
+              </a:effectLst>
+            </p:spPr>
+            <p:txBody>
+              <a:bodyPr rtlCol="0" anchor="t"/>
+              <a:lstStyle/>
+              <a:p>
+                <a:pPr marL="0" marR="0" lvl="0" indent="0" defTabSz="914400" eaLnBrk="1" fontAlgn="auto" latinLnBrk="0" hangingPunct="1">
+                  <a:lnSpc>
+                    <a:spcPct val="100000"/>
+                  </a:lnSpc>
+                  <a:spcBef>
+                    <a:spcPts val="0"/>
+                  </a:spcBef>
+                  <a:spcAft>
+                    <a:spcPts val="0"/>
+                  </a:spcAft>
+                  <a:buClrTx/>
+                  <a:buSzTx/>
+                  <a:buFontTx/>
+                  <a:buNone/>
+                  <a:tabLst/>
+                  <a:defRPr/>
+                </a:pPr>
+                <a:r>
+                  <a:rPr kumimoji="0" lang="it-IT" sz="1800" b="0" i="0" u="none" strike="noStrike" kern="0" cap="none" spc="0" normalizeH="0" baseline="0" noProof="0" dirty="0">
+                    <a:ln>
+                      <a:noFill/>
+                    </a:ln>
+                    <a:solidFill>
+                      <a:prstClr val="white">
+                        <a:lumMod val="65000"/>
+                      </a:prstClr>
+                    </a:solidFill>
+                    <a:effectLst/>
+                    <a:uLnTx/>
+                    <a:uFillTx/>
+                    <a:latin typeface="Consolas" panose="020B0609020204030204" pitchFamily="49" charset="0"/>
+                    <a:ea typeface="+mn-ea"/>
+                    <a:cs typeface="+mn-cs"/>
+                  </a:rPr>
+                  <a:t>root@</a:t>
+                </a:r>
+                <a:r>
+                  <a:rPr lang="it-IT" kern="0" dirty="0">
+                    <a:solidFill>
+                      <a:prstClr val="white">
+                        <a:lumMod val="65000"/>
+                      </a:prstClr>
+                    </a:solidFill>
+                    <a:latin typeface="Consolas" panose="020B0609020204030204" pitchFamily="49" charset="0"/>
+                  </a:rPr>
+                  <a:t>client</a:t>
+                </a:r>
+                <a:r>
+                  <a:rPr kumimoji="0" lang="it-IT" sz="1800" b="0" i="0" u="none" strike="noStrike" kern="0" cap="none" spc="0" normalizeH="0" baseline="0" noProof="0" dirty="0">
+                    <a:ln>
+                      <a:noFill/>
+                    </a:ln>
+                    <a:solidFill>
+                      <a:prstClr val="white">
+                        <a:lumMod val="65000"/>
+                      </a:prstClr>
+                    </a:solidFill>
+                    <a:effectLst/>
+                    <a:uLnTx/>
+                    <a:uFillTx/>
+                    <a:latin typeface="Consolas" panose="020B0609020204030204" pitchFamily="49" charset="0"/>
+                    <a:ea typeface="+mn-ea"/>
+                    <a:cs typeface="+mn-cs"/>
+                  </a:rPr>
+                  <a:t>:~$ </a:t>
+                </a:r>
+                <a:r>
+                  <a:rPr kumimoji="0" lang="it-IT" sz="1800" b="1" i="0" u="none" strike="noStrike" kern="0" cap="none" spc="0" normalizeH="0" baseline="0" noProof="0" dirty="0">
+                    <a:ln>
+                      <a:noFill/>
+                    </a:ln>
+                    <a:solidFill>
+                      <a:prstClr val="white"/>
+                    </a:solidFill>
+                    <a:effectLst/>
+                    <a:uLnTx/>
+                    <a:uFillTx/>
+                    <a:latin typeface="Consolas" panose="020B0609020204030204" pitchFamily="49" charset="0"/>
+                    <a:ea typeface="+mn-ea"/>
+                    <a:cs typeface="+mn-cs"/>
+                  </a:rPr>
+                  <a:t>links </a:t>
+                </a:r>
+                <a:r>
+                  <a:rPr lang="it-IT" b="1" kern="0" dirty="0">
+                    <a:solidFill>
+                      <a:prstClr val="white"/>
+                    </a:solidFill>
+                    <a:latin typeface="Consolas" panose="020B0609020204030204" pitchFamily="49" charset="0"/>
+                  </a:rPr>
+                  <a:t>http://10.0.0.1</a:t>
+                </a:r>
+                <a:endParaRPr kumimoji="0" lang="it-IT" sz="1800" b="0" i="0" u="none" strike="noStrike" kern="0" cap="none" spc="0" normalizeH="0" baseline="0" noProof="0" dirty="0">
                   <a:ln>
                     <a:noFill/>
                   </a:ln>
@@ -25394,357 +28362,427 @@
                   <a:latin typeface="Consolas" panose="020B0609020204030204" pitchFamily="49" charset="0"/>
                   <a:ea typeface="+mn-ea"/>
                   <a:cs typeface="+mn-cs"/>
-                </a:rPr>
-                <a:t>links</a:t>
-              </a:r>
-              <a:endParaRPr kumimoji="0" lang="it-IT" sz="2400" b="0" i="0" u="none" strike="noStrike" kern="0" cap="none" spc="0" normalizeH="0" baseline="0" noProof="0" dirty="0">
-                <a:ln>
-                  <a:noFill/>
-                </a:ln>
+                </a:endParaRPr>
+              </a:p>
+            </p:txBody>
+          </p:sp>
+          <p:sp>
+            <p:nvSpPr>
+              <p:cNvPr id="9" name="Rectangle 8">
+                <a:extLst>
+                  <a:ext uri="{FF2B5EF4-FFF2-40B4-BE49-F238E27FC236}">
+                    <a16:creationId xmlns:a16="http://schemas.microsoft.com/office/drawing/2014/main" id="{683699C3-A145-0E89-F9DF-2DD5CAF88143}"/>
+                  </a:ext>
+                </a:extLst>
+              </p:cNvPr>
+              <p:cNvSpPr/>
+              <p:nvPr/>
+            </p:nvSpPr>
+            <p:spPr>
+              <a:xfrm>
+                <a:off x="2116183" y="1995487"/>
+                <a:ext cx="6661105" cy="207781"/>
+              </a:xfrm>
+              <a:prstGeom prst="rect">
+                <a:avLst/>
+              </a:prstGeom>
+              <a:solidFill>
+                <a:srgbClr val="4472C4"/>
+              </a:solidFill>
+              <a:ln w="57150" cap="flat" cmpd="sng" algn="ctr">
                 <a:solidFill>
-                  <a:schemeClr val="bg1"/>
+                  <a:srgbClr val="4472C4"/>
                 </a:solidFill>
-                <a:effectLst/>
-                <a:uLnTx/>
-                <a:uFillTx/>
-                <a:latin typeface="Consolas" panose="020B0609020204030204" pitchFamily="49" charset="0"/>
-              </a:endParaRPr>
-            </a:p>
-          </p:txBody>
-        </p:sp>
-        <p:sp>
-          <p:nvSpPr>
-            <p:cNvPr id="35" name="Rectangle 34">
+                <a:prstDash val="solid"/>
+                <a:miter lim="800000"/>
+              </a:ln>
+              <a:effectLst>
+                <a:outerShdw blurRad="50800" dist="25400" algn="l" rotWithShape="0">
+                  <a:prstClr val="black">
+                    <a:alpha val="32000"/>
+                  </a:prstClr>
+                </a:outerShdw>
+              </a:effectLst>
+            </p:spPr>
+            <p:txBody>
+              <a:bodyPr rtlCol="0" anchor="ctr"/>
+              <a:lstStyle/>
+              <a:p>
+                <a:pPr marL="0" marR="0" lvl="0" indent="0" algn="ctr" defTabSz="914400" eaLnBrk="1" fontAlgn="auto" latinLnBrk="0" hangingPunct="1">
+                  <a:lnSpc>
+                    <a:spcPct val="100000"/>
+                  </a:lnSpc>
+                  <a:spcBef>
+                    <a:spcPts val="0"/>
+                  </a:spcBef>
+                  <a:spcAft>
+                    <a:spcPts val="0"/>
+                  </a:spcAft>
+                  <a:buClrTx/>
+                  <a:buSzTx/>
+                  <a:buFontTx/>
+                  <a:buNone/>
+                  <a:tabLst/>
+                  <a:defRPr/>
+                </a:pPr>
+                <a:endParaRPr kumimoji="0" lang="it-IT" sz="1800" b="0" i="0" u="none" strike="noStrike" kern="0" cap="none" spc="0" normalizeH="0" baseline="0" noProof="0">
+                  <a:ln>
+                    <a:noFill/>
+                  </a:ln>
+                  <a:solidFill>
+                    <a:prstClr val="white"/>
+                  </a:solidFill>
+                  <a:effectLst/>
+                  <a:uLnTx/>
+                  <a:uFillTx/>
+                  <a:latin typeface="Calibri" panose="020F0502020204030204"/>
+                  <a:ea typeface="+mn-ea"/>
+                  <a:cs typeface="+mn-cs"/>
+                </a:endParaRPr>
+              </a:p>
+            </p:txBody>
+          </p:sp>
+        </p:grpSp>
+        <p:grpSp>
+          <p:nvGrpSpPr>
+            <p:cNvPr id="4" name="Group 3">
               <a:extLst>
                 <a:ext uri="{FF2B5EF4-FFF2-40B4-BE49-F238E27FC236}">
-                  <a16:creationId xmlns:a16="http://schemas.microsoft.com/office/drawing/2014/main" id="{135E3D38-7F6C-45EF-B1E3-4C0A9F96A583}"/>
+                  <a16:creationId xmlns:a16="http://schemas.microsoft.com/office/drawing/2014/main" id="{27275B39-8456-D453-ECE5-2F00A48A92A8}"/>
                 </a:ext>
               </a:extLst>
             </p:cNvPr>
-            <p:cNvSpPr/>
+            <p:cNvGrpSpPr/>
             <p:nvPr/>
-          </p:nvSpPr>
-          <p:spPr>
+          </p:nvGrpSpPr>
+          <p:grpSpPr>
             <a:xfrm>
-              <a:off x="2116183" y="1995487"/>
-              <a:ext cx="6661105" cy="207781"/>
+              <a:off x="9409698" y="1388178"/>
+              <a:ext cx="581348" cy="126235"/>
+              <a:chOff x="8092857" y="2035375"/>
+              <a:chExt cx="581348" cy="126235"/>
             </a:xfrm>
-            <a:prstGeom prst="rect">
-              <a:avLst/>
-            </a:prstGeom>
-            <a:solidFill>
-              <a:srgbClr val="4472C4"/>
-            </a:solidFill>
-            <a:ln w="57150" cap="flat" cmpd="sng" algn="ctr">
+          </p:grpSpPr>
+          <p:sp>
+            <p:nvSpPr>
+              <p:cNvPr id="5" name="Rectangle 4">
+                <a:extLst>
+                  <a:ext uri="{FF2B5EF4-FFF2-40B4-BE49-F238E27FC236}">
+                    <a16:creationId xmlns:a16="http://schemas.microsoft.com/office/drawing/2014/main" id="{8CB54577-A710-9C8A-8E40-F087ECC57CA7}"/>
+                  </a:ext>
+                </a:extLst>
+              </p:cNvPr>
+              <p:cNvSpPr>
+                <a:spLocks noChangeAspect="1"/>
+              </p:cNvSpPr>
+              <p:nvPr/>
+            </p:nvSpPr>
+            <p:spPr>
+              <a:xfrm>
+                <a:off x="8548205" y="2035610"/>
+                <a:ext cx="126000" cy="126000"/>
+              </a:xfrm>
+              <a:prstGeom prst="rect">
+                <a:avLst/>
+              </a:prstGeom>
               <a:solidFill>
-                <a:srgbClr val="4472C4"/>
+                <a:srgbClr val="FF0000">
+                  <a:alpha val="50196"/>
+                </a:srgbClr>
               </a:solidFill>
-              <a:prstDash val="solid"/>
-              <a:miter lim="800000"/>
-            </a:ln>
-            <a:effectLst>
-              <a:outerShdw blurRad="50800" dist="25400" algn="l" rotWithShape="0">
-                <a:prstClr val="black">
-                  <a:alpha val="32000"/>
-                </a:prstClr>
-              </a:outerShdw>
-            </a:effectLst>
-          </p:spPr>
-          <p:txBody>
-            <a:bodyPr rtlCol="0" anchor="ctr"/>
-            <a:lstStyle/>
-            <a:p>
-              <a:pPr marL="0" marR="0" lvl="0" indent="0" algn="ctr" defTabSz="914400" eaLnBrk="1" fontAlgn="auto" latinLnBrk="0" hangingPunct="1">
-                <a:lnSpc>
-                  <a:spcPct val="100000"/>
-                </a:lnSpc>
-                <a:spcBef>
-                  <a:spcPts val="0"/>
-                </a:spcBef>
-                <a:spcAft>
-                  <a:spcPts val="0"/>
-                </a:spcAft>
-                <a:buClrTx/>
-                <a:buSzTx/>
-                <a:buFontTx/>
-                <a:buNone/>
-                <a:tabLst/>
-                <a:defRPr/>
-              </a:pPr>
-              <a:endParaRPr kumimoji="0" lang="it-IT" sz="1800" b="0" i="0" u="none" strike="noStrike" kern="0" cap="none" spc="0" normalizeH="0" baseline="0" noProof="0">
-                <a:ln>
-                  <a:noFill/>
-                </a:ln>
+              <a:ln w="12700" cap="flat" cmpd="sng" algn="ctr">
                 <a:solidFill>
-                  <a:prstClr val="white"/>
+                  <a:srgbClr val="4472C4">
+                    <a:shade val="50000"/>
+                  </a:srgbClr>
                 </a:solidFill>
-                <a:effectLst/>
-                <a:uLnTx/>
-                <a:uFillTx/>
-                <a:latin typeface="Calibri" panose="020F0502020204030204"/>
-                <a:ea typeface="+mn-ea"/>
-                <a:cs typeface="+mn-cs"/>
-              </a:endParaRPr>
-            </a:p>
-          </p:txBody>
-        </p:sp>
-      </p:grpSp>
-      <p:grpSp>
-        <p:nvGrpSpPr>
-          <p:cNvPr id="36" name="Group 35">
-            <a:extLst>
-              <a:ext uri="{FF2B5EF4-FFF2-40B4-BE49-F238E27FC236}">
-                <a16:creationId xmlns:a16="http://schemas.microsoft.com/office/drawing/2014/main" id="{C4F1237B-570B-49B7-B65B-E21030D82229}"/>
-              </a:ext>
-            </a:extLst>
-          </p:cNvPr>
-          <p:cNvGrpSpPr/>
-          <p:nvPr/>
-        </p:nvGrpSpPr>
-        <p:grpSpPr>
-          <a:xfrm>
-            <a:off x="8274903" y="2173628"/>
-            <a:ext cx="581348" cy="126235"/>
-            <a:chOff x="8092857" y="2035375"/>
-            <a:chExt cx="581348" cy="126235"/>
-          </a:xfrm>
-        </p:grpSpPr>
-        <p:sp>
-          <p:nvSpPr>
-            <p:cNvPr id="37" name="Rectangle 36">
-              <a:extLst>
-                <a:ext uri="{FF2B5EF4-FFF2-40B4-BE49-F238E27FC236}">
-                  <a16:creationId xmlns:a16="http://schemas.microsoft.com/office/drawing/2014/main" id="{86A81839-22A9-4CB5-BE49-FBB32A6A77AF}"/>
-                </a:ext>
-              </a:extLst>
-            </p:cNvPr>
-            <p:cNvSpPr>
-              <a:spLocks noChangeAspect="1"/>
-            </p:cNvSpPr>
-            <p:nvPr/>
-          </p:nvSpPr>
-          <p:spPr>
-            <a:xfrm>
-              <a:off x="8548205" y="2035610"/>
-              <a:ext cx="126000" cy="126000"/>
-            </a:xfrm>
-            <a:prstGeom prst="rect">
-              <a:avLst/>
-            </a:prstGeom>
-            <a:solidFill>
-              <a:srgbClr val="FF0000">
-                <a:alpha val="50196"/>
-              </a:srgbClr>
-            </a:solidFill>
-            <a:ln w="12700" cap="flat" cmpd="sng" algn="ctr">
+                <a:prstDash val="solid"/>
+                <a:miter lim="800000"/>
+              </a:ln>
+              <a:effectLst/>
+            </p:spPr>
+            <p:txBody>
+              <a:bodyPr rtlCol="0" anchor="ctr"/>
+              <a:lstStyle/>
+              <a:p>
+                <a:pPr marL="0" marR="0" lvl="0" indent="0" algn="ctr" defTabSz="914400" eaLnBrk="1" fontAlgn="auto" latinLnBrk="0" hangingPunct="1">
+                  <a:lnSpc>
+                    <a:spcPct val="100000"/>
+                  </a:lnSpc>
+                  <a:spcBef>
+                    <a:spcPts val="0"/>
+                  </a:spcBef>
+                  <a:spcAft>
+                    <a:spcPts val="0"/>
+                  </a:spcAft>
+                  <a:buClrTx/>
+                  <a:buSzTx/>
+                  <a:buFontTx/>
+                  <a:buNone/>
+                  <a:tabLst/>
+                  <a:defRPr/>
+                </a:pPr>
+                <a:endParaRPr kumimoji="0" lang="it-IT" sz="1800" b="0" i="0" u="none" strike="noStrike" kern="0" cap="none" spc="0" normalizeH="0" baseline="0" noProof="0">
+                  <a:ln>
+                    <a:noFill/>
+                  </a:ln>
+                  <a:solidFill>
+                    <a:prstClr val="white"/>
+                  </a:solidFill>
+                  <a:effectLst/>
+                  <a:uLnTx/>
+                  <a:uFillTx/>
+                  <a:latin typeface="Calibri" panose="020F0502020204030204"/>
+                  <a:ea typeface="+mn-ea"/>
+                  <a:cs typeface="+mn-cs"/>
+                </a:endParaRPr>
+              </a:p>
+            </p:txBody>
+          </p:sp>
+          <p:sp>
+            <p:nvSpPr>
+              <p:cNvPr id="6" name="Rectangle 5">
+                <a:extLst>
+                  <a:ext uri="{FF2B5EF4-FFF2-40B4-BE49-F238E27FC236}">
+                    <a16:creationId xmlns:a16="http://schemas.microsoft.com/office/drawing/2014/main" id="{3237878C-2E71-4764-0B67-B87900F25346}"/>
+                  </a:ext>
+                </a:extLst>
+              </p:cNvPr>
+              <p:cNvSpPr>
+                <a:spLocks noChangeAspect="1"/>
+              </p:cNvSpPr>
+              <p:nvPr/>
+            </p:nvSpPr>
+            <p:spPr>
+              <a:xfrm>
+                <a:off x="8092857" y="2035375"/>
+                <a:ext cx="126235" cy="126235"/>
+              </a:xfrm>
+              <a:prstGeom prst="rect">
+                <a:avLst/>
+              </a:prstGeom>
               <a:solidFill>
                 <a:srgbClr val="4472C4">
-                  <a:shade val="50000"/>
+                  <a:lumMod val="60000"/>
+                  <a:lumOff val="40000"/>
                 </a:srgbClr>
               </a:solidFill>
-              <a:prstDash val="solid"/>
-              <a:miter lim="800000"/>
-            </a:ln>
-            <a:effectLst/>
-          </p:spPr>
-          <p:txBody>
-            <a:bodyPr rtlCol="0" anchor="ctr"/>
-            <a:lstStyle/>
-            <a:p>
-              <a:pPr marL="0" marR="0" lvl="0" indent="0" algn="ctr" defTabSz="914400" eaLnBrk="1" fontAlgn="auto" latinLnBrk="0" hangingPunct="1">
-                <a:lnSpc>
-                  <a:spcPct val="100000"/>
-                </a:lnSpc>
-                <a:spcBef>
-                  <a:spcPts val="0"/>
-                </a:spcBef>
-                <a:spcAft>
-                  <a:spcPts val="0"/>
-                </a:spcAft>
-                <a:buClrTx/>
-                <a:buSzTx/>
-                <a:buFontTx/>
-                <a:buNone/>
-                <a:tabLst/>
-                <a:defRPr/>
-              </a:pPr>
-              <a:endParaRPr kumimoji="0" lang="it-IT" sz="1800" b="0" i="0" u="none" strike="noStrike" kern="0" cap="none" spc="0" normalizeH="0" baseline="0" noProof="0">
-                <a:ln>
-                  <a:noFill/>
-                </a:ln>
+              <a:ln w="12700" cap="flat" cmpd="sng" algn="ctr">
                 <a:solidFill>
-                  <a:prstClr val="white"/>
+                  <a:srgbClr val="4472C4">
+                    <a:shade val="50000"/>
+                  </a:srgbClr>
                 </a:solidFill>
-                <a:effectLst/>
-                <a:uLnTx/>
-                <a:uFillTx/>
-                <a:latin typeface="Calibri" panose="020F0502020204030204"/>
-                <a:ea typeface="+mn-ea"/>
-                <a:cs typeface="+mn-cs"/>
-              </a:endParaRPr>
-            </a:p>
-          </p:txBody>
-        </p:sp>
-        <p:sp>
-          <p:nvSpPr>
-            <p:cNvPr id="38" name="Rectangle 37">
-              <a:extLst>
-                <a:ext uri="{FF2B5EF4-FFF2-40B4-BE49-F238E27FC236}">
-                  <a16:creationId xmlns:a16="http://schemas.microsoft.com/office/drawing/2014/main" id="{36608872-18C0-4F61-9B3A-90AC8D3E0E30}"/>
-                </a:ext>
-              </a:extLst>
-            </p:cNvPr>
-            <p:cNvSpPr>
-              <a:spLocks noChangeAspect="1"/>
-            </p:cNvSpPr>
-            <p:nvPr/>
-          </p:nvSpPr>
-          <p:spPr>
-            <a:xfrm>
-              <a:off x="8092857" y="2035375"/>
-              <a:ext cx="126235" cy="126235"/>
-            </a:xfrm>
-            <a:prstGeom prst="rect">
-              <a:avLst/>
-            </a:prstGeom>
-            <a:solidFill>
-              <a:srgbClr val="4472C4">
-                <a:lumMod val="60000"/>
-                <a:lumOff val="40000"/>
-              </a:srgbClr>
-            </a:solidFill>
-            <a:ln w="12700" cap="flat" cmpd="sng" algn="ctr">
+                <a:prstDash val="solid"/>
+                <a:miter lim="800000"/>
+              </a:ln>
+              <a:effectLst/>
+            </p:spPr>
+            <p:txBody>
+              <a:bodyPr rtlCol="0" anchor="ctr"/>
+              <a:lstStyle/>
+              <a:p>
+                <a:pPr marL="0" marR="0" lvl="0" indent="0" algn="r" defTabSz="914400" eaLnBrk="1" fontAlgn="auto" latinLnBrk="0" hangingPunct="1">
+                  <a:lnSpc>
+                    <a:spcPct val="100000"/>
+                  </a:lnSpc>
+                  <a:spcBef>
+                    <a:spcPts val="0"/>
+                  </a:spcBef>
+                  <a:spcAft>
+                    <a:spcPts val="0"/>
+                  </a:spcAft>
+                  <a:buClrTx/>
+                  <a:buSzTx/>
+                  <a:buFontTx/>
+                  <a:buNone/>
+                  <a:tabLst/>
+                  <a:defRPr/>
+                </a:pPr>
+                <a:endParaRPr kumimoji="0" lang="it-IT" sz="1800" b="0" i="0" u="none" strike="noStrike" kern="0" cap="none" spc="0" normalizeH="0" baseline="0" noProof="0" dirty="0">
+                  <a:ln>
+                    <a:noFill/>
+                  </a:ln>
+                  <a:solidFill>
+                    <a:prstClr val="white"/>
+                  </a:solidFill>
+                  <a:effectLst/>
+                  <a:uLnTx/>
+                  <a:uFillTx/>
+                  <a:latin typeface="Calibri" panose="020F0502020204030204"/>
+                  <a:ea typeface="+mn-ea"/>
+                  <a:cs typeface="+mn-cs"/>
+                </a:endParaRPr>
+              </a:p>
+            </p:txBody>
+          </p:sp>
+          <p:sp>
+            <p:nvSpPr>
+              <p:cNvPr id="7" name="Rectangle 6">
+                <a:extLst>
+                  <a:ext uri="{FF2B5EF4-FFF2-40B4-BE49-F238E27FC236}">
+                    <a16:creationId xmlns:a16="http://schemas.microsoft.com/office/drawing/2014/main" id="{4DD2D4F4-A0D0-41D0-092A-0F49346B41CF}"/>
+                  </a:ext>
+                </a:extLst>
+              </p:cNvPr>
+              <p:cNvSpPr>
+                <a:spLocks noChangeAspect="1"/>
+              </p:cNvSpPr>
+              <p:nvPr/>
+            </p:nvSpPr>
+            <p:spPr>
+              <a:xfrm>
+                <a:off x="8320531" y="2035375"/>
+                <a:ext cx="126235" cy="126235"/>
+              </a:xfrm>
+              <a:prstGeom prst="rect">
+                <a:avLst/>
+              </a:prstGeom>
               <a:solidFill>
                 <a:srgbClr val="4472C4">
-                  <a:shade val="50000"/>
+                  <a:lumMod val="60000"/>
+                  <a:lumOff val="40000"/>
                 </a:srgbClr>
               </a:solidFill>
-              <a:prstDash val="solid"/>
-              <a:miter lim="800000"/>
-            </a:ln>
-            <a:effectLst/>
-          </p:spPr>
-          <p:txBody>
-            <a:bodyPr rtlCol="0" anchor="ctr"/>
-            <a:lstStyle/>
-            <a:p>
-              <a:pPr marL="0" marR="0" lvl="0" indent="0" algn="r" defTabSz="914400" eaLnBrk="1" fontAlgn="auto" latinLnBrk="0" hangingPunct="1">
-                <a:lnSpc>
-                  <a:spcPct val="100000"/>
-                </a:lnSpc>
-                <a:spcBef>
-                  <a:spcPts val="0"/>
-                </a:spcBef>
-                <a:spcAft>
-                  <a:spcPts val="0"/>
-                </a:spcAft>
-                <a:buClrTx/>
-                <a:buSzTx/>
-                <a:buFontTx/>
-                <a:buNone/>
-                <a:tabLst/>
-                <a:defRPr/>
-              </a:pPr>
-              <a:endParaRPr kumimoji="0" lang="it-IT" sz="1800" b="0" i="0" u="none" strike="noStrike" kern="0" cap="none" spc="0" normalizeH="0" baseline="0" noProof="0" dirty="0">
-                <a:ln>
-                  <a:noFill/>
-                </a:ln>
+              <a:ln w="12700" cap="flat" cmpd="sng" algn="ctr">
                 <a:solidFill>
-                  <a:prstClr val="white"/>
+                  <a:srgbClr val="4472C4">
+                    <a:shade val="50000"/>
+                  </a:srgbClr>
                 </a:solidFill>
-                <a:effectLst/>
-                <a:uLnTx/>
-                <a:uFillTx/>
-                <a:latin typeface="Calibri" panose="020F0502020204030204"/>
-                <a:ea typeface="+mn-ea"/>
-                <a:cs typeface="+mn-cs"/>
-              </a:endParaRPr>
-            </a:p>
-          </p:txBody>
-        </p:sp>
-        <p:sp>
-          <p:nvSpPr>
-            <p:cNvPr id="39" name="Rectangle 38">
-              <a:extLst>
-                <a:ext uri="{FF2B5EF4-FFF2-40B4-BE49-F238E27FC236}">
-                  <a16:creationId xmlns:a16="http://schemas.microsoft.com/office/drawing/2014/main" id="{4B39462D-7EF9-411D-BFB2-CA2292C8EDD6}"/>
-                </a:ext>
-              </a:extLst>
-            </p:cNvPr>
-            <p:cNvSpPr>
-              <a:spLocks noChangeAspect="1"/>
-            </p:cNvSpPr>
-            <p:nvPr/>
-          </p:nvSpPr>
-          <p:spPr>
-            <a:xfrm>
-              <a:off x="8320531" y="2035375"/>
-              <a:ext cx="126235" cy="126235"/>
-            </a:xfrm>
-            <a:prstGeom prst="rect">
-              <a:avLst/>
-            </a:prstGeom>
-            <a:solidFill>
-              <a:srgbClr val="4472C4">
-                <a:lumMod val="60000"/>
-                <a:lumOff val="40000"/>
-              </a:srgbClr>
-            </a:solidFill>
-            <a:ln w="12700" cap="flat" cmpd="sng" algn="ctr">
-              <a:solidFill>
-                <a:srgbClr val="4472C4">
-                  <a:shade val="50000"/>
-                </a:srgbClr>
-              </a:solidFill>
-              <a:prstDash val="solid"/>
-              <a:miter lim="800000"/>
-            </a:ln>
-            <a:effectLst/>
-          </p:spPr>
-          <p:txBody>
-            <a:bodyPr rtlCol="0" anchor="ctr"/>
-            <a:lstStyle/>
-            <a:p>
-              <a:pPr marL="0" marR="0" lvl="0" indent="0" algn="r" defTabSz="914400" eaLnBrk="1" fontAlgn="auto" latinLnBrk="0" hangingPunct="1">
-                <a:lnSpc>
-                  <a:spcPct val="100000"/>
-                </a:lnSpc>
-                <a:spcBef>
-                  <a:spcPts val="0"/>
-                </a:spcBef>
-                <a:spcAft>
-                  <a:spcPts val="0"/>
-                </a:spcAft>
-                <a:buClrTx/>
-                <a:buSzTx/>
-                <a:buFontTx/>
-                <a:buNone/>
-                <a:tabLst/>
-                <a:defRPr/>
-              </a:pPr>
-              <a:endParaRPr kumimoji="0" lang="it-IT" sz="1800" b="0" i="0" u="none" strike="noStrike" kern="0" cap="none" spc="0" normalizeH="0" baseline="0" noProof="0" dirty="0">
-                <a:ln>
-                  <a:noFill/>
-                </a:ln>
-                <a:solidFill>
-                  <a:prstClr val="white"/>
-                </a:solidFill>
-                <a:effectLst/>
-                <a:uLnTx/>
-                <a:uFillTx/>
-                <a:latin typeface="Calibri" panose="020F0502020204030204"/>
-                <a:ea typeface="+mn-ea"/>
-                <a:cs typeface="+mn-cs"/>
-              </a:endParaRPr>
-            </a:p>
-          </p:txBody>
-        </p:sp>
+                <a:prstDash val="solid"/>
+                <a:miter lim="800000"/>
+              </a:ln>
+              <a:effectLst/>
+            </p:spPr>
+            <p:txBody>
+              <a:bodyPr rtlCol="0" anchor="ctr"/>
+              <a:lstStyle/>
+              <a:p>
+                <a:pPr marL="0" marR="0" lvl="0" indent="0" algn="r" defTabSz="914400" eaLnBrk="1" fontAlgn="auto" latinLnBrk="0" hangingPunct="1">
+                  <a:lnSpc>
+                    <a:spcPct val="100000"/>
+                  </a:lnSpc>
+                  <a:spcBef>
+                    <a:spcPts val="0"/>
+                  </a:spcBef>
+                  <a:spcAft>
+                    <a:spcPts val="0"/>
+                  </a:spcAft>
+                  <a:buClrTx/>
+                  <a:buSzTx/>
+                  <a:buFontTx/>
+                  <a:buNone/>
+                  <a:tabLst/>
+                  <a:defRPr/>
+                </a:pPr>
+                <a:endParaRPr kumimoji="0" lang="it-IT" sz="1800" b="0" i="0" u="none" strike="noStrike" kern="0" cap="none" spc="0" normalizeH="0" baseline="0" noProof="0" dirty="0">
+                  <a:ln>
+                    <a:noFill/>
+                  </a:ln>
+                  <a:solidFill>
+                    <a:prstClr val="white"/>
+                  </a:solidFill>
+                  <a:effectLst/>
+                  <a:uLnTx/>
+                  <a:uFillTx/>
+                  <a:latin typeface="Calibri" panose="020F0502020204030204"/>
+                  <a:ea typeface="+mn-ea"/>
+                  <a:cs typeface="+mn-cs"/>
+                </a:endParaRPr>
+              </a:p>
+            </p:txBody>
+          </p:sp>
+        </p:grpSp>
       </p:grpSp>
     </p:spTree>
   </p:cSld>
   <p:clrMapOvr>
     <a:masterClrMapping/>
   </p:clrMapOvr>
+  <p:timing>
+    <p:tnLst>
+      <p:par>
+        <p:cTn id="1" dur="indefinite" restart="never" nodeType="tmRoot">
+          <p:childTnLst>
+            <p:seq concurrent="1" nextAc="seek">
+              <p:cTn id="2" dur="indefinite" nodeType="mainSeq">
+                <p:childTnLst>
+                  <p:par>
+                    <p:cTn id="3" fill="hold">
+                      <p:stCondLst>
+                        <p:cond delay="indefinite"/>
+                      </p:stCondLst>
+                      <p:childTnLst>
+                        <p:par>
+                          <p:cTn id="4" fill="hold">
+                            <p:stCondLst>
+                              <p:cond delay="0"/>
+                            </p:stCondLst>
+                            <p:childTnLst>
+                              <p:par>
+                                <p:cTn id="5" presetID="10" presetClass="entr" presetSubtype="0" fill="hold" nodeType="clickEffect">
+                                  <p:stCondLst>
+                                    <p:cond delay="0"/>
+                                  </p:stCondLst>
+                                  <p:childTnLst>
+                                    <p:set>
+                                      <p:cBhvr>
+                                        <p:cTn id="6" dur="1" fill="hold">
+                                          <p:stCondLst>
+                                            <p:cond delay="0"/>
+                                          </p:stCondLst>
+                                        </p:cTn>
+                                        <p:tgtEl>
+                                          <p:spTgt spid="2"/>
+                                        </p:tgtEl>
+                                        <p:attrNameLst>
+                                          <p:attrName>style.visibility</p:attrName>
+                                        </p:attrNameLst>
+                                      </p:cBhvr>
+                                      <p:to>
+                                        <p:strVal val="visible"/>
+                                      </p:to>
+                                    </p:set>
+                                    <p:animEffect transition="in" filter="fade">
+                                      <p:cBhvr>
+                                        <p:cTn id="7" dur="500"/>
+                                        <p:tgtEl>
+                                          <p:spTgt spid="2"/>
+                                        </p:tgtEl>
+                                      </p:cBhvr>
+                                    </p:animEffect>
+                                  </p:childTnLst>
+                                </p:cTn>
+                              </p:par>
+                            </p:childTnLst>
+                          </p:cTn>
+                        </p:par>
+                      </p:childTnLst>
+                    </p:cTn>
+                  </p:par>
+                </p:childTnLst>
+              </p:cTn>
+              <p:prevCondLst>
+                <p:cond evt="onPrev" delay="0">
+                  <p:tgtEl>
+                    <p:sldTgt/>
+                  </p:tgtEl>
+                </p:cond>
+              </p:prevCondLst>
+              <p:nextCondLst>
+                <p:cond evt="onNext" delay="0">
+                  <p:tgtEl>
+                    <p:sldTgt/>
+                  </p:tgtEl>
+                </p:cond>
+              </p:nextCondLst>
+            </p:seq>
+          </p:childTnLst>
+        </p:cTn>
+      </p:par>
+    </p:tnLst>
+  </p:timing>
 </p:sld>
 </file>
 
@@ -25873,7 +28911,7 @@
             </a:pPr>
             <a:r>
               <a:rPr lang="it-IT" altLang="it-IT"/>
-              <a:t>last update: Nov 2019</a:t>
+              <a:t>last update: Oct 2023</a:t>
             </a:r>
           </a:p>
         </p:txBody>
@@ -25904,7 +28942,7 @@
             </a:pPr>
             <a:r>
               <a:rPr lang="it-IT" altLang="it-IT"/>
-              <a:t>kathara – [ lab: webserver ]</a:t>
+              <a:t>Kathará - Introduction</a:t>
             </a:r>
           </a:p>
         </p:txBody>
@@ -26027,7 +29065,7 @@
                 <a:t>:~$ </a:t>
               </a:r>
               <a:r>
-                <a:rPr lang="it-IT" kern="0" dirty="0" err="1">
+                <a:rPr lang="it-IT" b="1" kern="0" dirty="0" err="1">
                   <a:solidFill>
                     <a:prstClr val="white"/>
                   </a:solidFill>
@@ -26036,7 +29074,7 @@
                 <a:t>tail</a:t>
               </a:r>
               <a:r>
-                <a:rPr lang="it-IT" kern="0" dirty="0">
+                <a:rPr lang="it-IT" b="1" kern="0" dirty="0">
                   <a:solidFill>
                     <a:prstClr val="white"/>
                   </a:solidFill>
@@ -26045,7 +29083,7 @@
                 <a:t> -f /</a:t>
               </a:r>
               <a:r>
-                <a:rPr lang="it-IT" kern="0" dirty="0" err="1">
+                <a:rPr lang="it-IT" b="1" kern="0" dirty="0" err="1">
                   <a:solidFill>
                     <a:prstClr val="white"/>
                   </a:solidFill>
@@ -26054,7 +29092,7 @@
                 <a:t>var</a:t>
               </a:r>
               <a:r>
-                <a:rPr lang="it-IT" kern="0" dirty="0">
+                <a:rPr lang="it-IT" b="1" kern="0" dirty="0">
                   <a:solidFill>
                     <a:prstClr val="white"/>
                   </a:solidFill>
@@ -26588,46 +29626,36 @@
             <a:endParaRPr lang="it-IT" altLang="it-IT" sz="2800" dirty="0"/>
           </a:p>
           <a:p>
-            <a:pPr marL="342909" lvl="1" indent="0" eaLnBrk="1" hangingPunct="1">
-              <a:buNone/>
-            </a:pPr>
-            <a:r>
-              <a:rPr lang="it-IT" altLang="it-IT" sz="3200" dirty="0" err="1"/>
-              <a:t>tip</a:t>
-            </a:r>
-            <a:r>
-              <a:rPr lang="it-IT" altLang="it-IT" sz="3200" dirty="0"/>
-              <a:t>: </a:t>
-            </a:r>
-            <a:r>
-              <a:rPr lang="it-IT" altLang="it-IT" sz="3200" dirty="0" err="1"/>
+            <a:pPr marL="400048" indent="-457200"/>
+            <a:r>
+              <a:rPr lang="it-IT" altLang="it-IT" sz="3600" dirty="0" err="1"/>
               <a:t>very</a:t>
             </a:r>
             <a:r>
-              <a:rPr lang="it-IT" altLang="it-IT" sz="3200" dirty="0"/>
+              <a:rPr lang="it-IT" altLang="it-IT" sz="3600" dirty="0"/>
               <a:t> </a:t>
             </a:r>
             <a:r>
-              <a:rPr lang="it-IT" altLang="it-IT" sz="3200" dirty="0" err="1"/>
+              <a:rPr lang="it-IT" altLang="it-IT" sz="3600" dirty="0" err="1"/>
               <a:t>useful</a:t>
             </a:r>
             <a:r>
-              <a:rPr lang="it-IT" altLang="it-IT" sz="3200" dirty="0"/>
+              <a:rPr lang="it-IT" altLang="it-IT" sz="3600" dirty="0"/>
               <a:t> </a:t>
             </a:r>
             <a:r>
-              <a:rPr lang="it-IT" altLang="it-IT" sz="3200" dirty="0" err="1"/>
+              <a:rPr lang="it-IT" altLang="it-IT" sz="3600" dirty="0" err="1"/>
               <a:t>when</a:t>
             </a:r>
             <a:r>
-              <a:rPr lang="it-IT" altLang="it-IT" sz="3200" dirty="0"/>
+              <a:rPr lang="it-IT" altLang="it-IT" sz="3600" dirty="0"/>
               <a:t> debugging </a:t>
             </a:r>
             <a:r>
-              <a:rPr lang="it-IT" altLang="it-IT" sz="3200" dirty="0" err="1"/>
+              <a:rPr lang="it-IT" altLang="it-IT" sz="3600" dirty="0" err="1"/>
               <a:t>configurations</a:t>
             </a:r>
-            <a:endParaRPr lang="it-IT" altLang="it-IT" sz="3200" dirty="0"/>
+            <a:endParaRPr lang="it-IT" altLang="it-IT" sz="3600" dirty="0"/>
           </a:p>
         </p:txBody>
       </p:sp>
@@ -26657,7 +29685,7 @@
             </a:pPr>
             <a:r>
               <a:rPr lang="it-IT" altLang="it-IT"/>
-              <a:t>last update: Nov 2019</a:t>
+              <a:t>last update: Oct 2023</a:t>
             </a:r>
           </a:p>
         </p:txBody>
@@ -26688,81 +29716,11 @@
             </a:pPr>
             <a:r>
               <a:rPr lang="it-IT" altLang="it-IT"/>
-              <a:t>kathara – [ lab: webserver ]</a:t>
+              <a:t>Kathará - Introduction</a:t>
             </a:r>
           </a:p>
         </p:txBody>
       </p:sp>
-      <p:pic>
-        <p:nvPicPr>
-          <p:cNvPr id="14343" name="Picture 33">
-            <a:extLst>
-              <a:ext uri="{FF2B5EF4-FFF2-40B4-BE49-F238E27FC236}">
-                <a16:creationId xmlns:a16="http://schemas.microsoft.com/office/drawing/2014/main" id="{6E91FF8C-9B0E-4CB8-A4AD-9D6C37541856}"/>
-              </a:ext>
-            </a:extLst>
-          </p:cNvPr>
-          <p:cNvPicPr>
-            <a:picLocks noChangeAspect="1" noChangeArrowheads="1"/>
-          </p:cNvPicPr>
-          <p:nvPr/>
-        </p:nvPicPr>
-        <p:blipFill>
-          <a:blip r:embed="rId2">
-            <a:extLst>
-              <a:ext uri="{28A0092B-C50C-407E-A947-70E740481C1C}">
-                <a14:useLocalDpi xmlns:a14="http://schemas.microsoft.com/office/drawing/2010/main" val="0"/>
-              </a:ext>
-            </a:extLst>
-          </a:blip>
-          <a:srcRect/>
-          <a:stretch>
-            <a:fillRect/>
-          </a:stretch>
-        </p:blipFill>
-        <p:spPr bwMode="auto">
-          <a:xfrm>
-            <a:off x="407368" y="5157192"/>
-            <a:ext cx="609600" cy="812800"/>
-          </a:xfrm>
-          <a:prstGeom prst="rect">
-            <a:avLst/>
-          </a:prstGeom>
-          <a:noFill/>
-          <a:ln>
-            <a:noFill/>
-          </a:ln>
-          <a:effectLst/>
-          <a:extLst>
-            <a:ext uri="{909E8E84-426E-40DD-AFC4-6F175D3DCCD1}">
-              <a14:hiddenFill xmlns:a14="http://schemas.microsoft.com/office/drawing/2010/main">
-                <a:solidFill>
-                  <a:schemeClr val="accent1"/>
-                </a:solidFill>
-              </a14:hiddenFill>
-            </a:ext>
-            <a:ext uri="{91240B29-F687-4F45-9708-019B960494DF}">
-              <a14:hiddenLine xmlns:a14="http://schemas.microsoft.com/office/drawing/2010/main" w="9525">
-                <a:solidFill>
-                  <a:schemeClr val="tx1"/>
-                </a:solidFill>
-                <a:miter lim="800000"/>
-                <a:headEnd/>
-                <a:tailEnd/>
-              </a14:hiddenLine>
-            </a:ext>
-            <a:ext uri="{AF507438-7753-43E0-B8FC-AC1667EBCBE1}">
-              <a14:hiddenEffects xmlns:a14="http://schemas.microsoft.com/office/drawing/2010/main">
-                <a:effectLst>
-                  <a:outerShdw dist="35921" dir="2700000" algn="ctr" rotWithShape="0">
-                    <a:schemeClr val="bg2"/>
-                  </a:outerShdw>
-                </a:effectLst>
-              </a14:hiddenEffects>
-            </a:ext>
-          </a:extLst>
-        </p:spPr>
-      </p:pic>
       <p:grpSp>
         <p:nvGrpSpPr>
           <p:cNvPr id="34" name="Group 33">
@@ -26881,7 +29839,7 @@
                 <a:t>:~$ </a:t>
               </a:r>
               <a:r>
-                <a:rPr lang="it-IT" kern="0" dirty="0" err="1">
+                <a:rPr lang="it-IT" b="1" kern="0" dirty="0" err="1">
                   <a:solidFill>
                     <a:prstClr val="white"/>
                   </a:solidFill>
@@ -26890,7 +29848,7 @@
                 <a:t>tail</a:t>
               </a:r>
               <a:r>
-                <a:rPr lang="it-IT" kern="0" dirty="0">
+                <a:rPr lang="it-IT" b="1" kern="0" dirty="0">
                   <a:solidFill>
                     <a:prstClr val="white"/>
                   </a:solidFill>
@@ -26899,7 +29857,7 @@
                 <a:t> -f /</a:t>
               </a:r>
               <a:r>
-                <a:rPr lang="it-IT" kern="0" dirty="0" err="1">
+                <a:rPr lang="it-IT" b="1" kern="0" dirty="0" err="1">
                   <a:solidFill>
                     <a:prstClr val="white"/>
                   </a:solidFill>
@@ -26908,7 +29866,7 @@
                 <a:t>var</a:t>
               </a:r>
               <a:r>
-                <a:rPr lang="it-IT" kern="0" dirty="0">
+                <a:rPr lang="it-IT" b="1" kern="0" dirty="0">
                   <a:solidFill>
                     <a:prstClr val="white"/>
                   </a:solidFill>
@@ -27547,62 +30505,13 @@
             </a:r>
           </a:p>
           <a:p>
-            <a:pPr eaLnBrk="1" hangingPunct="1">
-              <a:lnSpc>
-                <a:spcPct val="90000"/>
-              </a:lnSpc>
-            </a:pPr>
-            <a:endParaRPr lang="it-IT" altLang="it-IT" sz="2800" dirty="0"/>
-          </a:p>
-          <a:p>
-            <a:pPr eaLnBrk="1" hangingPunct="1">
-              <a:lnSpc>
-                <a:spcPct val="90000"/>
-              </a:lnSpc>
-            </a:pPr>
-            <a:endParaRPr lang="it-IT" altLang="it-IT" sz="2800" dirty="0"/>
-          </a:p>
-          <a:p>
-            <a:pPr eaLnBrk="1" hangingPunct="1">
-              <a:lnSpc>
-                <a:spcPct val="90000"/>
-              </a:lnSpc>
-            </a:pPr>
-            <a:endParaRPr lang="it-IT" altLang="it-IT" sz="2800" dirty="0"/>
-          </a:p>
-          <a:p>
-            <a:pPr marL="342909" lvl="1" indent="0" eaLnBrk="1" hangingPunct="1">
+            <a:pPr marL="0" indent="0" eaLnBrk="1" hangingPunct="1">
               <a:lnSpc>
                 <a:spcPct val="90000"/>
               </a:lnSpc>
               <a:buNone/>
             </a:pPr>
             <a:endParaRPr lang="it-IT" altLang="it-IT" sz="2800" dirty="0"/>
-          </a:p>
-          <a:p>
-            <a:pPr marL="342909" lvl="1" indent="0" eaLnBrk="1" hangingPunct="1">
-              <a:lnSpc>
-                <a:spcPct val="90000"/>
-              </a:lnSpc>
-              <a:buNone/>
-            </a:pPr>
-            <a:r>
-              <a:rPr lang="it-IT" altLang="it-IT" sz="2400" dirty="0"/>
-              <a:t>apache must be (re)</a:t>
-            </a:r>
-            <a:r>
-              <a:rPr lang="it-IT" altLang="it-IT" sz="2400" dirty="0" err="1"/>
-              <a:t>started</a:t>
-            </a:r>
-            <a:r>
-              <a:rPr lang="it-IT" altLang="it-IT" sz="2400" dirty="0"/>
-              <a:t> </a:t>
-            </a:r>
-            <a:r>
-              <a:rPr lang="it-IT" altLang="it-IT" sz="2400" dirty="0" err="1"/>
-              <a:t>afterwards</a:t>
-            </a:r>
-            <a:endParaRPr lang="it-IT" altLang="it-IT" sz="2400" dirty="0"/>
           </a:p>
         </p:txBody>
       </p:sp>
@@ -27632,7 +30541,7 @@
             </a:pPr>
             <a:r>
               <a:rPr lang="it-IT" altLang="it-IT"/>
-              <a:t>last update: Nov 2019</a:t>
+              <a:t>last update: Oct 2023</a:t>
             </a:r>
           </a:p>
         </p:txBody>
@@ -27663,71 +30572,11 @@
             </a:pPr>
             <a:r>
               <a:rPr lang="it-IT" altLang="it-IT"/>
-              <a:t>kathara – [ lab: webserver ]</a:t>
+              <a:t>Kathará - Introduction</a:t>
             </a:r>
           </a:p>
         </p:txBody>
       </p:sp>
-      <p:pic>
-        <p:nvPicPr>
-          <p:cNvPr id="15367" name="Picture 33" descr="MC900432526[1]">
-            <a:extLst>
-              <a:ext uri="{FF2B5EF4-FFF2-40B4-BE49-F238E27FC236}">
-                <a16:creationId xmlns:a16="http://schemas.microsoft.com/office/drawing/2014/main" id="{AA5AB722-B649-46C6-B325-3E2FFC49DD08}"/>
-              </a:ext>
-            </a:extLst>
-          </p:cNvPr>
-          <p:cNvPicPr>
-            <a:picLocks noChangeAspect="1" noChangeArrowheads="1"/>
-          </p:cNvPicPr>
-          <p:nvPr/>
-        </p:nvPicPr>
-        <p:blipFill>
-          <a:blip r:embed="rId2">
-            <a:extLst>
-              <a:ext uri="{28A0092B-C50C-407E-A947-70E740481C1C}">
-                <a14:useLocalDpi xmlns:a14="http://schemas.microsoft.com/office/drawing/2010/main" val="0"/>
-              </a:ext>
-            </a:extLst>
-          </a:blip>
-          <a:srcRect/>
-          <a:stretch>
-            <a:fillRect/>
-          </a:stretch>
-        </p:blipFill>
-        <p:spPr bwMode="auto">
-          <a:xfrm>
-            <a:off x="600975" y="5461726"/>
-            <a:ext cx="531812" cy="531813"/>
-          </a:xfrm>
-          <a:prstGeom prst="rect">
-            <a:avLst/>
-          </a:prstGeom>
-          <a:noFill/>
-          <a:ln>
-            <a:noFill/>
-          </a:ln>
-          <a:extLst>
-            <a:ext uri="{909E8E84-426E-40DD-AFC4-6F175D3DCCD1}">
-              <a14:hiddenFill xmlns:a14="http://schemas.microsoft.com/office/drawing/2010/main">
-                <a:solidFill>
-                  <a:srgbClr val="FFFFFF"/>
-                </a:solidFill>
-              </a14:hiddenFill>
-            </a:ext>
-            <a:ext uri="{91240B29-F687-4F45-9708-019B960494DF}">
-              <a14:hiddenLine xmlns:a14="http://schemas.microsoft.com/office/drawing/2010/main" w="9525">
-                <a:solidFill>
-                  <a:srgbClr val="000000"/>
-                </a:solidFill>
-                <a:miter lim="800000"/>
-                <a:headEnd/>
-                <a:tailEnd/>
-              </a14:hiddenLine>
-            </a:ext>
-          </a:extLst>
-        </p:spPr>
-      </p:pic>
       <p:grpSp>
         <p:nvGrpSpPr>
           <p:cNvPr id="35" name="Group 34">
@@ -27743,9 +30592,9 @@
         <p:grpSpPr>
           <a:xfrm>
             <a:off x="2063428" y="3645024"/>
-            <a:ext cx="8588330" cy="1612771"/>
+            <a:ext cx="8588330" cy="1800199"/>
             <a:chOff x="2116183" y="1995487"/>
-            <a:chExt cx="6661106" cy="1612771"/>
+            <a:chExt cx="6661106" cy="1800199"/>
           </a:xfrm>
         </p:grpSpPr>
         <p:sp>
@@ -27763,7 +30612,7 @@
           <p:spPr>
             <a:xfrm>
               <a:off x="2116184" y="2203269"/>
-              <a:ext cx="6661105" cy="1404989"/>
+              <a:ext cx="6661105" cy="1592417"/>
             </a:xfrm>
             <a:prstGeom prst="rect">
               <a:avLst/>
@@ -27923,17 +30772,27 @@
                   </a:solidFill>
                   <a:latin typeface="Consolas" panose="020B0609020204030204" pitchFamily="49" charset="0"/>
                 </a:rPr>
-                <a:t>Run '/</a:t>
+                <a:t>To activate the new configuration, you need to run:</a:t>
               </a:r>
-              <a:r>
-                <a:rPr lang="en-US" kern="0" dirty="0" err="1">
-                  <a:solidFill>
-                    <a:prstClr val="white"/>
-                  </a:solidFill>
-                  <a:latin typeface="Consolas" panose="020B0609020204030204" pitchFamily="49" charset="0"/>
-                </a:rPr>
-                <a:t>etc</a:t>
-              </a:r>
+            </a:p>
+            <a:p>
+              <a:pPr marL="0" marR="0" lvl="0" indent="0" defTabSz="914400" eaLnBrk="1" fontAlgn="auto" latinLnBrk="0" hangingPunct="1">
+                <a:lnSpc>
+                  <a:spcPct val="100000"/>
+                </a:lnSpc>
+                <a:spcBef>
+                  <a:spcPts val="0"/>
+                </a:spcBef>
+                <a:spcAft>
+                  <a:spcPts val="0"/>
+                </a:spcAft>
+                <a:buClrTx/>
+                <a:buSzTx/>
+                <a:buFontTx/>
+                <a:buNone/>
+                <a:tabLst/>
+                <a:defRPr/>
+              </a:pPr>
               <a:r>
                 <a:rPr lang="en-US" kern="0" dirty="0">
                   <a:solidFill>
@@ -27941,25 +30800,7 @@
                   </a:solidFill>
                   <a:latin typeface="Consolas" panose="020B0609020204030204" pitchFamily="49" charset="0"/>
                 </a:rPr>
-                <a:t>/</a:t>
-              </a:r>
-              <a:r>
-                <a:rPr lang="en-US" kern="0" dirty="0" err="1">
-                  <a:solidFill>
-                    <a:prstClr val="white"/>
-                  </a:solidFill>
-                  <a:latin typeface="Consolas" panose="020B0609020204030204" pitchFamily="49" charset="0"/>
-                </a:rPr>
-                <a:t>init.d</a:t>
-              </a:r>
-              <a:r>
-                <a:rPr lang="en-US" kern="0" dirty="0">
-                  <a:solidFill>
-                    <a:prstClr val="white"/>
-                  </a:solidFill>
-                  <a:latin typeface="Consolas" panose="020B0609020204030204" pitchFamily="49" charset="0"/>
-                </a:rPr>
-                <a:t>/apache2 restart' to activate new configuration!</a:t>
+                <a:t>  service apache2 restart</a:t>
               </a:r>
             </a:p>
             <a:p>
@@ -29973,9 +32814,9 @@
 </file>
 
 <file path=ppt/theme/theme3.xml><?xml version="1.0" encoding="utf-8"?>
-<a:theme xmlns:a="http://schemas.openxmlformats.org/drawingml/2006/main" name="Tema di Office">
+<a:theme xmlns:a="http://schemas.openxmlformats.org/drawingml/2006/main" name="2_slides-template">
   <a:themeElements>
-    <a:clrScheme name="">
+    <a:clrScheme name="slides-template 14">
       <a:dk1>
         <a:srgbClr val="000000"/>
       </a:dk1>
@@ -29983,16 +32824,16 @@
         <a:srgbClr val="FFFFFF"/>
       </a:lt1>
       <a:dk2>
-        <a:srgbClr val="000000"/>
+        <a:srgbClr val="FF0000"/>
       </a:dk2>
       <a:lt2>
         <a:srgbClr val="808080"/>
       </a:lt2>
       <a:accent1>
-        <a:srgbClr val="BBE0E3"/>
+        <a:srgbClr val="483FFF"/>
       </a:accent1>
       <a:accent2>
-        <a:srgbClr val="333399"/>
+        <a:srgbClr val="FCEA04"/>
       </a:accent2>
       <a:accent3>
         <a:srgbClr val="FFFFFF"/>
@@ -30001,10 +32842,10 @@
         <a:srgbClr val="000000"/>
       </a:accent4>
       <a:accent5>
-        <a:srgbClr val="DAEDEF"/>
+        <a:srgbClr val="B1AFFF"/>
       </a:accent5>
       <a:accent6>
-        <a:srgbClr val="2D2D8A"/>
+        <a:srgbClr val="E4D403"/>
       </a:accent6>
       <a:hlink>
         <a:srgbClr val="009999"/>
@@ -30013,110 +32854,16 @@
         <a:srgbClr val="99CC00"/>
       </a:folHlink>
     </a:clrScheme>
-    <a:fontScheme name="Office">
+    <a:fontScheme name="slides-template">
       <a:majorFont>
-        <a:latin typeface="Calibri Light" panose="020F0302020204030204"/>
+        <a:latin typeface="Tahoma"/>
         <a:ea typeface=""/>
         <a:cs typeface=""/>
-        <a:font script="Jpan" typeface="游ゴシック Light"/>
-        <a:font script="Hang" typeface="맑은 고딕"/>
-        <a:font script="Hans" typeface="等线 Light"/>
-        <a:font script="Hant" typeface="新細明體"/>
-        <a:font script="Arab" typeface="Times New Roman"/>
-        <a:font script="Hebr" typeface="Times New Roman"/>
-        <a:font script="Thai" typeface="Angsana New"/>
-        <a:font script="Ethi" typeface="Nyala"/>
-        <a:font script="Beng" typeface="Vrinda"/>
-        <a:font script="Gujr" typeface="Shruti"/>
-        <a:font script="Khmr" typeface="MoolBoran"/>
-        <a:font script="Knda" typeface="Tunga"/>
-        <a:font script="Guru" typeface="Raavi"/>
-        <a:font script="Cans" typeface="Euphemia"/>
-        <a:font script="Cher" typeface="Plantagenet Cherokee"/>
-        <a:font script="Yiii" typeface="Microsoft Yi Baiti"/>
-        <a:font script="Tibt" typeface="Microsoft Himalaya"/>
-        <a:font script="Thaa" typeface="MV Boli"/>
-        <a:font script="Deva" typeface="Mangal"/>
-        <a:font script="Telu" typeface="Gautami"/>
-        <a:font script="Taml" typeface="Latha"/>
-        <a:font script="Syrc" typeface="Estrangelo Edessa"/>
-        <a:font script="Orya" typeface="Kalinga"/>
-        <a:font script="Mlym" typeface="Kartika"/>
-        <a:font script="Laoo" typeface="DokChampa"/>
-        <a:font script="Sinh" typeface="Iskoola Pota"/>
-        <a:font script="Mong" typeface="Mongolian Baiti"/>
-        <a:font script="Viet" typeface="Times New Roman"/>
-        <a:font script="Uigh" typeface="Microsoft Uighur"/>
-        <a:font script="Geor" typeface="Sylfaen"/>
-        <a:font script="Armn" typeface="Arial"/>
-        <a:font script="Bugi" typeface="Leelawadee UI"/>
-        <a:font script="Bopo" typeface="Microsoft JhengHei"/>
-        <a:font script="Java" typeface="Javanese Text"/>
-        <a:font script="Lisu" typeface="Segoe UI"/>
-        <a:font script="Mymr" typeface="Myanmar Text"/>
-        <a:font script="Nkoo" typeface="Ebrima"/>
-        <a:font script="Olck" typeface="Nirmala UI"/>
-        <a:font script="Osma" typeface="Ebrima"/>
-        <a:font script="Phag" typeface="Phagspa"/>
-        <a:font script="Syrn" typeface="Estrangelo Edessa"/>
-        <a:font script="Syrj" typeface="Estrangelo Edessa"/>
-        <a:font script="Syre" typeface="Estrangelo Edessa"/>
-        <a:font script="Sora" typeface="Nirmala UI"/>
-        <a:font script="Tale" typeface="Microsoft Tai Le"/>
-        <a:font script="Talu" typeface="Microsoft New Tai Lue"/>
-        <a:font script="Tfng" typeface="Ebrima"/>
       </a:majorFont>
       <a:minorFont>
-        <a:latin typeface="Calibri" panose="020F0502020204030204"/>
+        <a:latin typeface="Tahoma"/>
         <a:ea typeface=""/>
         <a:cs typeface=""/>
-        <a:font script="Jpan" typeface="游ゴシック"/>
-        <a:font script="Hang" typeface="맑은 고딕"/>
-        <a:font script="Hans" typeface="等线"/>
-        <a:font script="Hant" typeface="新細明體"/>
-        <a:font script="Arab" typeface="Arial"/>
-        <a:font script="Hebr" typeface="Arial"/>
-        <a:font script="Thai" typeface="Cordia New"/>
-        <a:font script="Ethi" typeface="Nyala"/>
-        <a:font script="Beng" typeface="Vrinda"/>
-        <a:font script="Gujr" typeface="Shruti"/>
-        <a:font script="Khmr" typeface="DaunPenh"/>
-        <a:font script="Knda" typeface="Tunga"/>
-        <a:font script="Guru" typeface="Raavi"/>
-        <a:font script="Cans" typeface="Euphemia"/>
-        <a:font script="Cher" typeface="Plantagenet Cherokee"/>
-        <a:font script="Yiii" typeface="Microsoft Yi Baiti"/>
-        <a:font script="Tibt" typeface="Microsoft Himalaya"/>
-        <a:font script="Thaa" typeface="MV Boli"/>
-        <a:font script="Deva" typeface="Mangal"/>
-        <a:font script="Telu" typeface="Gautami"/>
-        <a:font script="Taml" typeface="Latha"/>
-        <a:font script="Syrc" typeface="Estrangelo Edessa"/>
-        <a:font script="Orya" typeface="Kalinga"/>
-        <a:font script="Mlym" typeface="Kartika"/>
-        <a:font script="Laoo" typeface="DokChampa"/>
-        <a:font script="Sinh" typeface="Iskoola Pota"/>
-        <a:font script="Mong" typeface="Mongolian Baiti"/>
-        <a:font script="Viet" typeface="Arial"/>
-        <a:font script="Uigh" typeface="Microsoft Uighur"/>
-        <a:font script="Geor" typeface="Sylfaen"/>
-        <a:font script="Armn" typeface="Arial"/>
-        <a:font script="Bugi" typeface="Leelawadee UI"/>
-        <a:font script="Bopo" typeface="Microsoft JhengHei"/>
-        <a:font script="Java" typeface="Javanese Text"/>
-        <a:font script="Lisu" typeface="Segoe UI"/>
-        <a:font script="Mymr" typeface="Myanmar Text"/>
-        <a:font script="Nkoo" typeface="Ebrima"/>
-        <a:font script="Olck" typeface="Nirmala UI"/>
-        <a:font script="Osma" typeface="Ebrima"/>
-        <a:font script="Phag" typeface="Phagspa"/>
-        <a:font script="Syrn" typeface="Estrangelo Edessa"/>
-        <a:font script="Syrj" typeface="Estrangelo Edessa"/>
-        <a:font script="Syre" typeface="Estrangelo Edessa"/>
-        <a:font script="Sora" typeface="Nirmala UI"/>
-        <a:font script="Tale" typeface="Microsoft Tai Le"/>
-        <a:font script="Talu" typeface="Microsoft New Tai Lue"/>
-        <a:font script="Tfng" typeface="Ebrima"/>
       </a:minorFont>
     </a:fontScheme>
     <a:fmtScheme name="Office">
@@ -30128,140 +32875,744 @@
           <a:gsLst>
             <a:gs pos="0">
               <a:schemeClr val="phClr">
-                <a:lumMod val="110000"/>
-                <a:satMod val="105000"/>
-                <a:tint val="67000"/>
+                <a:tint val="50000"/>
+                <a:satMod val="300000"/>
               </a:schemeClr>
             </a:gs>
-            <a:gs pos="50000">
+            <a:gs pos="35000">
               <a:schemeClr val="phClr">
-                <a:lumMod val="105000"/>
-                <a:satMod val="103000"/>
-                <a:tint val="73000"/>
+                <a:tint val="37000"/>
+                <a:satMod val="300000"/>
               </a:schemeClr>
             </a:gs>
             <a:gs pos="100000">
               <a:schemeClr val="phClr">
-                <a:lumMod val="105000"/>
-                <a:satMod val="109000"/>
-                <a:tint val="81000"/>
+                <a:tint val="15000"/>
+                <a:satMod val="350000"/>
               </a:schemeClr>
             </a:gs>
           </a:gsLst>
-          <a:lin ang="5400000" scaled="0"/>
+          <a:lin ang="16200000" scaled="1"/>
         </a:gradFill>
         <a:gradFill rotWithShape="1">
           <a:gsLst>
             <a:gs pos="0">
               <a:schemeClr val="phClr">
-                <a:satMod val="103000"/>
-                <a:lumMod val="102000"/>
-                <a:tint val="94000"/>
+                <a:shade val="51000"/>
+                <a:satMod val="130000"/>
               </a:schemeClr>
             </a:gs>
-            <a:gs pos="50000">
+            <a:gs pos="80000">
               <a:schemeClr val="phClr">
-                <a:satMod val="110000"/>
-                <a:lumMod val="100000"/>
-                <a:shade val="100000"/>
+                <a:shade val="93000"/>
+                <a:satMod val="130000"/>
               </a:schemeClr>
             </a:gs>
             <a:gs pos="100000">
               <a:schemeClr val="phClr">
-                <a:lumMod val="99000"/>
-                <a:satMod val="120000"/>
-                <a:shade val="78000"/>
+                <a:shade val="94000"/>
+                <a:satMod val="135000"/>
               </a:schemeClr>
             </a:gs>
           </a:gsLst>
-          <a:lin ang="5400000" scaled="0"/>
+          <a:lin ang="16200000" scaled="0"/>
         </a:gradFill>
       </a:fillStyleLst>
       <a:lnStyleLst>
-        <a:ln w="6350" cap="flat" cmpd="sng" algn="ctr">
+        <a:ln w="9525" cap="flat" cmpd="sng" algn="ctr">
+          <a:solidFill>
+            <a:schemeClr val="phClr">
+              <a:shade val="95000"/>
+              <a:satMod val="105000"/>
+            </a:schemeClr>
+          </a:solidFill>
+          <a:prstDash val="solid"/>
+        </a:ln>
+        <a:ln w="25400" cap="flat" cmpd="sng" algn="ctr">
           <a:solidFill>
             <a:schemeClr val="phClr"/>
           </a:solidFill>
           <a:prstDash val="solid"/>
-          <a:miter lim="800000"/>
         </a:ln>
-        <a:ln w="12700" cap="flat" cmpd="sng" algn="ctr">
+        <a:ln w="38100" cap="flat" cmpd="sng" algn="ctr">
           <a:solidFill>
             <a:schemeClr val="phClr"/>
           </a:solidFill>
           <a:prstDash val="solid"/>
-          <a:miter lim="800000"/>
-        </a:ln>
-        <a:ln w="19050" cap="flat" cmpd="sng" algn="ctr">
-          <a:solidFill>
-            <a:schemeClr val="phClr"/>
-          </a:solidFill>
-          <a:prstDash val="solid"/>
-          <a:miter lim="800000"/>
         </a:ln>
       </a:lnStyleLst>
       <a:effectStyleLst>
         <a:effectStyle>
-          <a:effectLst/>
-        </a:effectStyle>
-        <a:effectStyle>
-          <a:effectLst/>
+          <a:effectLst>
+            <a:outerShdw blurRad="40000" dist="20000" dir="5400000" rotWithShape="0">
+              <a:srgbClr val="000000">
+                <a:alpha val="38000"/>
+              </a:srgbClr>
+            </a:outerShdw>
+          </a:effectLst>
         </a:effectStyle>
         <a:effectStyle>
           <a:effectLst>
-            <a:outerShdw blurRad="57150" dist="19050" dir="5400000" algn="ctr" rotWithShape="0">
+            <a:outerShdw blurRad="40000" dist="23000" dir="5400000" rotWithShape="0">
               <a:srgbClr val="000000">
-                <a:alpha val="63000"/>
+                <a:alpha val="35000"/>
               </a:srgbClr>
             </a:outerShdw>
           </a:effectLst>
+        </a:effectStyle>
+        <a:effectStyle>
+          <a:effectLst>
+            <a:outerShdw blurRad="40000" dist="23000" dir="5400000" rotWithShape="0">
+              <a:srgbClr val="000000">
+                <a:alpha val="35000"/>
+              </a:srgbClr>
+            </a:outerShdw>
+          </a:effectLst>
+          <a:scene3d>
+            <a:camera prst="orthographicFront">
+              <a:rot lat="0" lon="0" rev="0"/>
+            </a:camera>
+            <a:lightRig rig="threePt" dir="t">
+              <a:rot lat="0" lon="0" rev="1200000"/>
+            </a:lightRig>
+          </a:scene3d>
+          <a:sp3d>
+            <a:bevelT w="63500" h="25400"/>
+          </a:sp3d>
         </a:effectStyle>
       </a:effectStyleLst>
       <a:bgFillStyleLst>
         <a:solidFill>
           <a:schemeClr val="phClr"/>
         </a:solidFill>
-        <a:solidFill>
-          <a:schemeClr val="phClr">
-            <a:tint val="95000"/>
-            <a:satMod val="170000"/>
-          </a:schemeClr>
-        </a:solidFill>
         <a:gradFill rotWithShape="1">
           <a:gsLst>
             <a:gs pos="0">
               <a:schemeClr val="phClr">
-                <a:tint val="93000"/>
-                <a:satMod val="150000"/>
-                <a:shade val="98000"/>
-                <a:lumMod val="102000"/>
+                <a:tint val="40000"/>
+                <a:satMod val="350000"/>
               </a:schemeClr>
             </a:gs>
-            <a:gs pos="50000">
+            <a:gs pos="40000">
               <a:schemeClr val="phClr">
-                <a:tint val="98000"/>
-                <a:satMod val="130000"/>
-                <a:shade val="90000"/>
-                <a:lumMod val="103000"/>
+                <a:tint val="45000"/>
+                <a:shade val="99000"/>
+                <a:satMod val="350000"/>
               </a:schemeClr>
             </a:gs>
             <a:gs pos="100000">
               <a:schemeClr val="phClr">
-                <a:shade val="63000"/>
-                <a:satMod val="120000"/>
+                <a:shade val="20000"/>
+                <a:satMod val="255000"/>
               </a:schemeClr>
             </a:gs>
           </a:gsLst>
-          <a:lin ang="5400000" scaled="0"/>
+          <a:path path="circle">
+            <a:fillToRect l="50000" t="-80000" r="50000" b="180000"/>
+          </a:path>
+        </a:gradFill>
+        <a:gradFill rotWithShape="1">
+          <a:gsLst>
+            <a:gs pos="0">
+              <a:schemeClr val="phClr">
+                <a:tint val="80000"/>
+                <a:satMod val="300000"/>
+              </a:schemeClr>
+            </a:gs>
+            <a:gs pos="100000">
+              <a:schemeClr val="phClr">
+                <a:shade val="30000"/>
+                <a:satMod val="200000"/>
+              </a:schemeClr>
+            </a:gs>
+          </a:gsLst>
+          <a:path path="circle">
+            <a:fillToRect l="50000" t="50000" r="50000" b="50000"/>
+          </a:path>
         </a:gradFill>
       </a:bgFillStyleLst>
     </a:fmtScheme>
   </a:themeElements>
   <a:objectDefaults/>
-  <a:extraClrSchemeLst/>
+  <a:extraClrSchemeLst>
+    <a:extraClrScheme>
+      <a:clrScheme name="slides-template 1">
+        <a:dk1>
+          <a:srgbClr val="000000"/>
+        </a:dk1>
+        <a:lt1>
+          <a:srgbClr val="FFFFFF"/>
+        </a:lt1>
+        <a:dk2>
+          <a:srgbClr val="000000"/>
+        </a:dk2>
+        <a:lt2>
+          <a:srgbClr val="808080"/>
+        </a:lt2>
+        <a:accent1>
+          <a:srgbClr val="BBE0E3"/>
+        </a:accent1>
+        <a:accent2>
+          <a:srgbClr val="333399"/>
+        </a:accent2>
+        <a:accent3>
+          <a:srgbClr val="FFFFFF"/>
+        </a:accent3>
+        <a:accent4>
+          <a:srgbClr val="000000"/>
+        </a:accent4>
+        <a:accent5>
+          <a:srgbClr val="DAEDEF"/>
+        </a:accent5>
+        <a:accent6>
+          <a:srgbClr val="2D2D8A"/>
+        </a:accent6>
+        <a:hlink>
+          <a:srgbClr val="009999"/>
+        </a:hlink>
+        <a:folHlink>
+          <a:srgbClr val="99CC00"/>
+        </a:folHlink>
+      </a:clrScheme>
+      <a:clrMap bg1="lt1" tx1="dk1" bg2="lt2" tx2="dk2" accent1="accent1" accent2="accent2" accent3="accent3" accent4="accent4" accent5="accent5" accent6="accent6" hlink="hlink" folHlink="folHlink"/>
+    </a:extraClrScheme>
+    <a:extraClrScheme>
+      <a:clrScheme name="slides-template 2">
+        <a:dk1>
+          <a:srgbClr val="000000"/>
+        </a:dk1>
+        <a:lt1>
+          <a:srgbClr val="FFFFFF"/>
+        </a:lt1>
+        <a:dk2>
+          <a:srgbClr val="000000"/>
+        </a:dk2>
+        <a:lt2>
+          <a:srgbClr val="969696"/>
+        </a:lt2>
+        <a:accent1>
+          <a:srgbClr val="FBDF53"/>
+        </a:accent1>
+        <a:accent2>
+          <a:srgbClr val="FF9966"/>
+        </a:accent2>
+        <a:accent3>
+          <a:srgbClr val="FFFFFF"/>
+        </a:accent3>
+        <a:accent4>
+          <a:srgbClr val="000000"/>
+        </a:accent4>
+        <a:accent5>
+          <a:srgbClr val="FDECB3"/>
+        </a:accent5>
+        <a:accent6>
+          <a:srgbClr val="E78A5C"/>
+        </a:accent6>
+        <a:hlink>
+          <a:srgbClr val="CC3300"/>
+        </a:hlink>
+        <a:folHlink>
+          <a:srgbClr val="996600"/>
+        </a:folHlink>
+      </a:clrScheme>
+      <a:clrMap bg1="lt1" tx1="dk1" bg2="lt2" tx2="dk2" accent1="accent1" accent2="accent2" accent3="accent3" accent4="accent4" accent5="accent5" accent6="accent6" hlink="hlink" folHlink="folHlink"/>
+    </a:extraClrScheme>
+    <a:extraClrScheme>
+      <a:clrScheme name="slides-template 3">
+        <a:dk1>
+          <a:srgbClr val="000000"/>
+        </a:dk1>
+        <a:lt1>
+          <a:srgbClr val="FFFFFF"/>
+        </a:lt1>
+        <a:dk2>
+          <a:srgbClr val="000000"/>
+        </a:dk2>
+        <a:lt2>
+          <a:srgbClr val="808080"/>
+        </a:lt2>
+        <a:accent1>
+          <a:srgbClr val="99CCFF"/>
+        </a:accent1>
+        <a:accent2>
+          <a:srgbClr val="CCCCFF"/>
+        </a:accent2>
+        <a:accent3>
+          <a:srgbClr val="FFFFFF"/>
+        </a:accent3>
+        <a:accent4>
+          <a:srgbClr val="000000"/>
+        </a:accent4>
+        <a:accent5>
+          <a:srgbClr val="CAE2FF"/>
+        </a:accent5>
+        <a:accent6>
+          <a:srgbClr val="B9B9E7"/>
+        </a:accent6>
+        <a:hlink>
+          <a:srgbClr val="3333CC"/>
+        </a:hlink>
+        <a:folHlink>
+          <a:srgbClr val="AF67FF"/>
+        </a:folHlink>
+      </a:clrScheme>
+      <a:clrMap bg1="lt1" tx1="dk1" bg2="lt2" tx2="dk2" accent1="accent1" accent2="accent2" accent3="accent3" accent4="accent4" accent5="accent5" accent6="accent6" hlink="hlink" folHlink="folHlink"/>
+    </a:extraClrScheme>
+    <a:extraClrScheme>
+      <a:clrScheme name="slides-template 4">
+        <a:dk1>
+          <a:srgbClr val="000000"/>
+        </a:dk1>
+        <a:lt1>
+          <a:srgbClr val="DEF6F1"/>
+        </a:lt1>
+        <a:dk2>
+          <a:srgbClr val="000000"/>
+        </a:dk2>
+        <a:lt2>
+          <a:srgbClr val="969696"/>
+        </a:lt2>
+        <a:accent1>
+          <a:srgbClr val="FFFFFF"/>
+        </a:accent1>
+        <a:accent2>
+          <a:srgbClr val="8DC6FF"/>
+        </a:accent2>
+        <a:accent3>
+          <a:srgbClr val="ECFAF7"/>
+        </a:accent3>
+        <a:accent4>
+          <a:srgbClr val="000000"/>
+        </a:accent4>
+        <a:accent5>
+          <a:srgbClr val="FFFFFF"/>
+        </a:accent5>
+        <a:accent6>
+          <a:srgbClr val="7FB3E7"/>
+        </a:accent6>
+        <a:hlink>
+          <a:srgbClr val="0066CC"/>
+        </a:hlink>
+        <a:folHlink>
+          <a:srgbClr val="00A800"/>
+        </a:folHlink>
+      </a:clrScheme>
+      <a:clrMap bg1="lt1" tx1="dk1" bg2="lt2" tx2="dk2" accent1="accent1" accent2="accent2" accent3="accent3" accent4="accent4" accent5="accent5" accent6="accent6" hlink="hlink" folHlink="folHlink"/>
+    </a:extraClrScheme>
+    <a:extraClrScheme>
+      <a:clrScheme name="slides-template 5">
+        <a:dk1>
+          <a:srgbClr val="000000"/>
+        </a:dk1>
+        <a:lt1>
+          <a:srgbClr val="FFFFD9"/>
+        </a:lt1>
+        <a:dk2>
+          <a:srgbClr val="000000"/>
+        </a:dk2>
+        <a:lt2>
+          <a:srgbClr val="777777"/>
+        </a:lt2>
+        <a:accent1>
+          <a:srgbClr val="FFFFF7"/>
+        </a:accent1>
+        <a:accent2>
+          <a:srgbClr val="33CCCC"/>
+        </a:accent2>
+        <a:accent3>
+          <a:srgbClr val="FFFFE9"/>
+        </a:accent3>
+        <a:accent4>
+          <a:srgbClr val="000000"/>
+        </a:accent4>
+        <a:accent5>
+          <a:srgbClr val="FFFFFA"/>
+        </a:accent5>
+        <a:accent6>
+          <a:srgbClr val="2DB9B9"/>
+        </a:accent6>
+        <a:hlink>
+          <a:srgbClr val="FF5050"/>
+        </a:hlink>
+        <a:folHlink>
+          <a:srgbClr val="FF9900"/>
+        </a:folHlink>
+      </a:clrScheme>
+      <a:clrMap bg1="lt1" tx1="dk1" bg2="lt2" tx2="dk2" accent1="accent1" accent2="accent2" accent3="accent3" accent4="accent4" accent5="accent5" accent6="accent6" hlink="hlink" folHlink="folHlink"/>
+    </a:extraClrScheme>
+    <a:extraClrScheme>
+      <a:clrScheme name="slides-template 6">
+        <a:dk1>
+          <a:srgbClr val="005A58"/>
+        </a:dk1>
+        <a:lt1>
+          <a:srgbClr val="FFFFFF"/>
+        </a:lt1>
+        <a:dk2>
+          <a:srgbClr val="008080"/>
+        </a:dk2>
+        <a:lt2>
+          <a:srgbClr val="FFFF99"/>
+        </a:lt2>
+        <a:accent1>
+          <a:srgbClr val="006462"/>
+        </a:accent1>
+        <a:accent2>
+          <a:srgbClr val="6D6FC7"/>
+        </a:accent2>
+        <a:accent3>
+          <a:srgbClr val="AAC0C0"/>
+        </a:accent3>
+        <a:accent4>
+          <a:srgbClr val="DADADA"/>
+        </a:accent4>
+        <a:accent5>
+          <a:srgbClr val="AAB8B7"/>
+        </a:accent5>
+        <a:accent6>
+          <a:srgbClr val="6264B4"/>
+        </a:accent6>
+        <a:hlink>
+          <a:srgbClr val="00FFFF"/>
+        </a:hlink>
+        <a:folHlink>
+          <a:srgbClr val="00FF00"/>
+        </a:folHlink>
+      </a:clrScheme>
+      <a:clrMap bg1="dk2" tx1="lt1" bg2="dk1" tx2="lt2" accent1="accent1" accent2="accent2" accent3="accent3" accent4="accent4" accent5="accent5" accent6="accent6" hlink="hlink" folHlink="folHlink"/>
+    </a:extraClrScheme>
+    <a:extraClrScheme>
+      <a:clrScheme name="slides-template 7">
+        <a:dk1>
+          <a:srgbClr val="5C1F00"/>
+        </a:dk1>
+        <a:lt1>
+          <a:srgbClr val="FFFFFF"/>
+        </a:lt1>
+        <a:dk2>
+          <a:srgbClr val="800000"/>
+        </a:dk2>
+        <a:lt2>
+          <a:srgbClr val="DFD293"/>
+        </a:lt2>
+        <a:accent1>
+          <a:srgbClr val="CC3300"/>
+        </a:accent1>
+        <a:accent2>
+          <a:srgbClr val="BE7960"/>
+        </a:accent2>
+        <a:accent3>
+          <a:srgbClr val="C0AAAA"/>
+        </a:accent3>
+        <a:accent4>
+          <a:srgbClr val="DADADA"/>
+        </a:accent4>
+        <a:accent5>
+          <a:srgbClr val="E2ADAA"/>
+        </a:accent5>
+        <a:accent6>
+          <a:srgbClr val="AC6D56"/>
+        </a:accent6>
+        <a:hlink>
+          <a:srgbClr val="FFFF99"/>
+        </a:hlink>
+        <a:folHlink>
+          <a:srgbClr val="D3A219"/>
+        </a:folHlink>
+      </a:clrScheme>
+      <a:clrMap bg1="dk2" tx1="lt1" bg2="dk1" tx2="lt2" accent1="accent1" accent2="accent2" accent3="accent3" accent4="accent4" accent5="accent5" accent6="accent6" hlink="hlink" folHlink="folHlink"/>
+    </a:extraClrScheme>
+    <a:extraClrScheme>
+      <a:clrScheme name="slides-template 8">
+        <a:dk1>
+          <a:srgbClr val="003366"/>
+        </a:dk1>
+        <a:lt1>
+          <a:srgbClr val="FFFFFF"/>
+        </a:lt1>
+        <a:dk2>
+          <a:srgbClr val="000099"/>
+        </a:dk2>
+        <a:lt2>
+          <a:srgbClr val="CCFFFF"/>
+        </a:lt2>
+        <a:accent1>
+          <a:srgbClr val="3366CC"/>
+        </a:accent1>
+        <a:accent2>
+          <a:srgbClr val="00B000"/>
+        </a:accent2>
+        <a:accent3>
+          <a:srgbClr val="AAAACA"/>
+        </a:accent3>
+        <a:accent4>
+          <a:srgbClr val="DADADA"/>
+        </a:accent4>
+        <a:accent5>
+          <a:srgbClr val="ADB8E2"/>
+        </a:accent5>
+        <a:accent6>
+          <a:srgbClr val="009F00"/>
+        </a:accent6>
+        <a:hlink>
+          <a:srgbClr val="66CCFF"/>
+        </a:hlink>
+        <a:folHlink>
+          <a:srgbClr val="FFE701"/>
+        </a:folHlink>
+      </a:clrScheme>
+      <a:clrMap bg1="dk2" tx1="lt1" bg2="dk1" tx2="lt2" accent1="accent1" accent2="accent2" accent3="accent3" accent4="accent4" accent5="accent5" accent6="accent6" hlink="hlink" folHlink="folHlink"/>
+    </a:extraClrScheme>
+    <a:extraClrScheme>
+      <a:clrScheme name="slides-template 9">
+        <a:dk1>
+          <a:srgbClr val="336699"/>
+        </a:dk1>
+        <a:lt1>
+          <a:srgbClr val="FFFFFF"/>
+        </a:lt1>
+        <a:dk2>
+          <a:srgbClr val="000000"/>
+        </a:dk2>
+        <a:lt2>
+          <a:srgbClr val="E3EBF1"/>
+        </a:lt2>
+        <a:accent1>
+          <a:srgbClr val="003399"/>
+        </a:accent1>
+        <a:accent2>
+          <a:srgbClr val="468A4B"/>
+        </a:accent2>
+        <a:accent3>
+          <a:srgbClr val="AAAAAA"/>
+        </a:accent3>
+        <a:accent4>
+          <a:srgbClr val="DADADA"/>
+        </a:accent4>
+        <a:accent5>
+          <a:srgbClr val="AAADCA"/>
+        </a:accent5>
+        <a:accent6>
+          <a:srgbClr val="3F7D43"/>
+        </a:accent6>
+        <a:hlink>
+          <a:srgbClr val="66CCFF"/>
+        </a:hlink>
+        <a:folHlink>
+          <a:srgbClr val="F0E500"/>
+        </a:folHlink>
+      </a:clrScheme>
+      <a:clrMap bg1="dk2" tx1="lt1" bg2="dk1" tx2="lt2" accent1="accent1" accent2="accent2" accent3="accent3" accent4="accent4" accent5="accent5" accent6="accent6" hlink="hlink" folHlink="folHlink"/>
+    </a:extraClrScheme>
+    <a:extraClrScheme>
+      <a:clrScheme name="slides-template 10">
+        <a:dk1>
+          <a:srgbClr val="777777"/>
+        </a:dk1>
+        <a:lt1>
+          <a:srgbClr val="FFFFFF"/>
+        </a:lt1>
+        <a:dk2>
+          <a:srgbClr val="686B5D"/>
+        </a:dk2>
+        <a:lt2>
+          <a:srgbClr val="D1D1CB"/>
+        </a:lt2>
+        <a:accent1>
+          <a:srgbClr val="909082"/>
+        </a:accent1>
+        <a:accent2>
+          <a:srgbClr val="809EA8"/>
+        </a:accent2>
+        <a:accent3>
+          <a:srgbClr val="B9BAB6"/>
+        </a:accent3>
+        <a:accent4>
+          <a:srgbClr val="DADADA"/>
+        </a:accent4>
+        <a:accent5>
+          <a:srgbClr val="C6C6C1"/>
+        </a:accent5>
+        <a:accent6>
+          <a:srgbClr val="738F98"/>
+        </a:accent6>
+        <a:hlink>
+          <a:srgbClr val="FFCC66"/>
+        </a:hlink>
+        <a:folHlink>
+          <a:srgbClr val="E9DCB9"/>
+        </a:folHlink>
+      </a:clrScheme>
+      <a:clrMap bg1="dk2" tx1="lt1" bg2="dk1" tx2="lt2" accent1="accent1" accent2="accent2" accent3="accent3" accent4="accent4" accent5="accent5" accent6="accent6" hlink="hlink" folHlink="folHlink"/>
+    </a:extraClrScheme>
+    <a:extraClrScheme>
+      <a:clrScheme name="slides-template 11">
+        <a:dk1>
+          <a:srgbClr val="3E3E5C"/>
+        </a:dk1>
+        <a:lt1>
+          <a:srgbClr val="FFFFFF"/>
+        </a:lt1>
+        <a:dk2>
+          <a:srgbClr val="666699"/>
+        </a:dk2>
+        <a:lt2>
+          <a:srgbClr val="FFFFFF"/>
+        </a:lt2>
+        <a:accent1>
+          <a:srgbClr val="60597B"/>
+        </a:accent1>
+        <a:accent2>
+          <a:srgbClr val="6666FF"/>
+        </a:accent2>
+        <a:accent3>
+          <a:srgbClr val="B8B8CA"/>
+        </a:accent3>
+        <a:accent4>
+          <a:srgbClr val="DADADA"/>
+        </a:accent4>
+        <a:accent5>
+          <a:srgbClr val="B6B5BF"/>
+        </a:accent5>
+        <a:accent6>
+          <a:srgbClr val="5C5CE7"/>
+        </a:accent6>
+        <a:hlink>
+          <a:srgbClr val="99CCFF"/>
+        </a:hlink>
+        <a:folHlink>
+          <a:srgbClr val="FFFF99"/>
+        </a:folHlink>
+      </a:clrScheme>
+      <a:clrMap bg1="dk2" tx1="lt1" bg2="dk1" tx2="lt2" accent1="accent1" accent2="accent2" accent3="accent3" accent4="accent4" accent5="accent5" accent6="accent6" hlink="hlink" folHlink="folHlink"/>
+    </a:extraClrScheme>
+    <a:extraClrScheme>
+      <a:clrScheme name="slides-template 12">
+        <a:dk1>
+          <a:srgbClr val="2D2015"/>
+        </a:dk1>
+        <a:lt1>
+          <a:srgbClr val="FFFFFF"/>
+        </a:lt1>
+        <a:dk2>
+          <a:srgbClr val="523E26"/>
+        </a:dk2>
+        <a:lt2>
+          <a:srgbClr val="DFC08D"/>
+        </a:lt2>
+        <a:accent1>
+          <a:srgbClr val="8C7B70"/>
+        </a:accent1>
+        <a:accent2>
+          <a:srgbClr val="8F5F2F"/>
+        </a:accent2>
+        <a:accent3>
+          <a:srgbClr val="B3AFAC"/>
+        </a:accent3>
+        <a:accent4>
+          <a:srgbClr val="DADADA"/>
+        </a:accent4>
+        <a:accent5>
+          <a:srgbClr val="C5BFBB"/>
+        </a:accent5>
+        <a:accent6>
+          <a:srgbClr val="81552A"/>
+        </a:accent6>
+        <a:hlink>
+          <a:srgbClr val="CCB400"/>
+        </a:hlink>
+        <a:folHlink>
+          <a:srgbClr val="8C9EA0"/>
+        </a:folHlink>
+      </a:clrScheme>
+      <a:clrMap bg1="dk2" tx1="lt1" bg2="dk1" tx2="lt2" accent1="accent1" accent2="accent2" accent3="accent3" accent4="accent4" accent5="accent5" accent6="accent6" hlink="hlink" folHlink="folHlink"/>
+    </a:extraClrScheme>
+    <a:extraClrScheme>
+      <a:clrScheme name="slides-template 13">
+        <a:dk1>
+          <a:srgbClr val="000000"/>
+        </a:dk1>
+        <a:lt1>
+          <a:srgbClr val="FFFFFF"/>
+        </a:lt1>
+        <a:dk2>
+          <a:srgbClr val="FF0000"/>
+        </a:dk2>
+        <a:lt2>
+          <a:srgbClr val="808080"/>
+        </a:lt2>
+        <a:accent1>
+          <a:srgbClr val="99C4DF"/>
+        </a:accent1>
+        <a:accent2>
+          <a:srgbClr val="FCEA04"/>
+        </a:accent2>
+        <a:accent3>
+          <a:srgbClr val="FFFFFF"/>
+        </a:accent3>
+        <a:accent4>
+          <a:srgbClr val="000000"/>
+        </a:accent4>
+        <a:accent5>
+          <a:srgbClr val="CADEEC"/>
+        </a:accent5>
+        <a:accent6>
+          <a:srgbClr val="E4D403"/>
+        </a:accent6>
+        <a:hlink>
+          <a:srgbClr val="009999"/>
+        </a:hlink>
+        <a:folHlink>
+          <a:srgbClr val="99CC00"/>
+        </a:folHlink>
+      </a:clrScheme>
+      <a:clrMap bg1="lt1" tx1="dk1" bg2="lt2" tx2="dk2" accent1="accent1" accent2="accent2" accent3="accent3" accent4="accent4" accent5="accent5" accent6="accent6" hlink="hlink" folHlink="folHlink"/>
+    </a:extraClrScheme>
+    <a:extraClrScheme>
+      <a:clrScheme name="slides-template 14">
+        <a:dk1>
+          <a:srgbClr val="000000"/>
+        </a:dk1>
+        <a:lt1>
+          <a:srgbClr val="FFFFFF"/>
+        </a:lt1>
+        <a:dk2>
+          <a:srgbClr val="FF0000"/>
+        </a:dk2>
+        <a:lt2>
+          <a:srgbClr val="808080"/>
+        </a:lt2>
+        <a:accent1>
+          <a:srgbClr val="483FFF"/>
+        </a:accent1>
+        <a:accent2>
+          <a:srgbClr val="FCEA04"/>
+        </a:accent2>
+        <a:accent3>
+          <a:srgbClr val="FFFFFF"/>
+        </a:accent3>
+        <a:accent4>
+          <a:srgbClr val="000000"/>
+        </a:accent4>
+        <a:accent5>
+          <a:srgbClr val="B1AFFF"/>
+        </a:accent5>
+        <a:accent6>
+          <a:srgbClr val="E4D403"/>
+        </a:accent6>
+        <a:hlink>
+          <a:srgbClr val="009999"/>
+        </a:hlink>
+        <a:folHlink>
+          <a:srgbClr val="99CC00"/>
+        </a:folHlink>
+      </a:clrScheme>
+      <a:clrMap bg1="lt1" tx1="dk1" bg2="lt2" tx2="dk2" accent1="accent1" accent2="accent2" accent3="accent3" accent4="accent4" accent5="accent5" accent6="accent6" hlink="hlink" folHlink="folHlink"/>
+    </a:extraClrScheme>
+  </a:extraClrSchemeLst>
   <a:extLst>
     <a:ext uri="{05A4C25C-085E-4340-85A3-A5531E510DB2}">
-      <thm15:themeFamily xmlns:thm15="http://schemas.microsoft.com/office/thememl/2012/main" name="Office Theme" id="{62F939B6-93AF-4DB8-9C6B-D6C7DFDC589F}" vid="{4A3C46E8-61CC-4603-A589-7422A47A8E4A}"/>
+      <thm15:themeFamily xmlns:thm15="http://schemas.microsoft.com/office/thememl/2012/main" name="Presentation4" id="{A57A8743-A8A9-764F-A11E-756F8260ADDF}" vid="{039FA2A0-2943-A842-BC1C-5D9203B6B29A}"/>
     </a:ext>
   </a:extLst>
 </a:theme>
@@ -30560,4 +33911,299 @@
     </a:ext>
   </a:extLst>
 </a:theme>
+</file>
+
+<file path=ppt/theme/theme5.xml><?xml version="1.0" encoding="utf-8"?>
+<a:theme xmlns:a="http://schemas.openxmlformats.org/drawingml/2006/main" name="Tema di Office">
+  <a:themeElements>
+    <a:clrScheme name="">
+      <a:dk1>
+        <a:srgbClr val="000000"/>
+      </a:dk1>
+      <a:lt1>
+        <a:srgbClr val="FFFFFF"/>
+      </a:lt1>
+      <a:dk2>
+        <a:srgbClr val="000000"/>
+      </a:dk2>
+      <a:lt2>
+        <a:srgbClr val="808080"/>
+      </a:lt2>
+      <a:accent1>
+        <a:srgbClr val="BBE0E3"/>
+      </a:accent1>
+      <a:accent2>
+        <a:srgbClr val="333399"/>
+      </a:accent2>
+      <a:accent3>
+        <a:srgbClr val="FFFFFF"/>
+      </a:accent3>
+      <a:accent4>
+        <a:srgbClr val="000000"/>
+      </a:accent4>
+      <a:accent5>
+        <a:srgbClr val="DAEDEF"/>
+      </a:accent5>
+      <a:accent6>
+        <a:srgbClr val="2D2D8A"/>
+      </a:accent6>
+      <a:hlink>
+        <a:srgbClr val="009999"/>
+      </a:hlink>
+      <a:folHlink>
+        <a:srgbClr val="99CC00"/>
+      </a:folHlink>
+    </a:clrScheme>
+    <a:fontScheme name="Office">
+      <a:majorFont>
+        <a:latin typeface="Calibri Light" panose="020F0302020204030204"/>
+        <a:ea typeface=""/>
+        <a:cs typeface=""/>
+        <a:font script="Jpan" typeface="游ゴシック Light"/>
+        <a:font script="Hang" typeface="맑은 고딕"/>
+        <a:font script="Hans" typeface="等线 Light"/>
+        <a:font script="Hant" typeface="新細明體"/>
+        <a:font script="Arab" typeface="Times New Roman"/>
+        <a:font script="Hebr" typeface="Times New Roman"/>
+        <a:font script="Thai" typeface="Angsana New"/>
+        <a:font script="Ethi" typeface="Nyala"/>
+        <a:font script="Beng" typeface="Vrinda"/>
+        <a:font script="Gujr" typeface="Shruti"/>
+        <a:font script="Khmr" typeface="MoolBoran"/>
+        <a:font script="Knda" typeface="Tunga"/>
+        <a:font script="Guru" typeface="Raavi"/>
+        <a:font script="Cans" typeface="Euphemia"/>
+        <a:font script="Cher" typeface="Plantagenet Cherokee"/>
+        <a:font script="Yiii" typeface="Microsoft Yi Baiti"/>
+        <a:font script="Tibt" typeface="Microsoft Himalaya"/>
+        <a:font script="Thaa" typeface="MV Boli"/>
+        <a:font script="Deva" typeface="Mangal"/>
+        <a:font script="Telu" typeface="Gautami"/>
+        <a:font script="Taml" typeface="Latha"/>
+        <a:font script="Syrc" typeface="Estrangelo Edessa"/>
+        <a:font script="Orya" typeface="Kalinga"/>
+        <a:font script="Mlym" typeface="Kartika"/>
+        <a:font script="Laoo" typeface="DokChampa"/>
+        <a:font script="Sinh" typeface="Iskoola Pota"/>
+        <a:font script="Mong" typeface="Mongolian Baiti"/>
+        <a:font script="Viet" typeface="Times New Roman"/>
+        <a:font script="Uigh" typeface="Microsoft Uighur"/>
+        <a:font script="Geor" typeface="Sylfaen"/>
+        <a:font script="Armn" typeface="Arial"/>
+        <a:font script="Bugi" typeface="Leelawadee UI"/>
+        <a:font script="Bopo" typeface="Microsoft JhengHei"/>
+        <a:font script="Java" typeface="Javanese Text"/>
+        <a:font script="Lisu" typeface="Segoe UI"/>
+        <a:font script="Mymr" typeface="Myanmar Text"/>
+        <a:font script="Nkoo" typeface="Ebrima"/>
+        <a:font script="Olck" typeface="Nirmala UI"/>
+        <a:font script="Osma" typeface="Ebrima"/>
+        <a:font script="Phag" typeface="Phagspa"/>
+        <a:font script="Syrn" typeface="Estrangelo Edessa"/>
+        <a:font script="Syrj" typeface="Estrangelo Edessa"/>
+        <a:font script="Syre" typeface="Estrangelo Edessa"/>
+        <a:font script="Sora" typeface="Nirmala UI"/>
+        <a:font script="Tale" typeface="Microsoft Tai Le"/>
+        <a:font script="Talu" typeface="Microsoft New Tai Lue"/>
+        <a:font script="Tfng" typeface="Ebrima"/>
+      </a:majorFont>
+      <a:minorFont>
+        <a:latin typeface="Calibri" panose="020F0502020204030204"/>
+        <a:ea typeface=""/>
+        <a:cs typeface=""/>
+        <a:font script="Jpan" typeface="游ゴシック"/>
+        <a:font script="Hang" typeface="맑은 고딕"/>
+        <a:font script="Hans" typeface="等线"/>
+        <a:font script="Hant" typeface="新細明體"/>
+        <a:font script="Arab" typeface="Arial"/>
+        <a:font script="Hebr" typeface="Arial"/>
+        <a:font script="Thai" typeface="Cordia New"/>
+        <a:font script="Ethi" typeface="Nyala"/>
+        <a:font script="Beng" typeface="Vrinda"/>
+        <a:font script="Gujr" typeface="Shruti"/>
+        <a:font script="Khmr" typeface="DaunPenh"/>
+        <a:font script="Knda" typeface="Tunga"/>
+        <a:font script="Guru" typeface="Raavi"/>
+        <a:font script="Cans" typeface="Euphemia"/>
+        <a:font script="Cher" typeface="Plantagenet Cherokee"/>
+        <a:font script="Yiii" typeface="Microsoft Yi Baiti"/>
+        <a:font script="Tibt" typeface="Microsoft Himalaya"/>
+        <a:font script="Thaa" typeface="MV Boli"/>
+        <a:font script="Deva" typeface="Mangal"/>
+        <a:font script="Telu" typeface="Gautami"/>
+        <a:font script="Taml" typeface="Latha"/>
+        <a:font script="Syrc" typeface="Estrangelo Edessa"/>
+        <a:font script="Orya" typeface="Kalinga"/>
+        <a:font script="Mlym" typeface="Kartika"/>
+        <a:font script="Laoo" typeface="DokChampa"/>
+        <a:font script="Sinh" typeface="Iskoola Pota"/>
+        <a:font script="Mong" typeface="Mongolian Baiti"/>
+        <a:font script="Viet" typeface="Arial"/>
+        <a:font script="Uigh" typeface="Microsoft Uighur"/>
+        <a:font script="Geor" typeface="Sylfaen"/>
+        <a:font script="Armn" typeface="Arial"/>
+        <a:font script="Bugi" typeface="Leelawadee UI"/>
+        <a:font script="Bopo" typeface="Microsoft JhengHei"/>
+        <a:font script="Java" typeface="Javanese Text"/>
+        <a:font script="Lisu" typeface="Segoe UI"/>
+        <a:font script="Mymr" typeface="Myanmar Text"/>
+        <a:font script="Nkoo" typeface="Ebrima"/>
+        <a:font script="Olck" typeface="Nirmala UI"/>
+        <a:font script="Osma" typeface="Ebrima"/>
+        <a:font script="Phag" typeface="Phagspa"/>
+        <a:font script="Syrn" typeface="Estrangelo Edessa"/>
+        <a:font script="Syrj" typeface="Estrangelo Edessa"/>
+        <a:font script="Syre" typeface="Estrangelo Edessa"/>
+        <a:font script="Sora" typeface="Nirmala UI"/>
+        <a:font script="Tale" typeface="Microsoft Tai Le"/>
+        <a:font script="Talu" typeface="Microsoft New Tai Lue"/>
+        <a:font script="Tfng" typeface="Ebrima"/>
+      </a:minorFont>
+    </a:fontScheme>
+    <a:fmtScheme name="Office">
+      <a:fillStyleLst>
+        <a:solidFill>
+          <a:schemeClr val="phClr"/>
+        </a:solidFill>
+        <a:gradFill rotWithShape="1">
+          <a:gsLst>
+            <a:gs pos="0">
+              <a:schemeClr val="phClr">
+                <a:lumMod val="110000"/>
+                <a:satMod val="105000"/>
+                <a:tint val="67000"/>
+              </a:schemeClr>
+            </a:gs>
+            <a:gs pos="50000">
+              <a:schemeClr val="phClr">
+                <a:lumMod val="105000"/>
+                <a:satMod val="103000"/>
+                <a:tint val="73000"/>
+              </a:schemeClr>
+            </a:gs>
+            <a:gs pos="100000">
+              <a:schemeClr val="phClr">
+                <a:lumMod val="105000"/>
+                <a:satMod val="109000"/>
+                <a:tint val="81000"/>
+              </a:schemeClr>
+            </a:gs>
+          </a:gsLst>
+          <a:lin ang="5400000" scaled="0"/>
+        </a:gradFill>
+        <a:gradFill rotWithShape="1">
+          <a:gsLst>
+            <a:gs pos="0">
+              <a:schemeClr val="phClr">
+                <a:satMod val="103000"/>
+                <a:lumMod val="102000"/>
+                <a:tint val="94000"/>
+              </a:schemeClr>
+            </a:gs>
+            <a:gs pos="50000">
+              <a:schemeClr val="phClr">
+                <a:satMod val="110000"/>
+                <a:lumMod val="100000"/>
+                <a:shade val="100000"/>
+              </a:schemeClr>
+            </a:gs>
+            <a:gs pos="100000">
+              <a:schemeClr val="phClr">
+                <a:lumMod val="99000"/>
+                <a:satMod val="120000"/>
+                <a:shade val="78000"/>
+              </a:schemeClr>
+            </a:gs>
+          </a:gsLst>
+          <a:lin ang="5400000" scaled="0"/>
+        </a:gradFill>
+      </a:fillStyleLst>
+      <a:lnStyleLst>
+        <a:ln w="6350" cap="flat" cmpd="sng" algn="ctr">
+          <a:solidFill>
+            <a:schemeClr val="phClr"/>
+          </a:solidFill>
+          <a:prstDash val="solid"/>
+          <a:miter lim="800000"/>
+        </a:ln>
+        <a:ln w="12700" cap="flat" cmpd="sng" algn="ctr">
+          <a:solidFill>
+            <a:schemeClr val="phClr"/>
+          </a:solidFill>
+          <a:prstDash val="solid"/>
+          <a:miter lim="800000"/>
+        </a:ln>
+        <a:ln w="19050" cap="flat" cmpd="sng" algn="ctr">
+          <a:solidFill>
+            <a:schemeClr val="phClr"/>
+          </a:solidFill>
+          <a:prstDash val="solid"/>
+          <a:miter lim="800000"/>
+        </a:ln>
+      </a:lnStyleLst>
+      <a:effectStyleLst>
+        <a:effectStyle>
+          <a:effectLst/>
+        </a:effectStyle>
+        <a:effectStyle>
+          <a:effectLst/>
+        </a:effectStyle>
+        <a:effectStyle>
+          <a:effectLst>
+            <a:outerShdw blurRad="57150" dist="19050" dir="5400000" algn="ctr" rotWithShape="0">
+              <a:srgbClr val="000000">
+                <a:alpha val="63000"/>
+              </a:srgbClr>
+            </a:outerShdw>
+          </a:effectLst>
+        </a:effectStyle>
+      </a:effectStyleLst>
+      <a:bgFillStyleLst>
+        <a:solidFill>
+          <a:schemeClr val="phClr"/>
+        </a:solidFill>
+        <a:solidFill>
+          <a:schemeClr val="phClr">
+            <a:tint val="95000"/>
+            <a:satMod val="170000"/>
+          </a:schemeClr>
+        </a:solidFill>
+        <a:gradFill rotWithShape="1">
+          <a:gsLst>
+            <a:gs pos="0">
+              <a:schemeClr val="phClr">
+                <a:tint val="93000"/>
+                <a:satMod val="150000"/>
+                <a:shade val="98000"/>
+                <a:lumMod val="102000"/>
+              </a:schemeClr>
+            </a:gs>
+            <a:gs pos="50000">
+              <a:schemeClr val="phClr">
+                <a:tint val="98000"/>
+                <a:satMod val="130000"/>
+                <a:shade val="90000"/>
+                <a:lumMod val="103000"/>
+              </a:schemeClr>
+            </a:gs>
+            <a:gs pos="100000">
+              <a:schemeClr val="phClr">
+                <a:shade val="63000"/>
+                <a:satMod val="120000"/>
+              </a:schemeClr>
+            </a:gs>
+          </a:gsLst>
+          <a:lin ang="5400000" scaled="0"/>
+        </a:gradFill>
+      </a:bgFillStyleLst>
+    </a:fmtScheme>
+  </a:themeElements>
+  <a:objectDefaults/>
+  <a:extraClrSchemeLst/>
+  <a:extLst>
+    <a:ext uri="{05A4C25C-085E-4340-85A3-A5531E510DB2}">
+      <thm15:themeFamily xmlns:thm15="http://schemas.microsoft.com/office/thememl/2012/main" name="Office Theme" id="{62F939B6-93AF-4DB8-9C6B-D6C7DFDC589F}" vid="{4A3C46E8-61CC-4603-A589-7422A47A8E4A}"/>
+    </a:ext>
+  </a:extLst>
+</a:theme>
 </file>